--- a/Requirements/Presentations/GreenSheets OGA presentation_version 1.pptx
+++ b/Requirements/Presentations/GreenSheets OGA presentation_version 1.pptx
@@ -8545,7 +8545,7 @@
               </a14:hiddenLine>
             </a:ext>
             <a:ext uri="{FAA26D3D-D897-4be2-8F04-BA451C77F1D7}">
-              <ma14:placeholderFlag xmlns="" xmlns:ma14="http://schemas.microsoft.com/office/mac/drawingml/2011/main" val="1"/>
+              <ma14:placeholderFlag xmlns:ma14="http://schemas.microsoft.com/office/mac/drawingml/2011/main" xmlns="" val="1"/>
             </a:ext>
           </a:extLst>
         </p:spPr>
@@ -8608,7 +8608,7 @@
               </a14:hiddenLine>
             </a:ext>
             <a:ext uri="{FAA26D3D-D897-4be2-8F04-BA451C77F1D7}">
-              <ma14:placeholderFlag xmlns="" xmlns:ma14="http://schemas.microsoft.com/office/mac/drawingml/2011/main" val="1"/>
+              <ma14:placeholderFlag xmlns:ma14="http://schemas.microsoft.com/office/mac/drawingml/2011/main" xmlns="" val="1"/>
             </a:ext>
           </a:extLst>
         </p:spPr>
@@ -9467,20 +9467,7 @@
                 </a:effectLst>
                 <a:latin typeface="+mn-lt"/>
               </a:rPr>
-              <a:t>Accommodate Additional </a:t>
-            </a:r>
-            <a:r>
-              <a:rPr lang="en-US" b="1" dirty="0" smtClean="0">
-                <a:effectLst>
-                  <a:outerShdw blurRad="38100" dist="38100" dir="2700000" algn="tl">
-                    <a:srgbClr val="000000">
-                      <a:alpha val="43137"/>
-                    </a:srgbClr>
-                  </a:outerShdw>
-                </a:effectLst>
-                <a:latin typeface="+mn-lt"/>
-              </a:rPr>
-              <a:t>Business needs</a:t>
+              <a:t>Accommodate Additional Business needs</a:t>
             </a:r>
             <a:endParaRPr lang="en-US" b="1" dirty="0">
               <a:effectLst>
@@ -9606,7 +9593,6 @@
               <a:rPr lang="en-US" sz="1700" dirty="0"/>
               <a:t> in Submitted status</a:t>
             </a:r>
-            <a:endParaRPr lang="en-US" sz="1700" dirty="0"/>
           </a:p>
           <a:p>
             <a:pPr marL="171450" lvl="3" indent="-171450" fontAlgn="auto">
@@ -9929,14 +9915,14 @@
             <p:ph sz="quarter" idx="11"/>
             <p:extLst>
               <p:ext uri="{D42A27DB-BD31-4B8C-83A1-F6EECF244321}">
-                <p14:modId xmlns:p14="http://schemas.microsoft.com/office/powerpoint/2010/main" val="4086433569"/>
+                <p14:modId xmlns:p14="http://schemas.microsoft.com/office/powerpoint/2010/main" val="3685809581"/>
               </p:ext>
             </p:extLst>
           </p:nvPr>
         </p:nvGraphicFramePr>
         <p:xfrm>
-          <a:off x="457200" y="990600"/>
-          <a:ext cx="8202168" cy="5458460"/>
+          <a:off x="457200" y="990601"/>
+          <a:ext cx="8202168" cy="5511340"/>
         </p:xfrm>
         <a:graphic>
           <a:graphicData uri="http://schemas.openxmlformats.org/drawingml/2006/table">
@@ -9967,7 +9953,7 @@
                   </a:extLst>
                 </a:gridCol>
               </a:tblGrid>
-              <a:tr h="444500">
+              <a:tr h="436579">
                 <a:tc>
                   <a:txBody>
                     <a:bodyPr/>
@@ -10016,7 +10002,7 @@
                   </a:ext>
                 </a:extLst>
               </a:tr>
-              <a:tr h="977900">
+              <a:tr h="814947">
                 <a:tc>
                   <a:txBody>
                     <a:bodyPr/>
@@ -10142,18 +10128,7 @@
                           <a:ea typeface="+mn-ea"/>
                           <a:cs typeface="+mn-cs"/>
                         </a:rPr>
-                        <a:t> frameworks like Bootstrap, JQuery, CSS, etc</a:t>
-                      </a:r>
-                      <a:r>
-                        <a:rPr lang="en-US" sz="1000" kern="1200" baseline="0" dirty="0" smtClean="0">
-                          <a:solidFill>
-                            <a:schemeClr val="dk1"/>
-                          </a:solidFill>
-                          <a:latin typeface="+mn-lt"/>
-                          <a:ea typeface="+mn-ea"/>
-                          <a:cs typeface="+mn-cs"/>
-                        </a:rPr>
-                        <a:t>.</a:t>
+                        <a:t> frameworks like Bootstrap, JQuery, CSS, etc.</a:t>
                       </a:r>
                       <a:endParaRPr lang="en-US" sz="1000" dirty="0" smtClean="0">
                         <a:solidFill>
@@ -10170,7 +10145,7 @@
                   </a:ext>
                 </a:extLst>
               </a:tr>
-              <a:tr h="533400">
+              <a:tr h="430751">
                 <a:tc>
                   <a:txBody>
                     <a:bodyPr/>
@@ -10192,7 +10167,15 @@
                     <a:p>
                       <a:r>
                         <a:rPr lang="en-US" sz="1000" dirty="0" smtClean="0"/>
-                        <a:t>Phase 1 - provide backend reporting capabilities</a:t>
+                        <a:t>Non</a:t>
+                      </a:r>
+                      <a:r>
+                        <a:rPr lang="en-US" sz="1000" baseline="0" dirty="0" smtClean="0"/>
+                        <a:t> UI </a:t>
+                      </a:r>
+                      <a:r>
+                        <a:rPr lang="en-US" sz="1000" dirty="0" smtClean="0"/>
+                        <a:t>reporting</a:t>
                       </a:r>
                       <a:endParaRPr lang="en-US" sz="1000" dirty="0"/>
                     </a:p>
@@ -10233,7 +10216,7 @@
                   </a:ext>
                 </a:extLst>
               </a:tr>
-              <a:tr h="829734">
+              <a:tr h="1106000">
                 <a:tc>
                   <a:txBody>
                     <a:bodyPr/>
@@ -10242,157 +10225,6 @@
                       <a:r>
                         <a:rPr lang="en-US" sz="1000" dirty="0" smtClean="0"/>
                         <a:t>3</a:t>
-                      </a:r>
-                      <a:endParaRPr lang="en-US" sz="1000" dirty="0"/>
-                    </a:p>
-                  </a:txBody>
-                  <a:tcPr/>
-                </a:tc>
-                <a:tc>
-                  <a:txBody>
-                    <a:bodyPr/>
-                    <a:lstStyle/>
-                    <a:p>
-                      <a:pPr marL="0" marR="0" indent="0" algn="l" defTabSz="457200" rtl="0" eaLnBrk="1" fontAlgn="auto" latinLnBrk="0" hangingPunct="1">
-                        <a:lnSpc>
-                          <a:spcPct val="100000"/>
-                        </a:lnSpc>
-                        <a:spcBef>
-                          <a:spcPts val="0"/>
-                        </a:spcBef>
-                        <a:spcAft>
-                          <a:spcPts val="0"/>
-                        </a:spcAft>
-                        <a:buClrTx/>
-                        <a:buSzTx/>
-                        <a:buFontTx/>
-                        <a:buNone/>
-                        <a:tabLst/>
-                        <a:defRPr/>
-                      </a:pPr>
-                      <a:r>
-                        <a:rPr lang="en-US" sz="1000" dirty="0" smtClean="0"/>
-                        <a:t>Phase 2 - provide user friendly front-end reporting capabilities</a:t>
-                      </a:r>
-                    </a:p>
-                    <a:p>
-                      <a:endParaRPr lang="en-US" sz="1000" dirty="0"/>
-                    </a:p>
-                  </a:txBody>
-                  <a:tcPr/>
-                </a:tc>
-                <a:tc>
-                  <a:txBody>
-                    <a:bodyPr/>
-                    <a:lstStyle/>
-                    <a:p>
-                      <a:pPr marL="171450" lvl="0" indent="-171450">
-                        <a:buFont typeface="Arial" panose="020B0604020202020204" pitchFamily="34" charset="0"/>
-                        <a:buChar char="•"/>
-                      </a:pPr>
-                      <a:r>
-                        <a:rPr lang="en-US" sz="1000" kern="1200" dirty="0" smtClean="0">
-                          <a:solidFill>
-                            <a:schemeClr val="dk1"/>
-                          </a:solidFill>
-                          <a:latin typeface="+mn-lt"/>
-                          <a:ea typeface="+mn-ea"/>
-                          <a:cs typeface="+mn-cs"/>
-                        </a:rPr>
-                        <a:t>The system will allow users to enter search parameters and run ad-hoc reports on statistics related to answers to a specific question in specified output format</a:t>
-                      </a:r>
-                    </a:p>
-                    <a:p>
-                      <a:pPr marL="171450" lvl="0" indent="-171450">
-                        <a:buFont typeface="Arial" panose="020B0604020202020204" pitchFamily="34" charset="0"/>
-                        <a:buChar char="•"/>
-                      </a:pPr>
-                      <a:r>
-                        <a:rPr lang="en-US" sz="1000" b="1" kern="1200" dirty="0" smtClean="0">
-                          <a:solidFill>
-                            <a:schemeClr val="dk1"/>
-                          </a:solidFill>
-                          <a:latin typeface="+mn-lt"/>
-                          <a:ea typeface="+mn-ea"/>
-                          <a:cs typeface="+mn-cs"/>
-                        </a:rPr>
-                        <a:t>Dashboard report (graphic visualization): </a:t>
-                      </a:r>
-                      <a:r>
-                        <a:rPr lang="en-US" sz="1000" kern="1200" dirty="0" smtClean="0">
-                          <a:solidFill>
-                            <a:schemeClr val="dk1"/>
-                          </a:solidFill>
-                          <a:latin typeface="+mn-lt"/>
-                          <a:ea typeface="+mn-ea"/>
-                          <a:cs typeface="+mn-cs"/>
-                        </a:rPr>
-                        <a:t>The system will provide a user-friendly dashboard report to easily access the grants and the underlying </a:t>
-                      </a:r>
-                      <a:r>
-                        <a:rPr lang="en-US" sz="1000" kern="1200" dirty="0" err="1" smtClean="0">
-                          <a:solidFill>
-                            <a:schemeClr val="dk1"/>
-                          </a:solidFill>
-                          <a:latin typeface="+mn-lt"/>
-                          <a:ea typeface="+mn-ea"/>
-                          <a:cs typeface="+mn-cs"/>
-                        </a:rPr>
-                        <a:t>Greensheets</a:t>
-                      </a:r>
-                      <a:r>
-                        <a:rPr lang="en-US" sz="1000" kern="1200" dirty="0" smtClean="0">
-                          <a:solidFill>
-                            <a:schemeClr val="dk1"/>
-                          </a:solidFill>
-                          <a:latin typeface="+mn-lt"/>
-                          <a:ea typeface="+mn-ea"/>
-                          <a:cs typeface="+mn-cs"/>
-                        </a:rPr>
-                        <a:t> and also to help visualize some of the key metrics. These are “house-keeping” reports, for example ‘how many </a:t>
-                      </a:r>
-                      <a:r>
-                        <a:rPr lang="en-US" sz="1000" kern="1200" dirty="0" err="1" smtClean="0">
-                          <a:solidFill>
-                            <a:schemeClr val="dk1"/>
-                          </a:solidFill>
-                          <a:latin typeface="+mn-lt"/>
-                          <a:ea typeface="+mn-ea"/>
-                          <a:cs typeface="+mn-cs"/>
-                        </a:rPr>
-                        <a:t>greensheets</a:t>
-                      </a:r>
-                      <a:r>
-                        <a:rPr lang="en-US" sz="1000" kern="1200" dirty="0" smtClean="0">
-                          <a:solidFill>
-                            <a:schemeClr val="dk1"/>
-                          </a:solidFill>
-                          <a:latin typeface="+mn-lt"/>
-                          <a:ea typeface="+mn-ea"/>
-                          <a:cs typeface="+mn-cs"/>
-                        </a:rPr>
-                        <a:t> in Submitted status. </a:t>
-                      </a:r>
-                      <a:endParaRPr lang="en-US" sz="1000" dirty="0"/>
-                    </a:p>
-                  </a:txBody>
-                  <a:tcPr/>
-                </a:tc>
-                <a:extLst>
-                  <a:ext uri="{0D108BD9-81ED-4DB2-BD59-A6C34878D82A}">
-                    <a16:rowId xmlns:a16="http://schemas.microsoft.com/office/drawing/2014/main" val="3148058054"/>
-                  </a:ext>
-                </a:extLst>
-              </a:tr>
-              <a:tr h="1126066">
-                <a:tc>
-                  <a:txBody>
-                    <a:bodyPr/>
-                    <a:lstStyle/>
-                    <a:p>
-                      <a:r>
-                        <a:rPr lang="en-US" sz="1000" dirty="0" smtClean="0"/>
-                        <a:t>4</a:t>
                       </a:r>
                       <a:endParaRPr lang="en-US" sz="1000" dirty="0"/>
                     </a:p>
@@ -10586,7 +10418,7 @@
                   </a:ext>
                 </a:extLst>
               </a:tr>
-              <a:tr h="1422400">
+              <a:tr h="1397053">
                 <a:tc>
                   <a:txBody>
                     <a:bodyPr/>
@@ -10594,7 +10426,7 @@
                     <a:p>
                       <a:r>
                         <a:rPr lang="en-US" sz="1000" dirty="0" smtClean="0"/>
-                        <a:t>5</a:t>
+                        <a:t>4</a:t>
                       </a:r>
                       <a:endParaRPr lang="en-US" sz="1000" dirty="0"/>
                     </a:p>
@@ -10608,7 +10440,11 @@
                     <a:p>
                       <a:r>
                         <a:rPr lang="en-US" sz="1000" dirty="0" smtClean="0"/>
-                        <a:t>Roles’ redesign</a:t>
+                        <a:t>Roles’ </a:t>
+                      </a:r>
+                      <a:r>
+                        <a:rPr lang="en-US" sz="1000" dirty="0" smtClean="0"/>
+                        <a:t>re-design</a:t>
                       </a:r>
                       <a:endParaRPr lang="en-US" sz="1000" dirty="0"/>
                     </a:p>
@@ -10833,6 +10669,166 @@
                   </a:ext>
                 </a:extLst>
               </a:tr>
+              <a:tr h="1148669">
+                <a:tc>
+                  <a:txBody>
+                    <a:bodyPr/>
+                    <a:lstStyle/>
+                    <a:p>
+                      <a:r>
+                        <a:rPr lang="en-US" sz="1000" dirty="0" smtClean="0"/>
+                        <a:t>5</a:t>
+                      </a:r>
+                      <a:endParaRPr lang="en-US" sz="1000" dirty="0"/>
+                    </a:p>
+                  </a:txBody>
+                  <a:tcPr/>
+                </a:tc>
+                <a:tc>
+                  <a:txBody>
+                    <a:bodyPr/>
+                    <a:lstStyle/>
+                    <a:p>
+                      <a:pPr marL="0" marR="0" indent="0" algn="l" defTabSz="457200" rtl="0" eaLnBrk="1" fontAlgn="auto" latinLnBrk="0" hangingPunct="1">
+                        <a:lnSpc>
+                          <a:spcPct val="100000"/>
+                        </a:lnSpc>
+                        <a:spcBef>
+                          <a:spcPts val="0"/>
+                        </a:spcBef>
+                        <a:spcAft>
+                          <a:spcPts val="0"/>
+                        </a:spcAft>
+                        <a:buClrTx/>
+                        <a:buSzTx/>
+                        <a:buFontTx/>
+                        <a:buNone/>
+                        <a:tabLst/>
+                        <a:defRPr/>
+                      </a:pPr>
+                      <a:r>
+                        <a:rPr lang="en-US" sz="1000" dirty="0" smtClean="0"/>
+                        <a:t>UI reporting</a:t>
+                      </a:r>
+                      <a:endParaRPr lang="en-US" sz="1000" dirty="0"/>
+                    </a:p>
+                  </a:txBody>
+                  <a:tcPr/>
+                </a:tc>
+                <a:tc>
+                  <a:txBody>
+                    <a:bodyPr/>
+                    <a:lstStyle/>
+                    <a:p>
+                      <a:pPr marL="171450" lvl="0" indent="-171450">
+                        <a:buFont typeface="Arial" panose="020B0604020202020204" pitchFamily="34" charset="0"/>
+                        <a:buChar char="•"/>
+                      </a:pPr>
+                      <a:r>
+                        <a:rPr lang="en-US" sz="1000" kern="1200" dirty="0" smtClean="0">
+                          <a:solidFill>
+                            <a:schemeClr val="dk1"/>
+                          </a:solidFill>
+                          <a:latin typeface="+mn-lt"/>
+                          <a:ea typeface="+mn-ea"/>
+                          <a:cs typeface="+mn-cs"/>
+                        </a:rPr>
+                        <a:t>The system will allow users to enter search parameters and run ad-hoc reports on statistics related to answers to a specific question in specified output format</a:t>
+                      </a:r>
+                    </a:p>
+                    <a:p>
+                      <a:pPr marL="171450" lvl="0" indent="-171450">
+                        <a:buFont typeface="Arial" panose="020B0604020202020204" pitchFamily="34" charset="0"/>
+                        <a:buChar char="•"/>
+                      </a:pPr>
+                      <a:r>
+                        <a:rPr lang="en-US" sz="1000" b="1" kern="1200" dirty="0" smtClean="0">
+                          <a:solidFill>
+                            <a:schemeClr val="dk1"/>
+                          </a:solidFill>
+                          <a:latin typeface="+mn-lt"/>
+                          <a:ea typeface="+mn-ea"/>
+                          <a:cs typeface="+mn-cs"/>
+                        </a:rPr>
+                        <a:t>Dashboard report (graphic visualization): </a:t>
+                      </a:r>
+                      <a:r>
+                        <a:rPr lang="en-US" sz="1000" kern="1200" dirty="0" smtClean="0">
+                          <a:solidFill>
+                            <a:schemeClr val="dk1"/>
+                          </a:solidFill>
+                          <a:latin typeface="+mn-lt"/>
+                          <a:ea typeface="+mn-ea"/>
+                          <a:cs typeface="+mn-cs"/>
+                        </a:rPr>
+                        <a:t>The system will provide a user-friendly dashboard report to easily access the grants and the underlying </a:t>
+                      </a:r>
+                      <a:r>
+                        <a:rPr lang="en-US" sz="1000" kern="1200" dirty="0" err="1" smtClean="0">
+                          <a:solidFill>
+                            <a:schemeClr val="dk1"/>
+                          </a:solidFill>
+                          <a:latin typeface="+mn-lt"/>
+                          <a:ea typeface="+mn-ea"/>
+                          <a:cs typeface="+mn-cs"/>
+                        </a:rPr>
+                        <a:t>Greensheets</a:t>
+                      </a:r>
+                      <a:r>
+                        <a:rPr lang="en-US" sz="1000" kern="1200" dirty="0" smtClean="0">
+                          <a:solidFill>
+                            <a:schemeClr val="dk1"/>
+                          </a:solidFill>
+                          <a:latin typeface="+mn-lt"/>
+                          <a:ea typeface="+mn-ea"/>
+                          <a:cs typeface="+mn-cs"/>
+                        </a:rPr>
+                        <a:t> and also to help visualize some of the key metrics. These are “house-keeping” reports, for example ‘how many </a:t>
+                      </a:r>
+                      <a:r>
+                        <a:rPr lang="en-US" sz="1000" kern="1200" dirty="0" err="1" smtClean="0">
+                          <a:solidFill>
+                            <a:schemeClr val="dk1"/>
+                          </a:solidFill>
+                          <a:latin typeface="+mn-lt"/>
+                          <a:ea typeface="+mn-ea"/>
+                          <a:cs typeface="+mn-cs"/>
+                        </a:rPr>
+                        <a:t>greensheets</a:t>
+                      </a:r>
+                      <a:r>
+                        <a:rPr lang="en-US" sz="1000" kern="1200" dirty="0" smtClean="0">
+                          <a:solidFill>
+                            <a:schemeClr val="dk1"/>
+                          </a:solidFill>
+                          <a:latin typeface="+mn-lt"/>
+                          <a:ea typeface="+mn-ea"/>
+                          <a:cs typeface="+mn-cs"/>
+                        </a:rPr>
+                        <a:t> in Submitted status</a:t>
+                      </a:r>
+                      <a:r>
+                        <a:rPr lang="en-US" sz="1000" kern="1200" dirty="0" smtClean="0">
+                          <a:solidFill>
+                            <a:schemeClr val="dk1"/>
+                          </a:solidFill>
+                          <a:latin typeface="+mn-lt"/>
+                          <a:ea typeface="+mn-ea"/>
+                          <a:cs typeface="+mn-cs"/>
+                        </a:rPr>
+                        <a:t>.</a:t>
+                      </a:r>
+                      <a:endParaRPr lang="en-US" sz="1000" dirty="0"/>
+                    </a:p>
+                  </a:txBody>
+                  <a:tcPr/>
+                </a:tc>
+                <a:extLst>
+                  <a:ext uri="{0D108BD9-81ED-4DB2-BD59-A6C34878D82A}">
+                    <a16:rowId xmlns:a16="http://schemas.microsoft.com/office/drawing/2014/main" val="1668435441"/>
+                  </a:ext>
+                </a:extLst>
+              </a:tr>
             </a:tbl>
           </a:graphicData>
         </a:graphic>
@@ -11077,11 +11073,7 @@
             <a:pPr lvl="2"/>
             <a:r>
               <a:rPr lang="en-US" dirty="0" smtClean="0"/>
-              <a:t>Requirements </a:t>
-            </a:r>
-            <a:r>
-              <a:rPr lang="en-US" dirty="0" smtClean="0"/>
-              <a:t>elicitation:</a:t>
+              <a:t>Requirements elicitation:</a:t>
             </a:r>
           </a:p>
           <a:p>
@@ -11141,7 +11133,6 @@
               <a:rPr lang="en-US" dirty="0" smtClean="0"/>
               <a:t>needed</a:t>
             </a:r>
-            <a:endParaRPr lang="en-US" dirty="0" smtClean="0"/>
           </a:p>
         </p:txBody>
       </p:sp>
@@ -12103,19 +12094,7 @@
                   </a:outerShdw>
                 </a:effectLst>
               </a:rPr>
-              <a:t>“As-Is</a:t>
-            </a:r>
-            <a:r>
-              <a:rPr lang="en-US" b="1" dirty="0">
-                <a:effectLst>
-                  <a:outerShdw blurRad="38100" dist="38100" dir="2700000" algn="tl">
-                    <a:srgbClr val="000000">
-                      <a:alpha val="43137"/>
-                    </a:srgbClr>
-                  </a:outerShdw>
-                </a:effectLst>
-              </a:rPr>
-              <a:t>” user functionality </a:t>
+              <a:t>“As-Is” user functionality </a:t>
             </a:r>
             <a:r>
               <a:rPr lang="en-US" b="1" dirty="0" smtClean="0">
@@ -13878,7 +13857,7 @@
           <a:graphicData uri="http://schemas.openxmlformats.org/presentationml/2006/ole">
             <mc:AlternateContent xmlns:mc="http://schemas.openxmlformats.org/markup-compatibility/2006">
               <mc:Choice xmlns:v="urn:schemas-microsoft-com:vml" Requires="v">
-                <p:oleObj spid="_x0000_s1700" name="Visio" r:id="rId4" imgW="6165082" imgH="2853576" progId="Visio.Drawing.11">
+                <p:oleObj spid="_x0000_s1708" name="Visio" r:id="rId4" imgW="6165082" imgH="2853576" progId="Visio.Drawing.11">
                   <p:embed/>
                 </p:oleObj>
               </mc:Choice>
@@ -14008,7 +13987,7 @@
           <a:graphicData uri="http://schemas.openxmlformats.org/presentationml/2006/ole">
             <mc:AlternateContent xmlns:mc="http://schemas.openxmlformats.org/markup-compatibility/2006">
               <mc:Choice xmlns:v="urn:schemas-microsoft-com:vml" Requires="v">
-                <p:oleObj spid="_x0000_s1701" name="Visio" r:id="rId6" imgW="3196429" imgH="2853576" progId="Visio.Drawing.11">
+                <p:oleObj spid="_x0000_s1709" name="Visio" r:id="rId6" imgW="3196429" imgH="2853576" progId="Visio.Drawing.11">
                   <p:embed/>
                 </p:oleObj>
               </mc:Choice>
@@ -14201,7 +14180,7 @@
           <a:graphicData uri="http://schemas.openxmlformats.org/presentationml/2006/ole">
             <mc:AlternateContent xmlns:mc="http://schemas.openxmlformats.org/markup-compatibility/2006">
               <mc:Choice xmlns:v="urn:schemas-microsoft-com:vml" Requires="v">
-                <p:oleObj spid="_x0000_s1702" name="Visio" r:id="rId8" imgW="3196429" imgH="1796256" progId="Visio.Drawing.11">
+                <p:oleObj spid="_x0000_s1710" name="Visio" r:id="rId8" imgW="3196429" imgH="1796256" progId="Visio.Drawing.11">
                   <p:embed/>
                 </p:oleObj>
               </mc:Choice>
@@ -14331,7 +14310,7 @@
           <a:graphicData uri="http://schemas.openxmlformats.org/presentationml/2006/ole">
             <mc:AlternateContent xmlns:mc="http://schemas.openxmlformats.org/markup-compatibility/2006">
               <mc:Choice xmlns:v="urn:schemas-microsoft-com:vml" Requires="v">
-                <p:oleObj spid="_x0000_s1703" name="Visio" r:id="rId10" imgW="243768" imgH="605880" progId="Visio.Drawing.11">
+                <p:oleObj spid="_x0000_s1711" name="Visio" r:id="rId10" imgW="243768" imgH="605880" progId="Visio.Drawing.11">
                   <p:embed/>
                 </p:oleObj>
               </mc:Choice>
@@ -14470,7 +14449,7 @@
           <a:graphicData uri="http://schemas.openxmlformats.org/presentationml/2006/ole">
             <mc:AlternateContent xmlns:mc="http://schemas.openxmlformats.org/markup-compatibility/2006">
               <mc:Choice xmlns:v="urn:schemas-microsoft-com:vml" Requires="v">
-                <p:oleObj spid="_x0000_s1704" name="Visio" r:id="rId12" imgW="1091337" imgH="605880" progId="Visio.Drawing.11">
+                <p:oleObj spid="_x0000_s1712" name="Visio" r:id="rId12" imgW="1091337" imgH="605880" progId="Visio.Drawing.11">
                   <p:embed/>
                 </p:oleObj>
               </mc:Choice>
@@ -14609,7 +14588,7 @@
           <a:graphicData uri="http://schemas.openxmlformats.org/presentationml/2006/ole">
             <mc:AlternateContent xmlns:mc="http://schemas.openxmlformats.org/markup-compatibility/2006">
               <mc:Choice xmlns:v="urn:schemas-microsoft-com:vml" Requires="v">
-                <p:oleObj spid="_x0000_s1705" name="Visio" r:id="rId14" imgW="751402" imgH="605880" progId="Visio.Drawing.11">
+                <p:oleObj spid="_x0000_s1713" name="Visio" r:id="rId14" imgW="751402" imgH="605880" progId="Visio.Drawing.11">
                   <p:embed/>
                 </p:oleObj>
               </mc:Choice>
@@ -14739,7 +14718,7 @@
           <a:graphicData uri="http://schemas.openxmlformats.org/presentationml/2006/ole">
             <mc:AlternateContent xmlns:mc="http://schemas.openxmlformats.org/markup-compatibility/2006">
               <mc:Choice xmlns:v="urn:schemas-microsoft-com:vml" Requires="v">
-                <p:oleObj spid="_x0000_s1706" name="Visio" r:id="rId16" imgW="267540" imgH="605880" progId="Visio.Drawing.11">
+                <p:oleObj spid="_x0000_s1714" name="Visio" r:id="rId16" imgW="267540" imgH="605880" progId="Visio.Drawing.11">
                   <p:embed/>
                 </p:oleObj>
               </mc:Choice>
@@ -14878,7 +14857,7 @@
           <a:graphicData uri="http://schemas.openxmlformats.org/presentationml/2006/ole">
             <mc:AlternateContent xmlns:mc="http://schemas.openxmlformats.org/markup-compatibility/2006">
               <mc:Choice xmlns:v="urn:schemas-microsoft-com:vml" Requires="v">
-                <p:oleObj spid="_x0000_s1707" name="Visio" r:id="rId18" imgW="473705" imgH="605880" progId="Visio.Drawing.11">
+                <p:oleObj spid="_x0000_s1715" name="Visio" r:id="rId18" imgW="473705" imgH="605880" progId="Visio.Drawing.11">
                   <p:embed/>
                 </p:oleObj>
               </mc:Choice>
@@ -15026,7 +15005,7 @@
           <a:graphicData uri="http://schemas.openxmlformats.org/presentationml/2006/ole">
             <mc:AlternateContent xmlns:mc="http://schemas.openxmlformats.org/markup-compatibility/2006">
               <mc:Choice xmlns:v="urn:schemas-microsoft-com:vml" Requires="v">
-                <p:oleObj spid="_x0000_s2368" name="Visio" r:id="rId3" imgW="3196429" imgH="1796256" progId="Visio.Drawing.11">
+                <p:oleObj spid="_x0000_s2372" name="Visio" r:id="rId3" imgW="3196429" imgH="1796256" progId="Visio.Drawing.11">
                   <p:embed/>
                 </p:oleObj>
               </mc:Choice>
@@ -15093,7 +15072,7 @@
           <a:graphicData uri="http://schemas.openxmlformats.org/presentationml/2006/ole">
             <mc:AlternateContent xmlns:mc="http://schemas.openxmlformats.org/markup-compatibility/2006">
               <mc:Choice xmlns:v="urn:schemas-microsoft-com:vml" Requires="v">
-                <p:oleObj spid="_x0000_s2369" name="Visio" r:id="rId5" imgW="3196429" imgH="1839240" progId="Visio.Drawing.11">
+                <p:oleObj spid="_x0000_s2373" name="Visio" r:id="rId5" imgW="3196429" imgH="1839240" progId="Visio.Drawing.11">
                   <p:embed/>
                 </p:oleObj>
               </mc:Choice>
@@ -15462,7 +15441,7 @@
           <a:graphicData uri="http://schemas.openxmlformats.org/presentationml/2006/ole">
             <mc:AlternateContent xmlns:mc="http://schemas.openxmlformats.org/markup-compatibility/2006">
               <mc:Choice xmlns:v="urn:schemas-microsoft-com:vml" Requires="v">
-                <p:oleObj spid="_x0000_s2370" name="Visio" r:id="rId7" imgW="311625" imgH="605880" progId="Visio.Drawing.11">
+                <p:oleObj spid="_x0000_s2374" name="Visio" r:id="rId7" imgW="311625" imgH="605880" progId="Visio.Drawing.11">
                   <p:embed/>
                 </p:oleObj>
               </mc:Choice>
@@ -15601,7 +15580,7 @@
           <a:graphicData uri="http://schemas.openxmlformats.org/presentationml/2006/ole">
             <mc:AlternateContent xmlns:mc="http://schemas.openxmlformats.org/markup-compatibility/2006">
               <mc:Choice xmlns:v="urn:schemas-microsoft-com:vml" Requires="v">
-                <p:oleObj spid="_x0000_s2371" name="Visio" r:id="rId9" imgW="523193" imgH="605880" progId="Visio.Drawing.11">
+                <p:oleObj spid="_x0000_s2375" name="Visio" r:id="rId9" imgW="523193" imgH="605880" progId="Visio.Drawing.11">
                   <p:embed/>
                 </p:oleObj>
               </mc:Choice>
@@ -15998,7 +15977,7 @@
           <a:graphicData uri="http://schemas.openxmlformats.org/presentationml/2006/ole">
             <mc:AlternateContent xmlns:mc="http://schemas.openxmlformats.org/markup-compatibility/2006">
               <mc:Choice xmlns:v="urn:schemas-microsoft-com:vml" Requires="v">
-                <p:oleObj spid="_x0000_s3380" name="Visio" r:id="rId3" imgW="2481981" imgH="2067768" progId="Visio.Drawing.11">
+                <p:oleObj spid="_x0000_s3384" name="Visio" r:id="rId3" imgW="2481981" imgH="2067768" progId="Visio.Drawing.11">
                   <p:embed/>
                 </p:oleObj>
               </mc:Choice>
@@ -16128,7 +16107,7 @@
           <a:graphicData uri="http://schemas.openxmlformats.org/presentationml/2006/ole">
             <mc:AlternateContent xmlns:mc="http://schemas.openxmlformats.org/markup-compatibility/2006">
               <mc:Choice xmlns:v="urn:schemas-microsoft-com:vml" Requires="v">
-                <p:oleObj spid="_x0000_s3381" name="Visio" r:id="rId5" imgW="2481981" imgH="2072088" progId="Visio.Drawing.11">
+                <p:oleObj spid="_x0000_s3385" name="Visio" r:id="rId5" imgW="2481981" imgH="2072088" progId="Visio.Drawing.11">
                   <p:embed/>
                 </p:oleObj>
               </mc:Choice>
@@ -16258,7 +16237,7 @@
           <a:graphicData uri="http://schemas.openxmlformats.org/presentationml/2006/ole">
             <mc:AlternateContent xmlns:mc="http://schemas.openxmlformats.org/markup-compatibility/2006">
               <mc:Choice xmlns:v="urn:schemas-microsoft-com:vml" Requires="v">
-                <p:oleObj spid="_x0000_s3382" name="Visio" r:id="rId7" imgW="2481981" imgH="2067768" progId="Visio.Drawing.11">
+                <p:oleObj spid="_x0000_s3386" name="Visio" r:id="rId7" imgW="2481981" imgH="2067768" progId="Visio.Drawing.11">
                   <p:embed/>
                 </p:oleObj>
               </mc:Choice>
@@ -16388,7 +16367,7 @@
           <a:graphicData uri="http://schemas.openxmlformats.org/presentationml/2006/ole">
             <mc:AlternateContent xmlns:mc="http://schemas.openxmlformats.org/markup-compatibility/2006">
               <mc:Choice xmlns:v="urn:schemas-microsoft-com:vml" Requires="v">
-                <p:oleObj spid="_x0000_s3383" name="Visio" r:id="rId9" imgW="2481981" imgH="2067768" progId="Visio.Drawing.11">
+                <p:oleObj spid="_x0000_s3387" name="Visio" r:id="rId9" imgW="2481981" imgH="2067768" progId="Visio.Drawing.11">
                   <p:embed/>
                 </p:oleObj>
               </mc:Choice>
@@ -17477,12 +17456,6 @@
 </file>
 
 <file path=customXml/item1.xml><?xml version="1.0" encoding="utf-8"?>
-<p:properties xmlns:p="http://schemas.microsoft.com/office/2006/metadata/properties" xmlns:xsi="http://www.w3.org/2001/XMLSchema-instance">
-  <documentManagement/>
-</p:properties>
-</file>
-
-<file path=customXml/item2.xml><?xml version="1.0" encoding="utf-8"?>
 <ct:contentTypeSchema xmlns:ct="http://schemas.microsoft.com/office/2006/metadata/contentType" xmlns:ma="http://schemas.microsoft.com/office/2006/metadata/properties/metaAttributes" ct:_="" ma:_="" ma:contentTypeName="Document" ma:contentTypeID="0x010100498B138B6814904BA1F9E4F14E08F74D" ma:contentTypeVersion="0" ma:contentTypeDescription="Create a new document." ma:contentTypeScope="" ma:versionID="20dc333bebcf905b381783348d4cbf88">
   <xsd:schema xmlns:xsd="http://www.w3.org/2001/XMLSchema" xmlns:xs="http://www.w3.org/2001/XMLSchema" xmlns:p="http://schemas.microsoft.com/office/2006/metadata/properties" targetNamespace="http://schemas.microsoft.com/office/2006/metadata/properties" ma:root="true" ma:fieldsID="c64490b4aec6201516c3a874156f37b2">
     <xsd:element name="properties">
@@ -17596,6 +17569,12 @@
 </ct:contentTypeSchema>
 </file>
 
+<file path=customXml/item2.xml><?xml version="1.0" encoding="utf-8"?>
+<p:properties xmlns:p="http://schemas.microsoft.com/office/2006/metadata/properties" xmlns:xsi="http://www.w3.org/2001/XMLSchema-instance">
+  <documentManagement/>
+</p:properties>
+</file>
+
 <file path=customXml/item3.xml><?xml version="1.0" encoding="utf-8"?>
 <?mso-contentType ?>
 <FormTemplates xmlns="http://schemas.microsoft.com/sharepoint/v3/contenttype/forms">
@@ -17606,21 +17585,6 @@
 </file>
 
 <file path=customXml/itemProps1.xml><?xml version="1.0" encoding="utf-8"?>
-<ds:datastoreItem xmlns:ds="http://schemas.openxmlformats.org/officeDocument/2006/customXml" ds:itemID="{4C535039-3F37-4243-9AAC-908669651B70}">
-  <ds:schemaRefs>
-    <ds:schemaRef ds:uri="http://purl.org/dc/elements/1.1/"/>
-    <ds:schemaRef ds:uri="http://schemas.openxmlformats.org/package/2006/metadata/core-properties"/>
-    <ds:schemaRef ds:uri="http://schemas.microsoft.com/office/2006/documentManagement/types"/>
-    <ds:schemaRef ds:uri="http://schemas.microsoft.com/office/infopath/2007/PartnerControls"/>
-    <ds:schemaRef ds:uri="http://purl.org/dc/terms/"/>
-    <ds:schemaRef ds:uri="http://schemas.microsoft.com/office/2006/metadata/properties"/>
-    <ds:schemaRef ds:uri="http://www.w3.org/XML/1998/namespace"/>
-    <ds:schemaRef ds:uri="http://purl.org/dc/dcmitype/"/>
-  </ds:schemaRefs>
-</ds:datastoreItem>
-</file>
-
-<file path=customXml/itemProps2.xml><?xml version="1.0" encoding="utf-8"?>
 <ds:datastoreItem xmlns:ds="http://schemas.openxmlformats.org/officeDocument/2006/customXml" ds:itemID="{8AB24EC2-3234-4ADA-86CC-3B219D00D39D}">
   <ds:schemaRefs>
     <ds:schemaRef ds:uri="http://schemas.microsoft.com/office/2006/metadata/contentType"/>
@@ -17636,6 +17600,21 @@
 </ds:datastoreItem>
 </file>
 
+<file path=customXml/itemProps2.xml><?xml version="1.0" encoding="utf-8"?>
+<ds:datastoreItem xmlns:ds="http://schemas.openxmlformats.org/officeDocument/2006/customXml" ds:itemID="{4C535039-3F37-4243-9AAC-908669651B70}">
+  <ds:schemaRefs>
+    <ds:schemaRef ds:uri="http://purl.org/dc/elements/1.1/"/>
+    <ds:schemaRef ds:uri="http://schemas.openxmlformats.org/package/2006/metadata/core-properties"/>
+    <ds:schemaRef ds:uri="http://schemas.microsoft.com/office/2006/documentManagement/types"/>
+    <ds:schemaRef ds:uri="http://schemas.microsoft.com/office/infopath/2007/PartnerControls"/>
+    <ds:schemaRef ds:uri="http://purl.org/dc/terms/"/>
+    <ds:schemaRef ds:uri="http://schemas.microsoft.com/office/2006/metadata/properties"/>
+    <ds:schemaRef ds:uri="http://www.w3.org/XML/1998/namespace"/>
+    <ds:schemaRef ds:uri="http://purl.org/dc/dcmitype/"/>
+  </ds:schemaRefs>
+</ds:datastoreItem>
+</file>
+
 <file path=customXml/itemProps3.xml><?xml version="1.0" encoding="utf-8"?>
 <ds:datastoreItem xmlns:ds="http://schemas.openxmlformats.org/officeDocument/2006/customXml" ds:itemID="{28E1A144-DA3A-434B-950F-9C912E6989E1}">
   <ds:schemaRefs>

--- a/Requirements/Presentations/GreenSheets OGA presentation_version 1.pptx
+++ b/Requirements/Presentations/GreenSheets OGA presentation_version 1.pptx
@@ -5,26 +5,27 @@
     <p:sldMasterId id="2147484511" r:id="rId4"/>
   </p:sldMasterIdLst>
   <p:notesMasterIdLst>
-    <p:notesMasterId r:id="rId19"/>
+    <p:notesMasterId r:id="rId20"/>
   </p:notesMasterIdLst>
   <p:handoutMasterIdLst>
-    <p:handoutMasterId r:id="rId20"/>
+    <p:handoutMasterId r:id="rId21"/>
   </p:handoutMasterIdLst>
   <p:sldIdLst>
     <p:sldId id="386" r:id="rId5"/>
-    <p:sldId id="438" r:id="rId6"/>
-    <p:sldId id="453" r:id="rId7"/>
-    <p:sldId id="464" r:id="rId8"/>
-    <p:sldId id="463" r:id="rId9"/>
-    <p:sldId id="444" r:id="rId10"/>
-    <p:sldId id="458" r:id="rId11"/>
-    <p:sldId id="459" r:id="rId12"/>
-    <p:sldId id="456" r:id="rId13"/>
-    <p:sldId id="457" r:id="rId14"/>
-    <p:sldId id="440" r:id="rId15"/>
-    <p:sldId id="441" r:id="rId16"/>
-    <p:sldId id="454" r:id="rId17"/>
-    <p:sldId id="448" r:id="rId18"/>
+    <p:sldId id="465" r:id="rId6"/>
+    <p:sldId id="438" r:id="rId7"/>
+    <p:sldId id="453" r:id="rId8"/>
+    <p:sldId id="464" r:id="rId9"/>
+    <p:sldId id="463" r:id="rId10"/>
+    <p:sldId id="444" r:id="rId11"/>
+    <p:sldId id="458" r:id="rId12"/>
+    <p:sldId id="459" r:id="rId13"/>
+    <p:sldId id="456" r:id="rId14"/>
+    <p:sldId id="457" r:id="rId15"/>
+    <p:sldId id="466" r:id="rId16"/>
+    <p:sldId id="467" r:id="rId17"/>
+    <p:sldId id="454" r:id="rId18"/>
+    <p:sldId id="448" r:id="rId19"/>
   </p:sldIdLst>
   <p:sldSz cx="9144000" cy="6858000" type="screen4x3"/>
   <p:notesSz cx="6858000" cy="9144000"/>
@@ -159,6 +160,7 @@
         <p14:section name="Default Section" id="{52A2E537-9349-4BC6-ADD8-07B26B007D13}">
           <p14:sldIdLst>
             <p14:sldId id="386"/>
+            <p14:sldId id="465"/>
             <p14:sldId id="438"/>
             <p14:sldId id="453"/>
             <p14:sldId id="464"/>
@@ -172,8 +174,8 @@
         </p14:section>
         <p14:section name="Untitled Section" id="{10D7A504-47FB-4918-A4D5-89B2468382E8}">
           <p14:sldIdLst>
-            <p14:sldId id="440"/>
-            <p14:sldId id="441"/>
+            <p14:sldId id="466"/>
+            <p14:sldId id="467"/>
             <p14:sldId id="454"/>
             <p14:sldId id="448"/>
           </p14:sldIdLst>
@@ -366,7 +368,7 @@
               <a:pPr>
                 <a:defRPr/>
               </a:pPr>
-              <a:t>6/7/2016</a:t>
+              <a:t>6/8/2016</a:t>
             </a:fld>
             <a:endParaRPr lang="en-US" dirty="0"/>
           </a:p>
@@ -1218,7 +1220,7 @@
               <a:pPr>
                 <a:defRPr/>
               </a:pPr>
-              <a:t>6</a:t>
+              <a:t>7</a:t>
             </a:fld>
             <a:endParaRPr lang="en-US" dirty="0"/>
           </a:p>
@@ -1308,7 +1310,7 @@
               <a:pPr>
                 <a:defRPr/>
               </a:pPr>
-              <a:t>11</a:t>
+              <a:t>12</a:t>
             </a:fld>
             <a:endParaRPr lang="en-US" dirty="0"/>
           </a:p>
@@ -1317,7 +1319,7 @@
     </p:spTree>
     <p:extLst>
       <p:ext uri="{BB962C8B-B14F-4D97-AF65-F5344CB8AC3E}">
-        <p14:creationId xmlns:p14="http://schemas.microsoft.com/office/powerpoint/2010/main" val="266745809"/>
+        <p14:creationId xmlns:p14="http://schemas.microsoft.com/office/powerpoint/2010/main" val="2844326646"/>
       </p:ext>
     </p:extLst>
   </p:cSld>
@@ -1398,7 +1400,7 @@
               <a:pPr>
                 <a:defRPr/>
               </a:pPr>
-              <a:t>12</a:t>
+              <a:t>13</a:t>
             </a:fld>
             <a:endParaRPr lang="en-US" dirty="0"/>
           </a:p>
@@ -1407,7 +1409,7 @@
     </p:spTree>
     <p:extLst>
       <p:ext uri="{BB962C8B-B14F-4D97-AF65-F5344CB8AC3E}">
-        <p14:creationId xmlns:p14="http://schemas.microsoft.com/office/powerpoint/2010/main" val="3107620245"/>
+        <p14:creationId xmlns:p14="http://schemas.microsoft.com/office/powerpoint/2010/main" val="1396526333"/>
       </p:ext>
     </p:extLst>
   </p:cSld>
@@ -1820,7 +1822,7 @@
               <a:pPr>
                 <a:defRPr/>
               </a:pPr>
-              <a:t>June 7, 2016</a:t>
+              <a:t>June 8, 2016</a:t>
             </a:fld>
             <a:endParaRPr lang="en-US" dirty="0"/>
           </a:p>
@@ -4402,7 +4404,7 @@
           <a:p>
             <a:fld id="{9E23832F-A033-A54E-AB4C-FBC3D83AD4AA}" type="datetimeFigureOut">
               <a:rPr lang="en-US" smtClean="0"/>
-              <a:t>6/7/2016</a:t>
+              <a:t>6/8/2016</a:t>
             </a:fld>
             <a:endParaRPr lang="en-US"/>
           </a:p>
@@ -4572,7 +4574,7 @@
           <a:p>
             <a:fld id="{9E23832F-A033-A54E-AB4C-FBC3D83AD4AA}" type="datetimeFigureOut">
               <a:rPr lang="en-US" smtClean="0"/>
-              <a:t>6/7/2016</a:t>
+              <a:t>6/8/2016</a:t>
             </a:fld>
             <a:endParaRPr lang="en-US"/>
           </a:p>
@@ -8545,7 +8547,7 @@
               </a14:hiddenLine>
             </a:ext>
             <a:ext uri="{FAA26D3D-D897-4be2-8F04-BA451C77F1D7}">
-              <ma14:placeholderFlag xmlns:ma14="http://schemas.microsoft.com/office/mac/drawingml/2011/main" xmlns="" val="1"/>
+              <ma14:placeholderFlag xmlns="" xmlns:ma14="http://schemas.microsoft.com/office/mac/drawingml/2011/main" val="1"/>
             </a:ext>
           </a:extLst>
         </p:spPr>
@@ -8608,7 +8610,7 @@
               </a14:hiddenLine>
             </a:ext>
             <a:ext uri="{FAA26D3D-D897-4be2-8F04-BA451C77F1D7}">
-              <ma14:placeholderFlag xmlns:ma14="http://schemas.microsoft.com/office/mac/drawingml/2011/main" xmlns="" val="1"/>
+              <ma14:placeholderFlag xmlns="" xmlns:ma14="http://schemas.microsoft.com/office/mac/drawingml/2011/main" val="1"/>
             </a:ext>
           </a:extLst>
         </p:spPr>
@@ -8702,7 +8704,7 @@
             </a:pPr>
             <a:fld id="{63A80243-55C2-1C49-BA61-21AC8F55AA45}" type="datetime4">
               <a:rPr lang="en-US" smtClean="0"/>
-              <a:t>June 7, 2016</a:t>
+              <a:t>June 8, 2016</a:t>
             </a:fld>
             <a:endParaRPr lang="en-US" dirty="0"/>
           </a:p>
@@ -9465,20 +9467,22 @@
                     </a:srgbClr>
                   </a:outerShdw>
                 </a:effectLst>
-                <a:latin typeface="+mn-lt"/>
               </a:rPr>
-              <a:t>Accommodate Additional Business needs</a:t>
-            </a:r>
-            <a:endParaRPr lang="en-US" b="1" dirty="0">
-              <a:effectLst>
-                <a:outerShdw blurRad="38100" dist="38100" dir="2700000" algn="tl">
-                  <a:srgbClr val="000000">
-                    <a:alpha val="43137"/>
-                  </a:srgbClr>
-                </a:outerShdw>
-              </a:effectLst>
-              <a:latin typeface="+mn-lt"/>
-            </a:endParaRPr>
+              <a:t>Production </a:t>
+            </a:r>
+            <a:r>
+              <a:rPr lang="en-US" b="1" dirty="0">
+                <a:effectLst>
+                  <a:outerShdw blurRad="38100" dist="38100" dir="2700000" algn="tl">
+                    <a:srgbClr val="000000">
+                      <a:alpha val="43137"/>
+                    </a:srgbClr>
+                  </a:outerShdw>
+                </a:effectLst>
+              </a:rPr>
+              <a:t>issues to be fixed by re-design</a:t>
+            </a:r>
+            <a:endParaRPr lang="en-US" dirty="0"/>
           </a:p>
         </p:txBody>
       </p:sp>
@@ -9494,336 +9498,71 @@
         </p:nvSpPr>
         <p:spPr>
           <a:xfrm>
-            <a:off x="536385" y="1014265"/>
-            <a:ext cx="8165592" cy="5234135"/>
+            <a:off x="481521" y="1371600"/>
+            <a:ext cx="8165592" cy="1981200"/>
           </a:xfrm>
         </p:spPr>
         <p:txBody>
           <a:bodyPr/>
           <a:lstStyle/>
           <a:p>
-            <a:pPr marL="0" lvl="3" indent="0" fontAlgn="auto">
-              <a:spcBef>
-                <a:spcPts val="0"/>
-              </a:spcBef>
-              <a:spcAft>
-                <a:spcPts val="0"/>
-              </a:spcAft>
-              <a:buClrTx/>
-              <a:buNone/>
-              <a:defRPr/>
-            </a:pPr>
-            <a:r>
-              <a:rPr lang="en-US" sz="1800" b="1" u="sng" dirty="0" smtClean="0"/>
-              <a:t>Previously agreed upon:</a:t>
-            </a:r>
-          </a:p>
-          <a:p>
-            <a:pPr marL="171450" lvl="3" indent="-171450" fontAlgn="auto">
-              <a:spcBef>
-                <a:spcPts val="0"/>
-              </a:spcBef>
-              <a:spcAft>
-                <a:spcPts val="0"/>
-              </a:spcAft>
-              <a:buClrTx/>
-              <a:defRPr/>
-            </a:pPr>
-            <a:r>
-              <a:rPr lang="en-US" sz="1800" dirty="0" smtClean="0"/>
-              <a:t>Provide </a:t>
-            </a:r>
-            <a:r>
-              <a:rPr lang="en-US" sz="1800" dirty="0"/>
-              <a:t>reporting </a:t>
-            </a:r>
-            <a:r>
-              <a:rPr lang="en-US" sz="1800" dirty="0" smtClean="0"/>
-              <a:t>capabilities</a:t>
-            </a:r>
-          </a:p>
-          <a:p>
-            <a:pPr marL="400050" lvl="4" indent="-171450" fontAlgn="auto">
-              <a:spcBef>
-                <a:spcPts val="0"/>
-              </a:spcBef>
-              <a:spcAft>
-                <a:spcPts val="0"/>
-              </a:spcAft>
-              <a:buClrTx/>
-              <a:defRPr/>
-            </a:pPr>
-            <a:r>
-              <a:rPr lang="en-US" sz="1700" dirty="0"/>
-              <a:t>Ad-hoc reports on statistics related to answers to a specific </a:t>
-            </a:r>
-            <a:r>
-              <a:rPr lang="en-US" sz="1700" dirty="0" smtClean="0"/>
-              <a:t>question</a:t>
-            </a:r>
-          </a:p>
-          <a:p>
-            <a:pPr marL="400050" lvl="4" indent="-171450" fontAlgn="auto">
-              <a:spcBef>
-                <a:spcPts val="0"/>
-              </a:spcBef>
-              <a:spcAft>
-                <a:spcPts val="0"/>
-              </a:spcAft>
-              <a:buClrTx/>
-              <a:defRPr/>
-            </a:pPr>
-            <a:r>
-              <a:rPr lang="en-US" sz="1700" dirty="0"/>
-              <a:t>User-friendly dashboard report to easily access the grants and the underlying </a:t>
-            </a:r>
-            <a:r>
-              <a:rPr lang="en-US" sz="1700" dirty="0" err="1"/>
+            <a:r>
+              <a:rPr lang="en-US" dirty="0" err="1"/>
+              <a:t>Greensheets</a:t>
+            </a:r>
+            <a:r>
+              <a:rPr lang="en-US" dirty="0"/>
+              <a:t> Submission (Major reoccurring issue (PD </a:t>
+            </a:r>
+            <a:r>
+              <a:rPr lang="en-US" dirty="0" err="1"/>
+              <a:t>Greensheet</a:t>
+            </a:r>
+            <a:r>
+              <a:rPr lang="en-US" dirty="0" smtClean="0"/>
+              <a:t>)</a:t>
+            </a:r>
+          </a:p>
+          <a:p>
+            <a:r>
+              <a:rPr lang="en-US" dirty="0" err="1"/>
+              <a:t>Greensheets</a:t>
+            </a:r>
+            <a:r>
+              <a:rPr lang="en-US" dirty="0"/>
+              <a:t> Timeout (Major reoccurring issue)</a:t>
+            </a:r>
+          </a:p>
+          <a:p>
+            <a:r>
+              <a:rPr lang="en-US" dirty="0" smtClean="0"/>
+              <a:t>Duplicate </a:t>
+            </a:r>
+            <a:r>
+              <a:rPr lang="en-US" dirty="0" err="1"/>
               <a:t>greensheets</a:t>
             </a:r>
             <a:r>
-              <a:rPr lang="en-US" sz="1700" dirty="0"/>
-              <a:t> and also to help visualize some of the key metrics. This is house-keeping” reports, for example ‘how many </a:t>
-            </a:r>
-            <a:r>
-              <a:rPr lang="en-US" sz="1700" dirty="0" err="1"/>
-              <a:t>greensheets</a:t>
-            </a:r>
-            <a:r>
-              <a:rPr lang="en-US" sz="1700" dirty="0"/>
-              <a:t> in Submitted status</a:t>
-            </a:r>
-          </a:p>
-          <a:p>
-            <a:pPr marL="171450" lvl="3" indent="-171450" fontAlgn="auto">
-              <a:spcBef>
-                <a:spcPts val="0"/>
-              </a:spcBef>
-              <a:spcAft>
-                <a:spcPts val="0"/>
-              </a:spcAft>
-              <a:buClrTx/>
-              <a:defRPr/>
-            </a:pPr>
-            <a:r>
-              <a:rPr lang="en-US" sz="1800" dirty="0"/>
-              <a:t>Enhance search </a:t>
-            </a:r>
-            <a:r>
-              <a:rPr lang="en-US" sz="1800" dirty="0" smtClean="0"/>
-              <a:t>capabilities</a:t>
-            </a:r>
-          </a:p>
-          <a:p>
-            <a:pPr marL="171450" lvl="3" indent="-171450" fontAlgn="auto">
-              <a:spcBef>
-                <a:spcPts val="0"/>
-              </a:spcBef>
-              <a:spcAft>
-                <a:spcPts val="0"/>
-              </a:spcAft>
-              <a:buClrTx/>
-              <a:defRPr/>
-            </a:pPr>
-            <a:r>
-              <a:rPr lang="en-US" sz="1800" dirty="0"/>
-              <a:t>Enhance </a:t>
-            </a:r>
-            <a:r>
-              <a:rPr lang="en-US" sz="1800" dirty="0" smtClean="0"/>
-              <a:t>security</a:t>
-            </a:r>
-          </a:p>
-          <a:p>
-            <a:pPr marL="171450" lvl="3" indent="-171450" fontAlgn="auto">
-              <a:spcBef>
-                <a:spcPts val="0"/>
-              </a:spcBef>
-              <a:spcAft>
-                <a:spcPts val="0"/>
-              </a:spcAft>
-              <a:buClrTx/>
-              <a:defRPr/>
-            </a:pPr>
-            <a:r>
-              <a:rPr lang="en-US" sz="1800" dirty="0"/>
-              <a:t>UI modernization and </a:t>
-            </a:r>
-            <a:r>
-              <a:rPr lang="en-US" sz="1800" dirty="0" smtClean="0"/>
-              <a:t>usability</a:t>
-            </a:r>
-          </a:p>
-          <a:p>
-            <a:pPr marL="171450" lvl="3" indent="-171450" fontAlgn="auto">
-              <a:spcBef>
-                <a:spcPts val="0"/>
-              </a:spcBef>
-              <a:spcAft>
-                <a:spcPts val="0"/>
-              </a:spcAft>
-              <a:buClrTx/>
-              <a:defRPr/>
-            </a:pPr>
-            <a:endParaRPr lang="en-US" sz="1800" dirty="0"/>
-          </a:p>
-          <a:p>
-            <a:pPr marL="171450" lvl="3" indent="-171450" fontAlgn="auto">
-              <a:spcBef>
-                <a:spcPts val="0"/>
-              </a:spcBef>
-              <a:spcAft>
-                <a:spcPts val="0"/>
-              </a:spcAft>
-              <a:buClrTx/>
-              <a:defRPr/>
-            </a:pPr>
-            <a:endParaRPr lang="en-US" sz="1800" dirty="0" smtClean="0"/>
-          </a:p>
-          <a:p>
-            <a:pPr marL="0" lvl="3" indent="0" fontAlgn="auto">
-              <a:spcBef>
-                <a:spcPts val="0"/>
-              </a:spcBef>
-              <a:spcAft>
-                <a:spcPts val="0"/>
-              </a:spcAft>
-              <a:buClrTx/>
-              <a:buNone/>
-              <a:defRPr/>
-            </a:pPr>
-            <a:r>
-              <a:rPr lang="en-US" sz="1800" b="1" u="sng" dirty="0" smtClean="0"/>
-              <a:t>New (questions):</a:t>
-            </a:r>
-            <a:endParaRPr lang="en-US" sz="1800" b="1" u="sng" dirty="0"/>
-          </a:p>
-          <a:p>
-            <a:pPr marL="171450" lvl="3" indent="-171450" fontAlgn="auto">
-              <a:spcBef>
-                <a:spcPts val="0"/>
-              </a:spcBef>
-              <a:spcAft>
-                <a:spcPts val="0"/>
-              </a:spcAft>
-              <a:buClrTx/>
-              <a:defRPr/>
-            </a:pPr>
-            <a:r>
-              <a:rPr lang="en-US" sz="1800" dirty="0"/>
-              <a:t>Using additional capabilities of Form </a:t>
-            </a:r>
-            <a:r>
-              <a:rPr lang="en-US" sz="1800" dirty="0" smtClean="0"/>
-              <a:t>Builder</a:t>
-            </a:r>
-          </a:p>
-          <a:p>
-            <a:pPr marL="171450" lvl="3" indent="-171450" fontAlgn="auto">
-              <a:spcBef>
-                <a:spcPts val="0"/>
-              </a:spcBef>
-              <a:spcAft>
-                <a:spcPts val="0"/>
-              </a:spcAft>
-              <a:buClrTx/>
-              <a:defRPr/>
-            </a:pPr>
-            <a:r>
-              <a:rPr lang="en-US" sz="1800" dirty="0" smtClean="0"/>
-              <a:t>Changes to business </a:t>
-            </a:r>
-            <a:r>
-              <a:rPr lang="en-US" sz="1800" dirty="0"/>
-              <a:t>flow and navigation</a:t>
-            </a:r>
-          </a:p>
-          <a:p>
-            <a:pPr marL="171450" lvl="3" indent="-171450" fontAlgn="auto">
-              <a:spcBef>
-                <a:spcPts val="0"/>
-              </a:spcBef>
-              <a:spcAft>
-                <a:spcPts val="0"/>
-              </a:spcAft>
-              <a:buClrTx/>
-              <a:defRPr/>
-            </a:pPr>
-            <a:r>
-              <a:rPr lang="en-US" sz="1800" dirty="0" smtClean="0"/>
-              <a:t>Compliance </a:t>
-            </a:r>
-            <a:r>
-              <a:rPr lang="en-US" sz="1800" dirty="0"/>
-              <a:t>document retention </a:t>
-            </a:r>
-            <a:r>
-              <a:rPr lang="en-US" sz="1800" dirty="0" smtClean="0"/>
-              <a:t>policy</a:t>
-            </a:r>
-          </a:p>
-          <a:p>
-            <a:pPr marL="171450" lvl="3" indent="-171450" fontAlgn="auto">
-              <a:spcBef>
-                <a:spcPts val="0"/>
-              </a:spcBef>
-              <a:spcAft>
-                <a:spcPts val="0"/>
-              </a:spcAft>
-              <a:buClrTx/>
-              <a:defRPr/>
-            </a:pPr>
-            <a:endParaRPr lang="en-US" sz="1200" dirty="0"/>
-          </a:p>
-          <a:p>
-            <a:pPr marL="171450" lvl="3" indent="-171450" fontAlgn="auto">
-              <a:spcBef>
-                <a:spcPts val="0"/>
-              </a:spcBef>
-              <a:spcAft>
-                <a:spcPts val="0"/>
-              </a:spcAft>
-              <a:buClrTx/>
-              <a:defRPr/>
-            </a:pPr>
-            <a:endParaRPr lang="en-US" sz="1200" dirty="0">
-              <a:solidFill>
-                <a:schemeClr val="dk1"/>
-              </a:solidFill>
-            </a:endParaRPr>
-          </a:p>
-          <a:p>
-            <a:pPr marL="171450" lvl="3" indent="-171450" fontAlgn="auto">
-              <a:spcBef>
-                <a:spcPts val="0"/>
-              </a:spcBef>
-              <a:spcAft>
-                <a:spcPts val="0"/>
-              </a:spcAft>
-              <a:buClrTx/>
-              <a:defRPr/>
-            </a:pPr>
-            <a:endParaRPr lang="en-US" sz="1200" dirty="0" smtClean="0"/>
-          </a:p>
-          <a:p>
-            <a:pPr marL="171450" lvl="3" indent="-171450" fontAlgn="auto">
-              <a:spcBef>
-                <a:spcPts val="0"/>
-              </a:spcBef>
-              <a:spcAft>
-                <a:spcPts val="0"/>
-              </a:spcAft>
-              <a:buClrTx/>
-              <a:defRPr/>
-            </a:pPr>
-            <a:endParaRPr lang="en-US" sz="1200" dirty="0"/>
+              <a:rPr lang="en-US" dirty="0"/>
+              <a:t> (only reoccurring occasionally</a:t>
+            </a:r>
+            <a:r>
+              <a:rPr lang="en-US" dirty="0" smtClean="0"/>
+              <a:t>)</a:t>
+            </a:r>
+          </a:p>
+          <a:p>
+            <a:endParaRPr lang="en-US" sz="1400" dirty="0"/>
+          </a:p>
+          <a:p>
+            <a:endParaRPr lang="en-US" sz="1400" dirty="0"/>
           </a:p>
         </p:txBody>
       </p:sp>
     </p:spTree>
     <p:extLst>
       <p:ext uri="{BB962C8B-B14F-4D97-AF65-F5344CB8AC3E}">
-        <p14:creationId xmlns:p14="http://schemas.microsoft.com/office/powerpoint/2010/main" val="150524522"/>
+        <p14:creationId xmlns:p14="http://schemas.microsoft.com/office/powerpoint/2010/main" val="2759025388"/>
       </p:ext>
     </p:extLst>
   </p:cSld>
@@ -9876,6 +9615,591 @@
                 </a:effectLst>
                 <a:latin typeface="+mn-lt"/>
               </a:rPr>
+              <a:t>Accommodate Additional Business needs</a:t>
+            </a:r>
+            <a:endParaRPr lang="en-US" b="1" dirty="0">
+              <a:effectLst>
+                <a:outerShdw blurRad="38100" dist="38100" dir="2700000" algn="tl">
+                  <a:srgbClr val="000000">
+                    <a:alpha val="43137"/>
+                  </a:srgbClr>
+                </a:outerShdw>
+              </a:effectLst>
+              <a:latin typeface="+mn-lt"/>
+            </a:endParaRPr>
+          </a:p>
+        </p:txBody>
+      </p:sp>
+      <p:sp>
+        <p:nvSpPr>
+          <p:cNvPr id="3" name="Content Placeholder 2"/>
+          <p:cNvSpPr>
+            <a:spLocks noGrp="1"/>
+          </p:cNvSpPr>
+          <p:nvPr>
+            <p:ph sz="quarter" idx="11"/>
+          </p:nvPr>
+        </p:nvSpPr>
+        <p:spPr>
+          <a:xfrm>
+            <a:off x="536385" y="1014265"/>
+            <a:ext cx="8165592" cy="5234135"/>
+          </a:xfrm>
+        </p:spPr>
+        <p:txBody>
+          <a:bodyPr/>
+          <a:lstStyle/>
+          <a:p>
+            <a:pPr marL="0" lvl="3" indent="0" fontAlgn="auto">
+              <a:spcBef>
+                <a:spcPts val="0"/>
+              </a:spcBef>
+              <a:spcAft>
+                <a:spcPts val="0"/>
+              </a:spcAft>
+              <a:buClrTx/>
+              <a:buNone/>
+              <a:defRPr/>
+            </a:pPr>
+            <a:r>
+              <a:rPr lang="en-US" sz="1800" b="1" u="sng" dirty="0" smtClean="0"/>
+              <a:t>Previously agreed upon:</a:t>
+            </a:r>
+          </a:p>
+          <a:p>
+            <a:pPr marL="171450" lvl="3" indent="-171450" fontAlgn="auto">
+              <a:spcBef>
+                <a:spcPts val="0"/>
+              </a:spcBef>
+              <a:spcAft>
+                <a:spcPts val="0"/>
+              </a:spcAft>
+              <a:buClrTx/>
+              <a:defRPr/>
+            </a:pPr>
+            <a:r>
+              <a:rPr lang="en-US" sz="1800" dirty="0" smtClean="0"/>
+              <a:t>Provide </a:t>
+            </a:r>
+            <a:r>
+              <a:rPr lang="en-US" sz="1800" dirty="0"/>
+              <a:t>reporting </a:t>
+            </a:r>
+            <a:r>
+              <a:rPr lang="en-US" sz="1800" dirty="0" smtClean="0"/>
+              <a:t>capabilities</a:t>
+            </a:r>
+          </a:p>
+          <a:p>
+            <a:pPr marL="400050" lvl="4" indent="-171450" fontAlgn="auto">
+              <a:spcBef>
+                <a:spcPts val="0"/>
+              </a:spcBef>
+              <a:spcAft>
+                <a:spcPts val="0"/>
+              </a:spcAft>
+              <a:buClrTx/>
+              <a:defRPr/>
+            </a:pPr>
+            <a:r>
+              <a:rPr lang="en-US" sz="1700" dirty="0"/>
+              <a:t>Ad-hoc reports on statistics related to answers to a specific </a:t>
+            </a:r>
+            <a:r>
+              <a:rPr lang="en-US" sz="1700" dirty="0" smtClean="0"/>
+              <a:t>question</a:t>
+            </a:r>
+          </a:p>
+          <a:p>
+            <a:pPr marL="400050" lvl="4" indent="-171450" fontAlgn="auto">
+              <a:spcBef>
+                <a:spcPts val="0"/>
+              </a:spcBef>
+              <a:spcAft>
+                <a:spcPts val="0"/>
+              </a:spcAft>
+              <a:buClrTx/>
+              <a:defRPr/>
+            </a:pPr>
+            <a:r>
+              <a:rPr lang="en-US" sz="1700" dirty="0"/>
+              <a:t>User-friendly dashboard report to easily access the grants and the underlying </a:t>
+            </a:r>
+            <a:r>
+              <a:rPr lang="en-US" sz="1700" dirty="0" err="1"/>
+              <a:t>greensheets</a:t>
+            </a:r>
+            <a:r>
+              <a:rPr lang="en-US" sz="1700" dirty="0"/>
+              <a:t> and also to help visualize some of the key metrics. This is house-keeping” reports, for example ‘how many </a:t>
+            </a:r>
+            <a:r>
+              <a:rPr lang="en-US" sz="1700" dirty="0" err="1"/>
+              <a:t>greensheets</a:t>
+            </a:r>
+            <a:r>
+              <a:rPr lang="en-US" sz="1700" dirty="0"/>
+              <a:t> in Submitted status</a:t>
+            </a:r>
+          </a:p>
+          <a:p>
+            <a:pPr marL="171450" lvl="3" indent="-171450" fontAlgn="auto">
+              <a:spcBef>
+                <a:spcPts val="0"/>
+              </a:spcBef>
+              <a:spcAft>
+                <a:spcPts val="0"/>
+              </a:spcAft>
+              <a:buClrTx/>
+              <a:defRPr/>
+            </a:pPr>
+            <a:r>
+              <a:rPr lang="en-US" sz="1800" dirty="0"/>
+              <a:t>Enhance search </a:t>
+            </a:r>
+            <a:r>
+              <a:rPr lang="en-US" sz="1800" dirty="0" smtClean="0"/>
+              <a:t>capabilities</a:t>
+            </a:r>
+          </a:p>
+          <a:p>
+            <a:pPr marL="171450" lvl="3" indent="-171450" fontAlgn="auto">
+              <a:spcBef>
+                <a:spcPts val="0"/>
+              </a:spcBef>
+              <a:spcAft>
+                <a:spcPts val="0"/>
+              </a:spcAft>
+              <a:buClrTx/>
+              <a:defRPr/>
+            </a:pPr>
+            <a:r>
+              <a:rPr lang="en-US" sz="1800" dirty="0"/>
+              <a:t>Enhance </a:t>
+            </a:r>
+            <a:r>
+              <a:rPr lang="en-US" sz="1800" dirty="0" smtClean="0"/>
+              <a:t>security</a:t>
+            </a:r>
+          </a:p>
+          <a:p>
+            <a:pPr marL="171450" lvl="3" indent="-171450" fontAlgn="auto">
+              <a:spcBef>
+                <a:spcPts val="0"/>
+              </a:spcBef>
+              <a:spcAft>
+                <a:spcPts val="0"/>
+              </a:spcAft>
+              <a:buClrTx/>
+              <a:defRPr/>
+            </a:pPr>
+            <a:r>
+              <a:rPr lang="en-US" sz="1800" dirty="0"/>
+              <a:t>UI modernization and </a:t>
+            </a:r>
+            <a:r>
+              <a:rPr lang="en-US" sz="1800" dirty="0" smtClean="0"/>
+              <a:t>usability</a:t>
+            </a:r>
+          </a:p>
+          <a:p>
+            <a:pPr marL="171450" lvl="3" indent="-171450" fontAlgn="auto">
+              <a:spcBef>
+                <a:spcPts val="0"/>
+              </a:spcBef>
+              <a:spcAft>
+                <a:spcPts val="0"/>
+              </a:spcAft>
+              <a:buClrTx/>
+              <a:defRPr/>
+            </a:pPr>
+            <a:endParaRPr lang="en-US" sz="1800" dirty="0"/>
+          </a:p>
+          <a:p>
+            <a:pPr marL="171450" lvl="3" indent="-171450" fontAlgn="auto">
+              <a:spcBef>
+                <a:spcPts val="0"/>
+              </a:spcBef>
+              <a:spcAft>
+                <a:spcPts val="0"/>
+              </a:spcAft>
+              <a:buClrTx/>
+              <a:defRPr/>
+            </a:pPr>
+            <a:endParaRPr lang="en-US" sz="1800" dirty="0" smtClean="0"/>
+          </a:p>
+          <a:p>
+            <a:pPr marL="0" lvl="3" indent="0" fontAlgn="auto">
+              <a:spcBef>
+                <a:spcPts val="0"/>
+              </a:spcBef>
+              <a:spcAft>
+                <a:spcPts val="0"/>
+              </a:spcAft>
+              <a:buClrTx/>
+              <a:buNone/>
+              <a:defRPr/>
+            </a:pPr>
+            <a:r>
+              <a:rPr lang="en-US" sz="1800" b="1" u="sng" dirty="0" smtClean="0"/>
+              <a:t>New (questions):</a:t>
+            </a:r>
+            <a:endParaRPr lang="en-US" sz="1800" b="1" u="sng" dirty="0"/>
+          </a:p>
+          <a:p>
+            <a:pPr marL="171450" lvl="3" indent="-171450" fontAlgn="auto">
+              <a:spcBef>
+                <a:spcPts val="0"/>
+              </a:spcBef>
+              <a:spcAft>
+                <a:spcPts val="0"/>
+              </a:spcAft>
+              <a:buClrTx/>
+              <a:defRPr/>
+            </a:pPr>
+            <a:r>
+              <a:rPr lang="en-US" sz="1800" dirty="0"/>
+              <a:t>Using additional capabilities of Form </a:t>
+            </a:r>
+            <a:r>
+              <a:rPr lang="en-US" sz="1800" dirty="0" smtClean="0"/>
+              <a:t>Builder</a:t>
+            </a:r>
+          </a:p>
+          <a:p>
+            <a:pPr marL="171450" lvl="3" indent="-171450" fontAlgn="auto">
+              <a:spcBef>
+                <a:spcPts val="0"/>
+              </a:spcBef>
+              <a:spcAft>
+                <a:spcPts val="0"/>
+              </a:spcAft>
+              <a:buClrTx/>
+              <a:defRPr/>
+            </a:pPr>
+            <a:r>
+              <a:rPr lang="en-US" sz="1800" dirty="0" smtClean="0"/>
+              <a:t>Changes to business </a:t>
+            </a:r>
+            <a:r>
+              <a:rPr lang="en-US" sz="1800" dirty="0"/>
+              <a:t>flow and navigation</a:t>
+            </a:r>
+          </a:p>
+          <a:p>
+            <a:pPr marL="171450" lvl="3" indent="-171450" fontAlgn="auto">
+              <a:spcBef>
+                <a:spcPts val="0"/>
+              </a:spcBef>
+              <a:spcAft>
+                <a:spcPts val="0"/>
+              </a:spcAft>
+              <a:buClrTx/>
+              <a:defRPr/>
+            </a:pPr>
+            <a:r>
+              <a:rPr lang="en-US" sz="1800" dirty="0" smtClean="0"/>
+              <a:t>Compliance </a:t>
+            </a:r>
+            <a:r>
+              <a:rPr lang="en-US" sz="1800" dirty="0"/>
+              <a:t>document retention </a:t>
+            </a:r>
+            <a:r>
+              <a:rPr lang="en-US" sz="1800" dirty="0" smtClean="0"/>
+              <a:t>policy</a:t>
+            </a:r>
+          </a:p>
+          <a:p>
+            <a:pPr marL="171450" lvl="3" indent="-171450" fontAlgn="auto">
+              <a:spcBef>
+                <a:spcPts val="0"/>
+              </a:spcBef>
+              <a:spcAft>
+                <a:spcPts val="0"/>
+              </a:spcAft>
+              <a:buClrTx/>
+              <a:defRPr/>
+            </a:pPr>
+            <a:endParaRPr lang="en-US" sz="1200" dirty="0"/>
+          </a:p>
+          <a:p>
+            <a:pPr marL="171450" lvl="3" indent="-171450" fontAlgn="auto">
+              <a:spcBef>
+                <a:spcPts val="0"/>
+              </a:spcBef>
+              <a:spcAft>
+                <a:spcPts val="0"/>
+              </a:spcAft>
+              <a:buClrTx/>
+              <a:defRPr/>
+            </a:pPr>
+            <a:endParaRPr lang="en-US" sz="1200" dirty="0">
+              <a:solidFill>
+                <a:schemeClr val="dk1"/>
+              </a:solidFill>
+            </a:endParaRPr>
+          </a:p>
+          <a:p>
+            <a:pPr marL="171450" lvl="3" indent="-171450" fontAlgn="auto">
+              <a:spcBef>
+                <a:spcPts val="0"/>
+              </a:spcBef>
+              <a:spcAft>
+                <a:spcPts val="0"/>
+              </a:spcAft>
+              <a:buClrTx/>
+              <a:defRPr/>
+            </a:pPr>
+            <a:endParaRPr lang="en-US" sz="1200" dirty="0" smtClean="0"/>
+          </a:p>
+          <a:p>
+            <a:pPr marL="171450" lvl="3" indent="-171450" fontAlgn="auto">
+              <a:spcBef>
+                <a:spcPts val="0"/>
+              </a:spcBef>
+              <a:spcAft>
+                <a:spcPts val="0"/>
+              </a:spcAft>
+              <a:buClrTx/>
+              <a:defRPr/>
+            </a:pPr>
+            <a:endParaRPr lang="en-US" sz="1200" dirty="0"/>
+          </a:p>
+        </p:txBody>
+      </p:sp>
+    </p:spTree>
+    <p:extLst>
+      <p:ext uri="{BB962C8B-B14F-4D97-AF65-F5344CB8AC3E}">
+        <p14:creationId xmlns:p14="http://schemas.microsoft.com/office/powerpoint/2010/main" val="150524522"/>
+      </p:ext>
+    </p:extLst>
+  </p:cSld>
+  <p:clrMapOvr>
+    <a:masterClrMapping/>
+  </p:clrMapOvr>
+</p:sld>
+</file>
+
+<file path=ppt/slides/slide12.xml><?xml version="1.0" encoding="utf-8"?>
+<p:sld xmlns:a="http://schemas.openxmlformats.org/drawingml/2006/main" xmlns:r="http://schemas.openxmlformats.org/officeDocument/2006/relationships" xmlns:p="http://schemas.openxmlformats.org/presentationml/2006/main">
+  <p:cSld>
+    <p:spTree>
+      <p:nvGrpSpPr>
+        <p:cNvPr id="1" name=""/>
+        <p:cNvGrpSpPr/>
+        <p:nvPr/>
+      </p:nvGrpSpPr>
+      <p:grpSpPr>
+        <a:xfrm>
+          <a:off x="0" y="0"/>
+          <a:ext cx="0" cy="0"/>
+          <a:chOff x="0" y="0"/>
+          <a:chExt cx="0" cy="0"/>
+        </a:xfrm>
+      </p:grpSpPr>
+      <p:sp>
+        <p:nvSpPr>
+          <p:cNvPr id="2" name="Title 1"/>
+          <p:cNvSpPr>
+            <a:spLocks noGrp="1"/>
+          </p:cNvSpPr>
+          <p:nvPr>
+            <p:ph type="title"/>
+          </p:nvPr>
+        </p:nvSpPr>
+        <p:spPr/>
+        <p:txBody>
+          <a:bodyPr/>
+          <a:lstStyle/>
+          <a:p>
+            <a:r>
+              <a:rPr lang="en-US" b="1" dirty="0" smtClean="0">
+                <a:effectLst>
+                  <a:outerShdw blurRad="38100" dist="38100" dir="2700000" algn="tl">
+                    <a:srgbClr val="000000">
+                      <a:alpha val="43137"/>
+                    </a:srgbClr>
+                  </a:outerShdw>
+                </a:effectLst>
+                <a:latin typeface="+mn-lt"/>
+              </a:rPr>
+              <a:t>Possible </a:t>
+            </a:r>
+            <a:r>
+              <a:rPr lang="en-US" b="1" dirty="0">
+                <a:effectLst>
+                  <a:outerShdw blurRad="38100" dist="38100" dir="2700000" algn="tl">
+                    <a:srgbClr val="000000">
+                      <a:alpha val="43137"/>
+                    </a:srgbClr>
+                  </a:outerShdw>
+                </a:effectLst>
+                <a:latin typeface="+mn-lt"/>
+              </a:rPr>
+              <a:t>project </a:t>
+            </a:r>
+            <a:r>
+              <a:rPr lang="en-US" b="1" dirty="0" smtClean="0">
+                <a:effectLst>
+                  <a:outerShdw blurRad="38100" dist="38100" dir="2700000" algn="tl">
+                    <a:srgbClr val="000000">
+                      <a:alpha val="43137"/>
+                    </a:srgbClr>
+                  </a:outerShdw>
+                </a:effectLst>
+                <a:latin typeface="+mn-lt"/>
+              </a:rPr>
+              <a:t>time line</a:t>
+            </a:r>
+            <a:endParaRPr lang="en-US" b="1" dirty="0">
+              <a:effectLst>
+                <a:outerShdw blurRad="38100" dist="38100" dir="2700000" algn="tl">
+                  <a:srgbClr val="000000">
+                    <a:alpha val="43137"/>
+                  </a:srgbClr>
+                </a:outerShdw>
+              </a:effectLst>
+              <a:latin typeface="+mn-lt"/>
+              <a:cs typeface="Arial" panose="020B0604020202020204" pitchFamily="34" charset="0"/>
+            </a:endParaRPr>
+          </a:p>
+        </p:txBody>
+      </p:sp>
+      <p:sp>
+        <p:nvSpPr>
+          <p:cNvPr id="3" name="Content Placeholder 2"/>
+          <p:cNvSpPr>
+            <a:spLocks noGrp="1"/>
+          </p:cNvSpPr>
+          <p:nvPr>
+            <p:ph sz="quarter" idx="11"/>
+          </p:nvPr>
+        </p:nvSpPr>
+        <p:spPr>
+          <a:xfrm>
+            <a:off x="457200" y="5105400"/>
+            <a:ext cx="8305800" cy="1295400"/>
+          </a:xfrm>
+        </p:spPr>
+        <p:txBody>
+          <a:bodyPr/>
+          <a:lstStyle/>
+          <a:p>
+            <a:pPr marL="0" indent="0">
+              <a:lnSpc>
+                <a:spcPct val="150000"/>
+              </a:lnSpc>
+              <a:buNone/>
+            </a:pPr>
+            <a:r>
+              <a:rPr lang="en-US" dirty="0" smtClean="0">
+                <a:latin typeface="Arial" panose="020B0604020202020204" pitchFamily="34" charset="0"/>
+                <a:cs typeface="Arial" panose="020B0604020202020204" pitchFamily="34" charset="0"/>
+              </a:rPr>
+              <a:t>Notes</a:t>
+            </a:r>
+          </a:p>
+          <a:p>
+            <a:r>
+              <a:rPr lang="en-US" sz="1600" dirty="0" smtClean="0"/>
+              <a:t>Release </a:t>
+            </a:r>
+            <a:r>
+              <a:rPr lang="en-US" sz="1600" dirty="0" smtClean="0"/>
+              <a:t>4 is optional if OGA use other tools for reporting purposes</a:t>
+            </a:r>
+            <a:endParaRPr lang="en-US" sz="1600" dirty="0"/>
+          </a:p>
+        </p:txBody>
+      </p:sp>
+      <p:pic>
+        <p:nvPicPr>
+          <p:cNvPr id="4" name="Picture 3"/>
+          <p:cNvPicPr>
+            <a:picLocks noChangeAspect="1"/>
+          </p:cNvPicPr>
+          <p:nvPr/>
+        </p:nvPicPr>
+        <p:blipFill>
+          <a:blip r:embed="rId3"/>
+          <a:stretch>
+            <a:fillRect/>
+          </a:stretch>
+        </p:blipFill>
+        <p:spPr>
+          <a:xfrm>
+            <a:off x="352035" y="1066800"/>
+            <a:ext cx="8516129" cy="3225801"/>
+          </a:xfrm>
+          <a:prstGeom prst="rect">
+            <a:avLst/>
+          </a:prstGeom>
+        </p:spPr>
+      </p:pic>
+    </p:spTree>
+    <p:extLst>
+      <p:ext uri="{BB962C8B-B14F-4D97-AF65-F5344CB8AC3E}">
+        <p14:creationId xmlns:p14="http://schemas.microsoft.com/office/powerpoint/2010/main" val="3027651354"/>
+      </p:ext>
+    </p:extLst>
+  </p:cSld>
+  <p:clrMapOvr>
+    <a:masterClrMapping/>
+  </p:clrMapOvr>
+  <p:timing>
+    <p:tnLst>
+      <p:par>
+        <p:cTn id="1" dur="indefinite" restart="never" nodeType="tmRoot"/>
+      </p:par>
+    </p:tnLst>
+  </p:timing>
+</p:sld>
+</file>
+
+<file path=ppt/slides/slide13.xml><?xml version="1.0" encoding="utf-8"?>
+<p:sld xmlns:a="http://schemas.openxmlformats.org/drawingml/2006/main" xmlns:r="http://schemas.openxmlformats.org/officeDocument/2006/relationships" xmlns:p="http://schemas.openxmlformats.org/presentationml/2006/main">
+  <p:cSld>
+    <p:spTree>
+      <p:nvGrpSpPr>
+        <p:cNvPr id="1" name=""/>
+        <p:cNvGrpSpPr/>
+        <p:nvPr/>
+      </p:nvGrpSpPr>
+      <p:grpSpPr>
+        <a:xfrm>
+          <a:off x="0" y="0"/>
+          <a:ext cx="0" cy="0"/>
+          <a:chOff x="0" y="0"/>
+          <a:chExt cx="0" cy="0"/>
+        </a:xfrm>
+      </p:grpSpPr>
+      <p:sp>
+        <p:nvSpPr>
+          <p:cNvPr id="2" name="Title 1"/>
+          <p:cNvSpPr>
+            <a:spLocks noGrp="1"/>
+          </p:cNvSpPr>
+          <p:nvPr>
+            <p:ph type="title"/>
+          </p:nvPr>
+        </p:nvSpPr>
+        <p:spPr/>
+        <p:txBody>
+          <a:bodyPr/>
+          <a:lstStyle/>
+          <a:p>
+            <a:r>
+              <a:rPr lang="en-US" b="1" dirty="0" smtClean="0">
+                <a:effectLst>
+                  <a:outerShdw blurRad="38100" dist="38100" dir="2700000" algn="tl">
+                    <a:srgbClr val="000000">
+                      <a:alpha val="43137"/>
+                    </a:srgbClr>
+                  </a:outerShdw>
+                </a:effectLst>
+                <a:latin typeface="+mn-lt"/>
+              </a:rPr>
               <a:t>High </a:t>
             </a:r>
             <a:r>
@@ -9913,16 +10237,12 @@
           </p:cNvGraphicFramePr>
           <p:nvPr>
             <p:ph sz="quarter" idx="11"/>
-            <p:extLst>
-              <p:ext uri="{D42A27DB-BD31-4B8C-83A1-F6EECF244321}">
-                <p14:modId xmlns:p14="http://schemas.microsoft.com/office/powerpoint/2010/main" val="3685809581"/>
-              </p:ext>
-            </p:extLst>
+            <p:extLst/>
           </p:nvPr>
         </p:nvGraphicFramePr>
         <p:xfrm>
-          <a:off x="457200" y="990601"/>
-          <a:ext cx="8202168" cy="5511340"/>
+          <a:off x="472191" y="1219200"/>
+          <a:ext cx="8202168" cy="4798852"/>
         </p:xfrm>
         <a:graphic>
           <a:graphicData uri="http://schemas.openxmlformats.org/drawingml/2006/table">
@@ -9938,14 +10258,14 @@
                     </a:ext>
                   </a:extLst>
                 </a:gridCol>
-                <a:gridCol w="1340739">
+                <a:gridCol w="1586865">
                   <a:extLst>
                     <a:ext uri="{9D8B030D-6E8A-4147-A177-3AD203B41FA5}">
                       <a16:colId xmlns:a16="http://schemas.microsoft.com/office/drawing/2014/main" val="1351816480"/>
                     </a:ext>
                   </a:extLst>
                 </a:gridCol>
-                <a:gridCol w="6467094">
+                <a:gridCol w="6220968">
                   <a:extLst>
                     <a:ext uri="{9D8B030D-6E8A-4147-A177-3AD203B41FA5}">
                       <a16:colId xmlns:a16="http://schemas.microsoft.com/office/drawing/2014/main" val="287736014"/>
@@ -9953,7 +10273,7 @@
                   </a:extLst>
                 </a:gridCol>
               </a:tblGrid>
-              <a:tr h="436579">
+              <a:tr h="390556">
                 <a:tc>
                   <a:txBody>
                     <a:bodyPr/>
@@ -9975,7 +10295,7 @@
                     <a:p>
                       <a:r>
                         <a:rPr lang="en-US" sz="1200" dirty="0" smtClean="0"/>
-                        <a:t>Recommendation</a:t>
+                        <a:t>Recommendations</a:t>
                       </a:r>
                       <a:endParaRPr lang="en-US" sz="1200" dirty="0"/>
                     </a:p>
@@ -10002,7 +10322,7 @@
                   </a:ext>
                 </a:extLst>
               </a:tr>
-              <a:tr h="814947">
+              <a:tr h="822423">
                 <a:tc>
                   <a:txBody>
                     <a:bodyPr/>
@@ -10024,7 +10344,15 @@
                     <a:p>
                       <a:r>
                         <a:rPr lang="en-US" sz="1000" dirty="0" smtClean="0"/>
-                        <a:t>Upgrade technology stack and modify database</a:t>
+                        <a:t>Non</a:t>
+                      </a:r>
+                      <a:r>
+                        <a:rPr lang="en-US" sz="1000" baseline="0" dirty="0" smtClean="0"/>
+                        <a:t> UI </a:t>
+                      </a:r>
+                      <a:r>
+                        <a:rPr lang="en-US" sz="1000" dirty="0" smtClean="0"/>
+                        <a:t>reporting</a:t>
                       </a:r>
                       <a:endParaRPr lang="en-US" sz="1000" dirty="0"/>
                     </a:p>
@@ -10037,6 +10365,67 @@
                     <a:lstStyle/>
                     <a:p>
                       <a:pPr marL="171450" indent="-171450">
+                        <a:buFont typeface="Arial" charset="0"/>
+                        <a:buChar char="•"/>
+                      </a:pPr>
+                      <a:r>
+                        <a:rPr lang="en-US" sz="1000" kern="1200" dirty="0" smtClean="0">
+                          <a:solidFill>
+                            <a:schemeClr val="dk1"/>
+                          </a:solidFill>
+                          <a:latin typeface="+mn-lt"/>
+                          <a:ea typeface="+mn-ea"/>
+                          <a:cs typeface="+mn-cs"/>
+                        </a:rPr>
+                        <a:t>Modify </a:t>
+                      </a:r>
+                      <a:r>
+                        <a:rPr lang="en-US" sz="1000" kern="1200" dirty="0" err="1" smtClean="0">
+                          <a:solidFill>
+                            <a:schemeClr val="dk1"/>
+                          </a:solidFill>
+                          <a:latin typeface="+mn-lt"/>
+                          <a:ea typeface="+mn-ea"/>
+                          <a:cs typeface="+mn-cs"/>
+                        </a:rPr>
+                        <a:t>Greensheets</a:t>
+                      </a:r>
+                      <a:r>
+                        <a:rPr lang="en-US" sz="1000" kern="1200" dirty="0" smtClean="0">
+                          <a:solidFill>
+                            <a:schemeClr val="dk1"/>
+                          </a:solidFill>
+                          <a:latin typeface="+mn-lt"/>
+                          <a:ea typeface="+mn-ea"/>
+                          <a:cs typeface="+mn-cs"/>
+                        </a:rPr>
+                        <a:t> database so it</a:t>
+                      </a:r>
+                      <a:r>
+                        <a:rPr lang="en-US" sz="1000" kern="1200" baseline="0" dirty="0" smtClean="0">
+                          <a:solidFill>
+                            <a:schemeClr val="dk1"/>
+                          </a:solidFill>
+                          <a:latin typeface="+mn-lt"/>
+                          <a:ea typeface="+mn-ea"/>
+                          <a:cs typeface="+mn-cs"/>
+                        </a:rPr>
+                        <a:t> </a:t>
+                      </a:r>
+                      <a:r>
+                        <a:rPr lang="en-US" sz="1000" kern="1200" dirty="0" smtClean="0">
+                          <a:solidFill>
+                            <a:schemeClr val="dk1"/>
+                          </a:solidFill>
+                          <a:latin typeface="+mn-lt"/>
+                          <a:ea typeface="+mn-ea"/>
+                          <a:cs typeface="+mn-cs"/>
+                        </a:rPr>
+                        <a:t>will allow run ad-hoc reports on statistics related to answers to a specific question on demand. </a:t>
+                      </a:r>
+                    </a:p>
+                    <a:p>
+                      <a:pPr marL="628650" lvl="1" indent="-171450">
                         <a:buFont typeface="Arial" panose="020B0604020202020204" pitchFamily="34" charset="0"/>
                         <a:buChar char="•"/>
                       </a:pPr>
@@ -10053,7 +10442,7 @@
                       </a:r>
                     </a:p>
                     <a:p>
-                      <a:pPr marL="171450" indent="-171450">
+                      <a:pPr marL="628650" lvl="1" indent="-171450">
                         <a:buFont typeface="Arial" panose="020B0604020202020204" pitchFamily="34" charset="0"/>
                         <a:buChar char="•"/>
                       </a:pPr>
@@ -10069,6 +10458,62 @@
                         <a:t>Database migration</a:t>
                       </a:r>
                     </a:p>
+                    <a:p>
+                      <a:pPr marL="171450" indent="-171450">
+                        <a:buFont typeface="Arial" charset="0"/>
+                        <a:buChar char="•"/>
+                      </a:pPr>
+                      <a:endParaRPr lang="en-US" sz="1000" kern="1200" dirty="0">
+                        <a:solidFill>
+                          <a:schemeClr val="dk1"/>
+                        </a:solidFill>
+                        <a:latin typeface="+mn-lt"/>
+                        <a:ea typeface="+mn-ea"/>
+                        <a:cs typeface="+mn-cs"/>
+                      </a:endParaRPr>
+                    </a:p>
+                  </a:txBody>
+                  <a:tcPr/>
+                </a:tc>
+                <a:extLst>
+                  <a:ext uri="{0D108BD9-81ED-4DB2-BD59-A6C34878D82A}">
+                    <a16:rowId xmlns:a16="http://schemas.microsoft.com/office/drawing/2014/main" val="968029505"/>
+                  </a:ext>
+                </a:extLst>
+              </a:tr>
+              <a:tr h="528701">
+                <a:tc>
+                  <a:txBody>
+                    <a:bodyPr/>
+                    <a:lstStyle/>
+                    <a:p>
+                      <a:r>
+                        <a:rPr lang="en-US" sz="1000" dirty="0" smtClean="0"/>
+                        <a:t>2</a:t>
+                      </a:r>
+                      <a:endParaRPr lang="en-US" sz="1000" dirty="0"/>
+                    </a:p>
+                  </a:txBody>
+                  <a:tcPr/>
+                </a:tc>
+                <a:tc>
+                  <a:txBody>
+                    <a:bodyPr/>
+                    <a:lstStyle/>
+                    <a:p>
+                      <a:r>
+                        <a:rPr lang="en-US" sz="1000" dirty="0" smtClean="0"/>
+                        <a:t>Upgrade technology stack</a:t>
+                      </a:r>
+                      <a:endParaRPr lang="en-US" sz="1000" dirty="0"/>
+                    </a:p>
+                  </a:txBody>
+                  <a:tcPr/>
+                </a:tc>
+                <a:tc>
+                  <a:txBody>
+                    <a:bodyPr/>
+                    <a:lstStyle/>
                     <a:p>
                       <a:pPr marL="171450" indent="-171450">
                         <a:buFont typeface="Arial" panose="020B0604020202020204" pitchFamily="34" charset="0"/>
@@ -10141,82 +10586,11 @@
                 </a:tc>
                 <a:extLst>
                   <a:ext uri="{0D108BD9-81ED-4DB2-BD59-A6C34878D82A}">
-                    <a16:rowId xmlns:a16="http://schemas.microsoft.com/office/drawing/2014/main" val="241101412"/>
+                    <a16:rowId xmlns:a16="http://schemas.microsoft.com/office/drawing/2014/main" val="10002"/>
                   </a:ext>
                 </a:extLst>
               </a:tr>
-              <a:tr h="430751">
-                <a:tc>
-                  <a:txBody>
-                    <a:bodyPr/>
-                    <a:lstStyle/>
-                    <a:p>
-                      <a:r>
-                        <a:rPr lang="en-US" sz="1000" dirty="0" smtClean="0"/>
-                        <a:t>2</a:t>
-                      </a:r>
-                      <a:endParaRPr lang="en-US" sz="1000" dirty="0"/>
-                    </a:p>
-                  </a:txBody>
-                  <a:tcPr/>
-                </a:tc>
-                <a:tc>
-                  <a:txBody>
-                    <a:bodyPr/>
-                    <a:lstStyle/>
-                    <a:p>
-                      <a:r>
-                        <a:rPr lang="en-US" sz="1000" dirty="0" smtClean="0"/>
-                        <a:t>Non</a:t>
-                      </a:r>
-                      <a:r>
-                        <a:rPr lang="en-US" sz="1000" baseline="0" dirty="0" smtClean="0"/>
-                        <a:t> UI </a:t>
-                      </a:r>
-                      <a:r>
-                        <a:rPr lang="en-US" sz="1000" dirty="0" smtClean="0"/>
-                        <a:t>reporting</a:t>
-                      </a:r>
-                      <a:endParaRPr lang="en-US" sz="1000" dirty="0"/>
-                    </a:p>
-                  </a:txBody>
-                  <a:tcPr/>
-                </a:tc>
-                <a:tc>
-                  <a:txBody>
-                    <a:bodyPr/>
-                    <a:lstStyle/>
-                    <a:p>
-                      <a:r>
-                        <a:rPr lang="en-US" sz="1000" kern="1200" dirty="0" smtClean="0">
-                          <a:solidFill>
-                            <a:schemeClr val="dk1"/>
-                          </a:solidFill>
-                          <a:latin typeface="+mn-lt"/>
-                          <a:ea typeface="+mn-ea"/>
-                          <a:cs typeface="+mn-cs"/>
-                        </a:rPr>
-                        <a:t>Create SQL queries that will allow run ad-hoc reports on statistics related to answers to a specific question on demand. </a:t>
-                      </a:r>
-                      <a:endParaRPr lang="en-US" sz="1000" kern="1200" dirty="0">
-                        <a:solidFill>
-                          <a:schemeClr val="dk1"/>
-                        </a:solidFill>
-                        <a:latin typeface="+mn-lt"/>
-                        <a:ea typeface="+mn-ea"/>
-                        <a:cs typeface="+mn-cs"/>
-                      </a:endParaRPr>
-                    </a:p>
-                  </a:txBody>
-                  <a:tcPr/>
-                </a:tc>
-                <a:extLst>
-                  <a:ext uri="{0D108BD9-81ED-4DB2-BD59-A6C34878D82A}">
-                    <a16:rowId xmlns:a16="http://schemas.microsoft.com/office/drawing/2014/main" val="968029505"/>
-                  </a:ext>
-                </a:extLst>
-              </a:tr>
-              <a:tr h="1106000">
+              <a:tr h="1116146">
                 <a:tc>
                   <a:txBody>
                     <a:bodyPr/>
@@ -10418,7 +10792,7 @@
                   </a:ext>
                 </a:extLst>
               </a:tr>
-              <a:tr h="1397053">
+              <a:tr h="820397">
                 <a:tc>
                   <a:txBody>
                     <a:bodyPr/>
@@ -10440,11 +10814,7 @@
                     <a:p>
                       <a:r>
                         <a:rPr lang="en-US" sz="1000" dirty="0" smtClean="0"/>
-                        <a:t>Roles’ </a:t>
-                      </a:r>
-                      <a:r>
-                        <a:rPr lang="en-US" sz="1000" dirty="0" smtClean="0"/>
-                        <a:t>re-design</a:t>
+                        <a:t>Roles’ re-design</a:t>
                       </a:r>
                       <a:endParaRPr lang="en-US" sz="1000" dirty="0"/>
                     </a:p>
@@ -10469,62 +10839,7 @@
                           <a:ea typeface="+mn-ea"/>
                           <a:cs typeface="+mn-cs"/>
                         </a:rPr>
-                        <a:t>Diversity supplement director – user (PD/PA) with this privilege can see only diversity supplements grants (grants that have the MB_MINORITY_FLAG set to ‘Y). In production there</a:t>
-                      </a:r>
-                      <a:r>
-                        <a:rPr lang="en-US" sz="1000" kern="1200" baseline="0" dirty="0" smtClean="0">
-                          <a:solidFill>
-                            <a:schemeClr val="dk1"/>
-                          </a:solidFill>
-                          <a:latin typeface="+mn-lt"/>
-                          <a:ea typeface="+mn-ea"/>
-                          <a:cs typeface="+mn-cs"/>
-                        </a:rPr>
-                        <a:t> is only </a:t>
-                      </a:r>
-                      <a:r>
-                        <a:rPr lang="en-US" sz="1000" kern="1200" dirty="0" smtClean="0">
-                          <a:solidFill>
-                            <a:schemeClr val="dk1"/>
-                          </a:solidFill>
-                          <a:latin typeface="+mn-lt"/>
-                          <a:ea typeface="+mn-ea"/>
-                          <a:cs typeface="+mn-cs"/>
-                        </a:rPr>
-                        <a:t>one user (</a:t>
-                      </a:r>
-                      <a:r>
-                        <a:rPr lang="en-US" sz="1000" b="1" kern="1200" dirty="0" err="1" smtClean="0">
-                          <a:solidFill>
-                            <a:schemeClr val="dk1"/>
-                          </a:solidFill>
-                          <a:latin typeface="+mn-lt"/>
-                          <a:ea typeface="+mn-ea"/>
-                          <a:cs typeface="+mn-cs"/>
-                        </a:rPr>
-                        <a:t>Ogunbiyi</a:t>
-                      </a:r>
-                      <a:r>
-                        <a:rPr lang="en-US" sz="1000" b="1" kern="1200" dirty="0" smtClean="0">
-                          <a:solidFill>
-                            <a:schemeClr val="dk1"/>
-                          </a:solidFill>
-                          <a:latin typeface="+mn-lt"/>
-                          <a:ea typeface="+mn-ea"/>
-                          <a:cs typeface="+mn-cs"/>
-                        </a:rPr>
-                        <a:t>, Peter</a:t>
-                      </a:r>
-                      <a:r>
-                        <a:rPr lang="en-US" sz="1000" kern="1200" dirty="0" smtClean="0">
-                          <a:solidFill>
-                            <a:schemeClr val="dk1"/>
-                          </a:solidFill>
-                          <a:latin typeface="+mn-lt"/>
-                          <a:ea typeface="+mn-ea"/>
-                          <a:cs typeface="+mn-cs"/>
-                        </a:rPr>
-                        <a:t>) with this privilege. Is this role still needed? </a:t>
+                        <a:t>Diversity supplement director</a:t>
                       </a:r>
                     </a:p>
                     <a:p>
@@ -10534,84 +10849,7 @@
                       </a:pPr>
                       <a:r>
                         <a:rPr lang="en-US" sz="1000" dirty="0" smtClean="0"/>
-                        <a:t>Guest user - </a:t>
-                      </a:r>
-                      <a:r>
-                        <a:rPr lang="en-US" sz="1000" kern="1200" dirty="0" smtClean="0">
-                          <a:solidFill>
-                            <a:schemeClr val="dk1"/>
-                          </a:solidFill>
-                          <a:latin typeface="+mn-lt"/>
-                          <a:ea typeface="+mn-ea"/>
-                          <a:cs typeface="+mn-cs"/>
-                        </a:rPr>
-                        <a:t>Guest users are users who have valid NCI user accounts and thus are able to access the system, but they do not have any of the other roles specified for </a:t>
-                      </a:r>
-                      <a:r>
-                        <a:rPr lang="en-US" sz="1000" kern="1200" dirty="0" err="1" smtClean="0">
-                          <a:solidFill>
-                            <a:schemeClr val="dk1"/>
-                          </a:solidFill>
-                          <a:latin typeface="+mn-lt"/>
-                          <a:ea typeface="+mn-ea"/>
-                          <a:cs typeface="+mn-cs"/>
-                        </a:rPr>
-                        <a:t>Greensheets</a:t>
-                      </a:r>
-                      <a:r>
-                        <a:rPr lang="en-US" sz="1000" kern="1200" dirty="0" smtClean="0">
-                          <a:solidFill>
-                            <a:schemeClr val="dk1"/>
-                          </a:solidFill>
-                          <a:latin typeface="+mn-lt"/>
-                          <a:ea typeface="+mn-ea"/>
-                          <a:cs typeface="+mn-cs"/>
-                        </a:rPr>
-                        <a:t> system. Guest user sees all grants and all assigned </a:t>
-                      </a:r>
-                      <a:r>
-                        <a:rPr lang="en-US" sz="1000" kern="1200" dirty="0" err="1" smtClean="0">
-                          <a:solidFill>
-                            <a:schemeClr val="dk1"/>
-                          </a:solidFill>
-                          <a:latin typeface="+mn-lt"/>
-                          <a:ea typeface="+mn-ea"/>
-                          <a:cs typeface="+mn-cs"/>
-                        </a:rPr>
-                        <a:t>greensheets</a:t>
-                      </a:r>
-                      <a:r>
-                        <a:rPr lang="en-US" sz="1000" kern="1200" dirty="0" smtClean="0">
-                          <a:solidFill>
-                            <a:schemeClr val="dk1"/>
-                          </a:solidFill>
-                          <a:latin typeface="+mn-lt"/>
-                          <a:ea typeface="+mn-ea"/>
-                          <a:cs typeface="+mn-cs"/>
-                        </a:rPr>
-                        <a:t> in read-only mode. </a:t>
-                      </a:r>
-                      <a:r>
-                        <a:rPr lang="en-US" sz="1000" kern="1200" baseline="0" dirty="0" smtClean="0">
-                          <a:solidFill>
-                            <a:schemeClr val="dk1"/>
-                          </a:solidFill>
-                          <a:latin typeface="+mn-lt"/>
-                          <a:ea typeface="+mn-ea"/>
-                          <a:cs typeface="+mn-cs"/>
-                        </a:rPr>
-                        <a:t>I</a:t>
-                      </a:r>
-                      <a:r>
-                        <a:rPr lang="en-US" sz="1000" kern="1200" dirty="0" smtClean="0">
-                          <a:solidFill>
-                            <a:schemeClr val="dk1"/>
-                          </a:solidFill>
-                          <a:latin typeface="+mn-lt"/>
-                          <a:ea typeface="+mn-ea"/>
-                          <a:cs typeface="+mn-cs"/>
-                        </a:rPr>
-                        <a:t>s this role needed and why?</a:t>
+                        <a:t>Guest user</a:t>
                       </a:r>
                     </a:p>
                     <a:p>
@@ -10632,7 +10870,7 @@
                           <a:ea typeface="+mn-ea"/>
                           <a:cs typeface="+mn-cs"/>
                         </a:rPr>
-                        <a:t>User - super user role has been created in the past for troubleshooting purposes. Need to find a way to perform troubleshooting in PRODUCTION without actually assuming the user’s identity.</a:t>
+                        <a:t>User</a:t>
                       </a:r>
                     </a:p>
                     <a:p>
@@ -10669,7 +10907,7 @@
                   </a:ext>
                 </a:extLst>
               </a:tr>
-              <a:tr h="1148669">
+              <a:tr h="1027579">
                 <a:tc>
                   <a:txBody>
                     <a:bodyPr/>
@@ -10805,18 +11043,7 @@
                           <a:ea typeface="+mn-ea"/>
                           <a:cs typeface="+mn-cs"/>
                         </a:rPr>
-                        <a:t> in Submitted status</a:t>
-                      </a:r>
-                      <a:r>
-                        <a:rPr lang="en-US" sz="1000" kern="1200" dirty="0" smtClean="0">
-                          <a:solidFill>
-                            <a:schemeClr val="dk1"/>
-                          </a:solidFill>
-                          <a:latin typeface="+mn-lt"/>
-                          <a:ea typeface="+mn-ea"/>
-                          <a:cs typeface="+mn-cs"/>
-                        </a:rPr>
-                        <a:t>.</a:t>
+                        <a:t> in Submitted status.</a:t>
                       </a:r>
                       <a:endParaRPr lang="en-US" sz="1000" dirty="0"/>
                     </a:p>
@@ -10836,7 +11063,7 @@
     </p:spTree>
     <p:extLst>
       <p:ext uri="{BB962C8B-B14F-4D97-AF65-F5344CB8AC3E}">
-        <p14:creationId xmlns:p14="http://schemas.microsoft.com/office/powerpoint/2010/main" val="977730506"/>
+        <p14:creationId xmlns:p14="http://schemas.microsoft.com/office/powerpoint/2010/main" val="525864776"/>
       </p:ext>
     </p:extLst>
   </p:cSld>
@@ -10853,7 +11080,7 @@
 </p:sld>
 </file>
 
-<file path=ppt/slides/slide12.xml><?xml version="1.0" encoding="utf-8"?>
+<file path=ppt/slides/slide14.xml><?xml version="1.0" encoding="utf-8"?>
 <p:sld xmlns:a="http://schemas.openxmlformats.org/drawingml/2006/main" xmlns:r="http://schemas.openxmlformats.org/officeDocument/2006/relationships" xmlns:p="http://schemas.openxmlformats.org/presentationml/2006/main">
   <p:cSld>
     <p:spTree>
@@ -10896,145 +11123,6 @@
                 </a:effectLst>
                 <a:latin typeface="+mn-lt"/>
               </a:rPr>
-              <a:t>Possible </a:t>
-            </a:r>
-            <a:r>
-              <a:rPr lang="en-US" b="1" dirty="0">
-                <a:effectLst>
-                  <a:outerShdw blurRad="38100" dist="38100" dir="2700000" algn="tl">
-                    <a:srgbClr val="000000">
-                      <a:alpha val="43137"/>
-                    </a:srgbClr>
-                  </a:outerShdw>
-                </a:effectLst>
-                <a:latin typeface="+mn-lt"/>
-              </a:rPr>
-              <a:t>project timeline</a:t>
-            </a:r>
-            <a:endParaRPr lang="en-US" b="1" dirty="0">
-              <a:effectLst>
-                <a:outerShdw blurRad="38100" dist="38100" dir="2700000" algn="tl">
-                  <a:srgbClr val="000000">
-                    <a:alpha val="43137"/>
-                  </a:srgbClr>
-                </a:outerShdw>
-              </a:effectLst>
-              <a:latin typeface="+mn-lt"/>
-              <a:cs typeface="Arial" panose="020B0604020202020204" pitchFamily="34" charset="0"/>
-            </a:endParaRPr>
-          </a:p>
-        </p:txBody>
-      </p:sp>
-      <p:sp>
-        <p:nvSpPr>
-          <p:cNvPr id="3" name="Content Placeholder 2"/>
-          <p:cNvSpPr>
-            <a:spLocks noGrp="1"/>
-          </p:cNvSpPr>
-          <p:nvPr>
-            <p:ph sz="quarter" idx="11"/>
-          </p:nvPr>
-        </p:nvSpPr>
-        <p:spPr>
-          <a:xfrm>
-            <a:off x="457200" y="1143000"/>
-            <a:ext cx="8165592" cy="4800600"/>
-          </a:xfrm>
-        </p:spPr>
-        <p:txBody>
-          <a:bodyPr/>
-          <a:lstStyle/>
-          <a:p>
-            <a:pPr>
-              <a:lnSpc>
-                <a:spcPct val="150000"/>
-              </a:lnSpc>
-            </a:pPr>
-            <a:r>
-              <a:rPr lang="en-US" sz="1800" dirty="0" smtClean="0">
-                <a:latin typeface="Arial" panose="020B0604020202020204" pitchFamily="34" charset="0"/>
-                <a:cs typeface="Arial" panose="020B0604020202020204" pitchFamily="34" charset="0"/>
-              </a:rPr>
-              <a:t>TBD</a:t>
-            </a:r>
-          </a:p>
-          <a:p>
-            <a:pPr marL="0" indent="0">
-              <a:buNone/>
-            </a:pPr>
-            <a:endParaRPr lang="en-US" dirty="0">
-              <a:latin typeface="Arial" panose="020B0604020202020204" pitchFamily="34" charset="0"/>
-              <a:cs typeface="Arial" panose="020B0604020202020204" pitchFamily="34" charset="0"/>
-            </a:endParaRPr>
-          </a:p>
-          <a:p>
-            <a:endParaRPr lang="en-US" dirty="0"/>
-          </a:p>
-        </p:txBody>
-      </p:sp>
-    </p:spTree>
-    <p:extLst>
-      <p:ext uri="{BB962C8B-B14F-4D97-AF65-F5344CB8AC3E}">
-        <p14:creationId xmlns:p14="http://schemas.microsoft.com/office/powerpoint/2010/main" val="36453457"/>
-      </p:ext>
-    </p:extLst>
-  </p:cSld>
-  <p:clrMapOvr>
-    <a:masterClrMapping/>
-  </p:clrMapOvr>
-  <p:timing>
-    <p:tnLst>
-      <p:par>
-        <p:cTn id="1" dur="indefinite" restart="never" nodeType="tmRoot"/>
-      </p:par>
-    </p:tnLst>
-  </p:timing>
-</p:sld>
-</file>
-
-<file path=ppt/slides/slide13.xml><?xml version="1.0" encoding="utf-8"?>
-<p:sld xmlns:a="http://schemas.openxmlformats.org/drawingml/2006/main" xmlns:r="http://schemas.openxmlformats.org/officeDocument/2006/relationships" xmlns:p="http://schemas.openxmlformats.org/presentationml/2006/main">
-  <p:cSld>
-    <p:spTree>
-      <p:nvGrpSpPr>
-        <p:cNvPr id="1" name=""/>
-        <p:cNvGrpSpPr/>
-        <p:nvPr/>
-      </p:nvGrpSpPr>
-      <p:grpSpPr>
-        <a:xfrm>
-          <a:off x="0" y="0"/>
-          <a:ext cx="0" cy="0"/>
-          <a:chOff x="0" y="0"/>
-          <a:chExt cx="0" cy="0"/>
-        </a:xfrm>
-      </p:grpSpPr>
-      <p:sp>
-        <p:nvSpPr>
-          <p:cNvPr id="2" name="Title 1"/>
-          <p:cNvSpPr>
-            <a:spLocks noGrp="1"/>
-          </p:cNvSpPr>
-          <p:nvPr>
-            <p:ph type="title"/>
-          </p:nvPr>
-        </p:nvSpPr>
-        <p:spPr/>
-        <p:txBody>
-          <a:bodyPr/>
-          <a:lstStyle/>
-          <a:p>
-            <a:r>
-              <a:rPr lang="en-US" b="1" dirty="0" smtClean="0">
-                <a:effectLst>
-                  <a:outerShdw blurRad="38100" dist="38100" dir="2700000" algn="tl">
-                    <a:srgbClr val="000000">
-                      <a:alpha val="43137"/>
-                    </a:srgbClr>
-                  </a:outerShdw>
-                </a:effectLst>
-                <a:latin typeface="+mn-lt"/>
-              </a:rPr>
               <a:t>Next Steps</a:t>
             </a:r>
             <a:endParaRPr lang="en-US" b="1" dirty="0">
@@ -11149,7 +11237,7 @@
 </p:sld>
 </file>
 
-<file path=ppt/slides/slide14.xml><?xml version="1.0" encoding="utf-8"?>
+<file path=ppt/slides/slide15.xml><?xml version="1.0" encoding="utf-8"?>
 <p:sld xmlns:a="http://schemas.openxmlformats.org/drawingml/2006/main" xmlns:r="http://schemas.openxmlformats.org/officeDocument/2006/relationships" xmlns:p="http://schemas.openxmlformats.org/presentationml/2006/main">
   <p:cSld>
     <p:spTree>
@@ -11493,24 +11581,11 @@
             <p:ph type="title"/>
           </p:nvPr>
         </p:nvSpPr>
-        <p:spPr>
-          <a:xfrm>
-            <a:off x="457200" y="381000"/>
-            <a:ext cx="8165592" cy="686337"/>
-          </a:xfrm>
-        </p:spPr>
+        <p:spPr/>
         <p:txBody>
           <a:bodyPr/>
           <a:lstStyle/>
           <a:p>
-            <a:pPr lvl="0"/>
-            <a:r>
-              <a:rPr lang="en-US" b="1" dirty="0" smtClean="0"/>
-              <a:t/>
-            </a:r>
-            <a:br>
-              <a:rPr lang="en-US" b="1" dirty="0" smtClean="0"/>
-            </a:br>
             <a:r>
               <a:rPr lang="en-US" b="1" dirty="0" smtClean="0">
                 <a:effectLst>
@@ -11523,16 +11598,19 @@
                 <a:latin typeface="Arial" panose="020B0604020202020204" pitchFamily="34" charset="0"/>
                 <a:cs typeface="Arial" panose="020B0604020202020204" pitchFamily="34" charset="0"/>
               </a:rPr>
-              <a:t>Meeting Goals and Agenda</a:t>
-            </a:r>
-            <a:r>
-              <a:rPr lang="en-US" dirty="0"/>
-              <a:t/>
-            </a:r>
-            <a:br>
-              <a:rPr lang="en-US" dirty="0"/>
-            </a:br>
-            <a:endParaRPr lang="en-US" dirty="0"/>
+              <a:t>Introductions</a:t>
+            </a:r>
+            <a:endParaRPr lang="en-US" b="1" dirty="0">
+              <a:effectLst>
+                <a:outerShdw blurRad="38100" dist="38100" dir="2700000" algn="tl">
+                  <a:srgbClr val="000000">
+                    <a:alpha val="43137"/>
+                  </a:srgbClr>
+                </a:outerShdw>
+              </a:effectLst>
+              <a:latin typeface="Arial" panose="020B0604020202020204" pitchFamily="34" charset="0"/>
+              <a:cs typeface="Arial" panose="020B0604020202020204" pitchFamily="34" charset="0"/>
+            </a:endParaRPr>
           </a:p>
         </p:txBody>
       </p:sp>
@@ -11548,168 +11626,233 @@
         </p:nvSpPr>
         <p:spPr>
           <a:xfrm>
-            <a:off x="457200" y="914400"/>
-            <a:ext cx="8165592" cy="5562600"/>
+            <a:off x="457200" y="1066800"/>
+            <a:ext cx="8165592" cy="5257800"/>
           </a:xfrm>
         </p:spPr>
         <p:txBody>
           <a:bodyPr/>
           <a:lstStyle/>
           <a:p>
-            <a:pPr marL="228600" lvl="1">
-              <a:lnSpc>
-                <a:spcPct val="150000"/>
-              </a:lnSpc>
-            </a:pPr>
-            <a:r>
-              <a:rPr lang="en-US" dirty="0" smtClean="0"/>
-              <a:t>Attain </a:t>
-            </a:r>
-            <a:r>
-              <a:rPr lang="en-US" dirty="0"/>
-              <a:t>a common understanding of the project scope, assumptions, and potential risk factors</a:t>
-            </a:r>
-          </a:p>
-          <a:p>
-            <a:pPr>
-              <a:lnSpc>
-                <a:spcPct val="150000"/>
-              </a:lnSpc>
-            </a:pPr>
-            <a:r>
-              <a:rPr lang="en-US" sz="1900" dirty="0" smtClean="0"/>
-              <a:t>Verify existing (“as-is”) requirements and </a:t>
-            </a:r>
-            <a:r>
-              <a:rPr lang="en-US" sz="1900" dirty="0"/>
-              <a:t>functionality with </a:t>
-            </a:r>
-            <a:r>
-              <a:rPr lang="en-US" sz="1900" dirty="0" smtClean="0"/>
-              <a:t>OGA</a:t>
-            </a:r>
-          </a:p>
-          <a:p>
-            <a:pPr>
-              <a:lnSpc>
-                <a:spcPct val="150000"/>
-              </a:lnSpc>
-            </a:pPr>
-            <a:r>
-              <a:rPr lang="en-US" sz="1900" dirty="0" smtClean="0"/>
-              <a:t>Discuss existing production issues and additional business </a:t>
-            </a:r>
-            <a:r>
-              <a:rPr lang="en-US" sz="1900" dirty="0"/>
-              <a:t>needs </a:t>
-            </a:r>
-            <a:r>
-              <a:rPr lang="en-US" sz="1900" dirty="0" smtClean="0"/>
-              <a:t>(</a:t>
-            </a:r>
-            <a:r>
-              <a:rPr lang="en-US" sz="1600" i="1" dirty="0" smtClean="0"/>
-              <a:t>initial discussion</a:t>
-            </a:r>
-            <a:r>
-              <a:rPr lang="en-US" sz="1900" dirty="0" smtClean="0"/>
-              <a:t>): </a:t>
-            </a:r>
-          </a:p>
-          <a:p>
-            <a:pPr lvl="1">
-              <a:lnSpc>
-                <a:spcPct val="150000"/>
-              </a:lnSpc>
-            </a:pPr>
-            <a:r>
-              <a:rPr lang="en-US" sz="1600" dirty="0" smtClean="0"/>
-              <a:t>Prioritize production issues to be fixed by re-design</a:t>
-            </a:r>
-          </a:p>
-          <a:p>
-            <a:pPr lvl="1">
-              <a:lnSpc>
-                <a:spcPct val="150000"/>
-              </a:lnSpc>
-            </a:pPr>
-            <a:r>
-              <a:rPr lang="en-US" sz="1600" dirty="0" smtClean="0"/>
-              <a:t>Reconfirm and prioritize additional business needs</a:t>
-            </a:r>
-          </a:p>
-          <a:p>
-            <a:pPr>
-              <a:lnSpc>
-                <a:spcPct val="150000"/>
-              </a:lnSpc>
-            </a:pPr>
-            <a:r>
-              <a:rPr lang="en-US" sz="1900" dirty="0" smtClean="0"/>
-              <a:t>Present the high level list of recommendations for re-design, reasons behind recommendations and solicit </a:t>
-            </a:r>
-            <a:r>
-              <a:rPr lang="en-US" sz="1900" dirty="0"/>
-              <a:t>OGA input </a:t>
-            </a:r>
-            <a:r>
-              <a:rPr lang="en-US" sz="1900" dirty="0" smtClean="0"/>
-              <a:t>on priorities</a:t>
-            </a:r>
-          </a:p>
-          <a:p>
-            <a:pPr>
-              <a:lnSpc>
-                <a:spcPct val="150000"/>
-              </a:lnSpc>
-            </a:pPr>
-            <a:r>
-              <a:rPr lang="en-US" sz="1900" dirty="0" smtClean="0"/>
-              <a:t>Discuss possible project timeline and next steps</a:t>
-            </a:r>
-          </a:p>
-          <a:p>
-            <a:pPr>
-              <a:lnSpc>
-                <a:spcPct val="150000"/>
-              </a:lnSpc>
-            </a:pPr>
-            <a:endParaRPr lang="en-US" sz="1900" dirty="0" smtClean="0"/>
-          </a:p>
-          <a:p>
-            <a:pPr>
-              <a:lnSpc>
-                <a:spcPct val="150000"/>
-              </a:lnSpc>
-            </a:pPr>
-            <a:endParaRPr lang="en-US" sz="1900" dirty="0"/>
-          </a:p>
-          <a:p>
-            <a:pPr marL="0" indent="0">
-              <a:buNone/>
-            </a:pPr>
-            <a:endParaRPr lang="en-US" dirty="0"/>
+            <a:r>
+              <a:rPr lang="en-US" sz="1200" b="1" dirty="0" smtClean="0"/>
+              <a:t>Key Business Stakeholders</a:t>
+            </a:r>
+            <a:r>
+              <a:rPr lang="en-US" sz="1200" b="1" dirty="0"/>
+              <a:t>:</a:t>
+            </a:r>
+            <a:endParaRPr lang="en-US" sz="1200" b="1" dirty="0" smtClean="0"/>
+          </a:p>
+          <a:p>
+            <a:pPr lvl="1"/>
+            <a:r>
+              <a:rPr lang="en-US" sz="1300" b="1" dirty="0" smtClean="0"/>
+              <a:t>Business Owners: </a:t>
+            </a:r>
+          </a:p>
+          <a:p>
+            <a:pPr lvl="2"/>
+            <a:r>
+              <a:rPr lang="en-US" sz="1200" dirty="0" smtClean="0"/>
+              <a:t>TBD </a:t>
+            </a:r>
+            <a:endParaRPr lang="en-US" sz="1200" i="1" dirty="0" smtClean="0"/>
+          </a:p>
+          <a:p>
+            <a:pPr lvl="1"/>
+            <a:r>
+              <a:rPr lang="en-US" sz="1300" b="1" dirty="0" smtClean="0"/>
+              <a:t>Subject Matter Expert: </a:t>
+            </a:r>
+            <a:r>
+              <a:rPr lang="en-US" sz="1300" dirty="0" smtClean="0"/>
+              <a:t>TBD</a:t>
+            </a:r>
+            <a:endParaRPr lang="en-US" sz="1300" i="1" dirty="0" smtClean="0"/>
+          </a:p>
+          <a:p>
+            <a:pPr lvl="1"/>
+            <a:r>
+              <a:rPr lang="en-US" sz="1300" b="1" dirty="0" smtClean="0"/>
+              <a:t>Business Stakeholder: </a:t>
+            </a:r>
+            <a:r>
+              <a:rPr lang="en-US" sz="1300" dirty="0" smtClean="0"/>
+              <a:t>TBD </a:t>
+            </a:r>
+            <a:endParaRPr lang="en-US" sz="1300" dirty="0"/>
+          </a:p>
+          <a:p>
+            <a:pPr marL="228600" lvl="2"/>
+            <a:r>
+              <a:rPr lang="en-US" sz="1200" b="1" dirty="0" smtClean="0"/>
+              <a:t>CBIIT Team </a:t>
+            </a:r>
+            <a:r>
+              <a:rPr lang="en-US" sz="1200" b="1" dirty="0"/>
+              <a:t>Members</a:t>
+            </a:r>
+          </a:p>
+          <a:p>
+            <a:pPr lvl="1"/>
+            <a:r>
+              <a:rPr lang="en-US" sz="1050" dirty="0" smtClean="0"/>
+              <a:t>Nelya Gunina, </a:t>
+            </a:r>
+            <a:r>
+              <a:rPr lang="en-US" sz="1050" i="1" dirty="0" smtClean="0"/>
+              <a:t>Federal Project Manager</a:t>
+            </a:r>
+          </a:p>
+          <a:p>
+            <a:pPr lvl="1"/>
+            <a:r>
+              <a:rPr lang="en-US" sz="1050" dirty="0" smtClean="0"/>
+              <a:t>Jennifer Kwok, </a:t>
+            </a:r>
+            <a:r>
+              <a:rPr lang="en-US" sz="1050" i="1" dirty="0" smtClean="0"/>
+              <a:t>Federal Project Manager</a:t>
+            </a:r>
+          </a:p>
+          <a:p>
+            <a:pPr lvl="1"/>
+            <a:r>
+              <a:rPr lang="en-US" sz="1050" dirty="0" smtClean="0"/>
+              <a:t>Lawrence Brem, </a:t>
+            </a:r>
+            <a:r>
+              <a:rPr lang="en-US" sz="1050" i="1" dirty="0" smtClean="0"/>
+              <a:t>Technical Project Manager</a:t>
+            </a:r>
+          </a:p>
+          <a:p>
+            <a:pPr lvl="1"/>
+            <a:r>
+              <a:rPr lang="en-US" sz="1050" dirty="0" smtClean="0"/>
+              <a:t>Dinesh Reddy</a:t>
+            </a:r>
+            <a:r>
+              <a:rPr lang="en-US" sz="1050" i="1" dirty="0" smtClean="0"/>
+              <a:t>, </a:t>
+            </a:r>
+            <a:r>
+              <a:rPr lang="en-US" sz="1050" i="1" dirty="0"/>
+              <a:t>Technical Project Manager</a:t>
+            </a:r>
+            <a:endParaRPr lang="en-US" sz="1050" i="1" dirty="0" smtClean="0"/>
+          </a:p>
+          <a:p>
+            <a:pPr lvl="1"/>
+            <a:r>
+              <a:rPr lang="en-US" sz="1050" dirty="0" smtClean="0"/>
+              <a:t>Gerald Momplaisir, </a:t>
+            </a:r>
+            <a:r>
+              <a:rPr lang="en-US" sz="1050" i="1" dirty="0" smtClean="0"/>
+              <a:t>Technical Lead</a:t>
+            </a:r>
+          </a:p>
+          <a:p>
+            <a:pPr lvl="1"/>
+            <a:r>
+              <a:rPr lang="en-US" sz="1050" dirty="0" smtClean="0"/>
+              <a:t>Yakov Polonsky</a:t>
+            </a:r>
+            <a:r>
+              <a:rPr lang="en-US" sz="1050" i="1" dirty="0" smtClean="0"/>
+              <a:t>, Architect</a:t>
+            </a:r>
+          </a:p>
+          <a:p>
+            <a:pPr lvl="1"/>
+            <a:r>
+              <a:rPr lang="en-US" sz="1050" dirty="0" smtClean="0"/>
+              <a:t>Sunita Menon</a:t>
+            </a:r>
+            <a:r>
+              <a:rPr lang="en-US" sz="1050" i="1" dirty="0" smtClean="0"/>
+              <a:t>, Development Lead</a:t>
+            </a:r>
+          </a:p>
+          <a:p>
+            <a:pPr lvl="1"/>
+            <a:r>
+              <a:rPr lang="en-US" sz="1050" dirty="0" smtClean="0"/>
+              <a:t>Subashini Varadarajan, </a:t>
+            </a:r>
+            <a:r>
+              <a:rPr lang="en-US" sz="1050" i="1" dirty="0" smtClean="0"/>
+              <a:t>Requirements Analyst</a:t>
+            </a:r>
+          </a:p>
+          <a:p>
+            <a:pPr lvl="1"/>
+            <a:r>
+              <a:rPr lang="en-US" sz="1050" dirty="0" smtClean="0"/>
+              <a:t>Gabriella Tulchinskaya, </a:t>
+            </a:r>
+            <a:r>
+              <a:rPr lang="en-US" sz="1050" i="1" dirty="0" smtClean="0"/>
+              <a:t>Requirements Analyst</a:t>
+            </a:r>
+          </a:p>
+          <a:p>
+            <a:pPr lvl="1"/>
+            <a:r>
+              <a:rPr lang="en-US" sz="1050" dirty="0" smtClean="0"/>
+              <a:t>Iris Hunt</a:t>
+            </a:r>
+            <a:r>
+              <a:rPr lang="en-US" sz="1050" i="1" dirty="0"/>
+              <a:t>, Requirements Analyst</a:t>
+            </a:r>
+            <a:endParaRPr lang="en-US" sz="1050" i="1" dirty="0" smtClean="0"/>
+          </a:p>
+          <a:p>
+            <a:pPr lvl="1"/>
+            <a:r>
+              <a:rPr lang="en-US" sz="1050" dirty="0" smtClean="0"/>
+              <a:t>David Chang, </a:t>
+            </a:r>
+            <a:r>
+              <a:rPr lang="en-US" sz="1050" i="1" dirty="0" smtClean="0"/>
+              <a:t>Database Developer</a:t>
+            </a:r>
+          </a:p>
+          <a:p>
+            <a:pPr lvl="1"/>
+            <a:r>
+              <a:rPr lang="en-US" sz="1050" dirty="0" smtClean="0"/>
+              <a:t>Sheng Zhao</a:t>
+            </a:r>
+            <a:r>
+              <a:rPr lang="en-US" sz="1050" i="1" dirty="0" smtClean="0"/>
+              <a:t>, </a:t>
+            </a:r>
+            <a:r>
+              <a:rPr lang="en-US" sz="1050" i="1" dirty="0"/>
+              <a:t>Database Developer</a:t>
+            </a:r>
+            <a:endParaRPr lang="en-US" sz="1050" i="1" dirty="0" smtClean="0"/>
+          </a:p>
+          <a:p>
+            <a:pPr lvl="1"/>
+            <a:endParaRPr lang="en-US" sz="1200" dirty="0" smtClean="0"/>
           </a:p>
         </p:txBody>
       </p:sp>
     </p:spTree>
     <p:extLst>
       <p:ext uri="{BB962C8B-B14F-4D97-AF65-F5344CB8AC3E}">
-        <p14:creationId xmlns:p14="http://schemas.microsoft.com/office/powerpoint/2010/main" val="3425540830"/>
+        <p14:creationId xmlns:p14="http://schemas.microsoft.com/office/powerpoint/2010/main" val="1399676360"/>
       </p:ext>
     </p:extLst>
   </p:cSld>
   <p:clrMapOvr>
     <a:masterClrMapping/>
   </p:clrMapOvr>
-  <mc:AlternateContent xmlns:mc="http://schemas.openxmlformats.org/markup-compatibility/2006" xmlns:p14="http://schemas.microsoft.com/office/powerpoint/2010/main">
-    <mc:Choice Requires="p14">
-      <p:transition spd="slow" p14:dur="2000"/>
-    </mc:Choice>
-    <mc:Fallback xmlns="">
-      <p:transition spd="slow"/>
-    </mc:Fallback>
-  </mc:AlternateContent>
   <p:timing>
     <p:tnLst>
       <p:par>
@@ -11749,24 +11892,24 @@
         </p:nvSpPr>
         <p:spPr>
           <a:xfrm>
-            <a:off x="493776" y="415544"/>
-            <a:ext cx="8165592" cy="498856"/>
+            <a:off x="457200" y="381000"/>
+            <a:ext cx="8165592" cy="686337"/>
           </a:xfrm>
         </p:spPr>
         <p:txBody>
           <a:bodyPr/>
           <a:lstStyle/>
           <a:p>
-            <a:pPr marL="228600" lvl="1">
-              <a:lnSpc>
-                <a:spcPct val="150000"/>
-              </a:lnSpc>
-            </a:pPr>
-            <a:r>
-              <a:rPr lang="en-US" sz="2400" b="1" kern="1200" dirty="0">
-                <a:solidFill>
-                  <a:srgbClr val="123E57"/>
-                </a:solidFill>
+            <a:pPr lvl="0"/>
+            <a:r>
+              <a:rPr lang="en-US" b="1" dirty="0" smtClean="0"/>
+              <a:t/>
+            </a:r>
+            <a:br>
+              <a:rPr lang="en-US" b="1" dirty="0" smtClean="0"/>
+            </a:br>
+            <a:r>
+              <a:rPr lang="en-US" b="1" dirty="0" smtClean="0">
                 <a:effectLst>
                   <a:outerShdw blurRad="38100" dist="38100" dir="2700000" algn="tl">
                     <a:srgbClr val="000000">
@@ -11777,110 +11920,16 @@
                 <a:latin typeface="Arial" panose="020B0604020202020204" pitchFamily="34" charset="0"/>
                 <a:cs typeface="Arial" panose="020B0604020202020204" pitchFamily="34" charset="0"/>
               </a:rPr>
-              <a:t>P</a:t>
-            </a:r>
-            <a:r>
-              <a:rPr lang="en-US" sz="2400" b="1" kern="1200" dirty="0" smtClean="0">
-                <a:solidFill>
-                  <a:srgbClr val="123E57"/>
-                </a:solidFill>
-                <a:effectLst>
-                  <a:outerShdw blurRad="38100" dist="38100" dir="2700000" algn="tl">
-                    <a:srgbClr val="000000">
-                      <a:alpha val="43137"/>
-                    </a:srgbClr>
-                  </a:outerShdw>
-                </a:effectLst>
-                <a:latin typeface="Arial" panose="020B0604020202020204" pitchFamily="34" charset="0"/>
-                <a:cs typeface="Arial" panose="020B0604020202020204" pitchFamily="34" charset="0"/>
-              </a:rPr>
-              <a:t>roject </a:t>
-            </a:r>
-            <a:r>
-              <a:rPr lang="en-US" sz="2400" b="1" kern="1200" dirty="0">
-                <a:solidFill>
-                  <a:srgbClr val="123E57"/>
-                </a:solidFill>
-                <a:effectLst>
-                  <a:outerShdw blurRad="38100" dist="38100" dir="2700000" algn="tl">
-                    <a:srgbClr val="000000">
-                      <a:alpha val="43137"/>
-                    </a:srgbClr>
-                  </a:outerShdw>
-                </a:effectLst>
-                <a:latin typeface="Arial" panose="020B0604020202020204" pitchFamily="34" charset="0"/>
-                <a:cs typeface="Arial" panose="020B0604020202020204" pitchFamily="34" charset="0"/>
-              </a:rPr>
-              <a:t>scope, </a:t>
-            </a:r>
-            <a:r>
-              <a:rPr lang="en-US" sz="2400" b="1" kern="1200" dirty="0" smtClean="0">
-                <a:solidFill>
-                  <a:srgbClr val="123E57"/>
-                </a:solidFill>
-                <a:effectLst>
-                  <a:outerShdw blurRad="38100" dist="38100" dir="2700000" algn="tl">
-                    <a:srgbClr val="000000">
-                      <a:alpha val="43137"/>
-                    </a:srgbClr>
-                  </a:outerShdw>
-                </a:effectLst>
-                <a:latin typeface="Arial" panose="020B0604020202020204" pitchFamily="34" charset="0"/>
-                <a:cs typeface="Arial" panose="020B0604020202020204" pitchFamily="34" charset="0"/>
-              </a:rPr>
-              <a:t>assumptions </a:t>
-            </a:r>
-            <a:r>
-              <a:rPr lang="en-US" sz="2400" b="1" kern="1200" dirty="0">
-                <a:solidFill>
-                  <a:srgbClr val="123E57"/>
-                </a:solidFill>
-                <a:effectLst>
-                  <a:outerShdw blurRad="38100" dist="38100" dir="2700000" algn="tl">
-                    <a:srgbClr val="000000">
-                      <a:alpha val="43137"/>
-                    </a:srgbClr>
-                  </a:outerShdw>
-                </a:effectLst>
-                <a:latin typeface="Arial" panose="020B0604020202020204" pitchFamily="34" charset="0"/>
-                <a:cs typeface="Arial" panose="020B0604020202020204" pitchFamily="34" charset="0"/>
-              </a:rPr>
-              <a:t>and </a:t>
-            </a:r>
-            <a:r>
-              <a:rPr lang="en-US" sz="2400" b="1" kern="1200" dirty="0" smtClean="0">
-                <a:solidFill>
-                  <a:srgbClr val="123E57"/>
-                </a:solidFill>
-                <a:effectLst>
-                  <a:outerShdw blurRad="38100" dist="38100" dir="2700000" algn="tl">
-                    <a:srgbClr val="000000">
-                      <a:alpha val="43137"/>
-                    </a:srgbClr>
-                  </a:outerShdw>
-                </a:effectLst>
-                <a:latin typeface="Arial" panose="020B0604020202020204" pitchFamily="34" charset="0"/>
-                <a:cs typeface="Arial" panose="020B0604020202020204" pitchFamily="34" charset="0"/>
-              </a:rPr>
-              <a:t>risk </a:t>
-            </a:r>
-            <a:r>
-              <a:rPr lang="en-US" sz="2400" b="1" kern="1200" dirty="0">
-                <a:solidFill>
-                  <a:srgbClr val="123E57"/>
-                </a:solidFill>
-                <a:effectLst>
-                  <a:outerShdw blurRad="38100" dist="38100" dir="2700000" algn="tl">
-                    <a:srgbClr val="000000">
-                      <a:alpha val="43137"/>
-                    </a:srgbClr>
-                  </a:outerShdw>
-                </a:effectLst>
-                <a:latin typeface="Arial" panose="020B0604020202020204" pitchFamily="34" charset="0"/>
-                <a:cs typeface="Arial" panose="020B0604020202020204" pitchFamily="34" charset="0"/>
-              </a:rPr>
-              <a:t>factors</a:t>
-            </a:r>
+              <a:t>Meeting Goals and Agenda</a:t>
+            </a:r>
+            <a:r>
+              <a:rPr lang="en-US" dirty="0"/>
+              <a:t/>
+            </a:r>
+            <a:br>
+              <a:rPr lang="en-US" dirty="0"/>
+            </a:br>
+            <a:endParaRPr lang="en-US" dirty="0"/>
           </a:p>
         </p:txBody>
       </p:sp>
@@ -11896,145 +11945,146 @@
         </p:nvSpPr>
         <p:spPr>
           <a:xfrm>
-            <a:off x="481521" y="1066800"/>
-            <a:ext cx="8165592" cy="5334000"/>
+            <a:off x="457200" y="914400"/>
+            <a:ext cx="8165592" cy="5562600"/>
           </a:xfrm>
         </p:spPr>
         <p:txBody>
           <a:bodyPr/>
           <a:lstStyle/>
           <a:p>
-            <a:pPr lvl="1"/>
-            <a:r>
-              <a:rPr lang="en-US" sz="1700" b="1" dirty="0" smtClean="0"/>
-              <a:t>Scope</a:t>
-            </a:r>
-            <a:endParaRPr lang="en-US" sz="1700" b="1" dirty="0"/>
-          </a:p>
-          <a:p>
-            <a:pPr lvl="2"/>
-            <a:r>
-              <a:rPr lang="en-US" sz="1500" dirty="0" smtClean="0"/>
-              <a:t>Fix recurring production issues</a:t>
-            </a:r>
-          </a:p>
-          <a:p>
-            <a:pPr lvl="2"/>
-            <a:r>
-              <a:rPr lang="en-US" sz="1500" dirty="0" smtClean="0"/>
-              <a:t>Accommodate additional business needs:</a:t>
-            </a:r>
-          </a:p>
-          <a:p>
-            <a:pPr lvl="3"/>
-            <a:r>
-              <a:rPr lang="en-US" sz="1400" dirty="0" smtClean="0"/>
-              <a:t>Provide reporting capabilities</a:t>
-            </a:r>
-          </a:p>
-          <a:p>
-            <a:pPr lvl="3"/>
-            <a:r>
-              <a:rPr lang="en-US" sz="1400" dirty="0" smtClean="0"/>
-              <a:t>Enhance </a:t>
-            </a:r>
-            <a:r>
-              <a:rPr lang="en-US" sz="1400" dirty="0"/>
-              <a:t>search </a:t>
-            </a:r>
-            <a:r>
-              <a:rPr lang="en-US" sz="1400" dirty="0" smtClean="0"/>
-              <a:t>capabilities</a:t>
-            </a:r>
-          </a:p>
-          <a:p>
-            <a:pPr lvl="3"/>
-            <a:r>
-              <a:rPr lang="en-US" sz="1400" dirty="0" smtClean="0"/>
-              <a:t>Enhance security</a:t>
-            </a:r>
-          </a:p>
-          <a:p>
-            <a:pPr lvl="2"/>
-            <a:r>
-              <a:rPr lang="en-US" sz="1500" dirty="0"/>
-              <a:t>Modernize existing </a:t>
-            </a:r>
-            <a:r>
-              <a:rPr lang="en-US" sz="1500" dirty="0" err="1"/>
-              <a:t>GreenSheets</a:t>
-            </a:r>
-            <a:r>
-              <a:rPr lang="en-US" sz="1500" dirty="0"/>
-              <a:t> </a:t>
-            </a:r>
-            <a:r>
-              <a:rPr lang="en-US" sz="1500" dirty="0" smtClean="0"/>
-              <a:t>system</a:t>
-            </a:r>
-            <a:endParaRPr lang="en-US" sz="1500" dirty="0"/>
-          </a:p>
-          <a:p>
-            <a:pPr lvl="1"/>
-            <a:r>
-              <a:rPr lang="en-US" sz="1600" b="1" dirty="0" smtClean="0"/>
-              <a:t>Assumptions</a:t>
-            </a:r>
-          </a:p>
-          <a:p>
-            <a:pPr lvl="2"/>
-            <a:r>
-              <a:rPr lang="en-US" sz="1500" dirty="0" smtClean="0"/>
-              <a:t>OGA Program staff will provide input throughout the life of the project</a:t>
-            </a:r>
-          </a:p>
-          <a:p>
-            <a:pPr lvl="2"/>
-            <a:r>
-              <a:rPr lang="en-US" sz="1500" dirty="0" smtClean="0"/>
-              <a:t>CBIIT will use phased approach</a:t>
-            </a:r>
-          </a:p>
-          <a:p>
-            <a:pPr lvl="1"/>
-            <a:r>
-              <a:rPr lang="en-US" sz="1600" b="1" dirty="0" smtClean="0"/>
-              <a:t>Risk Factors</a:t>
-            </a:r>
-          </a:p>
-          <a:p>
-            <a:pPr lvl="2"/>
-            <a:r>
-              <a:rPr lang="en-US" sz="1500" dirty="0"/>
-              <a:t>Program staff </a:t>
-            </a:r>
-            <a:r>
-              <a:rPr lang="en-US" sz="1500" dirty="0" smtClean="0"/>
-              <a:t>availability</a:t>
-            </a:r>
-          </a:p>
-          <a:p>
-            <a:pPr lvl="2"/>
-            <a:r>
-              <a:rPr lang="en-US" sz="1500" dirty="0" smtClean="0"/>
-              <a:t>Business process restrictions and dependencies with other systems (e.g. generation of dummy grants in GPMATS)</a:t>
-            </a:r>
-          </a:p>
-          <a:p>
-            <a:pPr lvl="2"/>
-            <a:r>
-              <a:rPr lang="en-US" sz="1500" dirty="0" smtClean="0"/>
-              <a:t>Policies restrictions (e.g. document retention)</a:t>
-            </a:r>
-            <a:endParaRPr lang="en-US" sz="1500" dirty="0"/>
+            <a:pPr marL="228600" lvl="1">
+              <a:lnSpc>
+                <a:spcPct val="150000"/>
+              </a:lnSpc>
+            </a:pPr>
+            <a:r>
+              <a:rPr lang="en-US" dirty="0" smtClean="0"/>
+              <a:t>Attain </a:t>
+            </a:r>
+            <a:r>
+              <a:rPr lang="en-US" dirty="0"/>
+              <a:t>a common understanding of the project scope, assumptions, and potential risk factors</a:t>
+            </a:r>
+          </a:p>
+          <a:p>
+            <a:pPr>
+              <a:lnSpc>
+                <a:spcPct val="150000"/>
+              </a:lnSpc>
+            </a:pPr>
+            <a:r>
+              <a:rPr lang="en-US" sz="1900" dirty="0" smtClean="0"/>
+              <a:t>Verify existing (“as-is”) requirements and </a:t>
+            </a:r>
+            <a:r>
+              <a:rPr lang="en-US" sz="1900" dirty="0"/>
+              <a:t>functionality with </a:t>
+            </a:r>
+            <a:r>
+              <a:rPr lang="en-US" sz="1900" dirty="0" smtClean="0"/>
+              <a:t>OGA</a:t>
+            </a:r>
+          </a:p>
+          <a:p>
+            <a:pPr>
+              <a:lnSpc>
+                <a:spcPct val="150000"/>
+              </a:lnSpc>
+            </a:pPr>
+            <a:r>
+              <a:rPr lang="en-US" sz="1900" dirty="0" smtClean="0"/>
+              <a:t>Discuss existing production issues and additional business </a:t>
+            </a:r>
+            <a:r>
+              <a:rPr lang="en-US" sz="1900" dirty="0"/>
+              <a:t>needs </a:t>
+            </a:r>
+            <a:r>
+              <a:rPr lang="en-US" sz="1900" dirty="0" smtClean="0"/>
+              <a:t>(</a:t>
+            </a:r>
+            <a:r>
+              <a:rPr lang="en-US" sz="1600" i="1" dirty="0" smtClean="0"/>
+              <a:t>initial discussion</a:t>
+            </a:r>
+            <a:r>
+              <a:rPr lang="en-US" sz="1900" dirty="0" smtClean="0"/>
+              <a:t>): </a:t>
+            </a:r>
+          </a:p>
+          <a:p>
+            <a:pPr lvl="1">
+              <a:lnSpc>
+                <a:spcPct val="150000"/>
+              </a:lnSpc>
+            </a:pPr>
+            <a:r>
+              <a:rPr lang="en-US" sz="1600" dirty="0" smtClean="0"/>
+              <a:t>Prioritize production issues to be fixed by re-design</a:t>
+            </a:r>
+          </a:p>
+          <a:p>
+            <a:pPr lvl="1">
+              <a:lnSpc>
+                <a:spcPct val="150000"/>
+              </a:lnSpc>
+            </a:pPr>
+            <a:r>
+              <a:rPr lang="en-US" sz="1600" dirty="0" smtClean="0"/>
+              <a:t>Reconfirm and prioritize additional business needs</a:t>
+            </a:r>
+          </a:p>
+          <a:p>
+            <a:pPr>
+              <a:lnSpc>
+                <a:spcPct val="150000"/>
+              </a:lnSpc>
+            </a:pPr>
+            <a:r>
+              <a:rPr lang="en-US" sz="1900" dirty="0" smtClean="0"/>
+              <a:t>Present the high level list of recommendations for re-design, reasons behind recommendations and solicit </a:t>
+            </a:r>
+            <a:r>
+              <a:rPr lang="en-US" sz="1900" dirty="0"/>
+              <a:t>OGA input </a:t>
+            </a:r>
+            <a:r>
+              <a:rPr lang="en-US" sz="1900" dirty="0" smtClean="0"/>
+              <a:t>on priorities</a:t>
+            </a:r>
+          </a:p>
+          <a:p>
+            <a:pPr>
+              <a:lnSpc>
+                <a:spcPct val="150000"/>
+              </a:lnSpc>
+            </a:pPr>
+            <a:r>
+              <a:rPr lang="en-US" sz="1900" dirty="0" smtClean="0"/>
+              <a:t>Discuss possible project timeline and next steps</a:t>
+            </a:r>
+          </a:p>
+          <a:p>
+            <a:pPr>
+              <a:lnSpc>
+                <a:spcPct val="150000"/>
+              </a:lnSpc>
+            </a:pPr>
+            <a:endParaRPr lang="en-US" sz="1900" dirty="0" smtClean="0"/>
+          </a:p>
+          <a:p>
+            <a:pPr>
+              <a:lnSpc>
+                <a:spcPct val="150000"/>
+              </a:lnSpc>
+            </a:pPr>
+            <a:endParaRPr lang="en-US" sz="1900" dirty="0"/>
           </a:p>
           <a:p>
             <a:pPr marL="0" indent="0">
               <a:buNone/>
             </a:pPr>
-            <a:endParaRPr lang="en-US" dirty="0"/>
-          </a:p>
-          <a:p>
             <a:endParaRPr lang="en-US" dirty="0"/>
           </a:p>
         </p:txBody>
@@ -12042,13 +12092,28 @@
     </p:spTree>
     <p:extLst>
       <p:ext uri="{BB962C8B-B14F-4D97-AF65-F5344CB8AC3E}">
-        <p14:creationId xmlns:p14="http://schemas.microsoft.com/office/powerpoint/2010/main" val="433280497"/>
+        <p14:creationId xmlns:p14="http://schemas.microsoft.com/office/powerpoint/2010/main" val="3425540830"/>
       </p:ext>
     </p:extLst>
   </p:cSld>
   <p:clrMapOvr>
     <a:masterClrMapping/>
   </p:clrMapOvr>
+  <mc:AlternateContent xmlns:mc="http://schemas.openxmlformats.org/markup-compatibility/2006" xmlns:p14="http://schemas.microsoft.com/office/powerpoint/2010/main">
+    <mc:Choice Requires="p14">
+      <p:transition spd="slow" p14:dur="2000"/>
+    </mc:Choice>
+    <mc:Fallback xmlns="">
+      <p:transition spd="slow"/>
+    </mc:Fallback>
+  </mc:AlternateContent>
+  <p:timing>
+    <p:tnLst>
+      <p:par>
+        <p:cTn id="1" dur="indefinite" restart="never" nodeType="tmRoot"/>
+      </p:par>
+    </p:tnLst>
+  </p:timing>
 </p:sld>
 </file>
 
@@ -12079,13 +12144,26 @@
             <p:ph type="title"/>
           </p:nvPr>
         </p:nvSpPr>
-        <p:spPr/>
+        <p:spPr>
+          <a:xfrm>
+            <a:off x="493776" y="415544"/>
+            <a:ext cx="8165592" cy="498856"/>
+          </a:xfrm>
+        </p:spPr>
         <p:txBody>
           <a:bodyPr/>
           <a:lstStyle/>
           <a:p>
-            <a:r>
-              <a:rPr lang="en-US" b="1" dirty="0">
+            <a:pPr marL="228600" lvl="1">
+              <a:lnSpc>
+                <a:spcPct val="150000"/>
+              </a:lnSpc>
+            </a:pPr>
+            <a:r>
+              <a:rPr lang="en-US" sz="2400" b="1" kern="1200" dirty="0">
+                <a:solidFill>
+                  <a:srgbClr val="123E57"/>
+                </a:solidFill>
                 <a:effectLst>
                   <a:outerShdw blurRad="38100" dist="38100" dir="2700000" algn="tl">
                     <a:srgbClr val="000000">
@@ -12093,11 +12171,16 @@
                     </a:srgbClr>
                   </a:outerShdw>
                 </a:effectLst>
+                <a:latin typeface="Arial" panose="020B0604020202020204" pitchFamily="34" charset="0"/>
+                <a:cs typeface="Arial" panose="020B0604020202020204" pitchFamily="34" charset="0"/>
               </a:rPr>
-              <a:t>“As-Is” user functionality </a:t>
-            </a:r>
-            <a:r>
-              <a:rPr lang="en-US" b="1" dirty="0" smtClean="0">
+              <a:t>P</a:t>
+            </a:r>
+            <a:r>
+              <a:rPr lang="en-US" sz="2400" b="1" kern="1200" dirty="0" smtClean="0">
+                <a:solidFill>
+                  <a:srgbClr val="123E57"/>
+                </a:solidFill>
                 <a:effectLst>
                   <a:outerShdw blurRad="38100" dist="38100" dir="2700000" algn="tl">
                     <a:srgbClr val="000000">
@@ -12105,561 +12188,258 @@
                     </a:srgbClr>
                   </a:outerShdw>
                 </a:effectLst>
+                <a:latin typeface="Arial" panose="020B0604020202020204" pitchFamily="34" charset="0"/>
+                <a:cs typeface="Arial" panose="020B0604020202020204" pitchFamily="34" charset="0"/>
               </a:rPr>
-              <a:t>(Search for grants)</a:t>
-            </a:r>
-            <a:endParaRPr lang="en-US" dirty="0"/>
+              <a:t>roject </a:t>
+            </a:r>
+            <a:r>
+              <a:rPr lang="en-US" sz="2400" b="1" kern="1200" dirty="0">
+                <a:solidFill>
+                  <a:srgbClr val="123E57"/>
+                </a:solidFill>
+                <a:effectLst>
+                  <a:outerShdw blurRad="38100" dist="38100" dir="2700000" algn="tl">
+                    <a:srgbClr val="000000">
+                      <a:alpha val="43137"/>
+                    </a:srgbClr>
+                  </a:outerShdw>
+                </a:effectLst>
+                <a:latin typeface="Arial" panose="020B0604020202020204" pitchFamily="34" charset="0"/>
+                <a:cs typeface="Arial" panose="020B0604020202020204" pitchFamily="34" charset="0"/>
+              </a:rPr>
+              <a:t>scope, </a:t>
+            </a:r>
+            <a:r>
+              <a:rPr lang="en-US" sz="2400" b="1" kern="1200" dirty="0" smtClean="0">
+                <a:solidFill>
+                  <a:srgbClr val="123E57"/>
+                </a:solidFill>
+                <a:effectLst>
+                  <a:outerShdw blurRad="38100" dist="38100" dir="2700000" algn="tl">
+                    <a:srgbClr val="000000">
+                      <a:alpha val="43137"/>
+                    </a:srgbClr>
+                  </a:outerShdw>
+                </a:effectLst>
+                <a:latin typeface="Arial" panose="020B0604020202020204" pitchFamily="34" charset="0"/>
+                <a:cs typeface="Arial" panose="020B0604020202020204" pitchFamily="34" charset="0"/>
+              </a:rPr>
+              <a:t>assumptions </a:t>
+            </a:r>
+            <a:r>
+              <a:rPr lang="en-US" sz="2400" b="1" kern="1200" dirty="0">
+                <a:solidFill>
+                  <a:srgbClr val="123E57"/>
+                </a:solidFill>
+                <a:effectLst>
+                  <a:outerShdw blurRad="38100" dist="38100" dir="2700000" algn="tl">
+                    <a:srgbClr val="000000">
+                      <a:alpha val="43137"/>
+                    </a:srgbClr>
+                  </a:outerShdw>
+                </a:effectLst>
+                <a:latin typeface="Arial" panose="020B0604020202020204" pitchFamily="34" charset="0"/>
+                <a:cs typeface="Arial" panose="020B0604020202020204" pitchFamily="34" charset="0"/>
+              </a:rPr>
+              <a:t>and </a:t>
+            </a:r>
+            <a:r>
+              <a:rPr lang="en-US" sz="2400" b="1" kern="1200" dirty="0" smtClean="0">
+                <a:solidFill>
+                  <a:srgbClr val="123E57"/>
+                </a:solidFill>
+                <a:effectLst>
+                  <a:outerShdw blurRad="38100" dist="38100" dir="2700000" algn="tl">
+                    <a:srgbClr val="000000">
+                      <a:alpha val="43137"/>
+                    </a:srgbClr>
+                  </a:outerShdw>
+                </a:effectLst>
+                <a:latin typeface="Arial" panose="020B0604020202020204" pitchFamily="34" charset="0"/>
+                <a:cs typeface="Arial" panose="020B0604020202020204" pitchFamily="34" charset="0"/>
+              </a:rPr>
+              <a:t>risk </a:t>
+            </a:r>
+            <a:r>
+              <a:rPr lang="en-US" sz="2400" b="1" kern="1200" dirty="0">
+                <a:solidFill>
+                  <a:srgbClr val="123E57"/>
+                </a:solidFill>
+                <a:effectLst>
+                  <a:outerShdw blurRad="38100" dist="38100" dir="2700000" algn="tl">
+                    <a:srgbClr val="000000">
+                      <a:alpha val="43137"/>
+                    </a:srgbClr>
+                  </a:outerShdw>
+                </a:effectLst>
+                <a:latin typeface="Arial" panose="020B0604020202020204" pitchFamily="34" charset="0"/>
+                <a:cs typeface="Arial" panose="020B0604020202020204" pitchFamily="34" charset="0"/>
+              </a:rPr>
+              <a:t>factors</a:t>
+            </a:r>
           </a:p>
         </p:txBody>
       </p:sp>
       <p:sp>
         <p:nvSpPr>
-          <p:cNvPr id="4" name="Flowchart: Alternate Process 3"/>
-          <p:cNvSpPr/>
-          <p:nvPr/>
+          <p:cNvPr id="3" name="Content Placeholder 2"/>
+          <p:cNvSpPr>
+            <a:spLocks noGrp="1"/>
+          </p:cNvSpPr>
+          <p:nvPr>
+            <p:ph sz="quarter" idx="11"/>
+          </p:nvPr>
         </p:nvSpPr>
         <p:spPr>
           <a:xfrm>
-            <a:off x="493776" y="1511795"/>
-            <a:ext cx="3925824" cy="4355605"/>
+            <a:off x="481521" y="1066800"/>
+            <a:ext cx="8165592" cy="5334000"/>
           </a:xfrm>
-          <a:prstGeom prst="flowChartAlternateProcess">
-            <a:avLst/>
-          </a:prstGeom>
-        </p:spPr>
-        <p:style>
-          <a:lnRef idx="1">
-            <a:schemeClr val="accent4"/>
-          </a:lnRef>
-          <a:fillRef idx="2">
-            <a:schemeClr val="accent4"/>
-          </a:fillRef>
-          <a:effectRef idx="1">
-            <a:schemeClr val="accent4"/>
-          </a:effectRef>
-          <a:fontRef idx="minor">
-            <a:schemeClr val="dk1"/>
-          </a:fontRef>
-        </p:style>
-        <p:txBody>
-          <a:bodyPr rtlCol="0" anchor="ctr"/>
-          <a:lstStyle/>
-          <a:p>
-            <a:r>
-              <a:rPr lang="en-US" dirty="0"/>
-              <a:t>Currently </a:t>
-            </a:r>
-            <a:r>
-              <a:rPr lang="en-US" b="1" dirty="0"/>
-              <a:t>the overall pool</a:t>
-            </a:r>
-            <a:r>
-              <a:rPr lang="en-US" dirty="0"/>
-              <a:t> of applications is restricted by:</a:t>
-            </a:r>
-          </a:p>
-          <a:p>
-            <a:endParaRPr lang="en-US" sz="1400" dirty="0"/>
-          </a:p>
-          <a:p>
-            <a:pPr marL="171450" lvl="0" indent="-171450">
-              <a:buFont typeface="Arial" panose="020B0604020202020204" pitchFamily="34" charset="0"/>
-              <a:buChar char="•"/>
-            </a:pPr>
-            <a:r>
-              <a:rPr lang="en-US" sz="1400" dirty="0"/>
-              <a:t>NCI grants after 2004</a:t>
-            </a:r>
-          </a:p>
-          <a:p>
-            <a:pPr marL="171450" lvl="0" indent="-171450">
-              <a:buFont typeface="Arial" panose="020B0604020202020204" pitchFamily="34" charset="0"/>
-              <a:buChar char="•"/>
-            </a:pPr>
-            <a:r>
-              <a:rPr lang="en-US" sz="1400" dirty="0"/>
-              <a:t>Grant has full grant number</a:t>
-            </a:r>
-          </a:p>
-          <a:p>
-            <a:pPr marL="171450" lvl="0" indent="-171450">
-              <a:buFont typeface="Arial" panose="020B0604020202020204" pitchFamily="34" charset="0"/>
-              <a:buChar char="•"/>
-            </a:pPr>
-            <a:r>
-              <a:rPr lang="en-US" sz="1400" dirty="0"/>
-              <a:t>Competing grants are scored</a:t>
-            </a:r>
-          </a:p>
-          <a:p>
-            <a:pPr marL="171450" lvl="0" indent="-171450">
-              <a:buFont typeface="Arial" panose="020B0604020202020204" pitchFamily="34" charset="0"/>
-              <a:buChar char="•"/>
-            </a:pPr>
-            <a:r>
-              <a:rPr lang="en-US" sz="1400" dirty="0" err="1"/>
-              <a:t>Grensheets</a:t>
-            </a:r>
-            <a:r>
-              <a:rPr lang="en-US" sz="1400" dirty="0"/>
-              <a:t> are required for this grant type/mechanism (</a:t>
-            </a:r>
-            <a:r>
-              <a:rPr lang="en-US" sz="1400" i="1" dirty="0"/>
-              <a:t>All type/mechanism pairs that require completion of </a:t>
-            </a:r>
-            <a:r>
-              <a:rPr lang="en-US" sz="1400" i="1" dirty="0" err="1"/>
-              <a:t>greensheets</a:t>
-            </a:r>
-            <a:r>
-              <a:rPr lang="en-US" sz="1400" i="1" dirty="0"/>
-              <a:t> are recorded in the database</a:t>
-            </a:r>
-            <a:r>
-              <a:rPr lang="en-US" sz="1400" dirty="0"/>
-              <a:t>)</a:t>
-            </a:r>
-          </a:p>
-          <a:p>
-            <a:pPr marL="171450" lvl="0" indent="-171450">
-              <a:buFont typeface="Arial" panose="020B0604020202020204" pitchFamily="34" charset="0"/>
-              <a:buChar char="•"/>
-            </a:pPr>
-            <a:r>
-              <a:rPr lang="en-US" sz="1400" dirty="0"/>
-              <a:t>PD and CA are assigned</a:t>
-            </a:r>
-          </a:p>
-          <a:p>
-            <a:pPr marL="171450" lvl="0" indent="-171450">
-              <a:buFont typeface="Arial" panose="020B0604020202020204" pitchFamily="34" charset="0"/>
-              <a:buChar char="•"/>
-            </a:pPr>
-            <a:r>
-              <a:rPr lang="en-US" sz="1400" dirty="0"/>
-              <a:t>And minor requested exceptions (</a:t>
-            </a:r>
-            <a:r>
-              <a:rPr lang="en-US" sz="1400" i="1" dirty="0"/>
-              <a:t>Type 6, non-competing type 3, something restrictions related to Type 5, GPMATS revisions</a:t>
-            </a:r>
-            <a:r>
-              <a:rPr lang="en-US" sz="1400" dirty="0"/>
-              <a:t>)</a:t>
-            </a:r>
-          </a:p>
-          <a:p>
-            <a:endParaRPr lang="en-US" dirty="0">
-              <a:solidFill>
-                <a:schemeClr val="dk1"/>
-              </a:solidFill>
-            </a:endParaRPr>
-          </a:p>
-        </p:txBody>
-      </p:sp>
-      <p:sp>
-        <p:nvSpPr>
-          <p:cNvPr id="5" name="Rectangle 4"/>
-          <p:cNvSpPr/>
-          <p:nvPr/>
-        </p:nvSpPr>
-        <p:spPr>
-          <a:xfrm>
-            <a:off x="493776" y="990600"/>
-            <a:ext cx="6821424" cy="369332"/>
-          </a:xfrm>
-          <a:prstGeom prst="rect">
-            <a:avLst/>
-          </a:prstGeom>
         </p:spPr>
         <p:txBody>
-          <a:bodyPr wrap="square">
-            <a:spAutoFit/>
-          </a:bodyPr>
+          <a:bodyPr/>
           <a:lstStyle/>
           <a:p>
-            <a:r>
-              <a:rPr lang="en-US" dirty="0">
-                <a:solidFill>
-                  <a:schemeClr val="dk1"/>
-                </a:solidFill>
-              </a:rPr>
-              <a:t>Search capabilities are different for different roles</a:t>
-            </a:r>
+            <a:pPr lvl="1"/>
+            <a:r>
+              <a:rPr lang="en-US" sz="1700" b="1" dirty="0" smtClean="0"/>
+              <a:t>Scope</a:t>
+            </a:r>
+            <a:endParaRPr lang="en-US" sz="1700" b="1" dirty="0"/>
+          </a:p>
+          <a:p>
+            <a:pPr lvl="2"/>
+            <a:r>
+              <a:rPr lang="en-US" sz="1500" dirty="0" smtClean="0"/>
+              <a:t>Fix recurring production issues</a:t>
+            </a:r>
+          </a:p>
+          <a:p>
+            <a:pPr lvl="2"/>
+            <a:r>
+              <a:rPr lang="en-US" sz="1500" dirty="0" smtClean="0"/>
+              <a:t>Accommodate additional business needs:</a:t>
+            </a:r>
+          </a:p>
+          <a:p>
+            <a:pPr lvl="3"/>
+            <a:r>
+              <a:rPr lang="en-US" sz="1400" dirty="0" smtClean="0"/>
+              <a:t>Provide reporting capabilities</a:t>
+            </a:r>
+          </a:p>
+          <a:p>
+            <a:pPr lvl="3"/>
+            <a:r>
+              <a:rPr lang="en-US" sz="1400" dirty="0" smtClean="0"/>
+              <a:t>Enhance </a:t>
+            </a:r>
+            <a:r>
+              <a:rPr lang="en-US" sz="1400" dirty="0"/>
+              <a:t>search </a:t>
+            </a:r>
+            <a:r>
+              <a:rPr lang="en-US" sz="1400" dirty="0" smtClean="0"/>
+              <a:t>capabilities</a:t>
+            </a:r>
+          </a:p>
+          <a:p>
+            <a:pPr lvl="3"/>
+            <a:r>
+              <a:rPr lang="en-US" sz="1400" dirty="0" smtClean="0"/>
+              <a:t>Enhance security</a:t>
+            </a:r>
+          </a:p>
+          <a:p>
+            <a:pPr lvl="2"/>
+            <a:r>
+              <a:rPr lang="en-US" sz="1500" dirty="0"/>
+              <a:t>Modernize existing </a:t>
+            </a:r>
+            <a:r>
+              <a:rPr lang="en-US" sz="1500" dirty="0" err="1"/>
+              <a:t>GreenSheets</a:t>
+            </a:r>
+            <a:r>
+              <a:rPr lang="en-US" sz="1500" dirty="0"/>
+              <a:t> </a:t>
+            </a:r>
+            <a:r>
+              <a:rPr lang="en-US" sz="1500" dirty="0" smtClean="0"/>
+              <a:t>system</a:t>
+            </a:r>
+            <a:endParaRPr lang="en-US" sz="1500" dirty="0"/>
+          </a:p>
+          <a:p>
+            <a:pPr lvl="1"/>
+            <a:r>
+              <a:rPr lang="en-US" sz="1600" b="1" dirty="0" smtClean="0"/>
+              <a:t>Assumptions</a:t>
+            </a:r>
+          </a:p>
+          <a:p>
+            <a:pPr lvl="2"/>
+            <a:r>
+              <a:rPr lang="en-US" sz="1500" dirty="0" smtClean="0"/>
+              <a:t>OGA Program staff will provide input throughout the life of the project</a:t>
+            </a:r>
+          </a:p>
+          <a:p>
+            <a:pPr lvl="2"/>
+            <a:r>
+              <a:rPr lang="en-US" sz="1500" dirty="0" smtClean="0"/>
+              <a:t>CBIIT will use phased approach</a:t>
+            </a:r>
+          </a:p>
+          <a:p>
+            <a:pPr lvl="1"/>
+            <a:r>
+              <a:rPr lang="en-US" sz="1600" b="1" dirty="0" smtClean="0"/>
+              <a:t>Risk Factors</a:t>
+            </a:r>
+          </a:p>
+          <a:p>
+            <a:pPr lvl="2"/>
+            <a:r>
+              <a:rPr lang="en-US" sz="1500" dirty="0"/>
+              <a:t>Program staff </a:t>
+            </a:r>
+            <a:r>
+              <a:rPr lang="en-US" sz="1500" dirty="0" smtClean="0"/>
+              <a:t>availability</a:t>
+            </a:r>
+          </a:p>
+          <a:p>
+            <a:pPr lvl="2"/>
+            <a:r>
+              <a:rPr lang="en-US" sz="1500" dirty="0" smtClean="0"/>
+              <a:t>Business process restrictions and dependencies with other systems (e.g. generation of dummy grants in GPMATS)</a:t>
+            </a:r>
+          </a:p>
+          <a:p>
+            <a:pPr lvl="2"/>
+            <a:r>
+              <a:rPr lang="en-US" sz="1500" dirty="0" smtClean="0"/>
+              <a:t>Policies restrictions (e.g. document retention)</a:t>
+            </a:r>
+            <a:endParaRPr lang="en-US" sz="1500" dirty="0"/>
+          </a:p>
+          <a:p>
+            <a:pPr marL="0" indent="0">
+              <a:buNone/>
+            </a:pPr>
             <a:endParaRPr lang="en-US" dirty="0"/>
           </a:p>
-        </p:txBody>
-      </p:sp>
-      <p:sp>
-        <p:nvSpPr>
-          <p:cNvPr id="7" name="Flowchart: Process 6"/>
-          <p:cNvSpPr/>
-          <p:nvPr/>
-        </p:nvSpPr>
-        <p:spPr>
-          <a:xfrm>
-            <a:off x="4800600" y="1676400"/>
-            <a:ext cx="3962400" cy="1905000"/>
-          </a:xfrm>
-          <a:prstGeom prst="flowChartProcess">
-            <a:avLst/>
-          </a:prstGeom>
-        </p:spPr>
-        <p:style>
-          <a:lnRef idx="1">
-            <a:schemeClr val="accent6"/>
-          </a:lnRef>
-          <a:fillRef idx="2">
-            <a:schemeClr val="accent6"/>
-          </a:fillRef>
-          <a:effectRef idx="1">
-            <a:schemeClr val="accent6"/>
-          </a:effectRef>
-          <a:fontRef idx="minor">
-            <a:schemeClr val="dk1"/>
-          </a:fontRef>
-        </p:style>
-        <p:txBody>
-          <a:bodyPr rtlCol="0" anchor="ctr"/>
-          <a:lstStyle/>
-          <a:p>
-            <a:pPr lvl="0"/>
-            <a:r>
-              <a:rPr lang="en-US" sz="1200" b="1" u="sng" dirty="0" smtClean="0"/>
-              <a:t>PD/PA</a:t>
-            </a:r>
-          </a:p>
-          <a:p>
-            <a:pPr lvl="0"/>
-            <a:r>
-              <a:rPr lang="en-US" sz="1200" dirty="0" smtClean="0"/>
-              <a:t>Search </a:t>
-            </a:r>
-            <a:r>
-              <a:rPr lang="en-US" sz="1200" dirty="0"/>
-              <a:t>criteria </a:t>
-            </a:r>
-            <a:r>
-              <a:rPr lang="en-US" sz="1200" dirty="0" smtClean="0"/>
-              <a:t>choices: </a:t>
-            </a:r>
-            <a:r>
-              <a:rPr lang="en-US" sz="1200" dirty="0"/>
-              <a:t>Portfolio, My CA, all NCI grants, PD Competing, PD non-competing, mechanism, grant number, PI name, Competing with </a:t>
-            </a:r>
-            <a:r>
-              <a:rPr lang="en-US" sz="1200" dirty="0" err="1"/>
-              <a:t>Payline</a:t>
-            </a:r>
-            <a:r>
-              <a:rPr lang="en-US" sz="1200" dirty="0"/>
-              <a:t> or not).  </a:t>
-            </a:r>
-          </a:p>
-          <a:p>
-            <a:endParaRPr lang="en-US" sz="1200" dirty="0" smtClean="0"/>
-          </a:p>
-          <a:p>
-            <a:endParaRPr lang="en-US" sz="1200" dirty="0"/>
-          </a:p>
-          <a:p>
-            <a:r>
-              <a:rPr lang="en-US" sz="1200" dirty="0">
-                <a:latin typeface="Arial" panose="020B0604020202020204" pitchFamily="34" charset="0"/>
-                <a:ea typeface="Calibri" panose="020F0502020204030204" pitchFamily="34" charset="0"/>
-              </a:rPr>
-              <a:t>The system allows </a:t>
-            </a:r>
-            <a:r>
-              <a:rPr lang="en-US" sz="1200" b="1" dirty="0">
-                <a:latin typeface="Arial" panose="020B0604020202020204" pitchFamily="34" charset="0"/>
-                <a:ea typeface="Calibri" panose="020F0502020204030204" pitchFamily="34" charset="0"/>
-              </a:rPr>
-              <a:t>editing preferences </a:t>
-            </a:r>
-            <a:r>
-              <a:rPr lang="en-US" sz="1200" dirty="0">
-                <a:latin typeface="Arial" panose="020B0604020202020204" pitchFamily="34" charset="0"/>
-                <a:ea typeface="Calibri" panose="020F0502020204030204" pitchFamily="34" charset="0"/>
-              </a:rPr>
-              <a:t>(change default settings for search criteria</a:t>
-            </a:r>
-            <a:r>
-              <a:rPr lang="en-US" sz="1200" dirty="0" smtClean="0">
-                <a:latin typeface="Arial" panose="020B0604020202020204" pitchFamily="34" charset="0"/>
-                <a:ea typeface="Calibri" panose="020F0502020204030204" pitchFamily="34" charset="0"/>
-              </a:rPr>
-              <a:t>.)</a:t>
-            </a:r>
-            <a:endParaRPr lang="en-US" sz="1200" dirty="0" smtClean="0"/>
-          </a:p>
-          <a:p>
-            <a:endParaRPr lang="en-US" sz="1200" dirty="0"/>
-          </a:p>
-          <a:p>
-            <a:endParaRPr lang="en-US" sz="1200" dirty="0" smtClean="0"/>
-          </a:p>
-        </p:txBody>
-      </p:sp>
-      <p:sp>
-        <p:nvSpPr>
-          <p:cNvPr id="8" name="Flowchart: Process 7"/>
-          <p:cNvSpPr/>
-          <p:nvPr/>
-        </p:nvSpPr>
-        <p:spPr>
-          <a:xfrm>
-            <a:off x="4800600" y="3810000"/>
-            <a:ext cx="3962400" cy="762000"/>
-          </a:xfrm>
-          <a:prstGeom prst="flowChartProcess">
-            <a:avLst/>
-          </a:prstGeom>
-        </p:spPr>
-        <p:style>
-          <a:lnRef idx="1">
-            <a:schemeClr val="accent6"/>
-          </a:lnRef>
-          <a:fillRef idx="2">
-            <a:schemeClr val="accent6"/>
-          </a:fillRef>
-          <a:effectRef idx="1">
-            <a:schemeClr val="accent6"/>
-          </a:effectRef>
-          <a:fontRef idx="minor">
-            <a:schemeClr val="dk1"/>
-          </a:fontRef>
-        </p:style>
-        <p:txBody>
-          <a:bodyPr rtlCol="0" anchor="ctr"/>
-          <a:lstStyle/>
-          <a:p>
-            <a:pPr lvl="0"/>
-            <a:r>
-              <a:rPr lang="en-US" sz="1200" b="1" u="sng" dirty="0" smtClean="0"/>
-              <a:t>GMS</a:t>
-            </a:r>
-          </a:p>
-          <a:p>
-            <a:pPr lvl="0"/>
-            <a:r>
-              <a:rPr lang="en-US" sz="1200" dirty="0" smtClean="0"/>
-              <a:t>Search </a:t>
-            </a:r>
-            <a:r>
-              <a:rPr lang="en-US" sz="1200" dirty="0"/>
-              <a:t>criteria </a:t>
-            </a:r>
-            <a:r>
-              <a:rPr lang="en-US" sz="1200" dirty="0" smtClean="0"/>
-              <a:t>choices: grant </a:t>
-            </a:r>
-            <a:r>
-              <a:rPr lang="en-US" sz="1200" dirty="0"/>
-              <a:t>number, PI </a:t>
-            </a:r>
-            <a:r>
-              <a:rPr lang="en-US" sz="1200" dirty="0" smtClean="0"/>
-              <a:t>name</a:t>
-            </a:r>
-          </a:p>
-          <a:p>
-            <a:endParaRPr lang="en-US" sz="1200" dirty="0"/>
-          </a:p>
-          <a:p>
-            <a:endParaRPr lang="en-US" sz="1200" dirty="0" smtClean="0"/>
-          </a:p>
-        </p:txBody>
-      </p:sp>
-      <p:sp>
-        <p:nvSpPr>
-          <p:cNvPr id="9" name="Flowchart: Process 8"/>
-          <p:cNvSpPr/>
-          <p:nvPr/>
-        </p:nvSpPr>
-        <p:spPr>
-          <a:xfrm>
-            <a:off x="4800600" y="4953000"/>
-            <a:ext cx="3962400" cy="762000"/>
-          </a:xfrm>
-          <a:prstGeom prst="flowChartProcess">
-            <a:avLst/>
-          </a:prstGeom>
-        </p:spPr>
-        <p:style>
-          <a:lnRef idx="1">
-            <a:schemeClr val="accent6"/>
-          </a:lnRef>
-          <a:fillRef idx="2">
-            <a:schemeClr val="accent6"/>
-          </a:fillRef>
-          <a:effectRef idx="1">
-            <a:schemeClr val="accent6"/>
-          </a:effectRef>
-          <a:fontRef idx="minor">
-            <a:schemeClr val="dk1"/>
-          </a:fontRef>
-        </p:style>
-        <p:txBody>
-          <a:bodyPr rtlCol="0" anchor="ctr"/>
-          <a:lstStyle/>
-          <a:p>
-            <a:pPr lvl="0"/>
-            <a:r>
-              <a:rPr lang="en-US" sz="1200" b="1" u="sng" dirty="0" smtClean="0"/>
-              <a:t>Guest</a:t>
-            </a:r>
-          </a:p>
-          <a:p>
-            <a:pPr lvl="0"/>
-            <a:r>
-              <a:rPr lang="en-US" sz="1200" dirty="0" smtClean="0"/>
-              <a:t>Search </a:t>
-            </a:r>
-            <a:r>
-              <a:rPr lang="en-US" sz="1200" dirty="0"/>
-              <a:t>criteria </a:t>
-            </a:r>
-            <a:r>
-              <a:rPr lang="en-US" sz="1200" dirty="0" smtClean="0"/>
-              <a:t>choices: grant </a:t>
-            </a:r>
-            <a:r>
-              <a:rPr lang="en-US" sz="1200" dirty="0"/>
-              <a:t>number, PI </a:t>
-            </a:r>
-            <a:r>
-              <a:rPr lang="en-US" sz="1200" dirty="0" smtClean="0"/>
-              <a:t>name</a:t>
-            </a:r>
-          </a:p>
-          <a:p>
-            <a:endParaRPr lang="en-US" sz="1200" dirty="0"/>
-          </a:p>
-          <a:p>
-            <a:endParaRPr lang="en-US" sz="1200" dirty="0" smtClean="0"/>
-          </a:p>
-        </p:txBody>
-      </p:sp>
-      <p:sp>
-        <p:nvSpPr>
-          <p:cNvPr id="10" name="Right Arrow 9"/>
-          <p:cNvSpPr/>
-          <p:nvPr/>
-        </p:nvSpPr>
-        <p:spPr>
-          <a:xfrm>
-            <a:off x="4419600" y="2743200"/>
-            <a:ext cx="381000" cy="304800"/>
-          </a:xfrm>
-          <a:prstGeom prst="rightArrow">
-            <a:avLst/>
-          </a:prstGeom>
-        </p:spPr>
-        <p:style>
-          <a:lnRef idx="1">
-            <a:schemeClr val="accent1"/>
-          </a:lnRef>
-          <a:fillRef idx="3">
-            <a:schemeClr val="accent1"/>
-          </a:fillRef>
-          <a:effectRef idx="2">
-            <a:schemeClr val="accent1"/>
-          </a:effectRef>
-          <a:fontRef idx="minor">
-            <a:schemeClr val="lt1"/>
-          </a:fontRef>
-        </p:style>
-        <p:txBody>
-          <a:bodyPr rtlCol="0" anchor="ctr"/>
-          <a:lstStyle/>
-          <a:p>
-            <a:pPr algn="ctr"/>
-            <a:endParaRPr lang="en-US"/>
-          </a:p>
-        </p:txBody>
-      </p:sp>
-      <p:sp>
-        <p:nvSpPr>
-          <p:cNvPr id="11" name="Right Arrow 10"/>
-          <p:cNvSpPr/>
-          <p:nvPr/>
-        </p:nvSpPr>
-        <p:spPr>
-          <a:xfrm>
-            <a:off x="4419600" y="4046220"/>
-            <a:ext cx="381000" cy="304800"/>
-          </a:xfrm>
-          <a:prstGeom prst="rightArrow">
-            <a:avLst/>
-          </a:prstGeom>
-        </p:spPr>
-        <p:style>
-          <a:lnRef idx="1">
-            <a:schemeClr val="accent1"/>
-          </a:lnRef>
-          <a:fillRef idx="3">
-            <a:schemeClr val="accent1"/>
-          </a:fillRef>
-          <a:effectRef idx="2">
-            <a:schemeClr val="accent1"/>
-          </a:effectRef>
-          <a:fontRef idx="minor">
-            <a:schemeClr val="lt1"/>
-          </a:fontRef>
-        </p:style>
-        <p:txBody>
-          <a:bodyPr rtlCol="0" anchor="ctr"/>
-          <a:lstStyle/>
-          <a:p>
-            <a:pPr algn="ctr"/>
-            <a:endParaRPr lang="en-US"/>
-          </a:p>
-        </p:txBody>
-      </p:sp>
-      <p:sp>
-        <p:nvSpPr>
-          <p:cNvPr id="12" name="Right Arrow 11"/>
-          <p:cNvSpPr/>
-          <p:nvPr/>
-        </p:nvSpPr>
-        <p:spPr>
-          <a:xfrm>
-            <a:off x="4419600" y="5050536"/>
-            <a:ext cx="381000" cy="304800"/>
-          </a:xfrm>
-          <a:prstGeom prst="rightArrow">
-            <a:avLst/>
-          </a:prstGeom>
-        </p:spPr>
-        <p:style>
-          <a:lnRef idx="1">
-            <a:schemeClr val="accent1"/>
-          </a:lnRef>
-          <a:fillRef idx="3">
-            <a:schemeClr val="accent1"/>
-          </a:fillRef>
-          <a:effectRef idx="2">
-            <a:schemeClr val="accent1"/>
-          </a:effectRef>
-          <a:fontRef idx="minor">
-            <a:schemeClr val="lt1"/>
-          </a:fontRef>
-        </p:style>
-        <p:txBody>
-          <a:bodyPr rtlCol="0" anchor="ctr"/>
-          <a:lstStyle/>
-          <a:p>
-            <a:pPr algn="ctr"/>
-            <a:endParaRPr lang="en-US"/>
+          <a:p>
+            <a:endParaRPr lang="en-US" dirty="0"/>
           </a:p>
         </p:txBody>
       </p:sp>
     </p:spTree>
     <p:extLst>
       <p:ext uri="{BB962C8B-B14F-4D97-AF65-F5344CB8AC3E}">
-        <p14:creationId xmlns:p14="http://schemas.microsoft.com/office/powerpoint/2010/main" val="407810961"/>
+        <p14:creationId xmlns:p14="http://schemas.microsoft.com/office/powerpoint/2010/main" val="433280497"/>
       </p:ext>
     </p:extLst>
   </p:cSld>
@@ -12711,6 +12491,623 @@
                   </a:outerShdw>
                 </a:effectLst>
               </a:rPr>
+              <a:t>“As-Is” user functionality </a:t>
+            </a:r>
+            <a:r>
+              <a:rPr lang="en-US" b="1" dirty="0" smtClean="0">
+                <a:effectLst>
+                  <a:outerShdw blurRad="38100" dist="38100" dir="2700000" algn="tl">
+                    <a:srgbClr val="000000">
+                      <a:alpha val="43137"/>
+                    </a:srgbClr>
+                  </a:outerShdw>
+                </a:effectLst>
+              </a:rPr>
+              <a:t>(Search for grants)</a:t>
+            </a:r>
+            <a:endParaRPr lang="en-US" dirty="0"/>
+          </a:p>
+        </p:txBody>
+      </p:sp>
+      <p:sp>
+        <p:nvSpPr>
+          <p:cNvPr id="4" name="Flowchart: Alternate Process 3"/>
+          <p:cNvSpPr/>
+          <p:nvPr/>
+        </p:nvSpPr>
+        <p:spPr>
+          <a:xfrm>
+            <a:off x="493776" y="1511795"/>
+            <a:ext cx="3925824" cy="4355605"/>
+          </a:xfrm>
+          <a:prstGeom prst="flowChartAlternateProcess">
+            <a:avLst/>
+          </a:prstGeom>
+        </p:spPr>
+        <p:style>
+          <a:lnRef idx="1">
+            <a:schemeClr val="accent4"/>
+          </a:lnRef>
+          <a:fillRef idx="2">
+            <a:schemeClr val="accent4"/>
+          </a:fillRef>
+          <a:effectRef idx="1">
+            <a:schemeClr val="accent4"/>
+          </a:effectRef>
+          <a:fontRef idx="minor">
+            <a:schemeClr val="dk1"/>
+          </a:fontRef>
+        </p:style>
+        <p:txBody>
+          <a:bodyPr rtlCol="0" anchor="ctr"/>
+          <a:lstStyle/>
+          <a:p>
+            <a:r>
+              <a:rPr lang="en-US" dirty="0"/>
+              <a:t>Currently </a:t>
+            </a:r>
+            <a:r>
+              <a:rPr lang="en-US" b="1" dirty="0"/>
+              <a:t>the overall pool</a:t>
+            </a:r>
+            <a:r>
+              <a:rPr lang="en-US" dirty="0"/>
+              <a:t> of applications is restricted by:</a:t>
+            </a:r>
+          </a:p>
+          <a:p>
+            <a:endParaRPr lang="en-US" sz="1400" dirty="0"/>
+          </a:p>
+          <a:p>
+            <a:pPr marL="171450" lvl="0" indent="-171450">
+              <a:buFont typeface="Arial" panose="020B0604020202020204" pitchFamily="34" charset="0"/>
+              <a:buChar char="•"/>
+            </a:pPr>
+            <a:r>
+              <a:rPr lang="en-US" sz="1400" dirty="0"/>
+              <a:t>NCI grants after 2004</a:t>
+            </a:r>
+          </a:p>
+          <a:p>
+            <a:pPr marL="171450" lvl="0" indent="-171450">
+              <a:buFont typeface="Arial" panose="020B0604020202020204" pitchFamily="34" charset="0"/>
+              <a:buChar char="•"/>
+            </a:pPr>
+            <a:r>
+              <a:rPr lang="en-US" sz="1400" dirty="0"/>
+              <a:t>Grant has full grant number</a:t>
+            </a:r>
+          </a:p>
+          <a:p>
+            <a:pPr marL="171450" lvl="0" indent="-171450">
+              <a:buFont typeface="Arial" panose="020B0604020202020204" pitchFamily="34" charset="0"/>
+              <a:buChar char="•"/>
+            </a:pPr>
+            <a:r>
+              <a:rPr lang="en-US" sz="1400" dirty="0"/>
+              <a:t>Competing grants are scored</a:t>
+            </a:r>
+          </a:p>
+          <a:p>
+            <a:pPr marL="171450" lvl="0" indent="-171450">
+              <a:buFont typeface="Arial" panose="020B0604020202020204" pitchFamily="34" charset="0"/>
+              <a:buChar char="•"/>
+            </a:pPr>
+            <a:r>
+              <a:rPr lang="en-US" sz="1400" dirty="0" err="1"/>
+              <a:t>Grensheets</a:t>
+            </a:r>
+            <a:r>
+              <a:rPr lang="en-US" sz="1400" dirty="0"/>
+              <a:t> are required for this grant type/mechanism (</a:t>
+            </a:r>
+            <a:r>
+              <a:rPr lang="en-US" sz="1400" i="1" dirty="0"/>
+              <a:t>All type/mechanism pairs that require completion of </a:t>
+            </a:r>
+            <a:r>
+              <a:rPr lang="en-US" sz="1400" i="1" dirty="0" err="1"/>
+              <a:t>greensheets</a:t>
+            </a:r>
+            <a:r>
+              <a:rPr lang="en-US" sz="1400" i="1" dirty="0"/>
+              <a:t> are recorded in the database</a:t>
+            </a:r>
+            <a:r>
+              <a:rPr lang="en-US" sz="1400" dirty="0"/>
+              <a:t>)</a:t>
+            </a:r>
+          </a:p>
+          <a:p>
+            <a:pPr marL="171450" lvl="0" indent="-171450">
+              <a:buFont typeface="Arial" panose="020B0604020202020204" pitchFamily="34" charset="0"/>
+              <a:buChar char="•"/>
+            </a:pPr>
+            <a:r>
+              <a:rPr lang="en-US" sz="1400" dirty="0"/>
+              <a:t>PD and CA are assigned</a:t>
+            </a:r>
+          </a:p>
+          <a:p>
+            <a:pPr marL="171450" lvl="0" indent="-171450">
+              <a:buFont typeface="Arial" panose="020B0604020202020204" pitchFamily="34" charset="0"/>
+              <a:buChar char="•"/>
+            </a:pPr>
+            <a:r>
+              <a:rPr lang="en-US" sz="1400" dirty="0"/>
+              <a:t>And minor requested exceptions (</a:t>
+            </a:r>
+            <a:r>
+              <a:rPr lang="en-US" sz="1400" i="1" dirty="0"/>
+              <a:t>Type 6, non-competing type 3, something restrictions related to Type 5, GPMATS revisions</a:t>
+            </a:r>
+            <a:r>
+              <a:rPr lang="en-US" sz="1400" dirty="0"/>
+              <a:t>)</a:t>
+            </a:r>
+          </a:p>
+          <a:p>
+            <a:endParaRPr lang="en-US" dirty="0">
+              <a:solidFill>
+                <a:schemeClr val="dk1"/>
+              </a:solidFill>
+            </a:endParaRPr>
+          </a:p>
+        </p:txBody>
+      </p:sp>
+      <p:sp>
+        <p:nvSpPr>
+          <p:cNvPr id="5" name="Rectangle 4"/>
+          <p:cNvSpPr/>
+          <p:nvPr/>
+        </p:nvSpPr>
+        <p:spPr>
+          <a:xfrm>
+            <a:off x="493776" y="990600"/>
+            <a:ext cx="6821424" cy="369332"/>
+          </a:xfrm>
+          <a:prstGeom prst="rect">
+            <a:avLst/>
+          </a:prstGeom>
+        </p:spPr>
+        <p:txBody>
+          <a:bodyPr wrap="square">
+            <a:spAutoFit/>
+          </a:bodyPr>
+          <a:lstStyle/>
+          <a:p>
+            <a:r>
+              <a:rPr lang="en-US" dirty="0">
+                <a:solidFill>
+                  <a:schemeClr val="dk1"/>
+                </a:solidFill>
+              </a:rPr>
+              <a:t>Search capabilities are different for different roles</a:t>
+            </a:r>
+            <a:endParaRPr lang="en-US" dirty="0"/>
+          </a:p>
+        </p:txBody>
+      </p:sp>
+      <p:sp>
+        <p:nvSpPr>
+          <p:cNvPr id="7" name="Flowchart: Process 6"/>
+          <p:cNvSpPr/>
+          <p:nvPr/>
+        </p:nvSpPr>
+        <p:spPr>
+          <a:xfrm>
+            <a:off x="4800600" y="1676400"/>
+            <a:ext cx="3962400" cy="1905000"/>
+          </a:xfrm>
+          <a:prstGeom prst="flowChartProcess">
+            <a:avLst/>
+          </a:prstGeom>
+        </p:spPr>
+        <p:style>
+          <a:lnRef idx="1">
+            <a:schemeClr val="accent6"/>
+          </a:lnRef>
+          <a:fillRef idx="2">
+            <a:schemeClr val="accent6"/>
+          </a:fillRef>
+          <a:effectRef idx="1">
+            <a:schemeClr val="accent6"/>
+          </a:effectRef>
+          <a:fontRef idx="minor">
+            <a:schemeClr val="dk1"/>
+          </a:fontRef>
+        </p:style>
+        <p:txBody>
+          <a:bodyPr rtlCol="0" anchor="ctr"/>
+          <a:lstStyle/>
+          <a:p>
+            <a:pPr lvl="0"/>
+            <a:r>
+              <a:rPr lang="en-US" sz="1200" b="1" u="sng" dirty="0" smtClean="0"/>
+              <a:t>PD/PA</a:t>
+            </a:r>
+          </a:p>
+          <a:p>
+            <a:pPr lvl="0"/>
+            <a:r>
+              <a:rPr lang="en-US" sz="1200" dirty="0" smtClean="0"/>
+              <a:t>Search </a:t>
+            </a:r>
+            <a:r>
+              <a:rPr lang="en-US" sz="1200" dirty="0"/>
+              <a:t>criteria </a:t>
+            </a:r>
+            <a:r>
+              <a:rPr lang="en-US" sz="1200" dirty="0" smtClean="0"/>
+              <a:t>choices: </a:t>
+            </a:r>
+            <a:r>
+              <a:rPr lang="en-US" sz="1200" dirty="0"/>
+              <a:t>Portfolio, My CA, all NCI grants, PD Competing, PD non-competing, mechanism, grant number, PI name, Competing with </a:t>
+            </a:r>
+            <a:r>
+              <a:rPr lang="en-US" sz="1200" dirty="0" err="1"/>
+              <a:t>Payline</a:t>
+            </a:r>
+            <a:r>
+              <a:rPr lang="en-US" sz="1200" dirty="0"/>
+              <a:t> or not).  </a:t>
+            </a:r>
+          </a:p>
+          <a:p>
+            <a:endParaRPr lang="en-US" sz="1200" dirty="0" smtClean="0"/>
+          </a:p>
+          <a:p>
+            <a:endParaRPr lang="en-US" sz="1200" dirty="0"/>
+          </a:p>
+          <a:p>
+            <a:r>
+              <a:rPr lang="en-US" sz="1200" dirty="0">
+                <a:latin typeface="Arial" panose="020B0604020202020204" pitchFamily="34" charset="0"/>
+                <a:ea typeface="Calibri" panose="020F0502020204030204" pitchFamily="34" charset="0"/>
+              </a:rPr>
+              <a:t>The system allows </a:t>
+            </a:r>
+            <a:r>
+              <a:rPr lang="en-US" sz="1200" b="1" dirty="0">
+                <a:latin typeface="Arial" panose="020B0604020202020204" pitchFamily="34" charset="0"/>
+                <a:ea typeface="Calibri" panose="020F0502020204030204" pitchFamily="34" charset="0"/>
+              </a:rPr>
+              <a:t>editing preferences </a:t>
+            </a:r>
+            <a:r>
+              <a:rPr lang="en-US" sz="1200" dirty="0">
+                <a:latin typeface="Arial" panose="020B0604020202020204" pitchFamily="34" charset="0"/>
+                <a:ea typeface="Calibri" panose="020F0502020204030204" pitchFamily="34" charset="0"/>
+              </a:rPr>
+              <a:t>(change default settings for search criteria</a:t>
+            </a:r>
+            <a:r>
+              <a:rPr lang="en-US" sz="1200" dirty="0" smtClean="0">
+                <a:latin typeface="Arial" panose="020B0604020202020204" pitchFamily="34" charset="0"/>
+                <a:ea typeface="Calibri" panose="020F0502020204030204" pitchFamily="34" charset="0"/>
+              </a:rPr>
+              <a:t>.)</a:t>
+            </a:r>
+            <a:endParaRPr lang="en-US" sz="1200" dirty="0" smtClean="0"/>
+          </a:p>
+          <a:p>
+            <a:endParaRPr lang="en-US" sz="1200" dirty="0"/>
+          </a:p>
+          <a:p>
+            <a:endParaRPr lang="en-US" sz="1200" dirty="0" smtClean="0"/>
+          </a:p>
+        </p:txBody>
+      </p:sp>
+      <p:sp>
+        <p:nvSpPr>
+          <p:cNvPr id="8" name="Flowchart: Process 7"/>
+          <p:cNvSpPr/>
+          <p:nvPr/>
+        </p:nvSpPr>
+        <p:spPr>
+          <a:xfrm>
+            <a:off x="4800600" y="3810000"/>
+            <a:ext cx="3962400" cy="762000"/>
+          </a:xfrm>
+          <a:prstGeom prst="flowChartProcess">
+            <a:avLst/>
+          </a:prstGeom>
+        </p:spPr>
+        <p:style>
+          <a:lnRef idx="1">
+            <a:schemeClr val="accent6"/>
+          </a:lnRef>
+          <a:fillRef idx="2">
+            <a:schemeClr val="accent6"/>
+          </a:fillRef>
+          <a:effectRef idx="1">
+            <a:schemeClr val="accent6"/>
+          </a:effectRef>
+          <a:fontRef idx="minor">
+            <a:schemeClr val="dk1"/>
+          </a:fontRef>
+        </p:style>
+        <p:txBody>
+          <a:bodyPr rtlCol="0" anchor="ctr"/>
+          <a:lstStyle/>
+          <a:p>
+            <a:pPr lvl="0"/>
+            <a:r>
+              <a:rPr lang="en-US" sz="1200" b="1" u="sng" dirty="0" smtClean="0"/>
+              <a:t>GMS</a:t>
+            </a:r>
+          </a:p>
+          <a:p>
+            <a:pPr lvl="0"/>
+            <a:r>
+              <a:rPr lang="en-US" sz="1200" dirty="0" smtClean="0"/>
+              <a:t>Search </a:t>
+            </a:r>
+            <a:r>
+              <a:rPr lang="en-US" sz="1200" dirty="0"/>
+              <a:t>criteria </a:t>
+            </a:r>
+            <a:r>
+              <a:rPr lang="en-US" sz="1200" dirty="0" smtClean="0"/>
+              <a:t>choices: grant </a:t>
+            </a:r>
+            <a:r>
+              <a:rPr lang="en-US" sz="1200" dirty="0"/>
+              <a:t>number, PI </a:t>
+            </a:r>
+            <a:r>
+              <a:rPr lang="en-US" sz="1200" dirty="0" smtClean="0"/>
+              <a:t>name</a:t>
+            </a:r>
+          </a:p>
+          <a:p>
+            <a:endParaRPr lang="en-US" sz="1200" dirty="0"/>
+          </a:p>
+          <a:p>
+            <a:endParaRPr lang="en-US" sz="1200" dirty="0" smtClean="0"/>
+          </a:p>
+        </p:txBody>
+      </p:sp>
+      <p:sp>
+        <p:nvSpPr>
+          <p:cNvPr id="9" name="Flowchart: Process 8"/>
+          <p:cNvSpPr/>
+          <p:nvPr/>
+        </p:nvSpPr>
+        <p:spPr>
+          <a:xfrm>
+            <a:off x="4800600" y="4953000"/>
+            <a:ext cx="3962400" cy="762000"/>
+          </a:xfrm>
+          <a:prstGeom prst="flowChartProcess">
+            <a:avLst/>
+          </a:prstGeom>
+        </p:spPr>
+        <p:style>
+          <a:lnRef idx="1">
+            <a:schemeClr val="accent6"/>
+          </a:lnRef>
+          <a:fillRef idx="2">
+            <a:schemeClr val="accent6"/>
+          </a:fillRef>
+          <a:effectRef idx="1">
+            <a:schemeClr val="accent6"/>
+          </a:effectRef>
+          <a:fontRef idx="minor">
+            <a:schemeClr val="dk1"/>
+          </a:fontRef>
+        </p:style>
+        <p:txBody>
+          <a:bodyPr rtlCol="0" anchor="ctr"/>
+          <a:lstStyle/>
+          <a:p>
+            <a:pPr lvl="0"/>
+            <a:r>
+              <a:rPr lang="en-US" sz="1200" b="1" u="sng" dirty="0" smtClean="0"/>
+              <a:t>Guest</a:t>
+            </a:r>
+          </a:p>
+          <a:p>
+            <a:pPr lvl="0"/>
+            <a:r>
+              <a:rPr lang="en-US" sz="1200" dirty="0" smtClean="0"/>
+              <a:t>Search </a:t>
+            </a:r>
+            <a:r>
+              <a:rPr lang="en-US" sz="1200" dirty="0"/>
+              <a:t>criteria </a:t>
+            </a:r>
+            <a:r>
+              <a:rPr lang="en-US" sz="1200" dirty="0" smtClean="0"/>
+              <a:t>choices: grant </a:t>
+            </a:r>
+            <a:r>
+              <a:rPr lang="en-US" sz="1200" dirty="0"/>
+              <a:t>number, PI </a:t>
+            </a:r>
+            <a:r>
+              <a:rPr lang="en-US" sz="1200" dirty="0" smtClean="0"/>
+              <a:t>name</a:t>
+            </a:r>
+          </a:p>
+          <a:p>
+            <a:endParaRPr lang="en-US" sz="1200" dirty="0"/>
+          </a:p>
+          <a:p>
+            <a:endParaRPr lang="en-US" sz="1200" dirty="0" smtClean="0"/>
+          </a:p>
+        </p:txBody>
+      </p:sp>
+      <p:sp>
+        <p:nvSpPr>
+          <p:cNvPr id="10" name="Right Arrow 9"/>
+          <p:cNvSpPr/>
+          <p:nvPr/>
+        </p:nvSpPr>
+        <p:spPr>
+          <a:xfrm>
+            <a:off x="4419600" y="2743200"/>
+            <a:ext cx="381000" cy="304800"/>
+          </a:xfrm>
+          <a:prstGeom prst="rightArrow">
+            <a:avLst/>
+          </a:prstGeom>
+        </p:spPr>
+        <p:style>
+          <a:lnRef idx="1">
+            <a:schemeClr val="accent1"/>
+          </a:lnRef>
+          <a:fillRef idx="3">
+            <a:schemeClr val="accent1"/>
+          </a:fillRef>
+          <a:effectRef idx="2">
+            <a:schemeClr val="accent1"/>
+          </a:effectRef>
+          <a:fontRef idx="minor">
+            <a:schemeClr val="lt1"/>
+          </a:fontRef>
+        </p:style>
+        <p:txBody>
+          <a:bodyPr rtlCol="0" anchor="ctr"/>
+          <a:lstStyle/>
+          <a:p>
+            <a:pPr algn="ctr"/>
+            <a:endParaRPr lang="en-US"/>
+          </a:p>
+        </p:txBody>
+      </p:sp>
+      <p:sp>
+        <p:nvSpPr>
+          <p:cNvPr id="11" name="Right Arrow 10"/>
+          <p:cNvSpPr/>
+          <p:nvPr/>
+        </p:nvSpPr>
+        <p:spPr>
+          <a:xfrm>
+            <a:off x="4419600" y="4046220"/>
+            <a:ext cx="381000" cy="304800"/>
+          </a:xfrm>
+          <a:prstGeom prst="rightArrow">
+            <a:avLst/>
+          </a:prstGeom>
+        </p:spPr>
+        <p:style>
+          <a:lnRef idx="1">
+            <a:schemeClr val="accent1"/>
+          </a:lnRef>
+          <a:fillRef idx="3">
+            <a:schemeClr val="accent1"/>
+          </a:fillRef>
+          <a:effectRef idx="2">
+            <a:schemeClr val="accent1"/>
+          </a:effectRef>
+          <a:fontRef idx="minor">
+            <a:schemeClr val="lt1"/>
+          </a:fontRef>
+        </p:style>
+        <p:txBody>
+          <a:bodyPr rtlCol="0" anchor="ctr"/>
+          <a:lstStyle/>
+          <a:p>
+            <a:pPr algn="ctr"/>
+            <a:endParaRPr lang="en-US"/>
+          </a:p>
+        </p:txBody>
+      </p:sp>
+      <p:sp>
+        <p:nvSpPr>
+          <p:cNvPr id="12" name="Right Arrow 11"/>
+          <p:cNvSpPr/>
+          <p:nvPr/>
+        </p:nvSpPr>
+        <p:spPr>
+          <a:xfrm>
+            <a:off x="4419600" y="5050536"/>
+            <a:ext cx="381000" cy="304800"/>
+          </a:xfrm>
+          <a:prstGeom prst="rightArrow">
+            <a:avLst/>
+          </a:prstGeom>
+        </p:spPr>
+        <p:style>
+          <a:lnRef idx="1">
+            <a:schemeClr val="accent1"/>
+          </a:lnRef>
+          <a:fillRef idx="3">
+            <a:schemeClr val="accent1"/>
+          </a:fillRef>
+          <a:effectRef idx="2">
+            <a:schemeClr val="accent1"/>
+          </a:effectRef>
+          <a:fontRef idx="minor">
+            <a:schemeClr val="lt1"/>
+          </a:fontRef>
+        </p:style>
+        <p:txBody>
+          <a:bodyPr rtlCol="0" anchor="ctr"/>
+          <a:lstStyle/>
+          <a:p>
+            <a:pPr algn="ctr"/>
+            <a:endParaRPr lang="en-US"/>
+          </a:p>
+        </p:txBody>
+      </p:sp>
+    </p:spTree>
+    <p:extLst>
+      <p:ext uri="{BB962C8B-B14F-4D97-AF65-F5344CB8AC3E}">
+        <p14:creationId xmlns:p14="http://schemas.microsoft.com/office/powerpoint/2010/main" val="407810961"/>
+      </p:ext>
+    </p:extLst>
+  </p:cSld>
+  <p:clrMapOvr>
+    <a:masterClrMapping/>
+  </p:clrMapOvr>
+</p:sld>
+</file>
+
+<file path=ppt/slides/slide6.xml><?xml version="1.0" encoding="utf-8"?>
+<p:sld xmlns:a="http://schemas.openxmlformats.org/drawingml/2006/main" xmlns:r="http://schemas.openxmlformats.org/officeDocument/2006/relationships" xmlns:p="http://schemas.openxmlformats.org/presentationml/2006/main">
+  <p:cSld>
+    <p:spTree>
+      <p:nvGrpSpPr>
+        <p:cNvPr id="1" name=""/>
+        <p:cNvGrpSpPr/>
+        <p:nvPr/>
+      </p:nvGrpSpPr>
+      <p:grpSpPr>
+        <a:xfrm>
+          <a:off x="0" y="0"/>
+          <a:ext cx="0" cy="0"/>
+          <a:chOff x="0" y="0"/>
+          <a:chExt cx="0" cy="0"/>
+        </a:xfrm>
+      </p:grpSpPr>
+      <p:sp>
+        <p:nvSpPr>
+          <p:cNvPr id="2" name="Title 1"/>
+          <p:cNvSpPr>
+            <a:spLocks noGrp="1"/>
+          </p:cNvSpPr>
+          <p:nvPr>
+            <p:ph type="title"/>
+          </p:nvPr>
+        </p:nvSpPr>
+        <p:spPr/>
+        <p:txBody>
+          <a:bodyPr/>
+          <a:lstStyle/>
+          <a:p>
+            <a:r>
+              <a:rPr lang="en-US" b="1" dirty="0">
+                <a:effectLst>
+                  <a:outerShdw blurRad="38100" dist="38100" dir="2700000" algn="tl">
+                    <a:srgbClr val="000000">
+                      <a:alpha val="43137"/>
+                    </a:srgbClr>
+                  </a:outerShdw>
+                </a:effectLst>
+              </a:rPr>
               <a:t>“As-Is” user </a:t>
             </a:r>
             <a:r>
@@ -13207,7 +13604,7 @@
 </p:sld>
 </file>
 
-<file path=ppt/slides/slide6.xml><?xml version="1.0" encoding="utf-8"?>
+<file path=ppt/slides/slide7.xml><?xml version="1.0" encoding="utf-8"?>
 <p:sld xmlns:a="http://schemas.openxmlformats.org/drawingml/2006/main" xmlns:r="http://schemas.openxmlformats.org/officeDocument/2006/relationships" xmlns:p="http://schemas.openxmlformats.org/presentationml/2006/main">
   <p:cSld>
     <p:spTree>
@@ -13857,7 +14254,7 @@
           <a:graphicData uri="http://schemas.openxmlformats.org/presentationml/2006/ole">
             <mc:AlternateContent xmlns:mc="http://schemas.openxmlformats.org/markup-compatibility/2006">
               <mc:Choice xmlns:v="urn:schemas-microsoft-com:vml" Requires="v">
-                <p:oleObj spid="_x0000_s1708" name="Visio" r:id="rId4" imgW="6165082" imgH="2853576" progId="Visio.Drawing.11">
+                <p:oleObj spid="_x0000_s1748" name="Visio" r:id="rId4" imgW="6165082" imgH="2853576" progId="Visio.Drawing.11">
                   <p:embed/>
                 </p:oleObj>
               </mc:Choice>
@@ -13987,7 +14384,7 @@
           <a:graphicData uri="http://schemas.openxmlformats.org/presentationml/2006/ole">
             <mc:AlternateContent xmlns:mc="http://schemas.openxmlformats.org/markup-compatibility/2006">
               <mc:Choice xmlns:v="urn:schemas-microsoft-com:vml" Requires="v">
-                <p:oleObj spid="_x0000_s1709" name="Visio" r:id="rId6" imgW="3196429" imgH="2853576" progId="Visio.Drawing.11">
+                <p:oleObj spid="_x0000_s1749" name="Visio" r:id="rId6" imgW="3196429" imgH="2853576" progId="Visio.Drawing.11">
                   <p:embed/>
                 </p:oleObj>
               </mc:Choice>
@@ -14180,7 +14577,7 @@
           <a:graphicData uri="http://schemas.openxmlformats.org/presentationml/2006/ole">
             <mc:AlternateContent xmlns:mc="http://schemas.openxmlformats.org/markup-compatibility/2006">
               <mc:Choice xmlns:v="urn:schemas-microsoft-com:vml" Requires="v">
-                <p:oleObj spid="_x0000_s1710" name="Visio" r:id="rId8" imgW="3196429" imgH="1796256" progId="Visio.Drawing.11">
+                <p:oleObj spid="_x0000_s1750" name="Visio" r:id="rId8" imgW="3196429" imgH="1796256" progId="Visio.Drawing.11">
                   <p:embed/>
                 </p:oleObj>
               </mc:Choice>
@@ -14310,7 +14707,7 @@
           <a:graphicData uri="http://schemas.openxmlformats.org/presentationml/2006/ole">
             <mc:AlternateContent xmlns:mc="http://schemas.openxmlformats.org/markup-compatibility/2006">
               <mc:Choice xmlns:v="urn:schemas-microsoft-com:vml" Requires="v">
-                <p:oleObj spid="_x0000_s1711" name="Visio" r:id="rId10" imgW="243768" imgH="605880" progId="Visio.Drawing.11">
+                <p:oleObj spid="_x0000_s1751" name="Visio" r:id="rId10" imgW="243768" imgH="605880" progId="Visio.Drawing.11">
                   <p:embed/>
                 </p:oleObj>
               </mc:Choice>
@@ -14449,7 +14846,7 @@
           <a:graphicData uri="http://schemas.openxmlformats.org/presentationml/2006/ole">
             <mc:AlternateContent xmlns:mc="http://schemas.openxmlformats.org/markup-compatibility/2006">
               <mc:Choice xmlns:v="urn:schemas-microsoft-com:vml" Requires="v">
-                <p:oleObj spid="_x0000_s1712" name="Visio" r:id="rId12" imgW="1091337" imgH="605880" progId="Visio.Drawing.11">
+                <p:oleObj spid="_x0000_s1752" name="Visio" r:id="rId12" imgW="1091337" imgH="605880" progId="Visio.Drawing.11">
                   <p:embed/>
                 </p:oleObj>
               </mc:Choice>
@@ -14588,7 +14985,7 @@
           <a:graphicData uri="http://schemas.openxmlformats.org/presentationml/2006/ole">
             <mc:AlternateContent xmlns:mc="http://schemas.openxmlformats.org/markup-compatibility/2006">
               <mc:Choice xmlns:v="urn:schemas-microsoft-com:vml" Requires="v">
-                <p:oleObj spid="_x0000_s1713" name="Visio" r:id="rId14" imgW="751402" imgH="605880" progId="Visio.Drawing.11">
+                <p:oleObj spid="_x0000_s1753" name="Visio" r:id="rId14" imgW="751402" imgH="605880" progId="Visio.Drawing.11">
                   <p:embed/>
                 </p:oleObj>
               </mc:Choice>
@@ -14718,7 +15115,7 @@
           <a:graphicData uri="http://schemas.openxmlformats.org/presentationml/2006/ole">
             <mc:AlternateContent xmlns:mc="http://schemas.openxmlformats.org/markup-compatibility/2006">
               <mc:Choice xmlns:v="urn:schemas-microsoft-com:vml" Requires="v">
-                <p:oleObj spid="_x0000_s1714" name="Visio" r:id="rId16" imgW="267540" imgH="605880" progId="Visio.Drawing.11">
+                <p:oleObj spid="_x0000_s1754" name="Visio" r:id="rId16" imgW="267540" imgH="605880" progId="Visio.Drawing.11">
                   <p:embed/>
                 </p:oleObj>
               </mc:Choice>
@@ -14857,7 +15254,7 @@
           <a:graphicData uri="http://schemas.openxmlformats.org/presentationml/2006/ole">
             <mc:AlternateContent xmlns:mc="http://schemas.openxmlformats.org/markup-compatibility/2006">
               <mc:Choice xmlns:v="urn:schemas-microsoft-com:vml" Requires="v">
-                <p:oleObj spid="_x0000_s1715" name="Visio" r:id="rId18" imgW="473705" imgH="605880" progId="Visio.Drawing.11">
+                <p:oleObj spid="_x0000_s1755" name="Visio" r:id="rId18" imgW="473705" imgH="605880" progId="Visio.Drawing.11">
                   <p:embed/>
                 </p:oleObj>
               </mc:Choice>
@@ -14922,7 +15319,7 @@
 </p:sld>
 </file>
 
-<file path=ppt/slides/slide7.xml><?xml version="1.0" encoding="utf-8"?>
+<file path=ppt/slides/slide8.xml><?xml version="1.0" encoding="utf-8"?>
 <p:sld xmlns:a="http://schemas.openxmlformats.org/drawingml/2006/main" xmlns:r="http://schemas.openxmlformats.org/officeDocument/2006/relationships" xmlns:p="http://schemas.openxmlformats.org/presentationml/2006/main">
   <p:cSld>
     <p:spTree>
@@ -15005,7 +15402,7 @@
           <a:graphicData uri="http://schemas.openxmlformats.org/presentationml/2006/ole">
             <mc:AlternateContent xmlns:mc="http://schemas.openxmlformats.org/markup-compatibility/2006">
               <mc:Choice xmlns:v="urn:schemas-microsoft-com:vml" Requires="v">
-                <p:oleObj spid="_x0000_s2372" name="Visio" r:id="rId3" imgW="3196429" imgH="1796256" progId="Visio.Drawing.11">
+                <p:oleObj spid="_x0000_s2392" name="Visio" r:id="rId3" imgW="3196429" imgH="1796256" progId="Visio.Drawing.11">
                   <p:embed/>
                 </p:oleObj>
               </mc:Choice>
@@ -15072,7 +15469,7 @@
           <a:graphicData uri="http://schemas.openxmlformats.org/presentationml/2006/ole">
             <mc:AlternateContent xmlns:mc="http://schemas.openxmlformats.org/markup-compatibility/2006">
               <mc:Choice xmlns:v="urn:schemas-microsoft-com:vml" Requires="v">
-                <p:oleObj spid="_x0000_s2373" name="Visio" r:id="rId5" imgW="3196429" imgH="1839240" progId="Visio.Drawing.11">
+                <p:oleObj spid="_x0000_s2393" name="Visio" r:id="rId5" imgW="3196429" imgH="1839240" progId="Visio.Drawing.11">
                   <p:embed/>
                 </p:oleObj>
               </mc:Choice>
@@ -15441,7 +15838,7 @@
           <a:graphicData uri="http://schemas.openxmlformats.org/presentationml/2006/ole">
             <mc:AlternateContent xmlns:mc="http://schemas.openxmlformats.org/markup-compatibility/2006">
               <mc:Choice xmlns:v="urn:schemas-microsoft-com:vml" Requires="v">
-                <p:oleObj spid="_x0000_s2374" name="Visio" r:id="rId7" imgW="311625" imgH="605880" progId="Visio.Drawing.11">
+                <p:oleObj spid="_x0000_s2394" name="Visio" r:id="rId7" imgW="311625" imgH="605880" progId="Visio.Drawing.11">
                   <p:embed/>
                 </p:oleObj>
               </mc:Choice>
@@ -15580,7 +15977,7 @@
           <a:graphicData uri="http://schemas.openxmlformats.org/presentationml/2006/ole">
             <mc:AlternateContent xmlns:mc="http://schemas.openxmlformats.org/markup-compatibility/2006">
               <mc:Choice xmlns:v="urn:schemas-microsoft-com:vml" Requires="v">
-                <p:oleObj spid="_x0000_s2375" name="Visio" r:id="rId9" imgW="523193" imgH="605880" progId="Visio.Drawing.11">
+                <p:oleObj spid="_x0000_s2395" name="Visio" r:id="rId9" imgW="523193" imgH="605880" progId="Visio.Drawing.11">
                   <p:embed/>
                 </p:oleObj>
               </mc:Choice>
@@ -15643,7 +16040,7 @@
           <p:nvPr>
             <p:extLst>
               <p:ext uri="{D42A27DB-BD31-4B8C-83A1-F6EECF244321}">
-                <p14:modId xmlns:p14="http://schemas.microsoft.com/office/powerpoint/2010/main" val="2428942386"/>
+                <p14:modId xmlns:p14="http://schemas.microsoft.com/office/powerpoint/2010/main" val="3802117103"/>
               </p:ext>
             </p:extLst>
           </p:nvPr>
@@ -15791,7 +16188,19 @@
                           <a:ea typeface="+mn-ea"/>
                           <a:cs typeface="+mn-cs"/>
                         </a:rPr>
-                        <a:t>Additionally, Excel spreadsheet(s) containing raw data for every grant in the query are attached.</a:t>
+                        <a:t>If requested, </a:t>
+                      </a:r>
+                      <a:r>
+                        <a:rPr lang="en-US" sz="1000" kern="1200" dirty="0" smtClean="0">
+                          <a:solidFill>
+                            <a:schemeClr val="bg1"/>
+                          </a:solidFill>
+                          <a:effectLst/>
+                          <a:latin typeface="+mn-lt"/>
+                          <a:ea typeface="+mn-ea"/>
+                          <a:cs typeface="+mn-cs"/>
+                        </a:rPr>
+                        <a:t>Excel spreadsheet(s) containing raw data for every grant in the query are attached.</a:t>
                       </a:r>
                       <a:r>
                         <a:rPr lang="en-US" sz="1000" baseline="0" dirty="0" smtClean="0">
@@ -15832,7 +16241,7 @@
 </p:sld>
 </file>
 
-<file path=ppt/slides/slide8.xml><?xml version="1.0" encoding="utf-8"?>
+<file path=ppt/slides/slide9.xml><?xml version="1.0" encoding="utf-8"?>
 <p:sld xmlns:a="http://schemas.openxmlformats.org/drawingml/2006/main" xmlns:r="http://schemas.openxmlformats.org/officeDocument/2006/relationships" xmlns:p="http://schemas.openxmlformats.org/presentationml/2006/main">
   <p:cSld>
     <p:spTree>
@@ -15977,7 +16386,7 @@
           <a:graphicData uri="http://schemas.openxmlformats.org/presentationml/2006/ole">
             <mc:AlternateContent xmlns:mc="http://schemas.openxmlformats.org/markup-compatibility/2006">
               <mc:Choice xmlns:v="urn:schemas-microsoft-com:vml" Requires="v">
-                <p:oleObj spid="_x0000_s3384" name="Visio" r:id="rId3" imgW="2481981" imgH="2067768" progId="Visio.Drawing.11">
+                <p:oleObj spid="_x0000_s3404" name="Visio" r:id="rId3" imgW="2481981" imgH="2067768" progId="Visio.Drawing.11">
                   <p:embed/>
                 </p:oleObj>
               </mc:Choice>
@@ -16107,7 +16516,7 @@
           <a:graphicData uri="http://schemas.openxmlformats.org/presentationml/2006/ole">
             <mc:AlternateContent xmlns:mc="http://schemas.openxmlformats.org/markup-compatibility/2006">
               <mc:Choice xmlns:v="urn:schemas-microsoft-com:vml" Requires="v">
-                <p:oleObj spid="_x0000_s3385" name="Visio" r:id="rId5" imgW="2481981" imgH="2072088" progId="Visio.Drawing.11">
+                <p:oleObj spid="_x0000_s3405" name="Visio" r:id="rId5" imgW="2481981" imgH="2072088" progId="Visio.Drawing.11">
                   <p:embed/>
                 </p:oleObj>
               </mc:Choice>
@@ -16237,7 +16646,7 @@
           <a:graphicData uri="http://schemas.openxmlformats.org/presentationml/2006/ole">
             <mc:AlternateContent xmlns:mc="http://schemas.openxmlformats.org/markup-compatibility/2006">
               <mc:Choice xmlns:v="urn:schemas-microsoft-com:vml" Requires="v">
-                <p:oleObj spid="_x0000_s3386" name="Visio" r:id="rId7" imgW="2481981" imgH="2067768" progId="Visio.Drawing.11">
+                <p:oleObj spid="_x0000_s3406" name="Visio" r:id="rId7" imgW="2481981" imgH="2067768" progId="Visio.Drawing.11">
                   <p:embed/>
                 </p:oleObj>
               </mc:Choice>
@@ -16367,7 +16776,7 @@
           <a:graphicData uri="http://schemas.openxmlformats.org/presentationml/2006/ole">
             <mc:AlternateContent xmlns:mc="http://schemas.openxmlformats.org/markup-compatibility/2006">
               <mc:Choice xmlns:v="urn:schemas-microsoft-com:vml" Requires="v">
-                <p:oleObj spid="_x0000_s3387" name="Visio" r:id="rId9" imgW="2481981" imgH="2067768" progId="Visio.Drawing.11">
+                <p:oleObj spid="_x0000_s3407" name="Visio" r:id="rId9" imgW="2481981" imgH="2067768" progId="Visio.Drawing.11">
                   <p:embed/>
                 </p:oleObj>
               </mc:Choice>
@@ -16416,152 +16825,6 @@
     <p:extLst>
       <p:ext uri="{BB962C8B-B14F-4D97-AF65-F5344CB8AC3E}">
         <p14:creationId xmlns:p14="http://schemas.microsoft.com/office/powerpoint/2010/main" val="3238684042"/>
-      </p:ext>
-    </p:extLst>
-  </p:cSld>
-  <p:clrMapOvr>
-    <a:masterClrMapping/>
-  </p:clrMapOvr>
-</p:sld>
-</file>
-
-<file path=ppt/slides/slide9.xml><?xml version="1.0" encoding="utf-8"?>
-<p:sld xmlns:a="http://schemas.openxmlformats.org/drawingml/2006/main" xmlns:r="http://schemas.openxmlformats.org/officeDocument/2006/relationships" xmlns:p="http://schemas.openxmlformats.org/presentationml/2006/main">
-  <p:cSld>
-    <p:spTree>
-      <p:nvGrpSpPr>
-        <p:cNvPr id="1" name=""/>
-        <p:cNvGrpSpPr/>
-        <p:nvPr/>
-      </p:nvGrpSpPr>
-      <p:grpSpPr>
-        <a:xfrm>
-          <a:off x="0" y="0"/>
-          <a:ext cx="0" cy="0"/>
-          <a:chOff x="0" y="0"/>
-          <a:chExt cx="0" cy="0"/>
-        </a:xfrm>
-      </p:grpSpPr>
-      <p:sp>
-        <p:nvSpPr>
-          <p:cNvPr id="2" name="Title 1"/>
-          <p:cNvSpPr>
-            <a:spLocks noGrp="1"/>
-          </p:cNvSpPr>
-          <p:nvPr>
-            <p:ph type="title"/>
-          </p:nvPr>
-        </p:nvSpPr>
-        <p:spPr/>
-        <p:txBody>
-          <a:bodyPr/>
-          <a:lstStyle/>
-          <a:p>
-            <a:r>
-              <a:rPr lang="en-US" b="1" dirty="0" smtClean="0">
-                <a:effectLst>
-                  <a:outerShdw blurRad="38100" dist="38100" dir="2700000" algn="tl">
-                    <a:srgbClr val="000000">
-                      <a:alpha val="43137"/>
-                    </a:srgbClr>
-                  </a:outerShdw>
-                </a:effectLst>
-              </a:rPr>
-              <a:t>Production </a:t>
-            </a:r>
-            <a:r>
-              <a:rPr lang="en-US" b="1" dirty="0">
-                <a:effectLst>
-                  <a:outerShdw blurRad="38100" dist="38100" dir="2700000" algn="tl">
-                    <a:srgbClr val="000000">
-                      <a:alpha val="43137"/>
-                    </a:srgbClr>
-                  </a:outerShdw>
-                </a:effectLst>
-              </a:rPr>
-              <a:t>issues to be fixed by re-design</a:t>
-            </a:r>
-            <a:endParaRPr lang="en-US" dirty="0"/>
-          </a:p>
-        </p:txBody>
-      </p:sp>
-      <p:sp>
-        <p:nvSpPr>
-          <p:cNvPr id="3" name="Content Placeholder 2"/>
-          <p:cNvSpPr>
-            <a:spLocks noGrp="1"/>
-          </p:cNvSpPr>
-          <p:nvPr>
-            <p:ph sz="quarter" idx="11"/>
-          </p:nvPr>
-        </p:nvSpPr>
-        <p:spPr>
-          <a:xfrm>
-            <a:off x="481521" y="1371600"/>
-            <a:ext cx="8165592" cy="1981200"/>
-          </a:xfrm>
-        </p:spPr>
-        <p:txBody>
-          <a:bodyPr/>
-          <a:lstStyle/>
-          <a:p>
-            <a:r>
-              <a:rPr lang="en-US" dirty="0" err="1"/>
-              <a:t>Greensheets</a:t>
-            </a:r>
-            <a:r>
-              <a:rPr lang="en-US" dirty="0"/>
-              <a:t> Submission (Major reoccurring issue (PD </a:t>
-            </a:r>
-            <a:r>
-              <a:rPr lang="en-US" dirty="0" err="1"/>
-              <a:t>Greensheet</a:t>
-            </a:r>
-            <a:r>
-              <a:rPr lang="en-US" dirty="0" smtClean="0"/>
-              <a:t>)</a:t>
-            </a:r>
-          </a:p>
-          <a:p>
-            <a:r>
-              <a:rPr lang="en-US" dirty="0" err="1"/>
-              <a:t>Greensheets</a:t>
-            </a:r>
-            <a:r>
-              <a:rPr lang="en-US" dirty="0"/>
-              <a:t> Timeout (Major reoccurring issue)</a:t>
-            </a:r>
-          </a:p>
-          <a:p>
-            <a:r>
-              <a:rPr lang="en-US" dirty="0" smtClean="0"/>
-              <a:t>Duplicate </a:t>
-            </a:r>
-            <a:r>
-              <a:rPr lang="en-US" dirty="0" err="1"/>
-              <a:t>greensheets</a:t>
-            </a:r>
-            <a:r>
-              <a:rPr lang="en-US" dirty="0"/>
-              <a:t> (only reoccurring occasionally</a:t>
-            </a:r>
-            <a:r>
-              <a:rPr lang="en-US" dirty="0" smtClean="0"/>
-              <a:t>)</a:t>
-            </a:r>
-          </a:p>
-          <a:p>
-            <a:endParaRPr lang="en-US" sz="1400" dirty="0"/>
-          </a:p>
-          <a:p>
-            <a:endParaRPr lang="en-US" sz="1400" dirty="0"/>
-          </a:p>
-        </p:txBody>
-      </p:sp>
-    </p:spTree>
-    <p:extLst>
-      <p:ext uri="{BB962C8B-B14F-4D97-AF65-F5344CB8AC3E}">
-        <p14:creationId xmlns:p14="http://schemas.microsoft.com/office/powerpoint/2010/main" val="2759025388"/>
       </p:ext>
     </p:extLst>
   </p:cSld>
@@ -17456,6 +17719,12 @@
 </file>
 
 <file path=customXml/item1.xml><?xml version="1.0" encoding="utf-8"?>
+<p:properties xmlns:p="http://schemas.microsoft.com/office/2006/metadata/properties" xmlns:xsi="http://www.w3.org/2001/XMLSchema-instance">
+  <documentManagement/>
+</p:properties>
+</file>
+
+<file path=customXml/item2.xml><?xml version="1.0" encoding="utf-8"?>
 <ct:contentTypeSchema xmlns:ct="http://schemas.microsoft.com/office/2006/metadata/contentType" xmlns:ma="http://schemas.microsoft.com/office/2006/metadata/properties/metaAttributes" ct:_="" ma:_="" ma:contentTypeName="Document" ma:contentTypeID="0x010100498B138B6814904BA1F9E4F14E08F74D" ma:contentTypeVersion="0" ma:contentTypeDescription="Create a new document." ma:contentTypeScope="" ma:versionID="20dc333bebcf905b381783348d4cbf88">
   <xsd:schema xmlns:xsd="http://www.w3.org/2001/XMLSchema" xmlns:xs="http://www.w3.org/2001/XMLSchema" xmlns:p="http://schemas.microsoft.com/office/2006/metadata/properties" targetNamespace="http://schemas.microsoft.com/office/2006/metadata/properties" ma:root="true" ma:fieldsID="c64490b4aec6201516c3a874156f37b2">
     <xsd:element name="properties">
@@ -17569,12 +17838,6 @@
 </ct:contentTypeSchema>
 </file>
 
-<file path=customXml/item2.xml><?xml version="1.0" encoding="utf-8"?>
-<p:properties xmlns:p="http://schemas.microsoft.com/office/2006/metadata/properties" xmlns:xsi="http://www.w3.org/2001/XMLSchema-instance">
-  <documentManagement/>
-</p:properties>
-</file>
-
 <file path=customXml/item3.xml><?xml version="1.0" encoding="utf-8"?>
 <?mso-contentType ?>
 <FormTemplates xmlns="http://schemas.microsoft.com/sharepoint/v3/contenttype/forms">
@@ -17585,6 +17848,21 @@
 </file>
 
 <file path=customXml/itemProps1.xml><?xml version="1.0" encoding="utf-8"?>
+<ds:datastoreItem xmlns:ds="http://schemas.openxmlformats.org/officeDocument/2006/customXml" ds:itemID="{4C535039-3F37-4243-9AAC-908669651B70}">
+  <ds:schemaRefs>
+    <ds:schemaRef ds:uri="http://purl.org/dc/elements/1.1/"/>
+    <ds:schemaRef ds:uri="http://schemas.openxmlformats.org/package/2006/metadata/core-properties"/>
+    <ds:schemaRef ds:uri="http://schemas.microsoft.com/office/2006/documentManagement/types"/>
+    <ds:schemaRef ds:uri="http://schemas.microsoft.com/office/infopath/2007/PartnerControls"/>
+    <ds:schemaRef ds:uri="http://purl.org/dc/terms/"/>
+    <ds:schemaRef ds:uri="http://schemas.microsoft.com/office/2006/metadata/properties"/>
+    <ds:schemaRef ds:uri="http://www.w3.org/XML/1998/namespace"/>
+    <ds:schemaRef ds:uri="http://purl.org/dc/dcmitype/"/>
+  </ds:schemaRefs>
+</ds:datastoreItem>
+</file>
+
+<file path=customXml/itemProps2.xml><?xml version="1.0" encoding="utf-8"?>
 <ds:datastoreItem xmlns:ds="http://schemas.openxmlformats.org/officeDocument/2006/customXml" ds:itemID="{8AB24EC2-3234-4ADA-86CC-3B219D00D39D}">
   <ds:schemaRefs>
     <ds:schemaRef ds:uri="http://schemas.microsoft.com/office/2006/metadata/contentType"/>
@@ -17600,21 +17878,6 @@
 </ds:datastoreItem>
 </file>
 
-<file path=customXml/itemProps2.xml><?xml version="1.0" encoding="utf-8"?>
-<ds:datastoreItem xmlns:ds="http://schemas.openxmlformats.org/officeDocument/2006/customXml" ds:itemID="{4C535039-3F37-4243-9AAC-908669651B70}">
-  <ds:schemaRefs>
-    <ds:schemaRef ds:uri="http://purl.org/dc/elements/1.1/"/>
-    <ds:schemaRef ds:uri="http://schemas.openxmlformats.org/package/2006/metadata/core-properties"/>
-    <ds:schemaRef ds:uri="http://schemas.microsoft.com/office/2006/documentManagement/types"/>
-    <ds:schemaRef ds:uri="http://schemas.microsoft.com/office/infopath/2007/PartnerControls"/>
-    <ds:schemaRef ds:uri="http://purl.org/dc/terms/"/>
-    <ds:schemaRef ds:uri="http://schemas.microsoft.com/office/2006/metadata/properties"/>
-    <ds:schemaRef ds:uri="http://www.w3.org/XML/1998/namespace"/>
-    <ds:schemaRef ds:uri="http://purl.org/dc/dcmitype/"/>
-  </ds:schemaRefs>
-</ds:datastoreItem>
-</file>
-
 <file path=customXml/itemProps3.xml><?xml version="1.0" encoding="utf-8"?>
 <ds:datastoreItem xmlns:ds="http://schemas.openxmlformats.org/officeDocument/2006/customXml" ds:itemID="{28E1A144-DA3A-434B-950F-9C912E6989E1}">
   <ds:schemaRefs>

--- a/Requirements/Presentations/GreenSheets OGA presentation_version 1.pptx
+++ b/Requirements/Presentations/GreenSheets OGA presentation_version 1.pptx
@@ -5,27 +5,21 @@
     <p:sldMasterId id="2147484511" r:id="rId4"/>
   </p:sldMasterIdLst>
   <p:notesMasterIdLst>
-    <p:notesMasterId r:id="rId20"/>
+    <p:notesMasterId r:id="rId14"/>
   </p:notesMasterIdLst>
   <p:handoutMasterIdLst>
-    <p:handoutMasterId r:id="rId21"/>
+    <p:handoutMasterId r:id="rId15"/>
   </p:handoutMasterIdLst>
   <p:sldIdLst>
     <p:sldId id="386" r:id="rId5"/>
     <p:sldId id="465" r:id="rId6"/>
     <p:sldId id="438" r:id="rId7"/>
-    <p:sldId id="453" r:id="rId8"/>
-    <p:sldId id="464" r:id="rId9"/>
-    <p:sldId id="463" r:id="rId10"/>
-    <p:sldId id="444" r:id="rId11"/>
-    <p:sldId id="458" r:id="rId12"/>
-    <p:sldId id="459" r:id="rId13"/>
-    <p:sldId id="456" r:id="rId14"/>
-    <p:sldId id="457" r:id="rId15"/>
-    <p:sldId id="466" r:id="rId16"/>
-    <p:sldId id="467" r:id="rId17"/>
-    <p:sldId id="454" r:id="rId18"/>
-    <p:sldId id="448" r:id="rId19"/>
+    <p:sldId id="468" r:id="rId8"/>
+    <p:sldId id="453" r:id="rId9"/>
+    <p:sldId id="470" r:id="rId10"/>
+    <p:sldId id="471" r:id="rId11"/>
+    <p:sldId id="469" r:id="rId12"/>
+    <p:sldId id="454" r:id="rId13"/>
   </p:sldIdLst>
   <p:sldSz cx="9144000" cy="6858000" type="screen4x3"/>
   <p:notesSz cx="6858000" cy="9144000"/>
@@ -162,22 +156,16 @@
             <p14:sldId id="386"/>
             <p14:sldId id="465"/>
             <p14:sldId id="438"/>
+            <p14:sldId id="468"/>
             <p14:sldId id="453"/>
-            <p14:sldId id="464"/>
-            <p14:sldId id="463"/>
-            <p14:sldId id="444"/>
-            <p14:sldId id="458"/>
-            <p14:sldId id="459"/>
-            <p14:sldId id="456"/>
-            <p14:sldId id="457"/>
+            <p14:sldId id="470"/>
+            <p14:sldId id="471"/>
+            <p14:sldId id="469"/>
           </p14:sldIdLst>
         </p14:section>
         <p14:section name="Untitled Section" id="{10D7A504-47FB-4918-A4D5-89B2468382E8}">
           <p14:sldIdLst>
-            <p14:sldId id="466"/>
-            <p14:sldId id="467"/>
             <p14:sldId id="454"/>
-            <p14:sldId id="448"/>
           </p14:sldIdLst>
         </p14:section>
       </p14:sectionLst>
@@ -368,7 +356,7 @@
               <a:pPr>
                 <a:defRPr/>
               </a:pPr>
-              <a:t>6/8/2016</a:t>
+              <a:t>6/9/2016</a:t>
             </a:fld>
             <a:endParaRPr lang="en-US" dirty="0"/>
           </a:p>
@@ -1149,276 +1137,6 @@
 </p:notes>
 </file>
 
-<file path=ppt/notesSlides/notesSlide2.xml><?xml version="1.0" encoding="utf-8"?>
-<p:notes xmlns:a="http://schemas.openxmlformats.org/drawingml/2006/main" xmlns:r="http://schemas.openxmlformats.org/officeDocument/2006/relationships" xmlns:p="http://schemas.openxmlformats.org/presentationml/2006/main">
-  <p:cSld>
-    <p:spTree>
-      <p:nvGrpSpPr>
-        <p:cNvPr id="1" name=""/>
-        <p:cNvGrpSpPr/>
-        <p:nvPr/>
-      </p:nvGrpSpPr>
-      <p:grpSpPr>
-        <a:xfrm>
-          <a:off x="0" y="0"/>
-          <a:ext cx="0" cy="0"/>
-          <a:chOff x="0" y="0"/>
-          <a:chExt cx="0" cy="0"/>
-        </a:xfrm>
-      </p:grpSpPr>
-      <p:sp>
-        <p:nvSpPr>
-          <p:cNvPr id="2" name="Slide Image Placeholder 1"/>
-          <p:cNvSpPr>
-            <a:spLocks noGrp="1" noRot="1" noChangeAspect="1"/>
-          </p:cNvSpPr>
-          <p:nvPr>
-            <p:ph type="sldImg"/>
-          </p:nvPr>
-        </p:nvSpPr>
-        <p:spPr/>
-      </p:sp>
-      <p:sp>
-        <p:nvSpPr>
-          <p:cNvPr id="3" name="Notes Placeholder 2"/>
-          <p:cNvSpPr>
-            <a:spLocks noGrp="1"/>
-          </p:cNvSpPr>
-          <p:nvPr>
-            <p:ph type="body" idx="1"/>
-          </p:nvPr>
-        </p:nvSpPr>
-        <p:spPr/>
-        <p:txBody>
-          <a:bodyPr/>
-          <a:lstStyle/>
-          <a:p>
-            <a:endParaRPr lang="en-US"/>
-          </a:p>
-        </p:txBody>
-      </p:sp>
-      <p:sp>
-        <p:nvSpPr>
-          <p:cNvPr id="4" name="Slide Number Placeholder 3"/>
-          <p:cNvSpPr>
-            <a:spLocks noGrp="1"/>
-          </p:cNvSpPr>
-          <p:nvPr>
-            <p:ph type="sldNum" sz="quarter" idx="10"/>
-          </p:nvPr>
-        </p:nvSpPr>
-        <p:spPr/>
-        <p:txBody>
-          <a:bodyPr/>
-          <a:lstStyle/>
-          <a:p>
-            <a:pPr>
-              <a:defRPr/>
-            </a:pPr>
-            <a:fld id="{690FEF1F-4699-4C23-8BA9-360446E5FD50}" type="slidenum">
-              <a:rPr lang="en-US" smtClean="0"/>
-              <a:pPr>
-                <a:defRPr/>
-              </a:pPr>
-              <a:t>7</a:t>
-            </a:fld>
-            <a:endParaRPr lang="en-US" dirty="0"/>
-          </a:p>
-        </p:txBody>
-      </p:sp>
-    </p:spTree>
-    <p:extLst>
-      <p:ext uri="{BB962C8B-B14F-4D97-AF65-F5344CB8AC3E}">
-        <p14:creationId xmlns:p14="http://schemas.microsoft.com/office/powerpoint/2010/main" val="4072544820"/>
-      </p:ext>
-    </p:extLst>
-  </p:cSld>
-  <p:clrMapOvr>
-    <a:masterClrMapping/>
-  </p:clrMapOvr>
-</p:notes>
-</file>
-
-<file path=ppt/notesSlides/notesSlide3.xml><?xml version="1.0" encoding="utf-8"?>
-<p:notes xmlns:a="http://schemas.openxmlformats.org/drawingml/2006/main" xmlns:r="http://schemas.openxmlformats.org/officeDocument/2006/relationships" xmlns:p="http://schemas.openxmlformats.org/presentationml/2006/main">
-  <p:cSld>
-    <p:spTree>
-      <p:nvGrpSpPr>
-        <p:cNvPr id="1" name=""/>
-        <p:cNvGrpSpPr/>
-        <p:nvPr/>
-      </p:nvGrpSpPr>
-      <p:grpSpPr>
-        <a:xfrm>
-          <a:off x="0" y="0"/>
-          <a:ext cx="0" cy="0"/>
-          <a:chOff x="0" y="0"/>
-          <a:chExt cx="0" cy="0"/>
-        </a:xfrm>
-      </p:grpSpPr>
-      <p:sp>
-        <p:nvSpPr>
-          <p:cNvPr id="2" name="Slide Image Placeholder 1"/>
-          <p:cNvSpPr>
-            <a:spLocks noGrp="1" noRot="1" noChangeAspect="1"/>
-          </p:cNvSpPr>
-          <p:nvPr>
-            <p:ph type="sldImg"/>
-          </p:nvPr>
-        </p:nvSpPr>
-        <p:spPr/>
-      </p:sp>
-      <p:sp>
-        <p:nvSpPr>
-          <p:cNvPr id="3" name="Notes Placeholder 2"/>
-          <p:cNvSpPr>
-            <a:spLocks noGrp="1"/>
-          </p:cNvSpPr>
-          <p:nvPr>
-            <p:ph type="body" idx="1"/>
-          </p:nvPr>
-        </p:nvSpPr>
-        <p:spPr/>
-        <p:txBody>
-          <a:bodyPr/>
-          <a:lstStyle/>
-          <a:p>
-            <a:endParaRPr lang="en-US" dirty="0"/>
-          </a:p>
-        </p:txBody>
-      </p:sp>
-      <p:sp>
-        <p:nvSpPr>
-          <p:cNvPr id="4" name="Slide Number Placeholder 3"/>
-          <p:cNvSpPr>
-            <a:spLocks noGrp="1"/>
-          </p:cNvSpPr>
-          <p:nvPr>
-            <p:ph type="sldNum" sz="quarter" idx="10"/>
-          </p:nvPr>
-        </p:nvSpPr>
-        <p:spPr/>
-        <p:txBody>
-          <a:bodyPr/>
-          <a:lstStyle/>
-          <a:p>
-            <a:pPr>
-              <a:defRPr/>
-            </a:pPr>
-            <a:fld id="{690FEF1F-4699-4C23-8BA9-360446E5FD50}" type="slidenum">
-              <a:rPr lang="en-US" smtClean="0"/>
-              <a:pPr>
-                <a:defRPr/>
-              </a:pPr>
-              <a:t>12</a:t>
-            </a:fld>
-            <a:endParaRPr lang="en-US" dirty="0"/>
-          </a:p>
-        </p:txBody>
-      </p:sp>
-    </p:spTree>
-    <p:extLst>
-      <p:ext uri="{BB962C8B-B14F-4D97-AF65-F5344CB8AC3E}">
-        <p14:creationId xmlns:p14="http://schemas.microsoft.com/office/powerpoint/2010/main" val="2844326646"/>
-      </p:ext>
-    </p:extLst>
-  </p:cSld>
-  <p:clrMapOvr>
-    <a:masterClrMapping/>
-  </p:clrMapOvr>
-</p:notes>
-</file>
-
-<file path=ppt/notesSlides/notesSlide4.xml><?xml version="1.0" encoding="utf-8"?>
-<p:notes xmlns:a="http://schemas.openxmlformats.org/drawingml/2006/main" xmlns:r="http://schemas.openxmlformats.org/officeDocument/2006/relationships" xmlns:p="http://schemas.openxmlformats.org/presentationml/2006/main">
-  <p:cSld>
-    <p:spTree>
-      <p:nvGrpSpPr>
-        <p:cNvPr id="1" name=""/>
-        <p:cNvGrpSpPr/>
-        <p:nvPr/>
-      </p:nvGrpSpPr>
-      <p:grpSpPr>
-        <a:xfrm>
-          <a:off x="0" y="0"/>
-          <a:ext cx="0" cy="0"/>
-          <a:chOff x="0" y="0"/>
-          <a:chExt cx="0" cy="0"/>
-        </a:xfrm>
-      </p:grpSpPr>
-      <p:sp>
-        <p:nvSpPr>
-          <p:cNvPr id="2" name="Slide Image Placeholder 1"/>
-          <p:cNvSpPr>
-            <a:spLocks noGrp="1" noRot="1" noChangeAspect="1"/>
-          </p:cNvSpPr>
-          <p:nvPr>
-            <p:ph type="sldImg"/>
-          </p:nvPr>
-        </p:nvSpPr>
-        <p:spPr/>
-      </p:sp>
-      <p:sp>
-        <p:nvSpPr>
-          <p:cNvPr id="3" name="Notes Placeholder 2"/>
-          <p:cNvSpPr>
-            <a:spLocks noGrp="1"/>
-          </p:cNvSpPr>
-          <p:nvPr>
-            <p:ph type="body" idx="1"/>
-          </p:nvPr>
-        </p:nvSpPr>
-        <p:spPr/>
-        <p:txBody>
-          <a:bodyPr/>
-          <a:lstStyle/>
-          <a:p>
-            <a:endParaRPr lang="en-US" dirty="0"/>
-          </a:p>
-        </p:txBody>
-      </p:sp>
-      <p:sp>
-        <p:nvSpPr>
-          <p:cNvPr id="4" name="Slide Number Placeholder 3"/>
-          <p:cNvSpPr>
-            <a:spLocks noGrp="1"/>
-          </p:cNvSpPr>
-          <p:nvPr>
-            <p:ph type="sldNum" sz="quarter" idx="10"/>
-          </p:nvPr>
-        </p:nvSpPr>
-        <p:spPr/>
-        <p:txBody>
-          <a:bodyPr/>
-          <a:lstStyle/>
-          <a:p>
-            <a:pPr>
-              <a:defRPr/>
-            </a:pPr>
-            <a:fld id="{690FEF1F-4699-4C23-8BA9-360446E5FD50}" type="slidenum">
-              <a:rPr lang="en-US" smtClean="0"/>
-              <a:pPr>
-                <a:defRPr/>
-              </a:pPr>
-              <a:t>13</a:t>
-            </a:fld>
-            <a:endParaRPr lang="en-US" dirty="0"/>
-          </a:p>
-        </p:txBody>
-      </p:sp>
-    </p:spTree>
-    <p:extLst>
-      <p:ext uri="{BB962C8B-B14F-4D97-AF65-F5344CB8AC3E}">
-        <p14:creationId xmlns:p14="http://schemas.microsoft.com/office/powerpoint/2010/main" val="1396526333"/>
-      </p:ext>
-    </p:extLst>
-  </p:cSld>
-  <p:clrMapOvr>
-    <a:masterClrMapping/>
-  </p:clrMapOvr>
-</p:notes>
-</file>
-
 <file path=ppt/slideLayouts/slideLayout1.xml><?xml version="1.0" encoding="utf-8"?>
 <p:sldLayout xmlns:a="http://schemas.openxmlformats.org/drawingml/2006/main" xmlns:r="http://schemas.openxmlformats.org/officeDocument/2006/relationships" xmlns:p="http://schemas.openxmlformats.org/presentationml/2006/main" preserve="1" userDrawn="1">
   <p:cSld name="Blue Title Slide">
@@ -1822,7 +1540,7 @@
               <a:pPr>
                 <a:defRPr/>
               </a:pPr>
-              <a:t>June 8, 2016</a:t>
+              <a:t>June 9, 2016</a:t>
             </a:fld>
             <a:endParaRPr lang="en-US" dirty="0"/>
           </a:p>
@@ -4404,7 +4122,7 @@
           <a:p>
             <a:fld id="{9E23832F-A033-A54E-AB4C-FBC3D83AD4AA}" type="datetimeFigureOut">
               <a:rPr lang="en-US" smtClean="0"/>
-              <a:t>6/8/2016</a:t>
+              <a:t>6/9/2016</a:t>
             </a:fld>
             <a:endParaRPr lang="en-US"/>
           </a:p>
@@ -4574,7 +4292,7 @@
           <a:p>
             <a:fld id="{9E23832F-A033-A54E-AB4C-FBC3D83AD4AA}" type="datetimeFigureOut">
               <a:rPr lang="en-US" smtClean="0"/>
-              <a:t>6/8/2016</a:t>
+              <a:t>6/9/2016</a:t>
             </a:fld>
             <a:endParaRPr lang="en-US"/>
           </a:p>
@@ -8547,7 +8265,7 @@
               </a14:hiddenLine>
             </a:ext>
             <a:ext uri="{FAA26D3D-D897-4be2-8F04-BA451C77F1D7}">
-              <ma14:placeholderFlag xmlns="" xmlns:ma14="http://schemas.microsoft.com/office/mac/drawingml/2011/main" val="1"/>
+              <ma14:placeholderFlag xmlns:ma14="http://schemas.microsoft.com/office/mac/drawingml/2011/main" xmlns="" val="1"/>
             </a:ext>
           </a:extLst>
         </p:spPr>
@@ -8610,7 +8328,7 @@
               </a14:hiddenLine>
             </a:ext>
             <a:ext uri="{FAA26D3D-D897-4be2-8F04-BA451C77F1D7}">
-              <ma14:placeholderFlag xmlns="" xmlns:ma14="http://schemas.microsoft.com/office/mac/drawingml/2011/main" val="1"/>
+              <ma14:placeholderFlag xmlns:ma14="http://schemas.microsoft.com/office/mac/drawingml/2011/main" xmlns="" val="1"/>
             </a:ext>
           </a:extLst>
         </p:spPr>
@@ -8704,7 +8422,7 @@
             </a:pPr>
             <a:fld id="{63A80243-55C2-1C49-BA61-21AC8F55AA45}" type="datetime4">
               <a:rPr lang="en-US" smtClean="0"/>
-              <a:t>June 8, 2016</a:t>
+              <a:t>June 9, 2016</a:t>
             </a:fld>
             <a:endParaRPr lang="en-US" dirty="0"/>
           </a:p>
@@ -9426,2134 +9144,6 @@
 </p:sld>
 </file>
 
-<file path=ppt/slides/slide10.xml><?xml version="1.0" encoding="utf-8"?>
-<p:sld xmlns:a="http://schemas.openxmlformats.org/drawingml/2006/main" xmlns:r="http://schemas.openxmlformats.org/officeDocument/2006/relationships" xmlns:p="http://schemas.openxmlformats.org/presentationml/2006/main">
-  <p:cSld>
-    <p:spTree>
-      <p:nvGrpSpPr>
-        <p:cNvPr id="1" name=""/>
-        <p:cNvGrpSpPr/>
-        <p:nvPr/>
-      </p:nvGrpSpPr>
-      <p:grpSpPr>
-        <a:xfrm>
-          <a:off x="0" y="0"/>
-          <a:ext cx="0" cy="0"/>
-          <a:chOff x="0" y="0"/>
-          <a:chExt cx="0" cy="0"/>
-        </a:xfrm>
-      </p:grpSpPr>
-      <p:sp>
-        <p:nvSpPr>
-          <p:cNvPr id="2" name="Title 1"/>
-          <p:cNvSpPr>
-            <a:spLocks noGrp="1"/>
-          </p:cNvSpPr>
-          <p:nvPr>
-            <p:ph type="title"/>
-          </p:nvPr>
-        </p:nvSpPr>
-        <p:spPr/>
-        <p:txBody>
-          <a:bodyPr/>
-          <a:lstStyle/>
-          <a:p>
-            <a:r>
-              <a:rPr lang="en-US" b="1" dirty="0" smtClean="0">
-                <a:effectLst>
-                  <a:outerShdw blurRad="38100" dist="38100" dir="2700000" algn="tl">
-                    <a:srgbClr val="000000">
-                      <a:alpha val="43137"/>
-                    </a:srgbClr>
-                  </a:outerShdw>
-                </a:effectLst>
-              </a:rPr>
-              <a:t>Production </a:t>
-            </a:r>
-            <a:r>
-              <a:rPr lang="en-US" b="1" dirty="0">
-                <a:effectLst>
-                  <a:outerShdw blurRad="38100" dist="38100" dir="2700000" algn="tl">
-                    <a:srgbClr val="000000">
-                      <a:alpha val="43137"/>
-                    </a:srgbClr>
-                  </a:outerShdw>
-                </a:effectLst>
-              </a:rPr>
-              <a:t>issues to be fixed by re-design</a:t>
-            </a:r>
-            <a:endParaRPr lang="en-US" dirty="0"/>
-          </a:p>
-        </p:txBody>
-      </p:sp>
-      <p:sp>
-        <p:nvSpPr>
-          <p:cNvPr id="3" name="Content Placeholder 2"/>
-          <p:cNvSpPr>
-            <a:spLocks noGrp="1"/>
-          </p:cNvSpPr>
-          <p:nvPr>
-            <p:ph sz="quarter" idx="11"/>
-          </p:nvPr>
-        </p:nvSpPr>
-        <p:spPr>
-          <a:xfrm>
-            <a:off x="481521" y="1371600"/>
-            <a:ext cx="8165592" cy="1981200"/>
-          </a:xfrm>
-        </p:spPr>
-        <p:txBody>
-          <a:bodyPr/>
-          <a:lstStyle/>
-          <a:p>
-            <a:r>
-              <a:rPr lang="en-US" dirty="0" err="1"/>
-              <a:t>Greensheets</a:t>
-            </a:r>
-            <a:r>
-              <a:rPr lang="en-US" dirty="0"/>
-              <a:t> Submission (Major reoccurring issue (PD </a:t>
-            </a:r>
-            <a:r>
-              <a:rPr lang="en-US" dirty="0" err="1"/>
-              <a:t>Greensheet</a:t>
-            </a:r>
-            <a:r>
-              <a:rPr lang="en-US" dirty="0" smtClean="0"/>
-              <a:t>)</a:t>
-            </a:r>
-          </a:p>
-          <a:p>
-            <a:r>
-              <a:rPr lang="en-US" dirty="0" err="1"/>
-              <a:t>Greensheets</a:t>
-            </a:r>
-            <a:r>
-              <a:rPr lang="en-US" dirty="0"/>
-              <a:t> Timeout (Major reoccurring issue)</a:t>
-            </a:r>
-          </a:p>
-          <a:p>
-            <a:r>
-              <a:rPr lang="en-US" dirty="0" smtClean="0"/>
-              <a:t>Duplicate </a:t>
-            </a:r>
-            <a:r>
-              <a:rPr lang="en-US" dirty="0" err="1"/>
-              <a:t>greensheets</a:t>
-            </a:r>
-            <a:r>
-              <a:rPr lang="en-US" dirty="0"/>
-              <a:t> (only reoccurring occasionally</a:t>
-            </a:r>
-            <a:r>
-              <a:rPr lang="en-US" dirty="0" smtClean="0"/>
-              <a:t>)</a:t>
-            </a:r>
-          </a:p>
-          <a:p>
-            <a:endParaRPr lang="en-US" sz="1400" dirty="0"/>
-          </a:p>
-          <a:p>
-            <a:endParaRPr lang="en-US" sz="1400" dirty="0"/>
-          </a:p>
-        </p:txBody>
-      </p:sp>
-    </p:spTree>
-    <p:extLst>
-      <p:ext uri="{BB962C8B-B14F-4D97-AF65-F5344CB8AC3E}">
-        <p14:creationId xmlns:p14="http://schemas.microsoft.com/office/powerpoint/2010/main" val="2759025388"/>
-      </p:ext>
-    </p:extLst>
-  </p:cSld>
-  <p:clrMapOvr>
-    <a:masterClrMapping/>
-  </p:clrMapOvr>
-</p:sld>
-</file>
-
-<file path=ppt/slides/slide11.xml><?xml version="1.0" encoding="utf-8"?>
-<p:sld xmlns:a="http://schemas.openxmlformats.org/drawingml/2006/main" xmlns:r="http://schemas.openxmlformats.org/officeDocument/2006/relationships" xmlns:p="http://schemas.openxmlformats.org/presentationml/2006/main">
-  <p:cSld>
-    <p:spTree>
-      <p:nvGrpSpPr>
-        <p:cNvPr id="1" name=""/>
-        <p:cNvGrpSpPr/>
-        <p:nvPr/>
-      </p:nvGrpSpPr>
-      <p:grpSpPr>
-        <a:xfrm>
-          <a:off x="0" y="0"/>
-          <a:ext cx="0" cy="0"/>
-          <a:chOff x="0" y="0"/>
-          <a:chExt cx="0" cy="0"/>
-        </a:xfrm>
-      </p:grpSpPr>
-      <p:sp>
-        <p:nvSpPr>
-          <p:cNvPr id="2" name="Title 1"/>
-          <p:cNvSpPr>
-            <a:spLocks noGrp="1"/>
-          </p:cNvSpPr>
-          <p:nvPr>
-            <p:ph type="title"/>
-          </p:nvPr>
-        </p:nvSpPr>
-        <p:spPr/>
-        <p:txBody>
-          <a:bodyPr/>
-          <a:lstStyle/>
-          <a:p>
-            <a:r>
-              <a:rPr lang="en-US" b="1" dirty="0" smtClean="0">
-                <a:effectLst>
-                  <a:outerShdw blurRad="38100" dist="38100" dir="2700000" algn="tl">
-                    <a:srgbClr val="000000">
-                      <a:alpha val="43137"/>
-                    </a:srgbClr>
-                  </a:outerShdw>
-                </a:effectLst>
-                <a:latin typeface="+mn-lt"/>
-              </a:rPr>
-              <a:t>Accommodate Additional Business needs</a:t>
-            </a:r>
-            <a:endParaRPr lang="en-US" b="1" dirty="0">
-              <a:effectLst>
-                <a:outerShdw blurRad="38100" dist="38100" dir="2700000" algn="tl">
-                  <a:srgbClr val="000000">
-                    <a:alpha val="43137"/>
-                  </a:srgbClr>
-                </a:outerShdw>
-              </a:effectLst>
-              <a:latin typeface="+mn-lt"/>
-            </a:endParaRPr>
-          </a:p>
-        </p:txBody>
-      </p:sp>
-      <p:sp>
-        <p:nvSpPr>
-          <p:cNvPr id="3" name="Content Placeholder 2"/>
-          <p:cNvSpPr>
-            <a:spLocks noGrp="1"/>
-          </p:cNvSpPr>
-          <p:nvPr>
-            <p:ph sz="quarter" idx="11"/>
-          </p:nvPr>
-        </p:nvSpPr>
-        <p:spPr>
-          <a:xfrm>
-            <a:off x="536385" y="1014265"/>
-            <a:ext cx="8165592" cy="5234135"/>
-          </a:xfrm>
-        </p:spPr>
-        <p:txBody>
-          <a:bodyPr/>
-          <a:lstStyle/>
-          <a:p>
-            <a:pPr marL="0" lvl="3" indent="0" fontAlgn="auto">
-              <a:spcBef>
-                <a:spcPts val="0"/>
-              </a:spcBef>
-              <a:spcAft>
-                <a:spcPts val="0"/>
-              </a:spcAft>
-              <a:buClrTx/>
-              <a:buNone/>
-              <a:defRPr/>
-            </a:pPr>
-            <a:r>
-              <a:rPr lang="en-US" sz="1800" b="1" u="sng" dirty="0" smtClean="0"/>
-              <a:t>Previously agreed upon:</a:t>
-            </a:r>
-          </a:p>
-          <a:p>
-            <a:pPr marL="171450" lvl="3" indent="-171450" fontAlgn="auto">
-              <a:spcBef>
-                <a:spcPts val="0"/>
-              </a:spcBef>
-              <a:spcAft>
-                <a:spcPts val="0"/>
-              </a:spcAft>
-              <a:buClrTx/>
-              <a:defRPr/>
-            </a:pPr>
-            <a:r>
-              <a:rPr lang="en-US" sz="1800" dirty="0" smtClean="0"/>
-              <a:t>Provide </a:t>
-            </a:r>
-            <a:r>
-              <a:rPr lang="en-US" sz="1800" dirty="0"/>
-              <a:t>reporting </a:t>
-            </a:r>
-            <a:r>
-              <a:rPr lang="en-US" sz="1800" dirty="0" smtClean="0"/>
-              <a:t>capabilities</a:t>
-            </a:r>
-          </a:p>
-          <a:p>
-            <a:pPr marL="400050" lvl="4" indent="-171450" fontAlgn="auto">
-              <a:spcBef>
-                <a:spcPts val="0"/>
-              </a:spcBef>
-              <a:spcAft>
-                <a:spcPts val="0"/>
-              </a:spcAft>
-              <a:buClrTx/>
-              <a:defRPr/>
-            </a:pPr>
-            <a:r>
-              <a:rPr lang="en-US" sz="1700" dirty="0"/>
-              <a:t>Ad-hoc reports on statistics related to answers to a specific </a:t>
-            </a:r>
-            <a:r>
-              <a:rPr lang="en-US" sz="1700" dirty="0" smtClean="0"/>
-              <a:t>question</a:t>
-            </a:r>
-          </a:p>
-          <a:p>
-            <a:pPr marL="400050" lvl="4" indent="-171450" fontAlgn="auto">
-              <a:spcBef>
-                <a:spcPts val="0"/>
-              </a:spcBef>
-              <a:spcAft>
-                <a:spcPts val="0"/>
-              </a:spcAft>
-              <a:buClrTx/>
-              <a:defRPr/>
-            </a:pPr>
-            <a:r>
-              <a:rPr lang="en-US" sz="1700" dirty="0"/>
-              <a:t>User-friendly dashboard report to easily access the grants and the underlying </a:t>
-            </a:r>
-            <a:r>
-              <a:rPr lang="en-US" sz="1700" dirty="0" err="1"/>
-              <a:t>greensheets</a:t>
-            </a:r>
-            <a:r>
-              <a:rPr lang="en-US" sz="1700" dirty="0"/>
-              <a:t> and also to help visualize some of the key metrics. This is house-keeping” reports, for example ‘how many </a:t>
-            </a:r>
-            <a:r>
-              <a:rPr lang="en-US" sz="1700" dirty="0" err="1"/>
-              <a:t>greensheets</a:t>
-            </a:r>
-            <a:r>
-              <a:rPr lang="en-US" sz="1700" dirty="0"/>
-              <a:t> in Submitted status</a:t>
-            </a:r>
-          </a:p>
-          <a:p>
-            <a:pPr marL="171450" lvl="3" indent="-171450" fontAlgn="auto">
-              <a:spcBef>
-                <a:spcPts val="0"/>
-              </a:spcBef>
-              <a:spcAft>
-                <a:spcPts val="0"/>
-              </a:spcAft>
-              <a:buClrTx/>
-              <a:defRPr/>
-            </a:pPr>
-            <a:r>
-              <a:rPr lang="en-US" sz="1800" dirty="0"/>
-              <a:t>Enhance search </a:t>
-            </a:r>
-            <a:r>
-              <a:rPr lang="en-US" sz="1800" dirty="0" smtClean="0"/>
-              <a:t>capabilities</a:t>
-            </a:r>
-          </a:p>
-          <a:p>
-            <a:pPr marL="171450" lvl="3" indent="-171450" fontAlgn="auto">
-              <a:spcBef>
-                <a:spcPts val="0"/>
-              </a:spcBef>
-              <a:spcAft>
-                <a:spcPts val="0"/>
-              </a:spcAft>
-              <a:buClrTx/>
-              <a:defRPr/>
-            </a:pPr>
-            <a:r>
-              <a:rPr lang="en-US" sz="1800" dirty="0"/>
-              <a:t>Enhance </a:t>
-            </a:r>
-            <a:r>
-              <a:rPr lang="en-US" sz="1800" dirty="0" smtClean="0"/>
-              <a:t>security</a:t>
-            </a:r>
-          </a:p>
-          <a:p>
-            <a:pPr marL="171450" lvl="3" indent="-171450" fontAlgn="auto">
-              <a:spcBef>
-                <a:spcPts val="0"/>
-              </a:spcBef>
-              <a:spcAft>
-                <a:spcPts val="0"/>
-              </a:spcAft>
-              <a:buClrTx/>
-              <a:defRPr/>
-            </a:pPr>
-            <a:r>
-              <a:rPr lang="en-US" sz="1800" dirty="0"/>
-              <a:t>UI modernization and </a:t>
-            </a:r>
-            <a:r>
-              <a:rPr lang="en-US" sz="1800" dirty="0" smtClean="0"/>
-              <a:t>usability</a:t>
-            </a:r>
-          </a:p>
-          <a:p>
-            <a:pPr marL="171450" lvl="3" indent="-171450" fontAlgn="auto">
-              <a:spcBef>
-                <a:spcPts val="0"/>
-              </a:spcBef>
-              <a:spcAft>
-                <a:spcPts val="0"/>
-              </a:spcAft>
-              <a:buClrTx/>
-              <a:defRPr/>
-            </a:pPr>
-            <a:endParaRPr lang="en-US" sz="1800" dirty="0"/>
-          </a:p>
-          <a:p>
-            <a:pPr marL="171450" lvl="3" indent="-171450" fontAlgn="auto">
-              <a:spcBef>
-                <a:spcPts val="0"/>
-              </a:spcBef>
-              <a:spcAft>
-                <a:spcPts val="0"/>
-              </a:spcAft>
-              <a:buClrTx/>
-              <a:defRPr/>
-            </a:pPr>
-            <a:endParaRPr lang="en-US" sz="1800" dirty="0" smtClean="0"/>
-          </a:p>
-          <a:p>
-            <a:pPr marL="0" lvl="3" indent="0" fontAlgn="auto">
-              <a:spcBef>
-                <a:spcPts val="0"/>
-              </a:spcBef>
-              <a:spcAft>
-                <a:spcPts val="0"/>
-              </a:spcAft>
-              <a:buClrTx/>
-              <a:buNone/>
-              <a:defRPr/>
-            </a:pPr>
-            <a:r>
-              <a:rPr lang="en-US" sz="1800" b="1" u="sng" dirty="0" smtClean="0"/>
-              <a:t>New (questions):</a:t>
-            </a:r>
-            <a:endParaRPr lang="en-US" sz="1800" b="1" u="sng" dirty="0"/>
-          </a:p>
-          <a:p>
-            <a:pPr marL="171450" lvl="3" indent="-171450" fontAlgn="auto">
-              <a:spcBef>
-                <a:spcPts val="0"/>
-              </a:spcBef>
-              <a:spcAft>
-                <a:spcPts val="0"/>
-              </a:spcAft>
-              <a:buClrTx/>
-              <a:defRPr/>
-            </a:pPr>
-            <a:r>
-              <a:rPr lang="en-US" sz="1800" dirty="0"/>
-              <a:t>Using additional capabilities of Form </a:t>
-            </a:r>
-            <a:r>
-              <a:rPr lang="en-US" sz="1800" dirty="0" smtClean="0"/>
-              <a:t>Builder</a:t>
-            </a:r>
-          </a:p>
-          <a:p>
-            <a:pPr marL="171450" lvl="3" indent="-171450" fontAlgn="auto">
-              <a:spcBef>
-                <a:spcPts val="0"/>
-              </a:spcBef>
-              <a:spcAft>
-                <a:spcPts val="0"/>
-              </a:spcAft>
-              <a:buClrTx/>
-              <a:defRPr/>
-            </a:pPr>
-            <a:r>
-              <a:rPr lang="en-US" sz="1800" dirty="0" smtClean="0"/>
-              <a:t>Changes to business </a:t>
-            </a:r>
-            <a:r>
-              <a:rPr lang="en-US" sz="1800" dirty="0"/>
-              <a:t>flow and navigation</a:t>
-            </a:r>
-          </a:p>
-          <a:p>
-            <a:pPr marL="171450" lvl="3" indent="-171450" fontAlgn="auto">
-              <a:spcBef>
-                <a:spcPts val="0"/>
-              </a:spcBef>
-              <a:spcAft>
-                <a:spcPts val="0"/>
-              </a:spcAft>
-              <a:buClrTx/>
-              <a:defRPr/>
-            </a:pPr>
-            <a:r>
-              <a:rPr lang="en-US" sz="1800" dirty="0" smtClean="0"/>
-              <a:t>Compliance </a:t>
-            </a:r>
-            <a:r>
-              <a:rPr lang="en-US" sz="1800" dirty="0"/>
-              <a:t>document retention </a:t>
-            </a:r>
-            <a:r>
-              <a:rPr lang="en-US" sz="1800" dirty="0" smtClean="0"/>
-              <a:t>policy</a:t>
-            </a:r>
-          </a:p>
-          <a:p>
-            <a:pPr marL="171450" lvl="3" indent="-171450" fontAlgn="auto">
-              <a:spcBef>
-                <a:spcPts val="0"/>
-              </a:spcBef>
-              <a:spcAft>
-                <a:spcPts val="0"/>
-              </a:spcAft>
-              <a:buClrTx/>
-              <a:defRPr/>
-            </a:pPr>
-            <a:endParaRPr lang="en-US" sz="1200" dirty="0"/>
-          </a:p>
-          <a:p>
-            <a:pPr marL="171450" lvl="3" indent="-171450" fontAlgn="auto">
-              <a:spcBef>
-                <a:spcPts val="0"/>
-              </a:spcBef>
-              <a:spcAft>
-                <a:spcPts val="0"/>
-              </a:spcAft>
-              <a:buClrTx/>
-              <a:defRPr/>
-            </a:pPr>
-            <a:endParaRPr lang="en-US" sz="1200" dirty="0">
-              <a:solidFill>
-                <a:schemeClr val="dk1"/>
-              </a:solidFill>
-            </a:endParaRPr>
-          </a:p>
-          <a:p>
-            <a:pPr marL="171450" lvl="3" indent="-171450" fontAlgn="auto">
-              <a:spcBef>
-                <a:spcPts val="0"/>
-              </a:spcBef>
-              <a:spcAft>
-                <a:spcPts val="0"/>
-              </a:spcAft>
-              <a:buClrTx/>
-              <a:defRPr/>
-            </a:pPr>
-            <a:endParaRPr lang="en-US" sz="1200" dirty="0" smtClean="0"/>
-          </a:p>
-          <a:p>
-            <a:pPr marL="171450" lvl="3" indent="-171450" fontAlgn="auto">
-              <a:spcBef>
-                <a:spcPts val="0"/>
-              </a:spcBef>
-              <a:spcAft>
-                <a:spcPts val="0"/>
-              </a:spcAft>
-              <a:buClrTx/>
-              <a:defRPr/>
-            </a:pPr>
-            <a:endParaRPr lang="en-US" sz="1200" dirty="0"/>
-          </a:p>
-        </p:txBody>
-      </p:sp>
-    </p:spTree>
-    <p:extLst>
-      <p:ext uri="{BB962C8B-B14F-4D97-AF65-F5344CB8AC3E}">
-        <p14:creationId xmlns:p14="http://schemas.microsoft.com/office/powerpoint/2010/main" val="150524522"/>
-      </p:ext>
-    </p:extLst>
-  </p:cSld>
-  <p:clrMapOvr>
-    <a:masterClrMapping/>
-  </p:clrMapOvr>
-</p:sld>
-</file>
-
-<file path=ppt/slides/slide12.xml><?xml version="1.0" encoding="utf-8"?>
-<p:sld xmlns:a="http://schemas.openxmlformats.org/drawingml/2006/main" xmlns:r="http://schemas.openxmlformats.org/officeDocument/2006/relationships" xmlns:p="http://schemas.openxmlformats.org/presentationml/2006/main">
-  <p:cSld>
-    <p:spTree>
-      <p:nvGrpSpPr>
-        <p:cNvPr id="1" name=""/>
-        <p:cNvGrpSpPr/>
-        <p:nvPr/>
-      </p:nvGrpSpPr>
-      <p:grpSpPr>
-        <a:xfrm>
-          <a:off x="0" y="0"/>
-          <a:ext cx="0" cy="0"/>
-          <a:chOff x="0" y="0"/>
-          <a:chExt cx="0" cy="0"/>
-        </a:xfrm>
-      </p:grpSpPr>
-      <p:sp>
-        <p:nvSpPr>
-          <p:cNvPr id="2" name="Title 1"/>
-          <p:cNvSpPr>
-            <a:spLocks noGrp="1"/>
-          </p:cNvSpPr>
-          <p:nvPr>
-            <p:ph type="title"/>
-          </p:nvPr>
-        </p:nvSpPr>
-        <p:spPr/>
-        <p:txBody>
-          <a:bodyPr/>
-          <a:lstStyle/>
-          <a:p>
-            <a:r>
-              <a:rPr lang="en-US" b="1" dirty="0" smtClean="0">
-                <a:effectLst>
-                  <a:outerShdw blurRad="38100" dist="38100" dir="2700000" algn="tl">
-                    <a:srgbClr val="000000">
-                      <a:alpha val="43137"/>
-                    </a:srgbClr>
-                  </a:outerShdw>
-                </a:effectLst>
-                <a:latin typeface="+mn-lt"/>
-              </a:rPr>
-              <a:t>Possible </a:t>
-            </a:r>
-            <a:r>
-              <a:rPr lang="en-US" b="1" dirty="0">
-                <a:effectLst>
-                  <a:outerShdw blurRad="38100" dist="38100" dir="2700000" algn="tl">
-                    <a:srgbClr val="000000">
-                      <a:alpha val="43137"/>
-                    </a:srgbClr>
-                  </a:outerShdw>
-                </a:effectLst>
-                <a:latin typeface="+mn-lt"/>
-              </a:rPr>
-              <a:t>project </a:t>
-            </a:r>
-            <a:r>
-              <a:rPr lang="en-US" b="1" dirty="0" smtClean="0">
-                <a:effectLst>
-                  <a:outerShdw blurRad="38100" dist="38100" dir="2700000" algn="tl">
-                    <a:srgbClr val="000000">
-                      <a:alpha val="43137"/>
-                    </a:srgbClr>
-                  </a:outerShdw>
-                </a:effectLst>
-                <a:latin typeface="+mn-lt"/>
-              </a:rPr>
-              <a:t>time line</a:t>
-            </a:r>
-            <a:endParaRPr lang="en-US" b="1" dirty="0">
-              <a:effectLst>
-                <a:outerShdw blurRad="38100" dist="38100" dir="2700000" algn="tl">
-                  <a:srgbClr val="000000">
-                    <a:alpha val="43137"/>
-                  </a:srgbClr>
-                </a:outerShdw>
-              </a:effectLst>
-              <a:latin typeface="+mn-lt"/>
-              <a:cs typeface="Arial" panose="020B0604020202020204" pitchFamily="34" charset="0"/>
-            </a:endParaRPr>
-          </a:p>
-        </p:txBody>
-      </p:sp>
-      <p:sp>
-        <p:nvSpPr>
-          <p:cNvPr id="3" name="Content Placeholder 2"/>
-          <p:cNvSpPr>
-            <a:spLocks noGrp="1"/>
-          </p:cNvSpPr>
-          <p:nvPr>
-            <p:ph sz="quarter" idx="11"/>
-          </p:nvPr>
-        </p:nvSpPr>
-        <p:spPr>
-          <a:xfrm>
-            <a:off x="457200" y="5105400"/>
-            <a:ext cx="8305800" cy="1295400"/>
-          </a:xfrm>
-        </p:spPr>
-        <p:txBody>
-          <a:bodyPr/>
-          <a:lstStyle/>
-          <a:p>
-            <a:pPr marL="0" indent="0">
-              <a:lnSpc>
-                <a:spcPct val="150000"/>
-              </a:lnSpc>
-              <a:buNone/>
-            </a:pPr>
-            <a:r>
-              <a:rPr lang="en-US" dirty="0" smtClean="0">
-                <a:latin typeface="Arial" panose="020B0604020202020204" pitchFamily="34" charset="0"/>
-                <a:cs typeface="Arial" panose="020B0604020202020204" pitchFamily="34" charset="0"/>
-              </a:rPr>
-              <a:t>Notes</a:t>
-            </a:r>
-          </a:p>
-          <a:p>
-            <a:r>
-              <a:rPr lang="en-US" sz="1600" dirty="0" smtClean="0"/>
-              <a:t>Release </a:t>
-            </a:r>
-            <a:r>
-              <a:rPr lang="en-US" sz="1600" dirty="0" smtClean="0"/>
-              <a:t>4 is optional if OGA use other tools for reporting purposes</a:t>
-            </a:r>
-            <a:endParaRPr lang="en-US" sz="1600" dirty="0"/>
-          </a:p>
-        </p:txBody>
-      </p:sp>
-      <p:pic>
-        <p:nvPicPr>
-          <p:cNvPr id="4" name="Picture 3"/>
-          <p:cNvPicPr>
-            <a:picLocks noChangeAspect="1"/>
-          </p:cNvPicPr>
-          <p:nvPr/>
-        </p:nvPicPr>
-        <p:blipFill>
-          <a:blip r:embed="rId3"/>
-          <a:stretch>
-            <a:fillRect/>
-          </a:stretch>
-        </p:blipFill>
-        <p:spPr>
-          <a:xfrm>
-            <a:off x="352035" y="1066800"/>
-            <a:ext cx="8516129" cy="3225801"/>
-          </a:xfrm>
-          <a:prstGeom prst="rect">
-            <a:avLst/>
-          </a:prstGeom>
-        </p:spPr>
-      </p:pic>
-    </p:spTree>
-    <p:extLst>
-      <p:ext uri="{BB962C8B-B14F-4D97-AF65-F5344CB8AC3E}">
-        <p14:creationId xmlns:p14="http://schemas.microsoft.com/office/powerpoint/2010/main" val="3027651354"/>
-      </p:ext>
-    </p:extLst>
-  </p:cSld>
-  <p:clrMapOvr>
-    <a:masterClrMapping/>
-  </p:clrMapOvr>
-  <p:timing>
-    <p:tnLst>
-      <p:par>
-        <p:cTn id="1" dur="indefinite" restart="never" nodeType="tmRoot"/>
-      </p:par>
-    </p:tnLst>
-  </p:timing>
-</p:sld>
-</file>
-
-<file path=ppt/slides/slide13.xml><?xml version="1.0" encoding="utf-8"?>
-<p:sld xmlns:a="http://schemas.openxmlformats.org/drawingml/2006/main" xmlns:r="http://schemas.openxmlformats.org/officeDocument/2006/relationships" xmlns:p="http://schemas.openxmlformats.org/presentationml/2006/main">
-  <p:cSld>
-    <p:spTree>
-      <p:nvGrpSpPr>
-        <p:cNvPr id="1" name=""/>
-        <p:cNvGrpSpPr/>
-        <p:nvPr/>
-      </p:nvGrpSpPr>
-      <p:grpSpPr>
-        <a:xfrm>
-          <a:off x="0" y="0"/>
-          <a:ext cx="0" cy="0"/>
-          <a:chOff x="0" y="0"/>
-          <a:chExt cx="0" cy="0"/>
-        </a:xfrm>
-      </p:grpSpPr>
-      <p:sp>
-        <p:nvSpPr>
-          <p:cNvPr id="2" name="Title 1"/>
-          <p:cNvSpPr>
-            <a:spLocks noGrp="1"/>
-          </p:cNvSpPr>
-          <p:nvPr>
-            <p:ph type="title"/>
-          </p:nvPr>
-        </p:nvSpPr>
-        <p:spPr/>
-        <p:txBody>
-          <a:bodyPr/>
-          <a:lstStyle/>
-          <a:p>
-            <a:r>
-              <a:rPr lang="en-US" b="1" dirty="0" smtClean="0">
-                <a:effectLst>
-                  <a:outerShdw blurRad="38100" dist="38100" dir="2700000" algn="tl">
-                    <a:srgbClr val="000000">
-                      <a:alpha val="43137"/>
-                    </a:srgbClr>
-                  </a:outerShdw>
-                </a:effectLst>
-                <a:latin typeface="+mn-lt"/>
-              </a:rPr>
-              <a:t>High </a:t>
-            </a:r>
-            <a:r>
-              <a:rPr lang="en-US" b="1" dirty="0">
-                <a:effectLst>
-                  <a:outerShdw blurRad="38100" dist="38100" dir="2700000" algn="tl">
-                    <a:srgbClr val="000000">
-                      <a:alpha val="43137"/>
-                    </a:srgbClr>
-                  </a:outerShdw>
-                </a:effectLst>
-                <a:latin typeface="+mn-lt"/>
-              </a:rPr>
-              <a:t>level list of recommendations for re-design</a:t>
-            </a:r>
-            <a:endParaRPr lang="en-US" b="1" dirty="0">
-              <a:effectLst>
-                <a:outerShdw blurRad="38100" dist="38100" dir="2700000" algn="tl">
-                  <a:srgbClr val="000000">
-                    <a:alpha val="43137"/>
-                  </a:srgbClr>
-                </a:outerShdw>
-              </a:effectLst>
-              <a:latin typeface="+mn-lt"/>
-              <a:cs typeface="Arial" panose="020B0604020202020204" pitchFamily="34" charset="0"/>
-            </a:endParaRPr>
-          </a:p>
-        </p:txBody>
-      </p:sp>
-      <p:graphicFrame>
-        <p:nvGraphicFramePr>
-          <p:cNvPr id="4" name="Content Placeholder 3"/>
-          <p:cNvGraphicFramePr>
-            <a:graphicFrameLocks noGrp="1"/>
-          </p:cNvGraphicFramePr>
-          <p:nvPr>
-            <p:ph sz="quarter" idx="11"/>
-            <p:extLst/>
-          </p:nvPr>
-        </p:nvGraphicFramePr>
-        <p:xfrm>
-          <a:off x="472191" y="1219200"/>
-          <a:ext cx="8202168" cy="4798852"/>
-        </p:xfrm>
-        <a:graphic>
-          <a:graphicData uri="http://schemas.openxmlformats.org/drawingml/2006/table">
-            <a:tbl>
-              <a:tblPr firstRow="1" bandRow="1">
-                <a:tableStyleId>{00A15C55-8517-42AA-B614-E9B94910E393}</a:tableStyleId>
-              </a:tblPr>
-              <a:tblGrid>
-                <a:gridCol w="394335">
-                  <a:extLst>
-                    <a:ext uri="{9D8B030D-6E8A-4147-A177-3AD203B41FA5}">
-                      <a16:colId xmlns:a16="http://schemas.microsoft.com/office/drawing/2014/main" val="380828174"/>
-                    </a:ext>
-                  </a:extLst>
-                </a:gridCol>
-                <a:gridCol w="1586865">
-                  <a:extLst>
-                    <a:ext uri="{9D8B030D-6E8A-4147-A177-3AD203B41FA5}">
-                      <a16:colId xmlns:a16="http://schemas.microsoft.com/office/drawing/2014/main" val="1351816480"/>
-                    </a:ext>
-                  </a:extLst>
-                </a:gridCol>
-                <a:gridCol w="6220968">
-                  <a:extLst>
-                    <a:ext uri="{9D8B030D-6E8A-4147-A177-3AD203B41FA5}">
-                      <a16:colId xmlns:a16="http://schemas.microsoft.com/office/drawing/2014/main" val="287736014"/>
-                    </a:ext>
-                  </a:extLst>
-                </a:gridCol>
-              </a:tblGrid>
-              <a:tr h="390556">
-                <a:tc>
-                  <a:txBody>
-                    <a:bodyPr/>
-                    <a:lstStyle/>
-                    <a:p>
-                      <a:r>
-                        <a:rPr lang="en-US" sz="1200" dirty="0" smtClean="0"/>
-                        <a:t>#</a:t>
-                      </a:r>
-                      <a:endParaRPr lang="en-US" sz="1200" dirty="0"/>
-                    </a:p>
-                  </a:txBody>
-                  <a:tcPr/>
-                </a:tc>
-                <a:tc>
-                  <a:txBody>
-                    <a:bodyPr/>
-                    <a:lstStyle/>
-                    <a:p>
-                      <a:r>
-                        <a:rPr lang="en-US" sz="1200" dirty="0" smtClean="0"/>
-                        <a:t>Recommendations</a:t>
-                      </a:r>
-                      <a:endParaRPr lang="en-US" sz="1200" dirty="0"/>
-                    </a:p>
-                  </a:txBody>
-                  <a:tcPr/>
-                </a:tc>
-                <a:tc>
-                  <a:txBody>
-                    <a:bodyPr/>
-                    <a:lstStyle/>
-                    <a:p>
-                      <a:r>
-                        <a:rPr lang="en-US" sz="1200" dirty="0" smtClean="0"/>
-                        <a:t>Description</a:t>
-                      </a:r>
-                      <a:endParaRPr lang="en-US" sz="1200" dirty="0"/>
-                    </a:p>
-                  </a:txBody>
-                  <a:tcPr/>
-                </a:tc>
-                <a:extLst>
-                  <a:ext uri="{0D108BD9-81ED-4DB2-BD59-A6C34878D82A}">
-                    <a16:rowId xmlns:a16="http://schemas.microsoft.com/office/drawing/2014/main" val="1140275068"/>
-                  </a:ext>
-                </a:extLst>
-              </a:tr>
-              <a:tr h="822423">
-                <a:tc>
-                  <a:txBody>
-                    <a:bodyPr/>
-                    <a:lstStyle/>
-                    <a:p>
-                      <a:r>
-                        <a:rPr lang="en-US" sz="1000" dirty="0" smtClean="0"/>
-                        <a:t>1</a:t>
-                      </a:r>
-                      <a:endParaRPr lang="en-US" sz="1000" dirty="0"/>
-                    </a:p>
-                  </a:txBody>
-                  <a:tcPr/>
-                </a:tc>
-                <a:tc>
-                  <a:txBody>
-                    <a:bodyPr/>
-                    <a:lstStyle/>
-                    <a:p>
-                      <a:r>
-                        <a:rPr lang="en-US" sz="1000" dirty="0" smtClean="0"/>
-                        <a:t>Non</a:t>
-                      </a:r>
-                      <a:r>
-                        <a:rPr lang="en-US" sz="1000" baseline="0" dirty="0" smtClean="0"/>
-                        <a:t> UI </a:t>
-                      </a:r>
-                      <a:r>
-                        <a:rPr lang="en-US" sz="1000" dirty="0" smtClean="0"/>
-                        <a:t>reporting</a:t>
-                      </a:r>
-                      <a:endParaRPr lang="en-US" sz="1000" dirty="0"/>
-                    </a:p>
-                  </a:txBody>
-                  <a:tcPr/>
-                </a:tc>
-                <a:tc>
-                  <a:txBody>
-                    <a:bodyPr/>
-                    <a:lstStyle/>
-                    <a:p>
-                      <a:pPr marL="171450" indent="-171450">
-                        <a:buFont typeface="Arial" charset="0"/>
-                        <a:buChar char="•"/>
-                      </a:pPr>
-                      <a:r>
-                        <a:rPr lang="en-US" sz="1000" kern="1200" dirty="0" smtClean="0">
-                          <a:solidFill>
-                            <a:schemeClr val="dk1"/>
-                          </a:solidFill>
-                          <a:latin typeface="+mn-lt"/>
-                          <a:ea typeface="+mn-ea"/>
-                          <a:cs typeface="+mn-cs"/>
-                        </a:rPr>
-                        <a:t>Modify </a:t>
-                      </a:r>
-                      <a:r>
-                        <a:rPr lang="en-US" sz="1000" kern="1200" dirty="0" err="1" smtClean="0">
-                          <a:solidFill>
-                            <a:schemeClr val="dk1"/>
-                          </a:solidFill>
-                          <a:latin typeface="+mn-lt"/>
-                          <a:ea typeface="+mn-ea"/>
-                          <a:cs typeface="+mn-cs"/>
-                        </a:rPr>
-                        <a:t>Greensheets</a:t>
-                      </a:r>
-                      <a:r>
-                        <a:rPr lang="en-US" sz="1000" kern="1200" dirty="0" smtClean="0">
-                          <a:solidFill>
-                            <a:schemeClr val="dk1"/>
-                          </a:solidFill>
-                          <a:latin typeface="+mn-lt"/>
-                          <a:ea typeface="+mn-ea"/>
-                          <a:cs typeface="+mn-cs"/>
-                        </a:rPr>
-                        <a:t> database so it</a:t>
-                      </a:r>
-                      <a:r>
-                        <a:rPr lang="en-US" sz="1000" kern="1200" baseline="0" dirty="0" smtClean="0">
-                          <a:solidFill>
-                            <a:schemeClr val="dk1"/>
-                          </a:solidFill>
-                          <a:latin typeface="+mn-lt"/>
-                          <a:ea typeface="+mn-ea"/>
-                          <a:cs typeface="+mn-cs"/>
-                        </a:rPr>
-                        <a:t> </a:t>
-                      </a:r>
-                      <a:r>
-                        <a:rPr lang="en-US" sz="1000" kern="1200" dirty="0" smtClean="0">
-                          <a:solidFill>
-                            <a:schemeClr val="dk1"/>
-                          </a:solidFill>
-                          <a:latin typeface="+mn-lt"/>
-                          <a:ea typeface="+mn-ea"/>
-                          <a:cs typeface="+mn-cs"/>
-                        </a:rPr>
-                        <a:t>will allow run ad-hoc reports on statistics related to answers to a specific question on demand. </a:t>
-                      </a:r>
-                    </a:p>
-                    <a:p>
-                      <a:pPr marL="628650" lvl="1" indent="-171450">
-                        <a:buFont typeface="Arial" panose="020B0604020202020204" pitchFamily="34" charset="0"/>
-                        <a:buChar char="•"/>
-                      </a:pPr>
-                      <a:r>
-                        <a:rPr lang="en-US" sz="1000" kern="1200" dirty="0" smtClean="0">
-                          <a:solidFill>
-                            <a:schemeClr val="dk1"/>
-                          </a:solidFill>
-                          <a:latin typeface="+mn-lt"/>
-                          <a:ea typeface="+mn-ea"/>
-                          <a:cs typeface="+mn-cs"/>
-                        </a:rPr>
-                        <a:t>Design and implement new schema to store questions and other objects needed for reporting</a:t>
-                      </a:r>
-                    </a:p>
-                    <a:p>
-                      <a:pPr marL="628650" lvl="1" indent="-171450">
-                        <a:buFont typeface="Arial" panose="020B0604020202020204" pitchFamily="34" charset="0"/>
-                        <a:buChar char="•"/>
-                      </a:pPr>
-                      <a:r>
-                        <a:rPr lang="en-US" sz="1000" kern="1200" dirty="0" smtClean="0">
-                          <a:solidFill>
-                            <a:schemeClr val="dk1"/>
-                          </a:solidFill>
-                          <a:latin typeface="+mn-lt"/>
-                          <a:ea typeface="+mn-ea"/>
-                          <a:cs typeface="+mn-cs"/>
-                        </a:rPr>
-                        <a:t>Database migration</a:t>
-                      </a:r>
-                    </a:p>
-                    <a:p>
-                      <a:pPr marL="171450" indent="-171450">
-                        <a:buFont typeface="Arial" charset="0"/>
-                        <a:buChar char="•"/>
-                      </a:pPr>
-                      <a:endParaRPr lang="en-US" sz="1000" kern="1200" dirty="0">
-                        <a:solidFill>
-                          <a:schemeClr val="dk1"/>
-                        </a:solidFill>
-                        <a:latin typeface="+mn-lt"/>
-                        <a:ea typeface="+mn-ea"/>
-                        <a:cs typeface="+mn-cs"/>
-                      </a:endParaRPr>
-                    </a:p>
-                  </a:txBody>
-                  <a:tcPr/>
-                </a:tc>
-                <a:extLst>
-                  <a:ext uri="{0D108BD9-81ED-4DB2-BD59-A6C34878D82A}">
-                    <a16:rowId xmlns:a16="http://schemas.microsoft.com/office/drawing/2014/main" val="968029505"/>
-                  </a:ext>
-                </a:extLst>
-              </a:tr>
-              <a:tr h="528701">
-                <a:tc>
-                  <a:txBody>
-                    <a:bodyPr/>
-                    <a:lstStyle/>
-                    <a:p>
-                      <a:r>
-                        <a:rPr lang="en-US" sz="1000" dirty="0" smtClean="0"/>
-                        <a:t>2</a:t>
-                      </a:r>
-                      <a:endParaRPr lang="en-US" sz="1000" dirty="0"/>
-                    </a:p>
-                  </a:txBody>
-                  <a:tcPr/>
-                </a:tc>
-                <a:tc>
-                  <a:txBody>
-                    <a:bodyPr/>
-                    <a:lstStyle/>
-                    <a:p>
-                      <a:r>
-                        <a:rPr lang="en-US" sz="1000" dirty="0" smtClean="0"/>
-                        <a:t>Upgrade technology stack</a:t>
-                      </a:r>
-                      <a:endParaRPr lang="en-US" sz="1000" dirty="0"/>
-                    </a:p>
-                  </a:txBody>
-                  <a:tcPr/>
-                </a:tc>
-                <a:tc>
-                  <a:txBody>
-                    <a:bodyPr/>
-                    <a:lstStyle/>
-                    <a:p>
-                      <a:pPr marL="171450" indent="-171450">
-                        <a:buFont typeface="Arial" panose="020B0604020202020204" pitchFamily="34" charset="0"/>
-                        <a:buChar char="•"/>
-                      </a:pPr>
-                      <a:r>
-                        <a:rPr lang="en-US" sz="1000" kern="1200" dirty="0" smtClean="0">
-                          <a:solidFill>
-                            <a:schemeClr val="dk1"/>
-                          </a:solidFill>
-                          <a:latin typeface="+mn-lt"/>
-                          <a:ea typeface="+mn-ea"/>
-                          <a:cs typeface="+mn-cs"/>
-                        </a:rPr>
-                        <a:t>Hibernate transactional framework</a:t>
-                      </a:r>
-                    </a:p>
-                    <a:p>
-                      <a:pPr marL="171450" indent="-171450">
-                        <a:buFont typeface="Arial" panose="020B0604020202020204" pitchFamily="34" charset="0"/>
-                        <a:buChar char="•"/>
-                      </a:pPr>
-                      <a:r>
-                        <a:rPr lang="en-US" sz="1000" kern="1200" dirty="0" smtClean="0">
-                          <a:solidFill>
-                            <a:schemeClr val="dk1"/>
-                          </a:solidFill>
-                          <a:latin typeface="+mn-lt"/>
-                          <a:ea typeface="+mn-ea"/>
-                          <a:cs typeface="+mn-cs"/>
-                        </a:rPr>
-                        <a:t>Struts 2 MVC framework</a:t>
-                      </a:r>
-                    </a:p>
-                    <a:p>
-                      <a:pPr marL="171450" indent="-171450">
-                        <a:buFont typeface="Arial" panose="020B0604020202020204" pitchFamily="34" charset="0"/>
-                        <a:buChar char="•"/>
-                      </a:pPr>
-                      <a:r>
-                        <a:rPr lang="en-US" sz="1000" kern="1200" dirty="0" smtClean="0">
-                          <a:solidFill>
-                            <a:schemeClr val="dk1"/>
-                          </a:solidFill>
-                          <a:latin typeface="+mn-lt"/>
-                          <a:ea typeface="+mn-ea"/>
-                          <a:cs typeface="+mn-cs"/>
-                        </a:rPr>
-                        <a:t>Modern front-end</a:t>
-                      </a:r>
-                      <a:r>
-                        <a:rPr lang="en-US" sz="1000" kern="1200" baseline="0" dirty="0" smtClean="0">
-                          <a:solidFill>
-                            <a:schemeClr val="dk1"/>
-                          </a:solidFill>
-                          <a:latin typeface="+mn-lt"/>
-                          <a:ea typeface="+mn-ea"/>
-                          <a:cs typeface="+mn-cs"/>
-                        </a:rPr>
-                        <a:t> frameworks like Bootstrap, JQuery, CSS, etc.</a:t>
-                      </a:r>
-                      <a:endParaRPr lang="en-US" sz="1000" dirty="0" smtClean="0">
-                        <a:solidFill>
-                          <a:srgbClr val="FF0000"/>
-                        </a:solidFill>
-                      </a:endParaRPr>
-                    </a:p>
-                  </a:txBody>
-                  <a:tcPr/>
-                </a:tc>
-                <a:extLst>
-                  <a:ext uri="{0D108BD9-81ED-4DB2-BD59-A6C34878D82A}">
-                    <a16:rowId xmlns:a16="http://schemas.microsoft.com/office/drawing/2014/main" val="10002"/>
-                  </a:ext>
-                </a:extLst>
-              </a:tr>
-              <a:tr h="1116146">
-                <a:tc>
-                  <a:txBody>
-                    <a:bodyPr/>
-                    <a:lstStyle/>
-                    <a:p>
-                      <a:r>
-                        <a:rPr lang="en-US" sz="1000" dirty="0" smtClean="0"/>
-                        <a:t>3</a:t>
-                      </a:r>
-                      <a:endParaRPr lang="en-US" sz="1000" dirty="0"/>
-                    </a:p>
-                  </a:txBody>
-                  <a:tcPr/>
-                </a:tc>
-                <a:tc>
-                  <a:txBody>
-                    <a:bodyPr/>
-                    <a:lstStyle/>
-                    <a:p>
-                      <a:r>
-                        <a:rPr lang="en-US" sz="1000" dirty="0" smtClean="0"/>
-                        <a:t>UI re-design</a:t>
-                      </a:r>
-                      <a:endParaRPr lang="en-US" sz="1000" dirty="0"/>
-                    </a:p>
-                  </a:txBody>
-                  <a:tcPr/>
-                </a:tc>
-                <a:tc>
-                  <a:txBody>
-                    <a:bodyPr/>
-                    <a:lstStyle/>
-                    <a:p>
-                      <a:pPr marL="171450" indent="-171450">
-                        <a:buFont typeface="Arial" panose="020B0604020202020204" pitchFamily="34" charset="0"/>
-                        <a:buChar char="•"/>
-                      </a:pPr>
-                      <a:r>
-                        <a:rPr lang="en-US" sz="1000" kern="1200" dirty="0" smtClean="0">
-                          <a:solidFill>
-                            <a:schemeClr val="dk1"/>
-                          </a:solidFill>
-                          <a:latin typeface="+mn-lt"/>
-                          <a:ea typeface="+mn-ea"/>
-                          <a:cs typeface="+mn-cs"/>
-                        </a:rPr>
-                        <a:t>Search functionality re-design (must)</a:t>
-                      </a:r>
-                    </a:p>
-                    <a:p>
-                      <a:pPr marL="171450" indent="-171450">
-                        <a:buFont typeface="Arial" panose="020B0604020202020204" pitchFamily="34" charset="0"/>
-                        <a:buChar char="•"/>
-                      </a:pPr>
-                      <a:r>
-                        <a:rPr lang="en-US" sz="1000" kern="1200" dirty="0" err="1" smtClean="0">
-                          <a:solidFill>
-                            <a:schemeClr val="dk1"/>
-                          </a:solidFill>
-                          <a:latin typeface="+mn-lt"/>
-                          <a:ea typeface="+mn-ea"/>
-                          <a:cs typeface="+mn-cs"/>
-                        </a:rPr>
-                        <a:t>Greensheets</a:t>
-                      </a:r>
-                      <a:r>
-                        <a:rPr lang="en-US" sz="1000" kern="1200" dirty="0" smtClean="0">
-                          <a:solidFill>
-                            <a:schemeClr val="dk1"/>
-                          </a:solidFill>
-                          <a:latin typeface="+mn-lt"/>
-                          <a:ea typeface="+mn-ea"/>
-                          <a:cs typeface="+mn-cs"/>
-                        </a:rPr>
-                        <a:t> submission issue –</a:t>
-                      </a:r>
-                      <a:r>
-                        <a:rPr lang="en-US" sz="1000" kern="1200" baseline="0" dirty="0" smtClean="0">
-                          <a:solidFill>
-                            <a:schemeClr val="dk1"/>
-                          </a:solidFill>
-                          <a:latin typeface="+mn-lt"/>
-                          <a:ea typeface="+mn-ea"/>
-                          <a:cs typeface="+mn-cs"/>
-                        </a:rPr>
-                        <a:t> address usability (must)</a:t>
-                      </a:r>
-                    </a:p>
-                    <a:p>
-                      <a:pPr marL="171450" indent="-171450">
-                        <a:buFont typeface="Arial" panose="020B0604020202020204" pitchFamily="34" charset="0"/>
-                        <a:buChar char="•"/>
-                      </a:pPr>
-                      <a:r>
-                        <a:rPr lang="en-US" sz="1000" kern="1200" baseline="0" dirty="0" smtClean="0">
-                          <a:solidFill>
-                            <a:schemeClr val="dk1"/>
-                          </a:solidFill>
-                          <a:latin typeface="+mn-lt"/>
-                          <a:ea typeface="+mn-ea"/>
-                          <a:cs typeface="+mn-cs"/>
-                        </a:rPr>
-                        <a:t>Help system re-design</a:t>
-                      </a:r>
-                    </a:p>
-                    <a:p>
-                      <a:pPr marL="171450" indent="-171450">
-                        <a:buFont typeface="Arial" panose="020B0604020202020204" pitchFamily="34" charset="0"/>
-                        <a:buChar char="•"/>
-                      </a:pPr>
-                      <a:r>
-                        <a:rPr lang="en-US" sz="1000" kern="1200" baseline="0" dirty="0" smtClean="0">
-                          <a:solidFill>
-                            <a:schemeClr val="dk1"/>
-                          </a:solidFill>
-                          <a:latin typeface="+mn-lt"/>
-                          <a:ea typeface="+mn-ea"/>
-                          <a:cs typeface="+mn-cs"/>
-                        </a:rPr>
-                        <a:t>Navigation and business flow enhancements (possible)</a:t>
-                      </a:r>
-                    </a:p>
-                    <a:p>
-                      <a:pPr marL="171450" indent="-171450">
-                        <a:buFont typeface="Arial" panose="020B0604020202020204" pitchFamily="34" charset="0"/>
-                        <a:buChar char="•"/>
-                      </a:pPr>
-                      <a:r>
-                        <a:rPr lang="en-US" sz="1000" kern="1200" dirty="0" smtClean="0">
-                          <a:solidFill>
-                            <a:schemeClr val="dk1"/>
-                          </a:solidFill>
-                          <a:latin typeface="+mn-lt"/>
-                          <a:ea typeface="+mn-ea"/>
-                          <a:cs typeface="+mn-cs"/>
-                        </a:rPr>
-                        <a:t>Overall look</a:t>
-                      </a:r>
-                      <a:r>
-                        <a:rPr lang="en-US" sz="1000" kern="1200" baseline="0" dirty="0" smtClean="0">
-                          <a:solidFill>
-                            <a:schemeClr val="dk1"/>
-                          </a:solidFill>
-                          <a:latin typeface="+mn-lt"/>
-                          <a:ea typeface="+mn-ea"/>
-                          <a:cs typeface="+mn-cs"/>
-                        </a:rPr>
-                        <a:t> and feel re-design to make it consistent with other NCI systems</a:t>
-                      </a:r>
-                    </a:p>
-                    <a:p>
-                      <a:pPr marL="171450" indent="-171450">
-                        <a:buFont typeface="Arial" panose="020B0604020202020204" pitchFamily="34" charset="0"/>
-                        <a:buChar char="•"/>
-                      </a:pPr>
-                      <a:r>
-                        <a:rPr lang="en-US" sz="1000" kern="1200" baseline="0" dirty="0" smtClean="0">
-                          <a:solidFill>
-                            <a:schemeClr val="dk1"/>
-                          </a:solidFill>
-                          <a:latin typeface="+mn-lt"/>
-                          <a:ea typeface="+mn-ea"/>
-                          <a:cs typeface="+mn-cs"/>
-                        </a:rPr>
-                        <a:t>Solutions to issues related to multiple open windows </a:t>
-                      </a:r>
-                    </a:p>
-                    <a:p>
-                      <a:pPr marL="171450" indent="-171450">
-                        <a:buFont typeface="Arial" panose="020B0604020202020204" pitchFamily="34" charset="0"/>
-                        <a:buChar char="•"/>
-                      </a:pPr>
-                      <a:r>
-                        <a:rPr lang="en-US" sz="1000" kern="1200" baseline="0" dirty="0" smtClean="0">
-                          <a:solidFill>
-                            <a:schemeClr val="dk1"/>
-                          </a:solidFill>
-                          <a:latin typeface="+mn-lt"/>
-                          <a:ea typeface="+mn-ea"/>
-                          <a:cs typeface="+mn-cs"/>
-                        </a:rPr>
-                        <a:t>508 compliance</a:t>
-                      </a:r>
-                      <a:endParaRPr lang="en-US" sz="1000" kern="1200" dirty="0">
-                        <a:solidFill>
-                          <a:schemeClr val="dk1"/>
-                        </a:solidFill>
-                        <a:latin typeface="+mn-lt"/>
-                        <a:ea typeface="+mn-ea"/>
-                        <a:cs typeface="+mn-cs"/>
-                      </a:endParaRPr>
-                    </a:p>
-                  </a:txBody>
-                  <a:tcPr/>
-                </a:tc>
-                <a:extLst>
-                  <a:ext uri="{0D108BD9-81ED-4DB2-BD59-A6C34878D82A}">
-                    <a16:rowId xmlns:a16="http://schemas.microsoft.com/office/drawing/2014/main" val="2143253950"/>
-                  </a:ext>
-                </a:extLst>
-              </a:tr>
-              <a:tr h="820397">
-                <a:tc>
-                  <a:txBody>
-                    <a:bodyPr/>
-                    <a:lstStyle/>
-                    <a:p>
-                      <a:r>
-                        <a:rPr lang="en-US" sz="1000" dirty="0" smtClean="0"/>
-                        <a:t>4</a:t>
-                      </a:r>
-                      <a:endParaRPr lang="en-US" sz="1000" dirty="0"/>
-                    </a:p>
-                  </a:txBody>
-                  <a:tcPr/>
-                </a:tc>
-                <a:tc>
-                  <a:txBody>
-                    <a:bodyPr/>
-                    <a:lstStyle/>
-                    <a:p>
-                      <a:r>
-                        <a:rPr lang="en-US" sz="1000" dirty="0" smtClean="0"/>
-                        <a:t>Roles’ re-design</a:t>
-                      </a:r>
-                      <a:endParaRPr lang="en-US" sz="1000" dirty="0"/>
-                    </a:p>
-                  </a:txBody>
-                  <a:tcPr/>
-                </a:tc>
-                <a:tc>
-                  <a:txBody>
-                    <a:bodyPr/>
-                    <a:lstStyle/>
-                    <a:p>
-                      <a:pPr marL="171450" indent="-171450">
-                        <a:buFont typeface="Arial" panose="020B0604020202020204" pitchFamily="34" charset="0"/>
-                        <a:buChar char="•"/>
-                      </a:pPr>
-                      <a:r>
-                        <a:rPr lang="en-US" sz="1000" kern="1200" dirty="0" smtClean="0">
-                          <a:solidFill>
-                            <a:schemeClr val="dk1"/>
-                          </a:solidFill>
-                          <a:latin typeface="+mn-lt"/>
-                          <a:ea typeface="+mn-ea"/>
-                          <a:cs typeface="+mn-cs"/>
-                        </a:rPr>
-                        <a:t>Diversity supplement director</a:t>
-                      </a:r>
-                    </a:p>
-                    <a:p>
-                      <a:pPr marL="171450" indent="-171450">
-                        <a:buFont typeface="Arial" panose="020B0604020202020204" pitchFamily="34" charset="0"/>
-                        <a:buChar char="•"/>
-                      </a:pPr>
-                      <a:r>
-                        <a:rPr lang="en-US" sz="1000" dirty="0" smtClean="0"/>
-                        <a:t>Guest user</a:t>
-                      </a:r>
-                    </a:p>
-                    <a:p>
-                      <a:pPr marL="171450" indent="-171450">
-                        <a:buFont typeface="Arial" panose="020B0604020202020204" pitchFamily="34" charset="0"/>
-                        <a:buChar char="•"/>
-                      </a:pPr>
-                      <a:r>
-                        <a:rPr lang="en-US" sz="1000" dirty="0" smtClean="0"/>
-                        <a:t>Super </a:t>
-                      </a:r>
-                      <a:r>
-                        <a:rPr lang="en-US" sz="1000" kern="1200" dirty="0" smtClean="0">
-                          <a:solidFill>
-                            <a:schemeClr val="dk1"/>
-                          </a:solidFill>
-                          <a:latin typeface="+mn-lt"/>
-                          <a:ea typeface="+mn-ea"/>
-                          <a:cs typeface="+mn-cs"/>
-                        </a:rPr>
-                        <a:t>User</a:t>
-                      </a:r>
-                    </a:p>
-                    <a:p>
-                      <a:pPr marL="171450" indent="-171450">
-                        <a:buFont typeface="Arial" panose="020B0604020202020204" pitchFamily="34" charset="0"/>
-                        <a:buChar char="•"/>
-                      </a:pPr>
-                      <a:r>
-                        <a:rPr lang="en-US" sz="1000" kern="1200" dirty="0" smtClean="0">
-                          <a:solidFill>
-                            <a:schemeClr val="dk1"/>
-                          </a:solidFill>
-                          <a:latin typeface="+mn-lt"/>
-                          <a:ea typeface="+mn-ea"/>
-                          <a:cs typeface="+mn-cs"/>
-                        </a:rPr>
-                        <a:t>Possible changes to roles related to promotion/rejection of draft templates</a:t>
-                      </a:r>
-                      <a:endParaRPr lang="en-US" sz="1000" kern="1200" dirty="0">
-                        <a:solidFill>
-                          <a:schemeClr val="dk1"/>
-                        </a:solidFill>
-                        <a:latin typeface="+mn-lt"/>
-                        <a:ea typeface="+mn-ea"/>
-                        <a:cs typeface="+mn-cs"/>
-                      </a:endParaRPr>
-                    </a:p>
-                  </a:txBody>
-                  <a:tcPr/>
-                </a:tc>
-                <a:extLst>
-                  <a:ext uri="{0D108BD9-81ED-4DB2-BD59-A6C34878D82A}">
-                    <a16:rowId xmlns:a16="http://schemas.microsoft.com/office/drawing/2014/main" val="2630334932"/>
-                  </a:ext>
-                </a:extLst>
-              </a:tr>
-              <a:tr h="1027579">
-                <a:tc>
-                  <a:txBody>
-                    <a:bodyPr/>
-                    <a:lstStyle/>
-                    <a:p>
-                      <a:r>
-                        <a:rPr lang="en-US" sz="1000" dirty="0" smtClean="0"/>
-                        <a:t>5</a:t>
-                      </a:r>
-                      <a:endParaRPr lang="en-US" sz="1000" dirty="0"/>
-                    </a:p>
-                  </a:txBody>
-                  <a:tcPr/>
-                </a:tc>
-                <a:tc>
-                  <a:txBody>
-                    <a:bodyPr/>
-                    <a:lstStyle/>
-                    <a:p>
-                      <a:pPr marL="0" marR="0" indent="0" algn="l" defTabSz="457200" rtl="0" eaLnBrk="1" fontAlgn="auto" latinLnBrk="0" hangingPunct="1">
-                        <a:lnSpc>
-                          <a:spcPct val="100000"/>
-                        </a:lnSpc>
-                        <a:spcBef>
-                          <a:spcPts val="0"/>
-                        </a:spcBef>
-                        <a:spcAft>
-                          <a:spcPts val="0"/>
-                        </a:spcAft>
-                        <a:buClrTx/>
-                        <a:buSzTx/>
-                        <a:buFontTx/>
-                        <a:buNone/>
-                        <a:tabLst/>
-                        <a:defRPr/>
-                      </a:pPr>
-                      <a:r>
-                        <a:rPr lang="en-US" sz="1000" dirty="0" smtClean="0"/>
-                        <a:t>UI reporting</a:t>
-                      </a:r>
-                      <a:endParaRPr lang="en-US" sz="1000" dirty="0"/>
-                    </a:p>
-                  </a:txBody>
-                  <a:tcPr/>
-                </a:tc>
-                <a:tc>
-                  <a:txBody>
-                    <a:bodyPr/>
-                    <a:lstStyle/>
-                    <a:p>
-                      <a:pPr marL="171450" lvl="0" indent="-171450">
-                        <a:buFont typeface="Arial" panose="020B0604020202020204" pitchFamily="34" charset="0"/>
-                        <a:buChar char="•"/>
-                      </a:pPr>
-                      <a:r>
-                        <a:rPr lang="en-US" sz="1000" kern="1200" dirty="0" smtClean="0">
-                          <a:solidFill>
-                            <a:schemeClr val="dk1"/>
-                          </a:solidFill>
-                          <a:latin typeface="+mn-lt"/>
-                          <a:ea typeface="+mn-ea"/>
-                          <a:cs typeface="+mn-cs"/>
-                        </a:rPr>
-                        <a:t>The system will allow users to enter search parameters and run ad-hoc reports on statistics related to answers to a specific question in specified output format</a:t>
-                      </a:r>
-                    </a:p>
-                    <a:p>
-                      <a:pPr marL="171450" lvl="0" indent="-171450">
-                        <a:buFont typeface="Arial" panose="020B0604020202020204" pitchFamily="34" charset="0"/>
-                        <a:buChar char="•"/>
-                      </a:pPr>
-                      <a:r>
-                        <a:rPr lang="en-US" sz="1000" b="1" kern="1200" dirty="0" smtClean="0">
-                          <a:solidFill>
-                            <a:schemeClr val="dk1"/>
-                          </a:solidFill>
-                          <a:latin typeface="+mn-lt"/>
-                          <a:ea typeface="+mn-ea"/>
-                          <a:cs typeface="+mn-cs"/>
-                        </a:rPr>
-                        <a:t>Dashboard report (graphic visualization): </a:t>
-                      </a:r>
-                      <a:r>
-                        <a:rPr lang="en-US" sz="1000" kern="1200" dirty="0" smtClean="0">
-                          <a:solidFill>
-                            <a:schemeClr val="dk1"/>
-                          </a:solidFill>
-                          <a:latin typeface="+mn-lt"/>
-                          <a:ea typeface="+mn-ea"/>
-                          <a:cs typeface="+mn-cs"/>
-                        </a:rPr>
-                        <a:t>The system will provide a user-friendly dashboard report to easily access the grants and the underlying </a:t>
-                      </a:r>
-                      <a:r>
-                        <a:rPr lang="en-US" sz="1000" kern="1200" dirty="0" err="1" smtClean="0">
-                          <a:solidFill>
-                            <a:schemeClr val="dk1"/>
-                          </a:solidFill>
-                          <a:latin typeface="+mn-lt"/>
-                          <a:ea typeface="+mn-ea"/>
-                          <a:cs typeface="+mn-cs"/>
-                        </a:rPr>
-                        <a:t>Greensheets</a:t>
-                      </a:r>
-                      <a:r>
-                        <a:rPr lang="en-US" sz="1000" kern="1200" dirty="0" smtClean="0">
-                          <a:solidFill>
-                            <a:schemeClr val="dk1"/>
-                          </a:solidFill>
-                          <a:latin typeface="+mn-lt"/>
-                          <a:ea typeface="+mn-ea"/>
-                          <a:cs typeface="+mn-cs"/>
-                        </a:rPr>
-                        <a:t> and also to help visualize some of the key metrics. These are “house-keeping” reports, for example ‘how many </a:t>
-                      </a:r>
-                      <a:r>
-                        <a:rPr lang="en-US" sz="1000" kern="1200" dirty="0" err="1" smtClean="0">
-                          <a:solidFill>
-                            <a:schemeClr val="dk1"/>
-                          </a:solidFill>
-                          <a:latin typeface="+mn-lt"/>
-                          <a:ea typeface="+mn-ea"/>
-                          <a:cs typeface="+mn-cs"/>
-                        </a:rPr>
-                        <a:t>greensheets</a:t>
-                      </a:r>
-                      <a:r>
-                        <a:rPr lang="en-US" sz="1000" kern="1200" dirty="0" smtClean="0">
-                          <a:solidFill>
-                            <a:schemeClr val="dk1"/>
-                          </a:solidFill>
-                          <a:latin typeface="+mn-lt"/>
-                          <a:ea typeface="+mn-ea"/>
-                          <a:cs typeface="+mn-cs"/>
-                        </a:rPr>
-                        <a:t> in Submitted status.</a:t>
-                      </a:r>
-                      <a:endParaRPr lang="en-US" sz="1000" dirty="0"/>
-                    </a:p>
-                  </a:txBody>
-                  <a:tcPr/>
-                </a:tc>
-                <a:extLst>
-                  <a:ext uri="{0D108BD9-81ED-4DB2-BD59-A6C34878D82A}">
-                    <a16:rowId xmlns:a16="http://schemas.microsoft.com/office/drawing/2014/main" val="1668435441"/>
-                  </a:ext>
-                </a:extLst>
-              </a:tr>
-            </a:tbl>
-          </a:graphicData>
-        </a:graphic>
-      </p:graphicFrame>
-    </p:spTree>
-    <p:extLst>
-      <p:ext uri="{BB962C8B-B14F-4D97-AF65-F5344CB8AC3E}">
-        <p14:creationId xmlns:p14="http://schemas.microsoft.com/office/powerpoint/2010/main" val="525864776"/>
-      </p:ext>
-    </p:extLst>
-  </p:cSld>
-  <p:clrMapOvr>
-    <a:masterClrMapping/>
-  </p:clrMapOvr>
-  <p:timing>
-    <p:tnLst>
-      <p:par>
-        <p:cTn id="1" dur="indefinite" restart="never" nodeType="tmRoot"/>
-      </p:par>
-    </p:tnLst>
-  </p:timing>
-</p:sld>
-</file>
-
-<file path=ppt/slides/slide14.xml><?xml version="1.0" encoding="utf-8"?>
-<p:sld xmlns:a="http://schemas.openxmlformats.org/drawingml/2006/main" xmlns:r="http://schemas.openxmlformats.org/officeDocument/2006/relationships" xmlns:p="http://schemas.openxmlformats.org/presentationml/2006/main">
-  <p:cSld>
-    <p:spTree>
-      <p:nvGrpSpPr>
-        <p:cNvPr id="1" name=""/>
-        <p:cNvGrpSpPr/>
-        <p:nvPr/>
-      </p:nvGrpSpPr>
-      <p:grpSpPr>
-        <a:xfrm>
-          <a:off x="0" y="0"/>
-          <a:ext cx="0" cy="0"/>
-          <a:chOff x="0" y="0"/>
-          <a:chExt cx="0" cy="0"/>
-        </a:xfrm>
-      </p:grpSpPr>
-      <p:sp>
-        <p:nvSpPr>
-          <p:cNvPr id="2" name="Title 1"/>
-          <p:cNvSpPr>
-            <a:spLocks noGrp="1"/>
-          </p:cNvSpPr>
-          <p:nvPr>
-            <p:ph type="title"/>
-          </p:nvPr>
-        </p:nvSpPr>
-        <p:spPr/>
-        <p:txBody>
-          <a:bodyPr/>
-          <a:lstStyle/>
-          <a:p>
-            <a:r>
-              <a:rPr lang="en-US" b="1" dirty="0" smtClean="0">
-                <a:effectLst>
-                  <a:outerShdw blurRad="38100" dist="38100" dir="2700000" algn="tl">
-                    <a:srgbClr val="000000">
-                      <a:alpha val="43137"/>
-                    </a:srgbClr>
-                  </a:outerShdw>
-                </a:effectLst>
-                <a:latin typeface="+mn-lt"/>
-              </a:rPr>
-              <a:t>Next Steps</a:t>
-            </a:r>
-            <a:endParaRPr lang="en-US" b="1" dirty="0">
-              <a:effectLst>
-                <a:outerShdw blurRad="38100" dist="38100" dir="2700000" algn="tl">
-                  <a:srgbClr val="000000">
-                    <a:alpha val="43137"/>
-                  </a:srgbClr>
-                </a:outerShdw>
-              </a:effectLst>
-              <a:latin typeface="+mn-lt"/>
-            </a:endParaRPr>
-          </a:p>
-        </p:txBody>
-      </p:sp>
-      <p:sp>
-        <p:nvSpPr>
-          <p:cNvPr id="3" name="Content Placeholder 2"/>
-          <p:cNvSpPr>
-            <a:spLocks noGrp="1"/>
-          </p:cNvSpPr>
-          <p:nvPr>
-            <p:ph sz="quarter" idx="11"/>
-          </p:nvPr>
-        </p:nvSpPr>
-        <p:spPr>
-          <a:xfrm>
-            <a:off x="481521" y="990600"/>
-            <a:ext cx="8165592" cy="5236633"/>
-          </a:xfrm>
-        </p:spPr>
-        <p:txBody>
-          <a:bodyPr/>
-          <a:lstStyle/>
-          <a:p>
-            <a:pPr lvl="2"/>
-            <a:r>
-              <a:rPr lang="en-US" dirty="0" smtClean="0"/>
-              <a:t>Requirements elicitation:</a:t>
-            </a:r>
-          </a:p>
-          <a:p>
-            <a:pPr lvl="3"/>
-            <a:r>
-              <a:rPr lang="en-US" dirty="0">
-                <a:latin typeface="Arial" panose="020B0604020202020204" pitchFamily="34" charset="0"/>
-                <a:cs typeface="Arial" panose="020B0604020202020204" pitchFamily="34" charset="0"/>
-              </a:rPr>
-              <a:t>CBIIT to schedule </a:t>
-            </a:r>
-            <a:r>
-              <a:rPr lang="en-US" dirty="0" smtClean="0">
-                <a:latin typeface="Arial" panose="020B0604020202020204" pitchFamily="34" charset="0"/>
-                <a:cs typeface="Arial" panose="020B0604020202020204" pitchFamily="34" charset="0"/>
-              </a:rPr>
-              <a:t>requirements elicitation sessions with </a:t>
-            </a:r>
-            <a:r>
-              <a:rPr lang="en-US" dirty="0">
-                <a:latin typeface="Arial" panose="020B0604020202020204" pitchFamily="34" charset="0"/>
-                <a:cs typeface="Arial" panose="020B0604020202020204" pitchFamily="34" charset="0"/>
-              </a:rPr>
-              <a:t>Business Owner and Business </a:t>
-            </a:r>
-            <a:r>
-              <a:rPr lang="en-US" dirty="0" smtClean="0">
-                <a:latin typeface="Arial" panose="020B0604020202020204" pitchFamily="34" charset="0"/>
-                <a:cs typeface="Arial" panose="020B0604020202020204" pitchFamily="34" charset="0"/>
-              </a:rPr>
-              <a:t>Stakeholders based on priorities, project schedule and stakeholders availability</a:t>
-            </a:r>
-            <a:endParaRPr lang="en-US" dirty="0">
-              <a:latin typeface="Arial" panose="020B0604020202020204" pitchFamily="34" charset="0"/>
-              <a:cs typeface="Arial" panose="020B0604020202020204" pitchFamily="34" charset="0"/>
-            </a:endParaRPr>
-          </a:p>
-          <a:p>
-            <a:pPr lvl="3"/>
-            <a:r>
-              <a:rPr lang="en-US" dirty="0" smtClean="0"/>
-              <a:t>Identify </a:t>
-            </a:r>
-            <a:r>
-              <a:rPr lang="en-US" dirty="0"/>
-              <a:t>other </a:t>
-            </a:r>
-            <a:r>
-              <a:rPr lang="en-US" dirty="0" smtClean="0"/>
-              <a:t>Subject Matter Experts (SMEs) </a:t>
-            </a:r>
-            <a:r>
-              <a:rPr lang="en-US" dirty="0"/>
-              <a:t>who will be involved in the project, as </a:t>
-            </a:r>
-            <a:r>
-              <a:rPr lang="en-US" dirty="0" smtClean="0"/>
-              <a:t>needed</a:t>
-            </a:r>
-          </a:p>
-        </p:txBody>
-      </p:sp>
-    </p:spTree>
-    <p:extLst>
-      <p:ext uri="{BB962C8B-B14F-4D97-AF65-F5344CB8AC3E}">
-        <p14:creationId xmlns:p14="http://schemas.microsoft.com/office/powerpoint/2010/main" val="1501134867"/>
-      </p:ext>
-    </p:extLst>
-  </p:cSld>
-  <p:clrMapOvr>
-    <a:masterClrMapping/>
-  </p:clrMapOvr>
-</p:sld>
-</file>
-
-<file path=ppt/slides/slide15.xml><?xml version="1.0" encoding="utf-8"?>
-<p:sld xmlns:a="http://schemas.openxmlformats.org/drawingml/2006/main" xmlns:r="http://schemas.openxmlformats.org/officeDocument/2006/relationships" xmlns:p="http://schemas.openxmlformats.org/presentationml/2006/main">
-  <p:cSld>
-    <p:spTree>
-      <p:nvGrpSpPr>
-        <p:cNvPr id="1" name=""/>
-        <p:cNvGrpSpPr/>
-        <p:nvPr/>
-      </p:nvGrpSpPr>
-      <p:grpSpPr>
-        <a:xfrm>
-          <a:off x="0" y="0"/>
-          <a:ext cx="0" cy="0"/>
-          <a:chOff x="0" y="0"/>
-          <a:chExt cx="0" cy="0"/>
-        </a:xfrm>
-      </p:grpSpPr>
-      <p:sp>
-        <p:nvSpPr>
-          <p:cNvPr id="2" name="Title 1"/>
-          <p:cNvSpPr>
-            <a:spLocks noGrp="1"/>
-          </p:cNvSpPr>
-          <p:nvPr>
-            <p:ph type="title"/>
-          </p:nvPr>
-        </p:nvSpPr>
-        <p:spPr/>
-        <p:txBody>
-          <a:bodyPr/>
-          <a:lstStyle/>
-          <a:p>
-            <a:r>
-              <a:rPr lang="en-US" b="1" dirty="0" smtClean="0">
-                <a:effectLst>
-                  <a:outerShdw blurRad="38100" dist="38100" dir="2700000" algn="tl">
-                    <a:srgbClr val="000000">
-                      <a:alpha val="43137"/>
-                    </a:srgbClr>
-                  </a:outerShdw>
-                </a:effectLst>
-                <a:latin typeface="Arial" panose="020B0604020202020204" pitchFamily="34" charset="0"/>
-                <a:cs typeface="Arial" panose="020B0604020202020204" pitchFamily="34" charset="0"/>
-              </a:rPr>
-              <a:t>Questions/Comments</a:t>
-            </a:r>
-            <a:endParaRPr lang="en-US" b="1" dirty="0">
-              <a:effectLst>
-                <a:outerShdw blurRad="38100" dist="38100" dir="2700000" algn="tl">
-                  <a:srgbClr val="000000">
-                    <a:alpha val="43137"/>
-                  </a:srgbClr>
-                </a:outerShdw>
-              </a:effectLst>
-              <a:latin typeface="Arial" panose="020B0604020202020204" pitchFamily="34" charset="0"/>
-              <a:cs typeface="Arial" panose="020B0604020202020204" pitchFamily="34" charset="0"/>
-            </a:endParaRPr>
-          </a:p>
-        </p:txBody>
-      </p:sp>
-      <p:pic>
-        <p:nvPicPr>
-          <p:cNvPr id="1026" name="Picture 2"/>
-          <p:cNvPicPr>
-            <a:picLocks noGrp="1" noChangeAspect="1" noChangeArrowheads="1"/>
-          </p:cNvPicPr>
-          <p:nvPr>
-            <p:ph sz="quarter" idx="11"/>
-          </p:nvPr>
-        </p:nvPicPr>
-        <p:blipFill>
-          <a:blip r:embed="rId2">
-            <a:extLst>
-              <a:ext uri="{28A0092B-C50C-407E-A947-70E740481C1C}">
-                <a14:useLocalDpi xmlns:a14="http://schemas.microsoft.com/office/drawing/2010/main" val="0"/>
-              </a:ext>
-            </a:extLst>
-          </a:blip>
-          <a:srcRect/>
-          <a:stretch>
-            <a:fillRect/>
-          </a:stretch>
-        </p:blipFill>
-        <p:spPr bwMode="auto">
-          <a:xfrm>
-            <a:off x="2743200" y="1295400"/>
-            <a:ext cx="2895600" cy="2890634"/>
-          </a:xfrm>
-          <a:prstGeom prst="rect">
-            <a:avLst/>
-          </a:prstGeom>
-          <a:noFill/>
-          <a:ln>
-            <a:noFill/>
-          </a:ln>
-          <a:extLst>
-            <a:ext uri="{909E8E84-426E-40DD-AFC4-6F175D3DCCD1}">
-              <a14:hiddenFill xmlns:a14="http://schemas.microsoft.com/office/drawing/2010/main">
-                <a:solidFill>
-                  <a:schemeClr val="accent1"/>
-                </a:solidFill>
-              </a14:hiddenFill>
-            </a:ext>
-            <a:ext uri="{91240B29-F687-4F45-9708-019B960494DF}">
-              <a14:hiddenLine xmlns:a14="http://schemas.microsoft.com/office/drawing/2010/main" w="9525">
-                <a:solidFill>
-                  <a:schemeClr val="tx1"/>
-                </a:solidFill>
-                <a:miter lim="800000"/>
-                <a:headEnd/>
-                <a:tailEnd/>
-              </a14:hiddenLine>
-            </a:ext>
-          </a:extLst>
-        </p:spPr>
-      </p:pic>
-      <p:sp>
-        <p:nvSpPr>
-          <p:cNvPr id="4" name="Rectangle 3"/>
-          <p:cNvSpPr/>
-          <p:nvPr/>
-        </p:nvSpPr>
-        <p:spPr>
-          <a:xfrm>
-            <a:off x="762000" y="4495800"/>
-            <a:ext cx="7239000" cy="923330"/>
-          </a:xfrm>
-          <a:prstGeom prst="rect">
-            <a:avLst/>
-          </a:prstGeom>
-        </p:spPr>
-        <p:txBody>
-          <a:bodyPr wrap="square">
-            <a:spAutoFit/>
-          </a:bodyPr>
-          <a:lstStyle/>
-          <a:p>
-            <a:r>
-              <a:rPr lang="en-US" b="1" u="sng" dirty="0">
-                <a:effectLst>
-                  <a:outerShdw blurRad="38100" dist="38100" dir="2700000" algn="tl">
-                    <a:srgbClr val="000000">
-                      <a:alpha val="43137"/>
-                    </a:srgbClr>
-                  </a:outerShdw>
-                </a:effectLst>
-              </a:rPr>
-              <a:t>Contact Info</a:t>
-            </a:r>
-            <a:r>
-              <a:rPr lang="en-US" b="1" u="sng" dirty="0" smtClean="0">
-                <a:effectLst>
-                  <a:outerShdw blurRad="38100" dist="38100" dir="2700000" algn="tl">
-                    <a:srgbClr val="000000">
-                      <a:alpha val="43137"/>
-                    </a:srgbClr>
-                  </a:outerShdw>
-                </a:effectLst>
-              </a:rPr>
-              <a:t>:</a:t>
-            </a:r>
-          </a:p>
-          <a:p>
-            <a:endParaRPr lang="en-US" u="sng" dirty="0" smtClean="0">
-              <a:effectLst>
-                <a:outerShdw blurRad="38100" dist="38100" dir="2700000" algn="tl">
-                  <a:srgbClr val="000000">
-                    <a:alpha val="43137"/>
-                  </a:srgbClr>
-                </a:outerShdw>
-              </a:effectLst>
-            </a:endParaRPr>
-          </a:p>
-          <a:p>
-            <a:endParaRPr lang="en-US" dirty="0"/>
-          </a:p>
-        </p:txBody>
-      </p:sp>
-      <p:graphicFrame>
-        <p:nvGraphicFramePr>
-          <p:cNvPr id="7" name="Table 6"/>
-          <p:cNvGraphicFramePr>
-            <a:graphicFrameLocks noGrp="1"/>
-          </p:cNvGraphicFramePr>
-          <p:nvPr>
-            <p:extLst>
-              <p:ext uri="{D42A27DB-BD31-4B8C-83A1-F6EECF244321}">
-                <p14:modId xmlns:p14="http://schemas.microsoft.com/office/powerpoint/2010/main" val="552219258"/>
-              </p:ext>
-            </p:extLst>
-          </p:nvPr>
-        </p:nvGraphicFramePr>
-        <p:xfrm>
-          <a:off x="838200" y="5029200"/>
-          <a:ext cx="6745542" cy="1005840"/>
-        </p:xfrm>
-        <a:graphic>
-          <a:graphicData uri="http://schemas.openxmlformats.org/drawingml/2006/table">
-            <a:tbl>
-              <a:tblPr firstRow="1" bandRow="1">
-                <a:tableStyleId>{2D5ABB26-0587-4C30-8999-92F81FD0307C}</a:tableStyleId>
-              </a:tblPr>
-              <a:tblGrid>
-                <a:gridCol w="2681542">
-                  <a:extLst>
-                    <a:ext uri="{9D8B030D-6E8A-4147-A177-3AD203B41FA5}">
-                      <a16:colId xmlns:a16="http://schemas.microsoft.com/office/drawing/2014/main" val="20000"/>
-                    </a:ext>
-                  </a:extLst>
-                </a:gridCol>
-                <a:gridCol w="2032000">
-                  <a:extLst>
-                    <a:ext uri="{9D8B030D-6E8A-4147-A177-3AD203B41FA5}">
-                      <a16:colId xmlns:a16="http://schemas.microsoft.com/office/drawing/2014/main" val="20001"/>
-                    </a:ext>
-                  </a:extLst>
-                </a:gridCol>
-                <a:gridCol w="2032000">
-                  <a:extLst>
-                    <a:ext uri="{9D8B030D-6E8A-4147-A177-3AD203B41FA5}">
-                      <a16:colId xmlns:a16="http://schemas.microsoft.com/office/drawing/2014/main" val="20002"/>
-                    </a:ext>
-                  </a:extLst>
-                </a:gridCol>
-              </a:tblGrid>
-              <a:tr h="0">
-                <a:tc>
-                  <a:txBody>
-                    <a:bodyPr/>
-                    <a:lstStyle/>
-                    <a:p>
-                      <a:pPr lvl="0"/>
-                      <a:r>
-                        <a:rPr lang="en-US" sz="1400" dirty="0" smtClean="0">
-                          <a:effectLst/>
-                        </a:rPr>
-                        <a:t>Nelya Gunina</a:t>
-                      </a:r>
-                    </a:p>
-                    <a:p>
-                      <a:pPr lvl="0"/>
-                      <a:r>
-                        <a:rPr lang="en-US" sz="1400" dirty="0" smtClean="0">
-                          <a:effectLst/>
-                        </a:rPr>
-                        <a:t>CBIIT Federal Project Manager</a:t>
-                      </a:r>
-                    </a:p>
-                    <a:p>
-                      <a:pPr lvl="0"/>
-                      <a:r>
-                        <a:rPr lang="en-US" sz="1400" dirty="0" smtClean="0">
-                          <a:effectLst/>
-                          <a:hlinkClick r:id="rId3"/>
-                        </a:rPr>
-                        <a:t>guninan@mail.nih.gov</a:t>
-                      </a:r>
-                      <a:endParaRPr lang="en-US" sz="1400" dirty="0" smtClean="0">
-                        <a:effectLst/>
-                      </a:endParaRPr>
-                    </a:p>
-                    <a:p>
-                      <a:endParaRPr lang="en-US" dirty="0"/>
-                    </a:p>
-                  </a:txBody>
-                  <a:tcPr/>
-                </a:tc>
-                <a:tc>
-                  <a:txBody>
-                    <a:bodyPr/>
-                    <a:lstStyle/>
-                    <a:p>
-                      <a:endParaRPr lang="en-US" dirty="0"/>
-                    </a:p>
-                  </a:txBody>
-                  <a:tcPr/>
-                </a:tc>
-                <a:tc>
-                  <a:txBody>
-                    <a:bodyPr/>
-                    <a:lstStyle/>
-                    <a:p>
-                      <a:endParaRPr lang="en-US" dirty="0"/>
-                    </a:p>
-                  </a:txBody>
-                  <a:tcPr/>
-                </a:tc>
-                <a:extLst>
-                  <a:ext uri="{0D108BD9-81ED-4DB2-BD59-A6C34878D82A}">
-                    <a16:rowId xmlns:a16="http://schemas.microsoft.com/office/drawing/2014/main" val="10000"/>
-                  </a:ext>
-                </a:extLst>
-              </a:tr>
-            </a:tbl>
-          </a:graphicData>
-        </a:graphic>
-      </p:graphicFrame>
-    </p:spTree>
-    <p:extLst>
-      <p:ext uri="{BB962C8B-B14F-4D97-AF65-F5344CB8AC3E}">
-        <p14:creationId xmlns:p14="http://schemas.microsoft.com/office/powerpoint/2010/main" val="3428387841"/>
-      </p:ext>
-    </p:extLst>
-  </p:cSld>
-  <p:clrMapOvr>
-    <a:masterClrMapping/>
-  </p:clrMapOvr>
-  <p:timing>
-    <p:tnLst>
-      <p:par>
-        <p:cTn id="1" dur="indefinite" restart="never" nodeType="tmRoot"/>
-      </p:par>
-    </p:tnLst>
-  </p:timing>
-</p:sld>
-</file>
-
 <file path=ppt/slides/slide2.xml><?xml version="1.0" encoding="utf-8"?>
 <p:sld xmlns:a="http://schemas.openxmlformats.org/drawingml/2006/main" xmlns:r="http://schemas.openxmlformats.org/officeDocument/2006/relationships" xmlns:p="http://schemas.openxmlformats.org/presentationml/2006/main">
   <p:cSld>
@@ -11647,47 +9237,70 @@
           <a:p>
             <a:pPr lvl="1"/>
             <a:r>
+              <a:rPr lang="en-US" sz="1400" b="1" dirty="0" smtClean="0"/>
+              <a:t>Business </a:t>
+            </a:r>
+            <a:r>
+              <a:rPr lang="en-US" sz="1400" b="1" dirty="0" smtClean="0"/>
+              <a:t>Owner(s): </a:t>
+            </a:r>
+            <a:r>
+              <a:rPr lang="en-US" sz="1150" dirty="0"/>
+              <a:t>Crystal </a:t>
+            </a:r>
+            <a:r>
+              <a:rPr lang="en-US" sz="1150" dirty="0" smtClean="0"/>
+              <a:t>Wolfrey, </a:t>
+            </a:r>
+            <a:r>
+              <a:rPr lang="en-US" sz="1150" i="1" dirty="0" smtClean="0"/>
+              <a:t>(OGA Chief)</a:t>
+            </a:r>
+            <a:endParaRPr lang="en-US" sz="1150" i="1" dirty="0"/>
+          </a:p>
+          <a:p>
+            <a:pPr lvl="1"/>
+            <a:r>
               <a:rPr lang="en-US" sz="1300" b="1" dirty="0" smtClean="0"/>
-              <a:t>Business Owners: </a:t>
-            </a:r>
-          </a:p>
-          <a:p>
-            <a:pPr lvl="2"/>
-            <a:r>
-              <a:rPr lang="en-US" sz="1200" dirty="0" smtClean="0"/>
-              <a:t>TBD </a:t>
-            </a:r>
-            <a:endParaRPr lang="en-US" sz="1200" i="1" dirty="0" smtClean="0"/>
+              <a:t>Business </a:t>
+            </a:r>
+            <a:r>
+              <a:rPr lang="en-US" sz="1300" b="1" dirty="0" smtClean="0"/>
+              <a:t>Stakeholder: </a:t>
+            </a:r>
+            <a:r>
+              <a:rPr lang="en-US" sz="1050" dirty="0"/>
+              <a:t>Stacey </a:t>
+            </a:r>
+            <a:r>
+              <a:rPr lang="en-US" sz="1050" dirty="0"/>
+              <a:t>Kocher</a:t>
+            </a:r>
           </a:p>
           <a:p>
             <a:pPr lvl="1"/>
             <a:r>
               <a:rPr lang="en-US" sz="1300" b="1" dirty="0" smtClean="0"/>
-              <a:t>Subject Matter Expert: </a:t>
-            </a:r>
-            <a:r>
-              <a:rPr lang="en-US" sz="1300" dirty="0" smtClean="0"/>
+              <a:t>Subject </a:t>
+            </a:r>
+            <a:r>
+              <a:rPr lang="en-US" sz="1300" b="1" dirty="0"/>
+              <a:t>Matter Expert: </a:t>
+            </a:r>
+            <a:r>
+              <a:rPr lang="en-US" sz="1050" dirty="0"/>
               <a:t>TBD</a:t>
             </a:r>
-            <a:endParaRPr lang="en-US" sz="1300" i="1" dirty="0" smtClean="0"/>
-          </a:p>
-          <a:p>
-            <a:pPr lvl="1"/>
-            <a:r>
-              <a:rPr lang="en-US" sz="1300" b="1" dirty="0" smtClean="0"/>
-              <a:t>Business Stakeholder: </a:t>
-            </a:r>
-            <a:r>
-              <a:rPr lang="en-US" sz="1300" dirty="0" smtClean="0"/>
-              <a:t>TBD </a:t>
-            </a:r>
-            <a:endParaRPr lang="en-US" sz="1300" dirty="0"/>
           </a:p>
           <a:p>
             <a:pPr marL="228600" lvl="2"/>
             <a:r>
               <a:rPr lang="en-US" sz="1200" b="1" dirty="0" smtClean="0"/>
-              <a:t>CBIIT Team </a:t>
+              <a:t>CBIIT </a:t>
+            </a:r>
+            <a:r>
+              <a:rPr lang="en-US" sz="1200" b="1" dirty="0" smtClean="0"/>
+              <a:t>Team </a:t>
             </a:r>
             <a:r>
               <a:rPr lang="en-US" sz="1200" b="1" dirty="0"/>
@@ -11730,7 +9343,11 @@
           <a:p>
             <a:pPr lvl="1"/>
             <a:r>
-              <a:rPr lang="en-US" sz="1050" dirty="0" smtClean="0"/>
+              <a:rPr lang="en-US" sz="1050" dirty="0" smtClean="0">
+                <a:solidFill>
+                  <a:srgbClr val="0070C0"/>
+                </a:solidFill>
+              </a:rPr>
               <a:t>Dinesh Reddy</a:t>
             </a:r>
             <a:r>
@@ -11769,18 +9386,11 @@
             <a:pPr lvl="1"/>
             <a:r>
               <a:rPr lang="en-US" sz="1050" dirty="0" smtClean="0"/>
-              <a:t>Sunita Menon</a:t>
-            </a:r>
-            <a:r>
-              <a:rPr lang="en-US" sz="1050" i="1" dirty="0" smtClean="0"/>
-              <a:t>, Development Lead</a:t>
-            </a:r>
-          </a:p>
-          <a:p>
-            <a:pPr lvl="1"/>
+              <a:t>Subashini </a:t>
+            </a:r>
             <a:r>
               <a:rPr lang="en-US" sz="1050" dirty="0" smtClean="0"/>
-              <a:t>Subashini Varadarajan, </a:t>
+              <a:t>Varadarajan, </a:t>
             </a:r>
             <a:r>
               <a:rPr lang="en-US" sz="1050" i="1" dirty="0" smtClean="0"/>
@@ -11801,12 +9411,24 @@
           <a:p>
             <a:pPr lvl="1"/>
             <a:r>
-              <a:rPr lang="en-US" sz="1050" dirty="0" smtClean="0"/>
+              <a:rPr lang="en-US" sz="1050" dirty="0" smtClean="0">
+                <a:solidFill>
+                  <a:srgbClr val="0070C0"/>
+                </a:solidFill>
+              </a:rPr>
               <a:t>Iris Hunt</a:t>
             </a:r>
             <a:r>
+              <a:rPr lang="en-US" sz="1050" i="1" dirty="0">
+                <a:solidFill>
+                  <a:srgbClr val="0070C0"/>
+                </a:solidFill>
+              </a:rPr>
+              <a:t>, Requirements </a:t>
+            </a:r>
+            <a:r>
               <a:rPr lang="en-US" sz="1050" i="1" dirty="0"/>
-              <a:t>, Requirements Analyst</a:t>
+              <a:t>Analyst</a:t>
             </a:r>
             <a:endParaRPr lang="en-US" sz="1050" i="1" dirty="0" smtClean="0"/>
           </a:p>
@@ -11824,11 +9446,19 @@
           <a:p>
             <a:pPr lvl="1"/>
             <a:r>
-              <a:rPr lang="en-US" sz="1050" dirty="0" smtClean="0"/>
+              <a:rPr lang="en-US" sz="1050" dirty="0" smtClean="0">
+                <a:solidFill>
+                  <a:srgbClr val="0070C0"/>
+                </a:solidFill>
+              </a:rPr>
               <a:t>Sheng Zhao</a:t>
             </a:r>
             <a:r>
-              <a:rPr lang="en-US" sz="1050" i="1" dirty="0" smtClean="0"/>
+              <a:rPr lang="en-US" sz="1050" i="1" dirty="0" smtClean="0">
+                <a:solidFill>
+                  <a:srgbClr val="0070C0"/>
+                </a:solidFill>
+              </a:rPr>
               <a:t>, </a:t>
             </a:r>
             <a:r>
@@ -11920,7 +9550,7 @@
                 <a:latin typeface="Arial" panose="020B0604020202020204" pitchFamily="34" charset="0"/>
                 <a:cs typeface="Arial" panose="020B0604020202020204" pitchFamily="34" charset="0"/>
               </a:rPr>
-              <a:t>Meeting Goals and Agenda</a:t>
+              <a:t>Meeting purpose</a:t>
             </a:r>
             <a:r>
               <a:rPr lang="en-US" dirty="0"/>
@@ -11953,116 +9583,109 @@
           <a:bodyPr/>
           <a:lstStyle/>
           <a:p>
-            <a:pPr marL="228600" lvl="1">
+            <a:pPr lvl="1" indent="-457200">
               <a:lnSpc>
                 <a:spcPct val="150000"/>
               </a:lnSpc>
+              <a:buFont typeface="Wingdings" panose="05000000000000000000" pitchFamily="2" charset="2"/>
+              <a:buChar char="§"/>
             </a:pPr>
             <a:r>
               <a:rPr lang="en-US" dirty="0" smtClean="0"/>
-              <a:t>Attain </a:t>
-            </a:r>
-            <a:r>
-              <a:rPr lang="en-US" dirty="0"/>
-              <a:t>a common understanding of the project scope, assumptions, and potential risk factors</a:t>
-            </a:r>
-          </a:p>
-          <a:p>
-            <a:pPr>
+              <a:t>Communicate to OGA that CBIIT already started working on the project</a:t>
+            </a:r>
+          </a:p>
+          <a:p>
+            <a:pPr lvl="1" indent="-457200">
               <a:lnSpc>
                 <a:spcPct val="150000"/>
               </a:lnSpc>
+              <a:buFont typeface="Wingdings" panose="05000000000000000000" pitchFamily="2" charset="2"/>
+              <a:buChar char="§"/>
             </a:pPr>
             <a:r>
-              <a:rPr lang="en-US" sz="1900" dirty="0" smtClean="0"/>
-              <a:t>Verify existing (“as-is”) requirements and </a:t>
-            </a:r>
-            <a:r>
-              <a:rPr lang="en-US" sz="1900" dirty="0"/>
-              <a:t>functionality with </a:t>
-            </a:r>
-            <a:r>
-              <a:rPr lang="en-US" sz="1900" dirty="0" smtClean="0"/>
-              <a:t>OGA</a:t>
-            </a:r>
-          </a:p>
-          <a:p>
-            <a:pPr>
+              <a:rPr lang="en-US" dirty="0" smtClean="0"/>
+              <a:t>Provide overview of the </a:t>
+            </a:r>
+            <a:r>
+              <a:rPr lang="en-US" dirty="0"/>
+              <a:t>project </a:t>
+            </a:r>
+            <a:r>
+              <a:rPr lang="en-US" dirty="0" smtClean="0"/>
+              <a:t>scope</a:t>
+            </a:r>
+          </a:p>
+          <a:p>
+            <a:pPr lvl="1" indent="-457200">
               <a:lnSpc>
                 <a:spcPct val="150000"/>
               </a:lnSpc>
+              <a:buFont typeface="Wingdings" panose="05000000000000000000" pitchFamily="2" charset="2"/>
+              <a:buChar char="§"/>
             </a:pPr>
             <a:r>
               <a:rPr lang="en-US" sz="1900" dirty="0" smtClean="0"/>
-              <a:t>Discuss existing production issues and additional business </a:t>
+              <a:t>Describe project </a:t>
             </a:r>
             <a:r>
               <a:rPr lang="en-US" sz="1900" dirty="0"/>
-              <a:t>needs </a:t>
+              <a:t>plan and phased </a:t>
             </a:r>
             <a:r>
               <a:rPr lang="en-US" sz="1900" dirty="0" smtClean="0"/>
-              <a:t>(</a:t>
-            </a:r>
-            <a:r>
-              <a:rPr lang="en-US" sz="1600" i="1" dirty="0" smtClean="0"/>
-              <a:t>initial discussion</a:t>
-            </a:r>
-            <a:r>
-              <a:rPr lang="en-US" sz="1900" dirty="0" smtClean="0"/>
-              <a:t>): </a:t>
-            </a:r>
-          </a:p>
-          <a:p>
-            <a:pPr lvl="1">
+              <a:t>approach</a:t>
+            </a:r>
+          </a:p>
+          <a:p>
+            <a:pPr lvl="1" indent="-457200">
               <a:lnSpc>
                 <a:spcPct val="150000"/>
               </a:lnSpc>
+              <a:buFont typeface="Wingdings" panose="05000000000000000000" pitchFamily="2" charset="2"/>
+              <a:buChar char="§"/>
             </a:pPr>
             <a:r>
-              <a:rPr lang="en-US" sz="1600" dirty="0" smtClean="0"/>
-              <a:t>Prioritize production issues to be fixed by re-design</a:t>
-            </a:r>
-          </a:p>
-          <a:p>
-            <a:pPr lvl="1">
+              <a:rPr lang="en-US" sz="1900" dirty="0" smtClean="0"/>
+              <a:t>Discuss October 15</a:t>
+            </a:r>
+            <a:r>
+              <a:rPr lang="en-US" sz="1900" baseline="30000" dirty="0" smtClean="0"/>
+              <a:t>th</a:t>
+            </a:r>
+            <a:r>
+              <a:rPr lang="en-US" sz="1900" dirty="0" smtClean="0"/>
+              <a:t> deadline and other dependencies</a:t>
+            </a:r>
+          </a:p>
+          <a:p>
+            <a:pPr lvl="1" indent="-457200">
               <a:lnSpc>
                 <a:spcPct val="150000"/>
               </a:lnSpc>
+              <a:buFont typeface="Wingdings" panose="05000000000000000000" pitchFamily="2" charset="2"/>
+              <a:buChar char="§"/>
             </a:pPr>
             <a:r>
-              <a:rPr lang="en-US" sz="1600" dirty="0" smtClean="0"/>
-              <a:t>Reconfirm and prioritize additional business needs</a:t>
-            </a:r>
-          </a:p>
-          <a:p>
-            <a:pPr>
+              <a:rPr lang="en-US" dirty="0"/>
+              <a:t>Communicate that CBIIT will be reaching out to </a:t>
+            </a:r>
+            <a:r>
+              <a:rPr lang="en-US" dirty="0" smtClean="0"/>
+              <a:t>various SME(s)</a:t>
+            </a:r>
+          </a:p>
+          <a:p>
+            <a:pPr lvl="1" indent="-457200">
               <a:lnSpc>
                 <a:spcPct val="150000"/>
               </a:lnSpc>
+              <a:buFont typeface="Wingdings" panose="05000000000000000000" pitchFamily="2" charset="2"/>
+              <a:buChar char="§"/>
             </a:pPr>
             <a:r>
               <a:rPr lang="en-US" sz="1900" dirty="0" smtClean="0"/>
-              <a:t>Present the high level list of recommendations for re-design, reasons behind recommendations and solicit </a:t>
-            </a:r>
-            <a:r>
-              <a:rPr lang="en-US" sz="1900" dirty="0"/>
-              <a:t>OGA input </a:t>
-            </a:r>
-            <a:r>
-              <a:rPr lang="en-US" sz="1900" dirty="0" smtClean="0"/>
-              <a:t>on priorities</a:t>
-            </a:r>
-          </a:p>
-          <a:p>
-            <a:pPr>
-              <a:lnSpc>
-                <a:spcPct val="150000"/>
-              </a:lnSpc>
-            </a:pPr>
-            <a:r>
-              <a:rPr lang="en-US" sz="1900" dirty="0" smtClean="0"/>
-              <a:t>Discuss possible project timeline and next steps</a:t>
+              <a:t>Discuss next steps</a:t>
             </a:r>
           </a:p>
           <a:p>
@@ -12144,26 +9767,13 @@
             <p:ph type="title"/>
           </p:nvPr>
         </p:nvSpPr>
-        <p:spPr>
-          <a:xfrm>
-            <a:off x="493776" y="415544"/>
-            <a:ext cx="8165592" cy="498856"/>
-          </a:xfrm>
-        </p:spPr>
+        <p:spPr/>
         <p:txBody>
           <a:bodyPr/>
           <a:lstStyle/>
           <a:p>
-            <a:pPr marL="228600" lvl="1">
-              <a:lnSpc>
-                <a:spcPct val="150000"/>
-              </a:lnSpc>
-            </a:pPr>
-            <a:r>
-              <a:rPr lang="en-US" sz="2400" b="1" kern="1200" dirty="0">
-                <a:solidFill>
-                  <a:srgbClr val="123E57"/>
-                </a:solidFill>
+            <a:r>
+              <a:rPr lang="en-US" b="1" dirty="0" smtClean="0">
                 <a:effectLst>
                   <a:outerShdw blurRad="38100" dist="38100" dir="2700000" algn="tl">
                     <a:srgbClr val="000000">
@@ -12174,110 +9784,9 @@
                 <a:latin typeface="Arial" panose="020B0604020202020204" pitchFamily="34" charset="0"/>
                 <a:cs typeface="Arial" panose="020B0604020202020204" pitchFamily="34" charset="0"/>
               </a:rPr>
-              <a:t>P</a:t>
-            </a:r>
-            <a:r>
-              <a:rPr lang="en-US" sz="2400" b="1" kern="1200" dirty="0" smtClean="0">
-                <a:solidFill>
-                  <a:srgbClr val="123E57"/>
-                </a:solidFill>
-                <a:effectLst>
-                  <a:outerShdw blurRad="38100" dist="38100" dir="2700000" algn="tl">
-                    <a:srgbClr val="000000">
-                      <a:alpha val="43137"/>
-                    </a:srgbClr>
-                  </a:outerShdw>
-                </a:effectLst>
-                <a:latin typeface="Arial" panose="020B0604020202020204" pitchFamily="34" charset="0"/>
-                <a:cs typeface="Arial" panose="020B0604020202020204" pitchFamily="34" charset="0"/>
-              </a:rPr>
-              <a:t>roject </a:t>
-            </a:r>
-            <a:r>
-              <a:rPr lang="en-US" sz="2400" b="1" kern="1200" dirty="0">
-                <a:solidFill>
-                  <a:srgbClr val="123E57"/>
-                </a:solidFill>
-                <a:effectLst>
-                  <a:outerShdw blurRad="38100" dist="38100" dir="2700000" algn="tl">
-                    <a:srgbClr val="000000">
-                      <a:alpha val="43137"/>
-                    </a:srgbClr>
-                  </a:outerShdw>
-                </a:effectLst>
-                <a:latin typeface="Arial" panose="020B0604020202020204" pitchFamily="34" charset="0"/>
-                <a:cs typeface="Arial" panose="020B0604020202020204" pitchFamily="34" charset="0"/>
-              </a:rPr>
-              <a:t>scope, </a:t>
-            </a:r>
-            <a:r>
-              <a:rPr lang="en-US" sz="2400" b="1" kern="1200" dirty="0" smtClean="0">
-                <a:solidFill>
-                  <a:srgbClr val="123E57"/>
-                </a:solidFill>
-                <a:effectLst>
-                  <a:outerShdw blurRad="38100" dist="38100" dir="2700000" algn="tl">
-                    <a:srgbClr val="000000">
-                      <a:alpha val="43137"/>
-                    </a:srgbClr>
-                  </a:outerShdw>
-                </a:effectLst>
-                <a:latin typeface="Arial" panose="020B0604020202020204" pitchFamily="34" charset="0"/>
-                <a:cs typeface="Arial" panose="020B0604020202020204" pitchFamily="34" charset="0"/>
-              </a:rPr>
-              <a:t>assumptions </a:t>
-            </a:r>
-            <a:r>
-              <a:rPr lang="en-US" sz="2400" b="1" kern="1200" dirty="0">
-                <a:solidFill>
-                  <a:srgbClr val="123E57"/>
-                </a:solidFill>
-                <a:effectLst>
-                  <a:outerShdw blurRad="38100" dist="38100" dir="2700000" algn="tl">
-                    <a:srgbClr val="000000">
-                      <a:alpha val="43137"/>
-                    </a:srgbClr>
-                  </a:outerShdw>
-                </a:effectLst>
-                <a:latin typeface="Arial" panose="020B0604020202020204" pitchFamily="34" charset="0"/>
-                <a:cs typeface="Arial" panose="020B0604020202020204" pitchFamily="34" charset="0"/>
-              </a:rPr>
-              <a:t>and </a:t>
-            </a:r>
-            <a:r>
-              <a:rPr lang="en-US" sz="2400" b="1" kern="1200" dirty="0" smtClean="0">
-                <a:solidFill>
-                  <a:srgbClr val="123E57"/>
-                </a:solidFill>
-                <a:effectLst>
-                  <a:outerShdw blurRad="38100" dist="38100" dir="2700000" algn="tl">
-                    <a:srgbClr val="000000">
-                      <a:alpha val="43137"/>
-                    </a:srgbClr>
-                  </a:outerShdw>
-                </a:effectLst>
-                <a:latin typeface="Arial" panose="020B0604020202020204" pitchFamily="34" charset="0"/>
-                <a:cs typeface="Arial" panose="020B0604020202020204" pitchFamily="34" charset="0"/>
-              </a:rPr>
-              <a:t>risk </a:t>
-            </a:r>
-            <a:r>
-              <a:rPr lang="en-US" sz="2400" b="1" kern="1200" dirty="0">
-                <a:solidFill>
-                  <a:srgbClr val="123E57"/>
-                </a:solidFill>
-                <a:effectLst>
-                  <a:outerShdw blurRad="38100" dist="38100" dir="2700000" algn="tl">
-                    <a:srgbClr val="000000">
-                      <a:alpha val="43137"/>
-                    </a:srgbClr>
-                  </a:outerShdw>
-                </a:effectLst>
-                <a:latin typeface="Arial" panose="020B0604020202020204" pitchFamily="34" charset="0"/>
-                <a:cs typeface="Arial" panose="020B0604020202020204" pitchFamily="34" charset="0"/>
-              </a:rPr>
-              <a:t>factors</a:t>
-            </a:r>
+              <a:t>Work already started </a:t>
+            </a:r>
+            <a:endParaRPr lang="en-US" dirty="0"/>
           </a:p>
         </p:txBody>
       </p:sp>
@@ -12294,144 +9803,52 @@
         <p:spPr>
           <a:xfrm>
             <a:off x="481521" y="1066800"/>
-            <a:ext cx="8165592" cy="5334000"/>
+            <a:ext cx="8165592" cy="5160433"/>
           </a:xfrm>
         </p:spPr>
         <p:txBody>
           <a:bodyPr/>
           <a:lstStyle/>
           <a:p>
+            <a:r>
+              <a:rPr lang="en-US" dirty="0" smtClean="0"/>
+              <a:t>CBIIT already completed analysis phase:</a:t>
+            </a:r>
+          </a:p>
+          <a:p>
             <a:pPr lvl="1"/>
             <a:r>
-              <a:rPr lang="en-US" sz="1700" b="1" dirty="0" smtClean="0"/>
-              <a:t>Scope</a:t>
-            </a:r>
-            <a:endParaRPr lang="en-US" sz="1700" b="1" dirty="0"/>
-          </a:p>
-          <a:p>
-            <a:pPr lvl="2"/>
-            <a:r>
-              <a:rPr lang="en-US" sz="1500" dirty="0" smtClean="0"/>
-              <a:t>Fix recurring production issues</a:t>
-            </a:r>
-          </a:p>
-          <a:p>
-            <a:pPr lvl="2"/>
-            <a:r>
-              <a:rPr lang="en-US" sz="1500" dirty="0" smtClean="0"/>
-              <a:t>Accommodate additional business needs:</a:t>
-            </a:r>
-          </a:p>
-          <a:p>
-            <a:pPr lvl="3"/>
-            <a:r>
-              <a:rPr lang="en-US" sz="1400" dirty="0" smtClean="0"/>
-              <a:t>Provide reporting capabilities</a:t>
-            </a:r>
-          </a:p>
-          <a:p>
-            <a:pPr lvl="3"/>
-            <a:r>
-              <a:rPr lang="en-US" sz="1400" dirty="0" smtClean="0"/>
-              <a:t>Enhance </a:t>
-            </a:r>
-            <a:r>
-              <a:rPr lang="en-US" sz="1400" dirty="0"/>
-              <a:t>search </a:t>
-            </a:r>
-            <a:r>
-              <a:rPr lang="en-US" sz="1400" dirty="0" smtClean="0"/>
-              <a:t>capabilities</a:t>
-            </a:r>
-          </a:p>
-          <a:p>
-            <a:pPr lvl="3"/>
-            <a:r>
-              <a:rPr lang="en-US" sz="1400" dirty="0" smtClean="0"/>
-              <a:t>Enhance security</a:t>
-            </a:r>
-          </a:p>
-          <a:p>
-            <a:pPr lvl="2"/>
-            <a:r>
-              <a:rPr lang="en-US" sz="1500" dirty="0"/>
-              <a:t>Modernize existing </a:t>
-            </a:r>
-            <a:r>
-              <a:rPr lang="en-US" sz="1500" dirty="0" err="1"/>
-              <a:t>GreenSheets</a:t>
-            </a:r>
-            <a:r>
-              <a:rPr lang="en-US" sz="1500" dirty="0"/>
-              <a:t> </a:t>
-            </a:r>
-            <a:r>
-              <a:rPr lang="en-US" sz="1500" dirty="0" smtClean="0"/>
-              <a:t>system</a:t>
-            </a:r>
-            <a:endParaRPr lang="en-US" sz="1500" dirty="0"/>
+              <a:rPr lang="en-US" dirty="0" smtClean="0"/>
+              <a:t>Analysis of production issues that should be addressed by re-design</a:t>
+            </a:r>
           </a:p>
           <a:p>
             <a:pPr lvl="1"/>
             <a:r>
-              <a:rPr lang="en-US" sz="1600" b="1" dirty="0" smtClean="0"/>
-              <a:t>Assumptions</a:t>
-            </a:r>
-          </a:p>
-          <a:p>
-            <a:pPr lvl="2"/>
-            <a:r>
-              <a:rPr lang="en-US" sz="1500" dirty="0" smtClean="0"/>
-              <a:t>OGA Program staff will provide input throughout the life of the project</a:t>
-            </a:r>
-          </a:p>
-          <a:p>
-            <a:pPr lvl="2"/>
-            <a:r>
-              <a:rPr lang="en-US" sz="1500" dirty="0" smtClean="0"/>
-              <a:t>CBIIT will use phased approach</a:t>
+              <a:rPr lang="en-US" dirty="0" smtClean="0"/>
+              <a:t>Existing technology stack that should be upgraded</a:t>
             </a:r>
           </a:p>
           <a:p>
             <a:pPr lvl="1"/>
             <a:r>
-              <a:rPr lang="en-US" sz="1600" b="1" dirty="0" smtClean="0"/>
-              <a:t>Risk Factors</a:t>
-            </a:r>
-          </a:p>
-          <a:p>
-            <a:pPr lvl="2"/>
-            <a:r>
-              <a:rPr lang="en-US" sz="1500" dirty="0"/>
-              <a:t>Program staff </a:t>
-            </a:r>
-            <a:r>
-              <a:rPr lang="en-US" sz="1500" dirty="0" smtClean="0"/>
-              <a:t>availability</a:t>
-            </a:r>
-          </a:p>
-          <a:p>
-            <a:pPr lvl="2"/>
-            <a:r>
-              <a:rPr lang="en-US" sz="1500" dirty="0" smtClean="0"/>
-              <a:t>Business process restrictions and dependencies with other systems (e.g. generation of dummy grants in GPMATS)</a:t>
-            </a:r>
-          </a:p>
-          <a:p>
-            <a:pPr lvl="2"/>
-            <a:r>
-              <a:rPr lang="en-US" sz="1500" dirty="0" smtClean="0"/>
-              <a:t>Policies restrictions (e.g. document retention)</a:t>
-            </a:r>
-            <a:endParaRPr lang="en-US" sz="1500" dirty="0"/>
-          </a:p>
-          <a:p>
-            <a:pPr marL="0" indent="0">
-              <a:buNone/>
-            </a:pPr>
-            <a:endParaRPr lang="en-US" dirty="0"/>
-          </a:p>
-          <a:p>
+              <a:rPr lang="en-US" dirty="0" smtClean="0"/>
+              <a:t>Analysis of additional business needs (previously collected and new)</a:t>
+            </a:r>
+          </a:p>
+          <a:p>
+            <a:pPr lvl="1"/>
+            <a:r>
+              <a:rPr lang="en-US" dirty="0" smtClean="0"/>
+              <a:t>Created the list of recommendations for re-design</a:t>
+            </a:r>
+          </a:p>
+          <a:p>
+            <a:pPr lvl="1"/>
+            <a:endParaRPr lang="en-US" dirty="0" smtClean="0"/>
+          </a:p>
+          <a:p>
+            <a:pPr lvl="1"/>
             <a:endParaRPr lang="en-US" dirty="0"/>
           </a:p>
         </p:txBody>
@@ -12439,7 +9856,7 @@
     </p:spTree>
     <p:extLst>
       <p:ext uri="{BB962C8B-B14F-4D97-AF65-F5344CB8AC3E}">
-        <p14:creationId xmlns:p14="http://schemas.microsoft.com/office/powerpoint/2010/main" val="433280497"/>
+        <p14:creationId xmlns:p14="http://schemas.microsoft.com/office/powerpoint/2010/main" val="2605537240"/>
       </p:ext>
     </p:extLst>
   </p:cSld>
@@ -12476,13 +9893,26 @@
             <p:ph type="title"/>
           </p:nvPr>
         </p:nvSpPr>
-        <p:spPr/>
+        <p:spPr>
+          <a:xfrm>
+            <a:off x="493776" y="304800"/>
+            <a:ext cx="8165592" cy="457200"/>
+          </a:xfrm>
+        </p:spPr>
         <p:txBody>
           <a:bodyPr/>
           <a:lstStyle/>
           <a:p>
-            <a:r>
-              <a:rPr lang="en-US" b="1" dirty="0">
+            <a:pPr marL="228600" lvl="1">
+              <a:lnSpc>
+                <a:spcPct val="150000"/>
+              </a:lnSpc>
+            </a:pPr>
+            <a:r>
+              <a:rPr lang="en-US" sz="2400" b="1" kern="1200" dirty="0" smtClean="0">
+                <a:solidFill>
+                  <a:srgbClr val="123E57"/>
+                </a:solidFill>
                 <a:effectLst>
                   <a:outerShdw blurRad="38100" dist="38100" dir="2700000" algn="tl">
                     <a:srgbClr val="000000">
@@ -12490,11 +9920,16 @@
                     </a:srgbClr>
                   </a:outerShdw>
                 </a:effectLst>
+                <a:latin typeface="Arial" panose="020B0604020202020204" pitchFamily="34" charset="0"/>
+                <a:cs typeface="Arial" panose="020B0604020202020204" pitchFamily="34" charset="0"/>
               </a:rPr>
-              <a:t>“As-Is” user functionality </a:t>
-            </a:r>
-            <a:r>
-              <a:rPr lang="en-US" b="1" dirty="0" smtClean="0">
+              <a:t>P</a:t>
+            </a:r>
+            <a:r>
+              <a:rPr lang="en-US" sz="2400" b="1" kern="1200" dirty="0" smtClean="0">
+                <a:solidFill>
+                  <a:srgbClr val="123E57"/>
+                </a:solidFill>
                 <a:effectLst>
                   <a:outerShdw blurRad="38100" dist="38100" dir="2700000" algn="tl">
                     <a:srgbClr val="000000">
@@ -12502,116 +9937,66 @@
                     </a:srgbClr>
                   </a:outerShdw>
                 </a:effectLst>
+                <a:latin typeface="Arial" panose="020B0604020202020204" pitchFamily="34" charset="0"/>
+                <a:cs typeface="Arial" panose="020B0604020202020204" pitchFamily="34" charset="0"/>
               </a:rPr>
-              <a:t>(Search for grants)</a:t>
-            </a:r>
-            <a:endParaRPr lang="en-US" dirty="0"/>
+              <a:t>roject scope overview</a:t>
+            </a:r>
+            <a:endParaRPr lang="en-US" sz="2400" b="1" kern="1200" dirty="0">
+              <a:solidFill>
+                <a:srgbClr val="123E57"/>
+              </a:solidFill>
+              <a:effectLst>
+                <a:outerShdw blurRad="38100" dist="38100" dir="2700000" algn="tl">
+                  <a:srgbClr val="000000">
+                    <a:alpha val="43137"/>
+                  </a:srgbClr>
+                </a:outerShdw>
+              </a:effectLst>
+              <a:latin typeface="Arial" panose="020B0604020202020204" pitchFamily="34" charset="0"/>
+              <a:cs typeface="Arial" panose="020B0604020202020204" pitchFamily="34" charset="0"/>
+            </a:endParaRPr>
           </a:p>
         </p:txBody>
       </p:sp>
       <p:sp>
         <p:nvSpPr>
-          <p:cNvPr id="4" name="Flowchart: Alternate Process 3"/>
-          <p:cNvSpPr/>
-          <p:nvPr/>
+          <p:cNvPr id="3" name="Content Placeholder 2"/>
+          <p:cNvSpPr>
+            <a:spLocks noGrp="1"/>
+          </p:cNvSpPr>
+          <p:nvPr>
+            <p:ph sz="quarter" idx="11"/>
+          </p:nvPr>
         </p:nvSpPr>
         <p:spPr>
           <a:xfrm>
-            <a:off x="493776" y="1511795"/>
-            <a:ext cx="3925824" cy="4355605"/>
+            <a:off x="493776" y="838200"/>
+            <a:ext cx="8165592" cy="5715000"/>
           </a:xfrm>
-          <a:prstGeom prst="flowChartAlternateProcess">
-            <a:avLst/>
-          </a:prstGeom>
         </p:spPr>
-        <p:style>
-          <a:lnRef idx="1">
-            <a:schemeClr val="accent4"/>
-          </a:lnRef>
-          <a:fillRef idx="2">
-            <a:schemeClr val="accent4"/>
-          </a:fillRef>
-          <a:effectRef idx="1">
-            <a:schemeClr val="accent4"/>
-          </a:effectRef>
-          <a:fontRef idx="minor">
-            <a:schemeClr val="dk1"/>
-          </a:fontRef>
-        </p:style>
         <p:txBody>
-          <a:bodyPr rtlCol="0" anchor="ctr"/>
+          <a:bodyPr/>
           <a:lstStyle/>
           <a:p>
             <a:r>
-              <a:rPr lang="en-US" dirty="0"/>
-              <a:t>Currently </a:t>
-            </a:r>
-            <a:r>
-              <a:rPr lang="en-US" b="1" dirty="0"/>
-              <a:t>the overall pool</a:t>
-            </a:r>
-            <a:r>
-              <a:rPr lang="en-US" dirty="0"/>
-              <a:t> of applications is restricted by:</a:t>
-            </a:r>
-          </a:p>
-          <a:p>
-            <a:endParaRPr lang="en-US" sz="1400" dirty="0"/>
-          </a:p>
-          <a:p>
-            <a:pPr marL="171450" lvl="0" indent="-171450">
-              <a:buFont typeface="Arial" panose="020B0604020202020204" pitchFamily="34" charset="0"/>
-              <a:buChar char="•"/>
-            </a:pPr>
+              <a:rPr lang="en-US" sz="1600" b="1" dirty="0"/>
+              <a:t>Fix recurring production issues</a:t>
+            </a:r>
+          </a:p>
+          <a:p>
+            <a:pPr lvl="2"/>
+            <a:r>
+              <a:rPr lang="en-US" sz="1400" dirty="0" err="1"/>
+              <a:t>Greensheets</a:t>
+            </a:r>
             <a:r>
               <a:rPr lang="en-US" sz="1400" dirty="0"/>
-              <a:t>NCI grants after 2004</a:t>
-            </a:r>
-          </a:p>
-          <a:p>
-            <a:pPr marL="171450" lvl="0" indent="-171450">
-              <a:buFont typeface="Arial" panose="020B0604020202020204" pitchFamily="34" charset="0"/>
-              <a:buChar char="•"/>
-            </a:pPr>
-            <a:r>
-              <a:rPr lang="en-US" sz="1400" dirty="0"/>
-              <a:t>Grant has full grant number</a:t>
-            </a:r>
-          </a:p>
-          <a:p>
-            <a:pPr marL="171450" lvl="0" indent="-171450">
-              <a:buFont typeface="Arial" panose="020B0604020202020204" pitchFamily="34" charset="0"/>
-              <a:buChar char="•"/>
-            </a:pPr>
-            <a:r>
-              <a:rPr lang="en-US" sz="1400" dirty="0"/>
-              <a:t>Competing grants are scored</a:t>
-            </a:r>
-          </a:p>
-          <a:p>
-            <a:pPr marL="171450" lvl="0" indent="-171450">
-              <a:buFont typeface="Arial" panose="020B0604020202020204" pitchFamily="34" charset="0"/>
-              <a:buChar char="•"/>
-            </a:pPr>
+              <a:t> Submission (Major reoccurring issue (PD </a:t>
+            </a:r>
             <a:r>
               <a:rPr lang="en-US" sz="1400" dirty="0" err="1"/>
-              <a:t>Grensheets</a:t>
-            </a:r>
-            <a:r>
-              <a:rPr lang="en-US" sz="1400" dirty="0"/>
-              <a:t> are required for this grant type/mechanism (</a:t>
-            </a:r>
-            <a:r>
-              <a:rPr lang="en-US" sz="1400" i="1" dirty="0"/>
-              <a:t>All type/mechanism pairs that require completion of </a:t>
-            </a:r>
-            <a:r>
-              <a:rPr lang="en-US" sz="1400" i="1" dirty="0" err="1"/>
-              <a:t>greensheets</a:t>
-            </a:r>
-            <a:r>
-              <a:rPr lang="en-US" sz="1400" i="1" dirty="0"/>
-              <a:t> are recorded in the database</a:t>
+              <a:t>Greensheet</a:t>
             </a:r>
             <a:r>
               <a:rPr lang="en-US" sz="1400" dirty="0"/>
@@ -12619,444 +10004,290 @@
             </a:r>
           </a:p>
           <a:p>
-            <a:pPr marL="171450" lvl="0" indent="-171450">
-              <a:buFont typeface="Arial" panose="020B0604020202020204" pitchFamily="34" charset="0"/>
-              <a:buChar char="•"/>
+            <a:pPr lvl="2"/>
+            <a:r>
+              <a:rPr lang="en-US" sz="1400" dirty="0" err="1"/>
+              <a:t>Greensheets</a:t>
+            </a:r>
+            <a:r>
+              <a:rPr lang="en-US" sz="1400" dirty="0"/>
+              <a:t> Timeout (Major reoccurring issue)</a:t>
+            </a:r>
+          </a:p>
+          <a:p>
+            <a:pPr lvl="2"/>
+            <a:r>
+              <a:rPr lang="en-US" sz="1400" dirty="0"/>
+              <a:t>Duplicate </a:t>
+            </a:r>
+            <a:r>
+              <a:rPr lang="en-US" sz="1400" dirty="0" err="1"/>
+              <a:t>greensheets</a:t>
+            </a:r>
+            <a:r>
+              <a:rPr lang="en-US" sz="1400" dirty="0"/>
+              <a:t> (only reoccurring occasionally</a:t>
+            </a:r>
+            <a:r>
+              <a:rPr lang="en-US" sz="1400" dirty="0" smtClean="0"/>
+              <a:t>)</a:t>
+            </a:r>
+          </a:p>
+          <a:p>
+            <a:pPr lvl="2"/>
+            <a:r>
+              <a:rPr lang="en-US" sz="1400" dirty="0" smtClean="0"/>
+              <a:t>Attachments issue (new)</a:t>
+            </a:r>
+            <a:endParaRPr lang="en-US" sz="1400" dirty="0"/>
+          </a:p>
+          <a:p>
+            <a:r>
+              <a:rPr lang="en-US" sz="1600" b="1" dirty="0"/>
+              <a:t>Accommodate additional business needs</a:t>
+            </a:r>
+            <a:r>
+              <a:rPr lang="en-US" sz="1600" dirty="0"/>
+              <a:t>:</a:t>
+            </a:r>
+          </a:p>
+          <a:p>
+            <a:pPr marL="0" lvl="3" indent="0" fontAlgn="auto">
+              <a:spcBef>
+                <a:spcPts val="0"/>
+              </a:spcBef>
+              <a:spcAft>
+                <a:spcPts val="0"/>
+              </a:spcAft>
+              <a:buClrTx/>
+              <a:buNone/>
+              <a:defRPr/>
             </a:pPr>
             <a:r>
+              <a:rPr lang="en-US" sz="1600" u="sng" dirty="0">
+                <a:solidFill>
+                  <a:srgbClr val="0070C0"/>
+                </a:solidFill>
+              </a:rPr>
+              <a:t>Previously agreed upon:</a:t>
+            </a:r>
+          </a:p>
+          <a:p>
+            <a:pPr marL="400050" lvl="4" indent="-171450" fontAlgn="auto">
+              <a:spcBef>
+                <a:spcPts val="0"/>
+              </a:spcBef>
+              <a:spcAft>
+                <a:spcPts val="0"/>
+              </a:spcAft>
+              <a:buClrTx/>
+              <a:defRPr/>
+            </a:pPr>
+            <a:r>
+              <a:rPr lang="en-US" dirty="0"/>
+              <a:t>Provide reporting capabilities</a:t>
+            </a:r>
+          </a:p>
+          <a:p>
+            <a:pPr lvl="2">
+              <a:defRPr/>
+            </a:pPr>
+            <a:r>
               <a:rPr lang="en-US" sz="1400" dirty="0"/>
-              <a:t>PD and CA are assigned</a:t>
-            </a:r>
-          </a:p>
-          <a:p>
-            <a:pPr marL="171450" lvl="0" indent="-171450">
-              <a:buFont typeface="Arial" panose="020B0604020202020204" pitchFamily="34" charset="0"/>
-              <a:buChar char="•"/>
+              <a:t>Ad-hoc </a:t>
+            </a:r>
+            <a:r>
+              <a:rPr lang="en-US" sz="1400" dirty="0" smtClean="0"/>
+              <a:t>(congressional) reports </a:t>
+            </a:r>
+            <a:r>
+              <a:rPr lang="en-US" sz="1400" dirty="0"/>
+              <a:t>on statistics related to answers to a specific question</a:t>
+            </a:r>
+          </a:p>
+          <a:p>
+            <a:pPr lvl="2">
+              <a:defRPr/>
             </a:pPr>
             <a:r>
               <a:rPr lang="en-US" sz="1400" dirty="0"/>
-              <a:t>And minor requested exceptions (</a:t>
-            </a:r>
-            <a:r>
-              <a:rPr lang="en-US" sz="1400" i="1" dirty="0"/>
-              <a:t>Type 6, non-competing type 3, something restrictions related to Type 5, GPMATS revisions</a:t>
+              <a:t>User-friendly dashboard report to easily access the grants and the underlying </a:t>
+            </a:r>
+            <a:r>
+              <a:rPr lang="en-US" sz="1400" dirty="0" err="1"/>
+              <a:t>greensheets</a:t>
             </a:r>
             <a:r>
               <a:rPr lang="en-US" sz="1400" dirty="0"/>
-              <a:t>)</a:t>
-            </a:r>
-          </a:p>
-          <a:p>
-            <a:endParaRPr lang="en-US" dirty="0">
+              <a:t> and also to help visualize some of the key metrics. This is house-keeping” reports, for example ‘how many </a:t>
+            </a:r>
+            <a:r>
+              <a:rPr lang="en-US" sz="1400" dirty="0" err="1"/>
+              <a:t>greensheets</a:t>
+            </a:r>
+            <a:r>
+              <a:rPr lang="en-US" sz="1400" dirty="0"/>
+              <a:t> in Submitted status</a:t>
+            </a:r>
+          </a:p>
+          <a:p>
+            <a:pPr marL="400050" lvl="4" indent="-171450" fontAlgn="auto">
+              <a:spcBef>
+                <a:spcPts val="0"/>
+              </a:spcBef>
+              <a:spcAft>
+                <a:spcPts val="0"/>
+              </a:spcAft>
+              <a:buClrTx/>
+              <a:defRPr/>
+            </a:pPr>
+            <a:r>
+              <a:rPr lang="en-US" dirty="0"/>
+              <a:t>Enhance search capabilities</a:t>
+            </a:r>
+          </a:p>
+          <a:p>
+            <a:pPr marL="400050" lvl="4" indent="-171450" fontAlgn="auto">
+              <a:spcBef>
+                <a:spcPts val="0"/>
+              </a:spcBef>
+              <a:spcAft>
+                <a:spcPts val="0"/>
+              </a:spcAft>
+              <a:buClrTx/>
+              <a:defRPr/>
+            </a:pPr>
+            <a:r>
+              <a:rPr lang="en-US" dirty="0"/>
+              <a:t>Enhance security</a:t>
+            </a:r>
+          </a:p>
+          <a:p>
+            <a:pPr marL="400050" lvl="4" indent="-171450" fontAlgn="auto">
+              <a:spcBef>
+                <a:spcPts val="0"/>
+              </a:spcBef>
+              <a:spcAft>
+                <a:spcPts val="0"/>
+              </a:spcAft>
+              <a:buClrTx/>
+              <a:defRPr/>
+            </a:pPr>
+            <a:r>
+              <a:rPr lang="en-US" dirty="0"/>
+              <a:t>UI modernization and usability</a:t>
+            </a:r>
+          </a:p>
+          <a:p>
+            <a:pPr marL="400050" lvl="4" indent="-171450" fontAlgn="auto">
+              <a:spcBef>
+                <a:spcPts val="0"/>
+              </a:spcBef>
+              <a:spcAft>
+                <a:spcPts val="0"/>
+              </a:spcAft>
+              <a:buClrTx/>
+              <a:defRPr/>
+            </a:pPr>
+            <a:endParaRPr lang="en-US" dirty="0"/>
+          </a:p>
+          <a:p>
+            <a:pPr marL="228600" lvl="4" indent="0" fontAlgn="auto">
+              <a:spcBef>
+                <a:spcPts val="0"/>
+              </a:spcBef>
+              <a:spcAft>
+                <a:spcPts val="0"/>
+              </a:spcAft>
+              <a:buClrTx/>
+              <a:buNone/>
+              <a:defRPr/>
+            </a:pPr>
+            <a:r>
+              <a:rPr lang="en-US" u="sng" dirty="0">
+                <a:solidFill>
+                  <a:srgbClr val="0070C0"/>
+                </a:solidFill>
+              </a:rPr>
+              <a:t>New </a:t>
+            </a:r>
+            <a:r>
+              <a:rPr lang="en-US" u="sng" dirty="0" smtClean="0">
+                <a:solidFill>
+                  <a:srgbClr val="0070C0"/>
+                </a:solidFill>
+              </a:rPr>
+              <a:t>(proposed):</a:t>
+            </a:r>
+            <a:endParaRPr lang="en-US" u="sng" dirty="0">
               <a:solidFill>
-                <a:schemeClr val="dk1"/>
+                <a:srgbClr val="0070C0"/>
               </a:solidFill>
             </a:endParaRPr>
           </a:p>
-        </p:txBody>
-      </p:sp>
-      <p:sp>
-        <p:nvSpPr>
-          <p:cNvPr id="5" name="Rectangle 4"/>
-          <p:cNvSpPr/>
-          <p:nvPr/>
-        </p:nvSpPr>
-        <p:spPr>
-          <a:xfrm>
-            <a:off x="493776" y="990600"/>
-            <a:ext cx="6821424" cy="369332"/>
-          </a:xfrm>
-          <a:prstGeom prst="rect">
-            <a:avLst/>
-          </a:prstGeom>
-        </p:spPr>
-        <p:txBody>
-          <a:bodyPr wrap="square">
-            <a:spAutoFit/>
-          </a:bodyPr>
-          <a:lstStyle/>
-          <a:p>
-            <a:r>
-              <a:rPr lang="en-US" dirty="0">
-                <a:solidFill>
-                  <a:schemeClr val="dk1"/>
-                </a:solidFill>
-              </a:rPr>
-              <a:t>Search capabilities are different for different roles</a:t>
-            </a:r>
+          <a:p>
+            <a:pPr marL="400050" lvl="4" indent="-171450" fontAlgn="auto">
+              <a:spcBef>
+                <a:spcPts val="0"/>
+              </a:spcBef>
+              <a:spcAft>
+                <a:spcPts val="0"/>
+              </a:spcAft>
+              <a:buClrTx/>
+              <a:defRPr/>
+            </a:pPr>
+            <a:r>
+              <a:rPr lang="en-US" dirty="0"/>
+              <a:t>Using additional capabilities of Form Builder</a:t>
+            </a:r>
+          </a:p>
+          <a:p>
+            <a:pPr marL="400050" lvl="4" indent="-171450" fontAlgn="auto">
+              <a:spcBef>
+                <a:spcPts val="0"/>
+              </a:spcBef>
+              <a:spcAft>
+                <a:spcPts val="0"/>
+              </a:spcAft>
+              <a:buClrTx/>
+              <a:defRPr/>
+            </a:pPr>
+            <a:r>
+              <a:rPr lang="en-US" dirty="0"/>
+              <a:t>Changes to business flow and navigation</a:t>
+            </a:r>
+          </a:p>
+          <a:p>
+            <a:pPr marL="400050" lvl="4" indent="-171450" fontAlgn="auto">
+              <a:spcBef>
+                <a:spcPts val="0"/>
+              </a:spcBef>
+              <a:spcAft>
+                <a:spcPts val="0"/>
+              </a:spcAft>
+              <a:buClrTx/>
+              <a:defRPr/>
+            </a:pPr>
+            <a:r>
+              <a:rPr lang="en-US" dirty="0"/>
+              <a:t>Compliance document retention policy</a:t>
+            </a:r>
+          </a:p>
+          <a:p>
+            <a:pPr marL="0" indent="0">
+              <a:buNone/>
+            </a:pPr>
             <a:endParaRPr lang="en-US" dirty="0"/>
           </a:p>
-        </p:txBody>
-      </p:sp>
-      <p:sp>
-        <p:nvSpPr>
-          <p:cNvPr id="7" name="Flowchart: Process 6"/>
-          <p:cNvSpPr/>
-          <p:nvPr/>
-        </p:nvSpPr>
-        <p:spPr>
-          <a:xfrm>
-            <a:off x="4800600" y="1676400"/>
-            <a:ext cx="3962400" cy="1905000"/>
-          </a:xfrm>
-          <a:prstGeom prst="flowChartProcess">
-            <a:avLst/>
-          </a:prstGeom>
-        </p:spPr>
-        <p:style>
-          <a:lnRef idx="1">
-            <a:schemeClr val="accent6"/>
-          </a:lnRef>
-          <a:fillRef idx="2">
-            <a:schemeClr val="accent6"/>
-          </a:fillRef>
-          <a:effectRef idx="1">
-            <a:schemeClr val="accent6"/>
-          </a:effectRef>
-          <a:fontRef idx="minor">
-            <a:schemeClr val="dk1"/>
-          </a:fontRef>
-        </p:style>
-        <p:txBody>
-          <a:bodyPr rtlCol="0" anchor="ctr"/>
-          <a:lstStyle/>
-          <a:p>
-            <a:pPr lvl="0"/>
-            <a:r>
-              <a:rPr lang="en-US" sz="1200" b="1" u="sng" dirty="0" smtClean="0"/>
-              <a:t>PD/PA</a:t>
-            </a:r>
-          </a:p>
-          <a:p>
-            <a:pPr lvl="0"/>
-            <a:r>
-              <a:rPr lang="en-US" sz="1200" dirty="0" smtClean="0"/>
-              <a:t>Search </a:t>
-            </a:r>
-            <a:r>
-              <a:rPr lang="en-US" sz="1200" dirty="0"/>
-              <a:t>criteria </a:t>
-            </a:r>
-            <a:r>
-              <a:rPr lang="en-US" sz="1200" dirty="0" smtClean="0"/>
-              <a:t>choices: </a:t>
-            </a:r>
-            <a:r>
-              <a:rPr lang="en-US" sz="1200" dirty="0"/>
-              <a:t>Portfolio, My CA, all NCI grants, PD Competing, PD non-competing, mechanism, grant number, PI name, Competing with </a:t>
-            </a:r>
-            <a:r>
-              <a:rPr lang="en-US" sz="1200" dirty="0" err="1"/>
-              <a:t>Payline</a:t>
-            </a:r>
-            <a:r>
-              <a:rPr lang="en-US" sz="1200" dirty="0"/>
-              <a:t> or not).  </a:t>
-            </a:r>
-          </a:p>
-          <a:p>
-            <a:endParaRPr lang="en-US" sz="1200" dirty="0" smtClean="0"/>
-          </a:p>
-          <a:p>
-            <a:endParaRPr lang="en-US" sz="1200" dirty="0"/>
-          </a:p>
-          <a:p>
-            <a:r>
-              <a:rPr lang="en-US" sz="1200" dirty="0">
-                <a:latin typeface="Arial" panose="020B0604020202020204" pitchFamily="34" charset="0"/>
-                <a:ea typeface="Calibri" panose="020F0502020204030204" pitchFamily="34" charset="0"/>
-              </a:rPr>
-              <a:t>The system allows </a:t>
-            </a:r>
-            <a:r>
-              <a:rPr lang="en-US" sz="1200" b="1" dirty="0">
-                <a:latin typeface="Arial" panose="020B0604020202020204" pitchFamily="34" charset="0"/>
-                <a:ea typeface="Calibri" panose="020F0502020204030204" pitchFamily="34" charset="0"/>
-              </a:rPr>
-              <a:t>editing preferences </a:t>
-            </a:r>
-            <a:r>
-              <a:rPr lang="en-US" sz="1200" dirty="0">
-                <a:latin typeface="Arial" panose="020B0604020202020204" pitchFamily="34" charset="0"/>
-                <a:ea typeface="Calibri" panose="020F0502020204030204" pitchFamily="34" charset="0"/>
-              </a:rPr>
-              <a:t>(change default settings for search criteria</a:t>
-            </a:r>
-            <a:r>
-              <a:rPr lang="en-US" sz="1200" dirty="0" smtClean="0">
-                <a:latin typeface="Arial" panose="020B0604020202020204" pitchFamily="34" charset="0"/>
-                <a:ea typeface="Calibri" panose="020F0502020204030204" pitchFamily="34" charset="0"/>
-              </a:rPr>
-              <a:t>.)</a:t>
-            </a:r>
-            <a:endParaRPr lang="en-US" sz="1200" dirty="0" smtClean="0"/>
-          </a:p>
-          <a:p>
-            <a:endParaRPr lang="en-US" sz="1200" dirty="0"/>
-          </a:p>
-          <a:p>
-            <a:endParaRPr lang="en-US" sz="1200" dirty="0" smtClean="0"/>
-          </a:p>
-        </p:txBody>
-      </p:sp>
-      <p:sp>
-        <p:nvSpPr>
-          <p:cNvPr id="8" name="Flowchart: Process 7"/>
-          <p:cNvSpPr/>
-          <p:nvPr/>
-        </p:nvSpPr>
-        <p:spPr>
-          <a:xfrm>
-            <a:off x="4800600" y="3810000"/>
-            <a:ext cx="3962400" cy="762000"/>
-          </a:xfrm>
-          <a:prstGeom prst="flowChartProcess">
-            <a:avLst/>
-          </a:prstGeom>
-        </p:spPr>
-        <p:style>
-          <a:lnRef idx="1">
-            <a:schemeClr val="accent6"/>
-          </a:lnRef>
-          <a:fillRef idx="2">
-            <a:schemeClr val="accent6"/>
-          </a:fillRef>
-          <a:effectRef idx="1">
-            <a:schemeClr val="accent6"/>
-          </a:effectRef>
-          <a:fontRef idx="minor">
-            <a:schemeClr val="dk1"/>
-          </a:fontRef>
-        </p:style>
-        <p:txBody>
-          <a:bodyPr rtlCol="0" anchor="ctr"/>
-          <a:lstStyle/>
-          <a:p>
-            <a:pPr lvl="0"/>
-            <a:r>
-              <a:rPr lang="en-US" sz="1200" b="1" u="sng" dirty="0" smtClean="0"/>
-              <a:t>GMS</a:t>
-            </a:r>
-          </a:p>
-          <a:p>
-            <a:pPr lvl="0"/>
-            <a:r>
-              <a:rPr lang="en-US" sz="1200" dirty="0" smtClean="0"/>
-              <a:t>Search </a:t>
-            </a:r>
-            <a:r>
-              <a:rPr lang="en-US" sz="1200" dirty="0"/>
-              <a:t>criteria </a:t>
-            </a:r>
-            <a:r>
-              <a:rPr lang="en-US" sz="1200" dirty="0" smtClean="0"/>
-              <a:t>choices: grant </a:t>
-            </a:r>
-            <a:r>
-              <a:rPr lang="en-US" sz="1200" dirty="0"/>
-              <a:t>number, PI </a:t>
-            </a:r>
-            <a:r>
-              <a:rPr lang="en-US" sz="1200" dirty="0" smtClean="0"/>
-              <a:t>name</a:t>
-            </a:r>
-          </a:p>
-          <a:p>
-            <a:endParaRPr lang="en-US" sz="1200" dirty="0"/>
-          </a:p>
-          <a:p>
-            <a:endParaRPr lang="en-US" sz="1200" dirty="0" smtClean="0"/>
-          </a:p>
-        </p:txBody>
-      </p:sp>
-      <p:sp>
-        <p:nvSpPr>
-          <p:cNvPr id="9" name="Flowchart: Process 8"/>
-          <p:cNvSpPr/>
-          <p:nvPr/>
-        </p:nvSpPr>
-        <p:spPr>
-          <a:xfrm>
-            <a:off x="4800600" y="4953000"/>
-            <a:ext cx="3962400" cy="762000"/>
-          </a:xfrm>
-          <a:prstGeom prst="flowChartProcess">
-            <a:avLst/>
-          </a:prstGeom>
-        </p:spPr>
-        <p:style>
-          <a:lnRef idx="1">
-            <a:schemeClr val="accent6"/>
-          </a:lnRef>
-          <a:fillRef idx="2">
-            <a:schemeClr val="accent6"/>
-          </a:fillRef>
-          <a:effectRef idx="1">
-            <a:schemeClr val="accent6"/>
-          </a:effectRef>
-          <a:fontRef idx="minor">
-            <a:schemeClr val="dk1"/>
-          </a:fontRef>
-        </p:style>
-        <p:txBody>
-          <a:bodyPr rtlCol="0" anchor="ctr"/>
-          <a:lstStyle/>
-          <a:p>
-            <a:pPr lvl="0"/>
-            <a:r>
-              <a:rPr lang="en-US" sz="1200" b="1" u="sng" dirty="0" smtClean="0"/>
-              <a:t>Guest</a:t>
-            </a:r>
-          </a:p>
-          <a:p>
-            <a:pPr lvl="0"/>
-            <a:r>
-              <a:rPr lang="en-US" sz="1200" dirty="0" smtClean="0"/>
-              <a:t>Search </a:t>
-            </a:r>
-            <a:r>
-              <a:rPr lang="en-US" sz="1200" dirty="0"/>
-              <a:t>criteria </a:t>
-            </a:r>
-            <a:r>
-              <a:rPr lang="en-US" sz="1200" dirty="0" smtClean="0"/>
-              <a:t>choices: grant </a:t>
-            </a:r>
-            <a:r>
-              <a:rPr lang="en-US" sz="1200" dirty="0"/>
-              <a:t>number, PI </a:t>
-            </a:r>
-            <a:r>
-              <a:rPr lang="en-US" sz="1200" dirty="0" smtClean="0"/>
-              <a:t>name</a:t>
-            </a:r>
-          </a:p>
-          <a:p>
-            <a:endParaRPr lang="en-US" sz="1200" dirty="0"/>
-          </a:p>
-          <a:p>
-            <a:endParaRPr lang="en-US" sz="1200" dirty="0" smtClean="0"/>
-          </a:p>
-        </p:txBody>
-      </p:sp>
-      <p:sp>
-        <p:nvSpPr>
-          <p:cNvPr id="10" name="Right Arrow 9"/>
-          <p:cNvSpPr/>
-          <p:nvPr/>
-        </p:nvSpPr>
-        <p:spPr>
-          <a:xfrm>
-            <a:off x="4419600" y="2743200"/>
-            <a:ext cx="381000" cy="304800"/>
-          </a:xfrm>
-          <a:prstGeom prst="rightArrow">
-            <a:avLst/>
-          </a:prstGeom>
-        </p:spPr>
-        <p:style>
-          <a:lnRef idx="1">
-            <a:schemeClr val="accent1"/>
-          </a:lnRef>
-          <a:fillRef idx="3">
-            <a:schemeClr val="accent1"/>
-          </a:fillRef>
-          <a:effectRef idx="2">
-            <a:schemeClr val="accent1"/>
-          </a:effectRef>
-          <a:fontRef idx="minor">
-            <a:schemeClr val="lt1"/>
-          </a:fontRef>
-        </p:style>
-        <p:txBody>
-          <a:bodyPr rtlCol="0" anchor="ctr"/>
-          <a:lstStyle/>
-          <a:p>
-            <a:pPr algn="ctr"/>
-            <a:endParaRPr lang="en-US"/>
-          </a:p>
-        </p:txBody>
-      </p:sp>
-      <p:sp>
-        <p:nvSpPr>
-          <p:cNvPr id="11" name="Right Arrow 10"/>
-          <p:cNvSpPr/>
-          <p:nvPr/>
-        </p:nvSpPr>
-        <p:spPr>
-          <a:xfrm>
-            <a:off x="4419600" y="4046220"/>
-            <a:ext cx="381000" cy="304800"/>
-          </a:xfrm>
-          <a:prstGeom prst="rightArrow">
-            <a:avLst/>
-          </a:prstGeom>
-        </p:spPr>
-        <p:style>
-          <a:lnRef idx="1">
-            <a:schemeClr val="accent1"/>
-          </a:lnRef>
-          <a:fillRef idx="3">
-            <a:schemeClr val="accent1"/>
-          </a:fillRef>
-          <a:effectRef idx="2">
-            <a:schemeClr val="accent1"/>
-          </a:effectRef>
-          <a:fontRef idx="minor">
-            <a:schemeClr val="lt1"/>
-          </a:fontRef>
-        </p:style>
-        <p:txBody>
-          <a:bodyPr rtlCol="0" anchor="ctr"/>
-          <a:lstStyle/>
-          <a:p>
-            <a:pPr algn="ctr"/>
-            <a:endParaRPr lang="en-US"/>
-          </a:p>
-        </p:txBody>
-      </p:sp>
-      <p:sp>
-        <p:nvSpPr>
-          <p:cNvPr id="12" name="Right Arrow 11"/>
-          <p:cNvSpPr/>
-          <p:nvPr/>
-        </p:nvSpPr>
-        <p:spPr>
-          <a:xfrm>
-            <a:off x="4419600" y="5050536"/>
-            <a:ext cx="381000" cy="304800"/>
-          </a:xfrm>
-          <a:prstGeom prst="rightArrow">
-            <a:avLst/>
-          </a:prstGeom>
-        </p:spPr>
-        <p:style>
-          <a:lnRef idx="1">
-            <a:schemeClr val="accent1"/>
-          </a:lnRef>
-          <a:fillRef idx="3">
-            <a:schemeClr val="accent1"/>
-          </a:fillRef>
-          <a:effectRef idx="2">
-            <a:schemeClr val="accent1"/>
-          </a:effectRef>
-          <a:fontRef idx="minor">
-            <a:schemeClr val="lt1"/>
-          </a:fontRef>
-        </p:style>
-        <p:txBody>
-          <a:bodyPr rtlCol="0" anchor="ctr"/>
-          <a:lstStyle/>
-          <a:p>
-            <a:pPr algn="ctr"/>
-            <a:endParaRPr lang="en-US"/>
+          <a:p>
+            <a:endParaRPr lang="en-US" dirty="0"/>
           </a:p>
         </p:txBody>
       </p:sp>
     </p:spTree>
     <p:extLst>
       <p:ext uri="{BB962C8B-B14F-4D97-AF65-F5344CB8AC3E}">
-        <p14:creationId xmlns:p14="http://schemas.microsoft.com/office/powerpoint/2010/main" val="407810961"/>
+        <p14:creationId xmlns:p14="http://schemas.microsoft.com/office/powerpoint/2010/main" val="433280497"/>
       </p:ext>
     </p:extLst>
   </p:cSld>
@@ -13099,6 +10330,18 @@
           <a:lstStyle/>
           <a:p>
             <a:r>
+              <a:rPr lang="en-US" b="1" dirty="0" smtClean="0">
+                <a:effectLst>
+                  <a:outerShdw blurRad="38100" dist="38100" dir="2700000" algn="tl">
+                    <a:srgbClr val="000000">
+                      <a:alpha val="43137"/>
+                    </a:srgbClr>
+                  </a:outerShdw>
+                </a:effectLst>
+              </a:rPr>
+              <a:t>3. Project </a:t>
+            </a:r>
+            <a:r>
               <a:rPr lang="en-US" b="1" dirty="0">
                 <a:effectLst>
                   <a:outerShdw blurRad="38100" dist="38100" dir="2700000" algn="tl">
@@ -13108,493 +10351,423 @@
                   </a:outerShdw>
                 </a:effectLst>
               </a:rPr>
-              <a:t>“As-Is” user </a:t>
-            </a:r>
-            <a:r>
-              <a:rPr lang="en-US" b="1" dirty="0" smtClean="0">
-                <a:effectLst>
-                  <a:outerShdw blurRad="38100" dist="38100" dir="2700000" algn="tl">
-                    <a:srgbClr val="000000">
-                      <a:alpha val="43137"/>
-                    </a:srgbClr>
-                  </a:outerShdw>
-                </a:effectLst>
-              </a:rPr>
-              <a:t>functionality (To-Do lists)</a:t>
-            </a:r>
-            <a:endParaRPr lang="en-US" dirty="0"/>
+              <a:t>plan and phased approach</a:t>
+            </a:r>
           </a:p>
         </p:txBody>
       </p:sp>
-      <p:sp>
-        <p:nvSpPr>
-          <p:cNvPr id="5" name="Flowchart: Alternate Process 4"/>
-          <p:cNvSpPr/>
-          <p:nvPr/>
-        </p:nvSpPr>
-        <p:spPr>
-          <a:xfrm>
-            <a:off x="304800" y="1676400"/>
-            <a:ext cx="2133600" cy="2286000"/>
-          </a:xfrm>
-          <a:prstGeom prst="flowChartAlternateProcess">
-            <a:avLst/>
-          </a:prstGeom>
-        </p:spPr>
-        <p:style>
-          <a:lnRef idx="1">
-            <a:schemeClr val="accent4"/>
-          </a:lnRef>
-          <a:fillRef idx="2">
-            <a:schemeClr val="accent4"/>
-          </a:fillRef>
-          <a:effectRef idx="1">
-            <a:schemeClr val="accent4"/>
-          </a:effectRef>
-          <a:fontRef idx="minor">
-            <a:schemeClr val="dk1"/>
-          </a:fontRef>
-        </p:style>
-        <p:txBody>
-          <a:bodyPr rtlCol="0" anchor="ctr"/>
-          <a:lstStyle/>
-          <a:p>
-            <a:r>
-              <a:rPr lang="en-US" dirty="0" smtClean="0">
-                <a:solidFill>
-                  <a:schemeClr val="dk1"/>
-                </a:solidFill>
-              </a:rPr>
-              <a:t>O</a:t>
-            </a:r>
-            <a:r>
-              <a:rPr lang="en-US" b="1" dirty="0" smtClean="0">
-                <a:solidFill>
-                  <a:schemeClr val="dk1"/>
-                </a:solidFill>
-              </a:rPr>
-              <a:t>verall pool</a:t>
-            </a:r>
-            <a:r>
-              <a:rPr lang="en-US" dirty="0" smtClean="0">
-                <a:solidFill>
-                  <a:schemeClr val="dk1"/>
-                </a:solidFill>
-              </a:rPr>
-              <a:t> </a:t>
-            </a:r>
-            <a:r>
-              <a:rPr lang="en-US" dirty="0">
-                <a:solidFill>
-                  <a:schemeClr val="dk1"/>
-                </a:solidFill>
-              </a:rPr>
-              <a:t>of applications </a:t>
-            </a:r>
-            <a:r>
-              <a:rPr lang="en-US" dirty="0" smtClean="0">
-                <a:solidFill>
-                  <a:schemeClr val="dk1"/>
-                </a:solidFill>
-              </a:rPr>
-              <a:t>visible in </a:t>
-            </a:r>
-            <a:r>
-              <a:rPr lang="en-US" dirty="0" err="1" smtClean="0">
-                <a:solidFill>
-                  <a:schemeClr val="dk1"/>
-                </a:solidFill>
-              </a:rPr>
-              <a:t>GreenSheets</a:t>
-            </a:r>
-            <a:r>
-              <a:rPr lang="en-US" dirty="0" smtClean="0">
-                <a:solidFill>
-                  <a:schemeClr val="dk1"/>
-                </a:solidFill>
-              </a:rPr>
-              <a:t> system</a:t>
-            </a:r>
-          </a:p>
-          <a:p>
-            <a:endParaRPr lang="en-US" dirty="0">
-              <a:solidFill>
-                <a:schemeClr val="dk1"/>
-              </a:solidFill>
-            </a:endParaRPr>
-          </a:p>
-        </p:txBody>
-      </p:sp>
-      <p:sp>
-        <p:nvSpPr>
-          <p:cNvPr id="6" name="Flowchart: Process 5"/>
-          <p:cNvSpPr/>
-          <p:nvPr/>
-        </p:nvSpPr>
-        <p:spPr>
-          <a:xfrm>
-            <a:off x="2895600" y="1371600"/>
-            <a:ext cx="4419600" cy="2667000"/>
-          </a:xfrm>
-          <a:prstGeom prst="flowChartProcess">
-            <a:avLst/>
-          </a:prstGeom>
-        </p:spPr>
-        <p:style>
-          <a:lnRef idx="1">
-            <a:schemeClr val="accent6"/>
-          </a:lnRef>
-          <a:fillRef idx="2">
-            <a:schemeClr val="accent6"/>
-          </a:fillRef>
-          <a:effectRef idx="1">
-            <a:schemeClr val="accent6"/>
-          </a:effectRef>
-          <a:fontRef idx="minor">
-            <a:schemeClr val="dk1"/>
-          </a:fontRef>
-        </p:style>
-        <p:txBody>
-          <a:bodyPr rtlCol="0" anchor="ctr"/>
-          <a:lstStyle/>
-          <a:p>
-            <a:pPr algn="ctr"/>
-            <a:r>
-              <a:rPr lang="en-US" sz="1400" b="1" u="sng" dirty="0"/>
-              <a:t>PD/PA “to-do” </a:t>
-            </a:r>
-            <a:r>
-              <a:rPr lang="en-US" sz="1400" b="1" u="sng" dirty="0" smtClean="0"/>
-              <a:t>list </a:t>
-            </a:r>
-          </a:p>
-          <a:p>
-            <a:pPr algn="ctr"/>
-            <a:endParaRPr lang="en-US" sz="1400" b="1" u="sng" dirty="0" smtClean="0"/>
-          </a:p>
-          <a:p>
-            <a:pPr algn="ctr"/>
-            <a:r>
-              <a:rPr lang="en-US" sz="1100" b="1" dirty="0" smtClean="0"/>
-              <a:t>Criteria: </a:t>
-            </a:r>
-            <a:r>
-              <a:rPr lang="en-US" sz="1100" dirty="0" smtClean="0"/>
-              <a:t>(Latest Budget Start Date of the grant is in current FY)</a:t>
-            </a:r>
-          </a:p>
-          <a:p>
-            <a:r>
-              <a:rPr lang="en-US" sz="1100" dirty="0" smtClean="0"/>
-              <a:t>+ (grant status is in Pending Award or Pending Council group (except Not Discussed) or in To-be-paid OR this is a dummy grant from GPMATS with Award action) + (PROGRAM </a:t>
-            </a:r>
-            <a:r>
-              <a:rPr lang="en-US" sz="1100" dirty="0" err="1" smtClean="0"/>
-              <a:t>greensheet</a:t>
-            </a:r>
-            <a:r>
-              <a:rPr lang="en-US" sz="1100" dirty="0" smtClean="0"/>
-              <a:t> is in status “Not Started” or “Saved” or “</a:t>
-            </a:r>
-            <a:r>
-              <a:rPr lang="en-US" sz="1100" dirty="0" err="1" smtClean="0"/>
-              <a:t>Unsubmitted</a:t>
-            </a:r>
-            <a:r>
-              <a:rPr lang="en-US" sz="1100" dirty="0" smtClean="0"/>
-              <a:t>”) + (grant meets overall conditions above AND user’s preferences on the screen)</a:t>
-            </a:r>
-          </a:p>
-          <a:p>
-            <a:endParaRPr lang="en-US" sz="1100" dirty="0"/>
-          </a:p>
-          <a:p>
-            <a:r>
-              <a:rPr lang="en-US" sz="1100" dirty="0"/>
-              <a:t>By default:</a:t>
-            </a:r>
-          </a:p>
-          <a:p>
-            <a:pPr marL="285750" indent="-285750">
-              <a:buFont typeface="Arial" panose="020B0604020202020204" pitchFamily="34" charset="0"/>
-              <a:buChar char="•"/>
-            </a:pPr>
-            <a:r>
-              <a:rPr lang="en-US" sz="1100" dirty="0"/>
-              <a:t>For </a:t>
-            </a:r>
-            <a:r>
-              <a:rPr lang="en-US" sz="1100" b="1" dirty="0"/>
-              <a:t>Program Director </a:t>
-            </a:r>
-            <a:r>
-              <a:rPr lang="en-US" sz="1100" dirty="0"/>
-              <a:t>search criteria are set in a way that the system returns the grants in PD portfolio </a:t>
-            </a:r>
-          </a:p>
-          <a:p>
-            <a:pPr marL="285750" indent="-285750">
-              <a:buFont typeface="Arial" panose="020B0604020202020204" pitchFamily="34" charset="0"/>
-              <a:buChar char="•"/>
-            </a:pPr>
-            <a:r>
-              <a:rPr lang="en-US" sz="1100" dirty="0"/>
-              <a:t>For </a:t>
-            </a:r>
-            <a:r>
-              <a:rPr lang="en-US" sz="1100" b="1" dirty="0"/>
-              <a:t>Program Analyst  </a:t>
-            </a:r>
-            <a:r>
-              <a:rPr lang="en-US" sz="1100" dirty="0"/>
-              <a:t>=&gt; from Program Analyst Cancer Activity</a:t>
-            </a:r>
-          </a:p>
-          <a:p>
-            <a:endParaRPr lang="en-US" sz="1100" dirty="0"/>
-          </a:p>
-        </p:txBody>
-      </p:sp>
-      <p:sp>
-        <p:nvSpPr>
-          <p:cNvPr id="7" name="Flowchart: Process 6"/>
-          <p:cNvSpPr/>
-          <p:nvPr/>
-        </p:nvSpPr>
-        <p:spPr>
-          <a:xfrm>
-            <a:off x="7620000" y="1676400"/>
-            <a:ext cx="1219200" cy="1905000"/>
-          </a:xfrm>
-          <a:prstGeom prst="flowChartProcess">
-            <a:avLst/>
-          </a:prstGeom>
-        </p:spPr>
-        <p:style>
-          <a:lnRef idx="1">
-            <a:schemeClr val="accent6"/>
-          </a:lnRef>
-          <a:fillRef idx="2">
-            <a:schemeClr val="accent6"/>
-          </a:fillRef>
-          <a:effectRef idx="1">
-            <a:schemeClr val="accent6"/>
-          </a:effectRef>
-          <a:fontRef idx="minor">
-            <a:schemeClr val="dk1"/>
-          </a:fontRef>
-        </p:style>
-        <p:txBody>
-          <a:bodyPr rtlCol="0" anchor="ctr"/>
-          <a:lstStyle/>
-          <a:p>
-            <a:r>
-              <a:rPr lang="en-US" sz="1200" b="1" u="sng" dirty="0"/>
-              <a:t>Diversity Supplement PD/PA “to-do” list</a:t>
-            </a:r>
-            <a:r>
-              <a:rPr lang="en-US" sz="1200" dirty="0" smtClean="0"/>
-              <a:t> </a:t>
-            </a:r>
-          </a:p>
-          <a:p>
-            <a:r>
-              <a:rPr lang="en-US" sz="1200" dirty="0" smtClean="0"/>
-              <a:t>additional filter =&gt; </a:t>
-            </a:r>
-            <a:r>
-              <a:rPr lang="en-US" sz="1200" dirty="0"/>
-              <a:t>sees only minority supplements grants</a:t>
-            </a:r>
-          </a:p>
-        </p:txBody>
-      </p:sp>
-      <p:sp>
-        <p:nvSpPr>
-          <p:cNvPr id="8" name="Flowchart: Process 7"/>
-          <p:cNvSpPr/>
-          <p:nvPr/>
-        </p:nvSpPr>
-        <p:spPr>
-          <a:xfrm>
-            <a:off x="341376" y="4462272"/>
-            <a:ext cx="2325624" cy="1667256"/>
-          </a:xfrm>
-          <a:prstGeom prst="flowChartProcess">
-            <a:avLst/>
-          </a:prstGeom>
-        </p:spPr>
-        <p:style>
-          <a:lnRef idx="1">
-            <a:schemeClr val="accent5"/>
-          </a:lnRef>
-          <a:fillRef idx="2">
-            <a:schemeClr val="accent5"/>
-          </a:fillRef>
-          <a:effectRef idx="1">
-            <a:schemeClr val="accent5"/>
-          </a:effectRef>
-          <a:fontRef idx="minor">
-            <a:schemeClr val="dk1"/>
-          </a:fontRef>
-        </p:style>
-        <p:txBody>
-          <a:bodyPr rtlCol="0" anchor="ctr"/>
-          <a:lstStyle/>
-          <a:p>
-            <a:pPr algn="ctr"/>
-            <a:r>
-              <a:rPr lang="en-US" sz="1400" b="1" u="sng" dirty="0"/>
-              <a:t>GMS “to-do” list </a:t>
-            </a:r>
-            <a:endParaRPr lang="en-US" sz="1400" b="1" u="sng" dirty="0" smtClean="0"/>
-          </a:p>
-          <a:p>
-            <a:r>
-              <a:rPr lang="en-US" sz="1200" dirty="0" smtClean="0"/>
-              <a:t>(</a:t>
-            </a:r>
-            <a:r>
-              <a:rPr lang="en-US" sz="1200" dirty="0"/>
-              <a:t>specialist is assigned as primary or backup specialist) + (grant meets overall conditions above) + (grant is in GPMATS) + (SPECIALIST </a:t>
-            </a:r>
-            <a:r>
-              <a:rPr lang="en-US" sz="1200" dirty="0" err="1"/>
-              <a:t>greensheet</a:t>
-            </a:r>
-            <a:r>
-              <a:rPr lang="en-US" sz="1200" dirty="0"/>
-              <a:t> is in status “Not Started” or “Saved” or “</a:t>
-            </a:r>
-            <a:r>
-              <a:rPr lang="en-US" sz="1200" dirty="0" err="1"/>
-              <a:t>Unsubmitted</a:t>
-            </a:r>
-            <a:r>
-              <a:rPr lang="en-US" sz="1200" dirty="0"/>
-              <a:t>”)</a:t>
-            </a:r>
-          </a:p>
-        </p:txBody>
-      </p:sp>
-      <p:sp>
-        <p:nvSpPr>
-          <p:cNvPr id="10" name="Right Arrow 9"/>
-          <p:cNvSpPr/>
-          <p:nvPr/>
-        </p:nvSpPr>
-        <p:spPr>
-          <a:xfrm>
-            <a:off x="2438400" y="2705100"/>
-            <a:ext cx="457200" cy="342900"/>
-          </a:xfrm>
-          <a:prstGeom prst="rightArrow">
-            <a:avLst/>
-          </a:prstGeom>
-        </p:spPr>
-        <p:style>
-          <a:lnRef idx="1">
-            <a:schemeClr val="accent1"/>
-          </a:lnRef>
-          <a:fillRef idx="3">
-            <a:schemeClr val="accent1"/>
-          </a:fillRef>
-          <a:effectRef idx="2">
-            <a:schemeClr val="accent1"/>
-          </a:effectRef>
-          <a:fontRef idx="minor">
-            <a:schemeClr val="lt1"/>
-          </a:fontRef>
-        </p:style>
-        <p:txBody>
-          <a:bodyPr rtlCol="0" anchor="ctr"/>
-          <a:lstStyle/>
-          <a:p>
-            <a:pPr algn="ctr"/>
-            <a:endParaRPr lang="en-US"/>
-          </a:p>
-        </p:txBody>
-      </p:sp>
-      <p:sp>
-        <p:nvSpPr>
-          <p:cNvPr id="11" name="Right Arrow 10"/>
-          <p:cNvSpPr/>
-          <p:nvPr/>
-        </p:nvSpPr>
-        <p:spPr>
-          <a:xfrm>
-            <a:off x="7315200" y="2628900"/>
-            <a:ext cx="304800" cy="342900"/>
-          </a:xfrm>
-          <a:prstGeom prst="rightArrow">
-            <a:avLst/>
-          </a:prstGeom>
-        </p:spPr>
-        <p:style>
-          <a:lnRef idx="1">
-            <a:schemeClr val="accent1"/>
-          </a:lnRef>
-          <a:fillRef idx="3">
-            <a:schemeClr val="accent1"/>
-          </a:fillRef>
-          <a:effectRef idx="2">
-            <a:schemeClr val="accent1"/>
-          </a:effectRef>
-          <a:fontRef idx="minor">
-            <a:schemeClr val="lt1"/>
-          </a:fontRef>
-        </p:style>
-        <p:txBody>
-          <a:bodyPr rtlCol="0" anchor="ctr"/>
-          <a:lstStyle/>
-          <a:p>
-            <a:pPr algn="ctr"/>
-            <a:endParaRPr lang="en-US"/>
-          </a:p>
-        </p:txBody>
-      </p:sp>
-      <p:sp>
-        <p:nvSpPr>
-          <p:cNvPr id="13" name="Down Arrow 12"/>
-          <p:cNvSpPr/>
-          <p:nvPr/>
-        </p:nvSpPr>
-        <p:spPr>
-          <a:xfrm>
-            <a:off x="1295400" y="3962400"/>
-            <a:ext cx="304800" cy="499872"/>
-          </a:xfrm>
-          <a:prstGeom prst="downArrow">
-            <a:avLst/>
-          </a:prstGeom>
-        </p:spPr>
-        <p:style>
-          <a:lnRef idx="1">
-            <a:schemeClr val="accent1"/>
-          </a:lnRef>
-          <a:fillRef idx="3">
-            <a:schemeClr val="accent1"/>
-          </a:fillRef>
-          <a:effectRef idx="2">
-            <a:schemeClr val="accent1"/>
-          </a:effectRef>
-          <a:fontRef idx="minor">
-            <a:schemeClr val="lt1"/>
-          </a:fontRef>
-        </p:style>
-        <p:txBody>
-          <a:bodyPr rtlCol="0" anchor="ctr"/>
-          <a:lstStyle/>
-          <a:p>
-            <a:pPr algn="ctr"/>
-            <a:endParaRPr lang="en-US"/>
-          </a:p>
-        </p:txBody>
-      </p:sp>
+      <p:graphicFrame>
+        <p:nvGraphicFramePr>
+          <p:cNvPr id="5" name="Table 4"/>
+          <p:cNvGraphicFramePr>
+            <a:graphicFrameLocks noGrp="1"/>
+          </p:cNvGraphicFramePr>
+          <p:nvPr>
+            <p:extLst>
+              <p:ext uri="{D42A27DB-BD31-4B8C-83A1-F6EECF244321}">
+                <p14:modId xmlns:p14="http://schemas.microsoft.com/office/powerpoint/2010/main" val="2045189190"/>
+              </p:ext>
+            </p:extLst>
+          </p:nvPr>
+        </p:nvGraphicFramePr>
+        <p:xfrm>
+          <a:off x="762000" y="990601"/>
+          <a:ext cx="7772400" cy="5397066"/>
+        </p:xfrm>
+        <a:graphic>
+          <a:graphicData uri="http://schemas.openxmlformats.org/drawingml/2006/table">
+            <a:tbl>
+              <a:tblPr firstRow="1" bandRow="1">
+                <a:tableStyleId>{00A15C55-8517-42AA-B614-E9B94910E393}</a:tableStyleId>
+              </a:tblPr>
+              <a:tblGrid>
+                <a:gridCol w="2895600">
+                  <a:extLst>
+                    <a:ext uri="{9D8B030D-6E8A-4147-A177-3AD203B41FA5}">
+                      <a16:colId xmlns:a16="http://schemas.microsoft.com/office/drawing/2014/main" val="3221469317"/>
+                    </a:ext>
+                  </a:extLst>
+                </a:gridCol>
+                <a:gridCol w="3276600">
+                  <a:extLst>
+                    <a:ext uri="{9D8B030D-6E8A-4147-A177-3AD203B41FA5}">
+                      <a16:colId xmlns:a16="http://schemas.microsoft.com/office/drawing/2014/main" val="16879550"/>
+                    </a:ext>
+                  </a:extLst>
+                </a:gridCol>
+                <a:gridCol w="1600200">
+                  <a:extLst>
+                    <a:ext uri="{9D8B030D-6E8A-4147-A177-3AD203B41FA5}">
+                      <a16:colId xmlns:a16="http://schemas.microsoft.com/office/drawing/2014/main" val="2381284057"/>
+                    </a:ext>
+                  </a:extLst>
+                </a:gridCol>
+              </a:tblGrid>
+              <a:tr h="642186">
+                <a:tc>
+                  <a:txBody>
+                    <a:bodyPr/>
+                    <a:lstStyle/>
+                    <a:p>
+                      <a:r>
+                        <a:rPr lang="en-US" dirty="0" smtClean="0"/>
+                        <a:t>Phase</a:t>
+                      </a:r>
+                      <a:endParaRPr lang="en-US" dirty="0"/>
+                    </a:p>
+                  </a:txBody>
+                  <a:tcPr/>
+                </a:tc>
+                <a:tc>
+                  <a:txBody>
+                    <a:bodyPr/>
+                    <a:lstStyle/>
+                    <a:p>
+                      <a:r>
+                        <a:rPr lang="en-US" dirty="0" smtClean="0"/>
+                        <a:t>Description</a:t>
+                      </a:r>
+                      <a:endParaRPr lang="en-US" dirty="0"/>
+                    </a:p>
+                  </a:txBody>
+                  <a:tcPr/>
+                </a:tc>
+                <a:tc>
+                  <a:txBody>
+                    <a:bodyPr/>
+                    <a:lstStyle/>
+                    <a:p>
+                      <a:r>
+                        <a:rPr lang="en-US" dirty="0" smtClean="0"/>
+                        <a:t>Time</a:t>
+                      </a:r>
+                      <a:r>
+                        <a:rPr lang="en-US" baseline="0" dirty="0" smtClean="0"/>
+                        <a:t> frame</a:t>
+                      </a:r>
+                      <a:endParaRPr lang="en-US" dirty="0"/>
+                    </a:p>
+                  </a:txBody>
+                  <a:tcPr/>
+                </a:tc>
+                <a:extLst>
+                  <a:ext uri="{0D108BD9-81ED-4DB2-BD59-A6C34878D82A}">
+                    <a16:rowId xmlns:a16="http://schemas.microsoft.com/office/drawing/2014/main" val="3022533963"/>
+                  </a:ext>
+                </a:extLst>
+              </a:tr>
+              <a:tr h="1339013">
+                <a:tc>
+                  <a:txBody>
+                    <a:bodyPr/>
+                    <a:lstStyle/>
+                    <a:p>
+                      <a:r>
+                        <a:rPr lang="en-US" sz="1600" dirty="0" smtClean="0"/>
+                        <a:t>Non-UI reporting</a:t>
+                      </a:r>
+                      <a:endParaRPr lang="en-US" sz="1600" dirty="0"/>
+                    </a:p>
+                  </a:txBody>
+                  <a:tcPr/>
+                </a:tc>
+                <a:tc>
+                  <a:txBody>
+                    <a:bodyPr/>
+                    <a:lstStyle/>
+                    <a:p>
+                      <a:r>
+                        <a:rPr lang="en-US" sz="1600" dirty="0" smtClean="0"/>
+                        <a:t>A new approach to extracting questions from Form Builder and saving them in different tables. This approach will prepare the database to handle reporting requirements with ease.</a:t>
+                      </a:r>
+                      <a:endParaRPr lang="en-US" sz="1600" dirty="0"/>
+                    </a:p>
+                  </a:txBody>
+                  <a:tcPr/>
+                </a:tc>
+                <a:tc>
+                  <a:txBody>
+                    <a:bodyPr/>
+                    <a:lstStyle/>
+                    <a:p>
+                      <a:r>
+                        <a:rPr lang="en-US" sz="1600" dirty="0" smtClean="0"/>
+                        <a:t>From now to beginning of 2016 FY</a:t>
+                      </a:r>
+                      <a:endParaRPr lang="en-US" sz="1600" dirty="0"/>
+                    </a:p>
+                  </a:txBody>
+                  <a:tcPr/>
+                </a:tc>
+                <a:extLst>
+                  <a:ext uri="{0D108BD9-81ED-4DB2-BD59-A6C34878D82A}">
+                    <a16:rowId xmlns:a16="http://schemas.microsoft.com/office/drawing/2014/main" val="445770068"/>
+                  </a:ext>
+                </a:extLst>
+              </a:tr>
+              <a:tr h="622733">
+                <a:tc>
+                  <a:txBody>
+                    <a:bodyPr/>
+                    <a:lstStyle/>
+                    <a:p>
+                      <a:pPr marL="0" marR="0" indent="0" algn="l" defTabSz="457200" rtl="0" eaLnBrk="1" fontAlgn="auto" latinLnBrk="0" hangingPunct="1">
+                        <a:lnSpc>
+                          <a:spcPct val="100000"/>
+                        </a:lnSpc>
+                        <a:spcBef>
+                          <a:spcPts val="0"/>
+                        </a:spcBef>
+                        <a:spcAft>
+                          <a:spcPts val="0"/>
+                        </a:spcAft>
+                        <a:buClrTx/>
+                        <a:buSzTx/>
+                        <a:buFontTx/>
+                        <a:buNone/>
+                        <a:tabLst/>
+                        <a:defRPr/>
+                      </a:pPr>
+                      <a:r>
+                        <a:rPr lang="en-US" sz="1600" dirty="0" smtClean="0"/>
+                        <a:t>Upgrade technology stack</a:t>
+                      </a:r>
+                    </a:p>
+                    <a:p>
+                      <a:endParaRPr lang="en-US" sz="1600" dirty="0"/>
+                    </a:p>
+                  </a:txBody>
+                  <a:tcPr/>
+                </a:tc>
+                <a:tc>
+                  <a:txBody>
+                    <a:bodyPr/>
+                    <a:lstStyle/>
+                    <a:p>
+                      <a:r>
+                        <a:rPr lang="en-US" sz="1600" dirty="0" smtClean="0"/>
+                        <a:t>Will enhance security</a:t>
+                      </a:r>
+                      <a:endParaRPr lang="en-US" sz="1600" dirty="0"/>
+                    </a:p>
+                  </a:txBody>
+                  <a:tcPr/>
+                </a:tc>
+                <a:tc>
+                  <a:txBody>
+                    <a:bodyPr/>
+                    <a:lstStyle/>
+                    <a:p>
+                      <a:r>
+                        <a:rPr lang="en-US" sz="1600" dirty="0" smtClean="0"/>
+                        <a:t>From mid-September until mid-March</a:t>
+                      </a:r>
+                      <a:endParaRPr lang="en-US" sz="1600" dirty="0"/>
+                    </a:p>
+                  </a:txBody>
+                  <a:tcPr/>
+                </a:tc>
+                <a:extLst>
+                  <a:ext uri="{0D108BD9-81ED-4DB2-BD59-A6C34878D82A}">
+                    <a16:rowId xmlns:a16="http://schemas.microsoft.com/office/drawing/2014/main" val="1828372909"/>
+                  </a:ext>
+                </a:extLst>
+              </a:tr>
+              <a:tr h="642186">
+                <a:tc>
+                  <a:txBody>
+                    <a:bodyPr/>
+                    <a:lstStyle/>
+                    <a:p>
+                      <a:pPr marL="0" marR="0" lvl="3" indent="-228600" algn="l" defTabSz="457200" rtl="0" eaLnBrk="1" fontAlgn="auto" latinLnBrk="0" hangingPunct="1">
+                        <a:lnSpc>
+                          <a:spcPct val="100000"/>
+                        </a:lnSpc>
+                        <a:spcBef>
+                          <a:spcPts val="0"/>
+                        </a:spcBef>
+                        <a:spcAft>
+                          <a:spcPts val="0"/>
+                        </a:spcAft>
+                        <a:buClrTx/>
+                        <a:buSzTx/>
+                        <a:buFontTx/>
+                        <a:buNone/>
+                        <a:tabLst/>
+                        <a:defRPr/>
+                      </a:pPr>
+                      <a:r>
+                        <a:rPr lang="en-US" sz="1600" dirty="0" smtClean="0"/>
+                        <a:t>UI modernization and usability, enhancing search capabilities, addressing production issues related to UI and</a:t>
+                      </a:r>
+                      <a:r>
+                        <a:rPr lang="en-US" sz="1600" baseline="0" dirty="0" smtClean="0"/>
+                        <a:t> technology upgrade</a:t>
+                      </a:r>
+                      <a:endParaRPr lang="en-US" sz="1600" dirty="0" smtClean="0"/>
+                    </a:p>
+                    <a:p>
+                      <a:pPr marL="0" lvl="3" indent="-228600" algn="l" fontAlgn="auto">
+                        <a:spcBef>
+                          <a:spcPts val="0"/>
+                        </a:spcBef>
+                        <a:spcAft>
+                          <a:spcPts val="0"/>
+                        </a:spcAft>
+                        <a:buClrTx/>
+                        <a:defRPr/>
+                      </a:pPr>
+                      <a:endParaRPr lang="en-US" sz="1600" dirty="0"/>
+                    </a:p>
+                  </a:txBody>
+                  <a:tcPr/>
+                </a:tc>
+                <a:tc>
+                  <a:txBody>
+                    <a:bodyPr/>
+                    <a:lstStyle/>
+                    <a:p>
+                      <a:r>
+                        <a:rPr lang="en-US" sz="1600" kern="1200" dirty="0" smtClean="0">
+                          <a:solidFill>
+                            <a:schemeClr val="dk1"/>
+                          </a:solidFill>
+                          <a:latin typeface="+mn-lt"/>
+                          <a:ea typeface="+mn-ea"/>
+                          <a:cs typeface="+mn-cs"/>
+                        </a:rPr>
+                        <a:t>Requirements will be collected as soon as possible; implementation depends on completion of prior phases</a:t>
+                      </a:r>
+                      <a:endParaRPr lang="en-US" sz="1600" kern="1200" dirty="0">
+                        <a:solidFill>
+                          <a:schemeClr val="dk1"/>
+                        </a:solidFill>
+                        <a:latin typeface="+mn-lt"/>
+                        <a:ea typeface="+mn-ea"/>
+                        <a:cs typeface="+mn-cs"/>
+                      </a:endParaRPr>
+                    </a:p>
+                  </a:txBody>
+                  <a:tcPr/>
+                </a:tc>
+                <a:tc>
+                  <a:txBody>
+                    <a:bodyPr/>
+                    <a:lstStyle/>
+                    <a:p>
+                      <a:r>
+                        <a:rPr lang="en-US" sz="1600" kern="1200" dirty="0" smtClean="0">
+                          <a:solidFill>
+                            <a:schemeClr val="dk1"/>
+                          </a:solidFill>
+                          <a:latin typeface="+mn-lt"/>
+                          <a:ea typeface="+mn-ea"/>
+                          <a:cs typeface="+mn-cs"/>
+                        </a:rPr>
+                        <a:t>From mid-July 2016 until end of the project</a:t>
+                      </a:r>
+                      <a:endParaRPr lang="en-US" sz="1600" kern="1200" dirty="0">
+                        <a:solidFill>
+                          <a:schemeClr val="dk1"/>
+                        </a:solidFill>
+                        <a:latin typeface="+mn-lt"/>
+                        <a:ea typeface="+mn-ea"/>
+                        <a:cs typeface="+mn-cs"/>
+                      </a:endParaRPr>
+                    </a:p>
+                  </a:txBody>
+                  <a:tcPr/>
+                </a:tc>
+                <a:extLst>
+                  <a:ext uri="{0D108BD9-81ED-4DB2-BD59-A6C34878D82A}">
+                    <a16:rowId xmlns:a16="http://schemas.microsoft.com/office/drawing/2014/main" val="2918213860"/>
+                  </a:ext>
+                </a:extLst>
+              </a:tr>
+              <a:tr h="642186">
+                <a:tc>
+                  <a:txBody>
+                    <a:bodyPr/>
+                    <a:lstStyle/>
+                    <a:p>
+                      <a:pPr marL="0" marR="0" indent="0" algn="l" defTabSz="457200" rtl="0" eaLnBrk="1" fontAlgn="auto" latinLnBrk="0" hangingPunct="1">
+                        <a:lnSpc>
+                          <a:spcPct val="100000"/>
+                        </a:lnSpc>
+                        <a:spcBef>
+                          <a:spcPts val="0"/>
+                        </a:spcBef>
+                        <a:spcAft>
+                          <a:spcPts val="0"/>
+                        </a:spcAft>
+                        <a:buClrTx/>
+                        <a:buSzTx/>
+                        <a:buFontTx/>
+                        <a:buNone/>
+                        <a:tabLst/>
+                        <a:defRPr/>
+                      </a:pPr>
+                      <a:r>
+                        <a:rPr lang="en-US" sz="1600" dirty="0" smtClean="0"/>
+                        <a:t>Provide UI reporting capabilities</a:t>
+                      </a:r>
+                    </a:p>
+                    <a:p>
+                      <a:endParaRPr lang="en-US" sz="1600" dirty="0"/>
+                    </a:p>
+                  </a:txBody>
+                  <a:tcPr/>
+                </a:tc>
+                <a:tc>
+                  <a:txBody>
+                    <a:bodyPr/>
+                    <a:lstStyle/>
+                    <a:p>
+                      <a:r>
+                        <a:rPr lang="en-US" sz="1600" dirty="0" smtClean="0"/>
+                        <a:t>This phase might be not</a:t>
+                      </a:r>
+                      <a:r>
+                        <a:rPr lang="en-US" sz="1600" baseline="0" dirty="0" smtClean="0"/>
+                        <a:t> necessary if OGA will use other tools for reporting purposes</a:t>
+                      </a:r>
+                      <a:endParaRPr lang="en-US" sz="1600" dirty="0"/>
+                    </a:p>
+                  </a:txBody>
+                  <a:tcPr/>
+                </a:tc>
+                <a:tc>
+                  <a:txBody>
+                    <a:bodyPr/>
+                    <a:lstStyle/>
+                    <a:p>
+                      <a:r>
+                        <a:rPr lang="en-US" sz="1600" dirty="0" smtClean="0"/>
+                        <a:t>Spring-summer</a:t>
+                      </a:r>
+                      <a:r>
+                        <a:rPr lang="en-US" sz="1600" baseline="0" dirty="0" smtClean="0"/>
+                        <a:t> 2017</a:t>
+                      </a:r>
+                      <a:endParaRPr lang="en-US" sz="1600" dirty="0"/>
+                    </a:p>
+                  </a:txBody>
+                  <a:tcPr/>
+                </a:tc>
+                <a:extLst>
+                  <a:ext uri="{0D108BD9-81ED-4DB2-BD59-A6C34878D82A}">
+                    <a16:rowId xmlns:a16="http://schemas.microsoft.com/office/drawing/2014/main" val="4217845592"/>
+                  </a:ext>
+                </a:extLst>
+              </a:tr>
+            </a:tbl>
+          </a:graphicData>
+        </a:graphic>
+      </p:graphicFrame>
     </p:spTree>
     <p:extLst>
       <p:ext uri="{BB962C8B-B14F-4D97-AF65-F5344CB8AC3E}">
-        <p14:creationId xmlns:p14="http://schemas.microsoft.com/office/powerpoint/2010/main" val="3585033026"/>
+        <p14:creationId xmlns:p14="http://schemas.microsoft.com/office/powerpoint/2010/main" val="981408842"/>
       </p:ext>
     </p:extLst>
   </p:cSld>
@@ -13621,426 +10794,6 @@
           <a:chExt cx="0" cy="0"/>
         </a:xfrm>
       </p:grpSpPr>
-      <p:graphicFrame>
-        <p:nvGraphicFramePr>
-          <p:cNvPr id="20" name="Table 19"/>
-          <p:cNvGraphicFramePr>
-            <a:graphicFrameLocks noGrp="1"/>
-          </p:cNvGraphicFramePr>
-          <p:nvPr>
-            <p:extLst>
-              <p:ext uri="{D42A27DB-BD31-4B8C-83A1-F6EECF244321}">
-                <p14:modId xmlns:p14="http://schemas.microsoft.com/office/powerpoint/2010/main" val="3979887841"/>
-              </p:ext>
-            </p:extLst>
-          </p:nvPr>
-        </p:nvGraphicFramePr>
-        <p:xfrm>
-          <a:off x="3589390" y="3192297"/>
-          <a:ext cx="5033402" cy="3132303"/>
-        </p:xfrm>
-        <a:graphic>
-          <a:graphicData uri="http://schemas.openxmlformats.org/drawingml/2006/table">
-            <a:tbl>
-              <a:tblPr firstRow="1" bandRow="1">
-                <a:tableStyleId>{00A15C55-8517-42AA-B614-E9B94910E393}</a:tableStyleId>
-              </a:tblPr>
-              <a:tblGrid>
-                <a:gridCol w="1162999">
-                  <a:extLst>
-                    <a:ext uri="{9D8B030D-6E8A-4147-A177-3AD203B41FA5}">
-                      <a16:colId xmlns:a16="http://schemas.microsoft.com/office/drawing/2014/main" val="2013491450"/>
-                    </a:ext>
-                  </a:extLst>
-                </a:gridCol>
-                <a:gridCol w="3870403">
-                  <a:extLst>
-                    <a:ext uri="{9D8B030D-6E8A-4147-A177-3AD203B41FA5}">
-                      <a16:colId xmlns:a16="http://schemas.microsoft.com/office/drawing/2014/main" val="860990487"/>
-                    </a:ext>
-                  </a:extLst>
-                </a:gridCol>
-              </a:tblGrid>
-              <a:tr h="353221">
-                <a:tc>
-                  <a:txBody>
-                    <a:bodyPr/>
-                    <a:lstStyle/>
-                    <a:p>
-                      <a:r>
-                        <a:rPr lang="en-US" sz="1000" dirty="0" smtClean="0"/>
-                        <a:t>Icon</a:t>
-                      </a:r>
-                      <a:endParaRPr lang="en-US" sz="1000" dirty="0"/>
-                    </a:p>
-                  </a:txBody>
-                  <a:tcPr/>
-                </a:tc>
-                <a:tc>
-                  <a:txBody>
-                    <a:bodyPr/>
-                    <a:lstStyle/>
-                    <a:p>
-                      <a:r>
-                        <a:rPr lang="en-US" sz="1000" dirty="0" smtClean="0"/>
-                        <a:t>Description</a:t>
-                      </a:r>
-                      <a:endParaRPr lang="en-US" sz="1000" dirty="0"/>
-                    </a:p>
-                  </a:txBody>
-                  <a:tcPr/>
-                </a:tc>
-                <a:extLst>
-                  <a:ext uri="{0D108BD9-81ED-4DB2-BD59-A6C34878D82A}">
-                    <a16:rowId xmlns:a16="http://schemas.microsoft.com/office/drawing/2014/main" val="3398604234"/>
-                  </a:ext>
-                </a:extLst>
-              </a:tr>
-              <a:tr h="353221">
-                <a:tc>
-                  <a:txBody>
-                    <a:bodyPr/>
-                    <a:lstStyle/>
-                    <a:p>
-                      <a:endParaRPr lang="en-US" sz="1000" dirty="0"/>
-                    </a:p>
-                  </a:txBody>
-                  <a:tcPr/>
-                </a:tc>
-                <a:tc>
-                  <a:txBody>
-                    <a:bodyPr/>
-                    <a:lstStyle/>
-                    <a:p>
-                      <a:r>
-                        <a:rPr lang="en-US" sz="1000" kern="1200" dirty="0" smtClean="0">
-                          <a:solidFill>
-                            <a:schemeClr val="dk1"/>
-                          </a:solidFill>
-                          <a:effectLst/>
-                          <a:latin typeface="+mn-lt"/>
-                          <a:ea typeface="+mn-ea"/>
-                          <a:cs typeface="+mn-cs"/>
-                        </a:rPr>
-                        <a:t>Program Director </a:t>
-                      </a:r>
-                      <a:endParaRPr lang="en-US" sz="1000" dirty="0"/>
-                    </a:p>
-                  </a:txBody>
-                  <a:tcPr/>
-                </a:tc>
-                <a:extLst>
-                  <a:ext uri="{0D108BD9-81ED-4DB2-BD59-A6C34878D82A}">
-                    <a16:rowId xmlns:a16="http://schemas.microsoft.com/office/drawing/2014/main" val="3455845262"/>
-                  </a:ext>
-                </a:extLst>
-              </a:tr>
-              <a:tr h="667733">
-                <a:tc>
-                  <a:txBody>
-                    <a:bodyPr/>
-                    <a:lstStyle/>
-                    <a:p>
-                      <a:endParaRPr lang="en-US" sz="1000" dirty="0"/>
-                    </a:p>
-                  </a:txBody>
-                  <a:tcPr/>
-                </a:tc>
-                <a:tc>
-                  <a:txBody>
-                    <a:bodyPr/>
-                    <a:lstStyle/>
-                    <a:p>
-                      <a:r>
-                        <a:rPr lang="en-US" sz="1000" kern="1200" dirty="0" smtClean="0">
-                          <a:solidFill>
-                            <a:schemeClr val="dk1"/>
-                          </a:solidFill>
-                          <a:latin typeface="+mn-lt"/>
-                          <a:ea typeface="+mn-ea"/>
-                          <a:cs typeface="+mn-cs"/>
-                        </a:rPr>
-                        <a:t>Diversity supplement director – user (PD/PA) with this privilege can see only diversity supplements grants (grants that have the MB_MINORITY_FLAG set to ‘Y). In production there</a:t>
-                      </a:r>
-                      <a:r>
-                        <a:rPr lang="en-US" sz="1000" kern="1200" baseline="0" dirty="0" smtClean="0">
-                          <a:solidFill>
-                            <a:schemeClr val="dk1"/>
-                          </a:solidFill>
-                          <a:latin typeface="+mn-lt"/>
-                          <a:ea typeface="+mn-ea"/>
-                          <a:cs typeface="+mn-cs"/>
-                        </a:rPr>
-                        <a:t> is only </a:t>
-                      </a:r>
-                      <a:r>
-                        <a:rPr lang="en-US" sz="1000" kern="1200" dirty="0" smtClean="0">
-                          <a:solidFill>
-                            <a:schemeClr val="dk1"/>
-                          </a:solidFill>
-                          <a:latin typeface="+mn-lt"/>
-                          <a:ea typeface="+mn-ea"/>
-                          <a:cs typeface="+mn-cs"/>
-                        </a:rPr>
-                        <a:t>one user (</a:t>
-                      </a:r>
-                      <a:r>
-                        <a:rPr lang="en-US" sz="1000" b="1" kern="1200" dirty="0" err="1" smtClean="0">
-                          <a:solidFill>
-                            <a:schemeClr val="dk1"/>
-                          </a:solidFill>
-                          <a:latin typeface="+mn-lt"/>
-                          <a:ea typeface="+mn-ea"/>
-                          <a:cs typeface="+mn-cs"/>
-                        </a:rPr>
-                        <a:t>Ogunbiyi</a:t>
-                      </a:r>
-                      <a:r>
-                        <a:rPr lang="en-US" sz="1000" b="1" kern="1200" dirty="0" smtClean="0">
-                          <a:solidFill>
-                            <a:schemeClr val="dk1"/>
-                          </a:solidFill>
-                          <a:latin typeface="+mn-lt"/>
-                          <a:ea typeface="+mn-ea"/>
-                          <a:cs typeface="+mn-cs"/>
-                        </a:rPr>
-                        <a:t>, Peter</a:t>
-                      </a:r>
-                      <a:r>
-                        <a:rPr lang="en-US" sz="1000" kern="1200" dirty="0" smtClean="0">
-                          <a:solidFill>
-                            <a:schemeClr val="dk1"/>
-                          </a:solidFill>
-                          <a:latin typeface="+mn-lt"/>
-                          <a:ea typeface="+mn-ea"/>
-                          <a:cs typeface="+mn-cs"/>
-                        </a:rPr>
-                        <a:t>) with this privilege</a:t>
-                      </a:r>
-                      <a:endParaRPr lang="en-US" sz="1000" dirty="0"/>
-                    </a:p>
-                  </a:txBody>
-                  <a:tcPr/>
-                </a:tc>
-                <a:extLst>
-                  <a:ext uri="{0D108BD9-81ED-4DB2-BD59-A6C34878D82A}">
-                    <a16:rowId xmlns:a16="http://schemas.microsoft.com/office/drawing/2014/main" val="2853560189"/>
-                  </a:ext>
-                </a:extLst>
-              </a:tr>
-              <a:tr h="353221">
-                <a:tc>
-                  <a:txBody>
-                    <a:bodyPr/>
-                    <a:lstStyle/>
-                    <a:p>
-                      <a:endParaRPr lang="en-US" sz="1000" dirty="0"/>
-                    </a:p>
-                  </a:txBody>
-                  <a:tcPr/>
-                </a:tc>
-                <a:tc>
-                  <a:txBody>
-                    <a:bodyPr/>
-                    <a:lstStyle/>
-                    <a:p>
-                      <a:pPr marL="0" algn="l" defTabSz="457200" rtl="0" eaLnBrk="1" latinLnBrk="0" hangingPunct="1"/>
-                      <a:r>
-                        <a:rPr lang="en-US" sz="1000" kern="1200" dirty="0" smtClean="0">
-                          <a:solidFill>
-                            <a:schemeClr val="dk1"/>
-                          </a:solidFill>
-                          <a:effectLst/>
-                          <a:latin typeface="+mn-lt"/>
-                          <a:ea typeface="+mn-ea"/>
-                          <a:cs typeface="+mn-cs"/>
-                        </a:rPr>
-                        <a:t>Program Analyst </a:t>
-                      </a:r>
-                      <a:endParaRPr lang="en-US" sz="1000" kern="1200" dirty="0">
-                        <a:solidFill>
-                          <a:schemeClr val="dk1"/>
-                        </a:solidFill>
-                        <a:effectLst/>
-                        <a:latin typeface="+mn-lt"/>
-                        <a:ea typeface="+mn-ea"/>
-                        <a:cs typeface="+mn-cs"/>
-                      </a:endParaRPr>
-                    </a:p>
-                  </a:txBody>
-                  <a:tcPr/>
-                </a:tc>
-                <a:extLst>
-                  <a:ext uri="{0D108BD9-81ED-4DB2-BD59-A6C34878D82A}">
-                    <a16:rowId xmlns:a16="http://schemas.microsoft.com/office/drawing/2014/main" val="362370941"/>
-                  </a:ext>
-                </a:extLst>
-              </a:tr>
-              <a:tr h="353221">
-                <a:tc>
-                  <a:txBody>
-                    <a:bodyPr/>
-                    <a:lstStyle/>
-                    <a:p>
-                      <a:endParaRPr lang="en-US" sz="1000"/>
-                    </a:p>
-                  </a:txBody>
-                  <a:tcPr/>
-                </a:tc>
-                <a:tc>
-                  <a:txBody>
-                    <a:bodyPr/>
-                    <a:lstStyle/>
-                    <a:p>
-                      <a:r>
-                        <a:rPr lang="en-US" sz="1000" kern="1200" dirty="0" smtClean="0">
-                          <a:solidFill>
-                            <a:schemeClr val="dk1"/>
-                          </a:solidFill>
-                          <a:effectLst/>
-                          <a:latin typeface="+mn-lt"/>
-                          <a:ea typeface="+mn-ea"/>
-                          <a:cs typeface="+mn-cs"/>
-                        </a:rPr>
-                        <a:t>Grants</a:t>
-                      </a:r>
-                      <a:r>
-                        <a:rPr lang="en-US" sz="1800" kern="1200" dirty="0" smtClean="0">
-                          <a:solidFill>
-                            <a:schemeClr val="dk1"/>
-                          </a:solidFill>
-                          <a:effectLst/>
-                          <a:latin typeface="+mn-lt"/>
-                          <a:ea typeface="+mn-ea"/>
-                          <a:cs typeface="+mn-cs"/>
-                        </a:rPr>
-                        <a:t> </a:t>
-                      </a:r>
-                      <a:r>
-                        <a:rPr lang="en-US" sz="1000" kern="1200" dirty="0" smtClean="0">
-                          <a:solidFill>
-                            <a:schemeClr val="dk1"/>
-                          </a:solidFill>
-                          <a:effectLst/>
-                          <a:latin typeface="+mn-lt"/>
-                          <a:ea typeface="+mn-ea"/>
-                          <a:cs typeface="+mn-cs"/>
-                        </a:rPr>
-                        <a:t>Management Specialist</a:t>
-                      </a:r>
-                      <a:endParaRPr lang="en-US" sz="1000" dirty="0"/>
-                    </a:p>
-                  </a:txBody>
-                  <a:tcPr/>
-                </a:tc>
-                <a:extLst>
-                  <a:ext uri="{0D108BD9-81ED-4DB2-BD59-A6C34878D82A}">
-                    <a16:rowId xmlns:a16="http://schemas.microsoft.com/office/drawing/2014/main" val="3127199585"/>
-                  </a:ext>
-                </a:extLst>
-              </a:tr>
-              <a:tr h="958052">
-                <a:tc>
-                  <a:txBody>
-                    <a:bodyPr/>
-                    <a:lstStyle/>
-                    <a:p>
-                      <a:endParaRPr lang="en-US" sz="1000" dirty="0"/>
-                    </a:p>
-                  </a:txBody>
-                  <a:tcPr/>
-                </a:tc>
-                <a:tc>
-                  <a:txBody>
-                    <a:bodyPr/>
-                    <a:lstStyle/>
-                    <a:p>
-                      <a:r>
-                        <a:rPr lang="en-US" sz="1000" kern="1200" dirty="0" smtClean="0">
-                          <a:solidFill>
-                            <a:schemeClr val="dk1"/>
-                          </a:solidFill>
-                          <a:effectLst/>
-                          <a:latin typeface="+mn-lt"/>
-                          <a:ea typeface="+mn-ea"/>
-                          <a:cs typeface="+mn-cs"/>
-                        </a:rPr>
-                        <a:t>Two roles related to promotion/rejection</a:t>
-                      </a:r>
-                      <a:r>
-                        <a:rPr lang="en-US" sz="1000" kern="1200" baseline="0" dirty="0" smtClean="0">
-                          <a:solidFill>
-                            <a:schemeClr val="dk1"/>
-                          </a:solidFill>
-                          <a:effectLst/>
-                          <a:latin typeface="+mn-lt"/>
-                          <a:ea typeface="+mn-ea"/>
-                          <a:cs typeface="+mn-cs"/>
-                        </a:rPr>
-                        <a:t> form templates from Form Builder:</a:t>
-                      </a:r>
-                      <a:endParaRPr lang="en-US" sz="1000" kern="1200" dirty="0" smtClean="0">
-                        <a:solidFill>
-                          <a:schemeClr val="dk1"/>
-                        </a:solidFill>
-                        <a:effectLst/>
-                        <a:latin typeface="+mn-lt"/>
-                        <a:ea typeface="+mn-ea"/>
-                        <a:cs typeface="+mn-cs"/>
-                      </a:endParaRPr>
-                    </a:p>
-                    <a:p>
-                      <a:pPr marL="285750" indent="-285750">
-                        <a:buFont typeface="Arial" panose="020B0604020202020204" pitchFamily="34" charset="0"/>
-                        <a:buChar char="•"/>
-                      </a:pPr>
-                      <a:r>
-                        <a:rPr lang="en-US" sz="1000" kern="1200" dirty="0" smtClean="0">
-                          <a:solidFill>
-                            <a:schemeClr val="dk1"/>
-                          </a:solidFill>
-                          <a:effectLst/>
-                          <a:latin typeface="+mn-lt"/>
-                          <a:ea typeface="+mn-ea"/>
-                          <a:cs typeface="+mn-cs"/>
-                        </a:rPr>
-                        <a:t>Draft Viewer –can Review templates from Form builder</a:t>
-                      </a:r>
-                    </a:p>
-                    <a:p>
-                      <a:pPr marL="285750" indent="-285750">
-                        <a:buFont typeface="Arial" panose="020B0604020202020204" pitchFamily="34" charset="0"/>
-                        <a:buChar char="•"/>
-                      </a:pPr>
-                      <a:r>
-                        <a:rPr lang="en-US" sz="1000" kern="1200" dirty="0" smtClean="0">
-                          <a:solidFill>
-                            <a:schemeClr val="dk1"/>
-                          </a:solidFill>
-                          <a:effectLst/>
-                          <a:latin typeface="+mn-lt"/>
-                          <a:ea typeface="+mn-ea"/>
-                          <a:cs typeface="+mn-cs"/>
-                        </a:rPr>
-                        <a:t>Draft Admin –can perform Promotion or Rejection of templates</a:t>
-                      </a:r>
-                    </a:p>
-                    <a:p>
-                      <a:endParaRPr lang="en-US" sz="1000" dirty="0"/>
-                    </a:p>
-                  </a:txBody>
-                  <a:tcPr/>
-                </a:tc>
-                <a:extLst>
-                  <a:ext uri="{0D108BD9-81ED-4DB2-BD59-A6C34878D82A}">
-                    <a16:rowId xmlns:a16="http://schemas.microsoft.com/office/drawing/2014/main" val="3423163059"/>
-                  </a:ext>
-                </a:extLst>
-              </a:tr>
-            </a:tbl>
-          </a:graphicData>
-        </a:graphic>
-      </p:graphicFrame>
       <p:sp>
         <p:nvSpPr>
           <p:cNvPr id="2" name="Title 1"/>
@@ -14051,18 +10804,13 @@
             <p:ph type="title"/>
           </p:nvPr>
         </p:nvSpPr>
-        <p:spPr>
-          <a:xfrm>
-            <a:off x="609600" y="304800"/>
-            <a:ext cx="8165592" cy="762000"/>
-          </a:xfrm>
-        </p:spPr>
+        <p:spPr/>
         <p:txBody>
           <a:bodyPr/>
           <a:lstStyle/>
           <a:p>
             <a:r>
-              <a:rPr lang="en-US" b="1" dirty="0" smtClean="0">
+              <a:rPr lang="en-US" b="1" dirty="0">
                 <a:effectLst>
                   <a:outerShdw blurRad="38100" dist="38100" dir="2700000" algn="tl">
                     <a:srgbClr val="000000">
@@ -14070,9 +10818,44 @@
                     </a:srgbClr>
                   </a:outerShdw>
                 </a:effectLst>
-                <a:latin typeface="+mn-lt"/>
               </a:rPr>
-              <a:t>“As-Is</a:t>
+              <a:t>October 15</a:t>
+            </a:r>
+            <a:r>
+              <a:rPr lang="en-US" b="1" baseline="30000" dirty="0">
+                <a:effectLst>
+                  <a:outerShdw blurRad="38100" dist="38100" dir="2700000" algn="tl">
+                    <a:srgbClr val="000000">
+                      <a:alpha val="43137"/>
+                    </a:srgbClr>
+                  </a:outerShdw>
+                </a:effectLst>
+              </a:rPr>
+              <a:t>th</a:t>
+            </a:r>
+            <a:r>
+              <a:rPr lang="en-US" b="1" dirty="0">
+                <a:effectLst>
+                  <a:outerShdw blurRad="38100" dist="38100" dir="2700000" algn="tl">
+                    <a:srgbClr val="000000">
+                      <a:alpha val="43137"/>
+                    </a:srgbClr>
+                  </a:outerShdw>
+                </a:effectLst>
+              </a:rPr>
+              <a:t> deadline and </a:t>
+            </a:r>
+            <a:r>
+              <a:rPr lang="en-US" b="1" dirty="0">
+                <a:effectLst>
+                  <a:outerShdw blurRad="38100" dist="38100" dir="2700000" algn="tl">
+                    <a:srgbClr val="000000">
+                      <a:alpha val="43137"/>
+                    </a:srgbClr>
+                  </a:outerShdw>
+                </a:effectLst>
+              </a:rPr>
+              <a:t>other </a:t>
             </a:r>
             <a:r>
               <a:rPr lang="en-US" b="1" dirty="0" smtClean="0">
@@ -14084,76 +10867,7 @@
                   </a:outerShdw>
                 </a:effectLst>
               </a:rPr>
-              <a:t>” user </a:t>
-            </a:r>
-            <a:r>
-              <a:rPr lang="en-US" b="1" dirty="0">
-                <a:effectLst>
-                  <a:outerShdw blurRad="38100" dist="38100" dir="2700000" algn="tl">
-                    <a:srgbClr val="000000">
-                      <a:alpha val="43137"/>
-                    </a:srgbClr>
-                  </a:outerShdw>
-                </a:effectLst>
-              </a:rPr>
-              <a:t>functionality </a:t>
-            </a:r>
-            <a:r>
-              <a:rPr lang="en-US" b="1" dirty="0" smtClean="0">
-                <a:effectLst>
-                  <a:outerShdw blurRad="38100" dist="38100" dir="2700000" algn="tl">
-                    <a:srgbClr val="000000">
-                      <a:alpha val="43137"/>
-                    </a:srgbClr>
-                  </a:outerShdw>
-                </a:effectLst>
-              </a:rPr>
-              <a:t>(</a:t>
-            </a:r>
-            <a:r>
-              <a:rPr lang="en-US" b="1" dirty="0" err="1" smtClean="0">
-                <a:effectLst>
-                  <a:outerShdw blurRad="38100" dist="38100" dir="2700000" algn="tl">
-                    <a:srgbClr val="000000">
-                      <a:alpha val="43137"/>
-                    </a:srgbClr>
-                  </a:outerShdw>
-                </a:effectLst>
-              </a:rPr>
-              <a:t>greensheets</a:t>
-            </a:r>
-            <a:r>
-              <a:rPr lang="en-US" b="1" dirty="0" smtClean="0">
-                <a:effectLst>
-                  <a:outerShdw blurRad="38100" dist="38100" dir="2700000" algn="tl">
-                    <a:srgbClr val="000000">
-                      <a:alpha val="43137"/>
-                    </a:srgbClr>
-                  </a:outerShdw>
-                </a:effectLst>
-              </a:rPr>
-              <a:t>)</a:t>
-            </a:r>
-            <a:r>
-              <a:rPr lang="en-US" dirty="0"/>
-              <a:t/>
-            </a:r>
-            <a:br>
-              <a:rPr lang="en-US" dirty="0"/>
-            </a:br>
-            <a:r>
-              <a:rPr lang="en-US" b="1" dirty="0" smtClean="0">
-                <a:effectLst>
-                  <a:outerShdw blurRad="38100" dist="38100" dir="2700000" algn="tl">
-                    <a:srgbClr val="000000">
-                      <a:alpha val="43137"/>
-                    </a:srgbClr>
-                  </a:outerShdw>
-                </a:effectLst>
-                <a:latin typeface="Arial" panose="020B0604020202020204" pitchFamily="34" charset="0"/>
-                <a:cs typeface="Arial" panose="020B0604020202020204" pitchFamily="34" charset="0"/>
-              </a:rPr>
-              <a:t> </a:t>
+              <a:t>dependencies</a:t>
             </a:r>
             <a:endParaRPr lang="en-US" b="1" dirty="0">
               <a:effectLst>
@@ -14163,1159 +10877,152 @@
                   </a:srgbClr>
                 </a:outerShdw>
               </a:effectLst>
-              <a:latin typeface="Arial" panose="020B0604020202020204" pitchFamily="34" charset="0"/>
-              <a:cs typeface="Arial" panose="020B0604020202020204" pitchFamily="34" charset="0"/>
             </a:endParaRPr>
           </a:p>
         </p:txBody>
       </p:sp>
       <p:sp>
         <p:nvSpPr>
-          <p:cNvPr id="6" name="Rectangle 2"/>
+          <p:cNvPr id="3" name="Content Placeholder 2"/>
           <p:cNvSpPr>
-            <a:spLocks noChangeArrowheads="1"/>
+            <a:spLocks noGrp="1"/>
           </p:cNvSpPr>
-          <p:nvPr/>
+          <p:nvPr>
+            <p:ph sz="quarter" idx="11"/>
+          </p:nvPr>
         </p:nvSpPr>
-        <p:spPr bwMode="auto">
+        <p:spPr>
           <a:xfrm>
-            <a:off x="228600" y="1904999"/>
-            <a:ext cx="7151077" cy="45719"/>
+            <a:off x="481521" y="990600"/>
+            <a:ext cx="8165592" cy="5236633"/>
           </a:xfrm>
-          <a:prstGeom prst="rect">
-            <a:avLst/>
-          </a:prstGeom>
-          <a:noFill/>
-          <a:ln>
-            <a:noFill/>
-          </a:ln>
-          <a:effectLst/>
-          <a:extLst>
-            <a:ext uri="{909E8E84-426E-40DD-AFC4-6F175D3DCCD1}">
-              <a14:hiddenFill xmlns:a14="http://schemas.microsoft.com/office/drawing/2010/main">
-                <a:solidFill>
-                  <a:schemeClr val="accent1"/>
-                </a:solidFill>
-              </a14:hiddenFill>
-            </a:ext>
-            <a:ext uri="{91240B29-F687-4F45-9708-019B960494DF}">
-              <a14:hiddenLine xmlns:a14="http://schemas.microsoft.com/office/drawing/2010/main" w="9525">
-                <a:solidFill>
-                  <a:schemeClr val="tx1"/>
-                </a:solidFill>
-                <a:miter lim="800000"/>
-                <a:headEnd/>
-                <a:tailEnd/>
-              </a14:hiddenLine>
-            </a:ext>
-            <a:ext uri="{AF507438-7753-43E0-B8FC-AC1667EBCBE1}">
-              <a14:hiddenEffects xmlns:a14="http://schemas.microsoft.com/office/drawing/2010/main">
-                <a:effectLst>
-                  <a:outerShdw dist="35921" dir="2700000" algn="ctr" rotWithShape="0">
-                    <a:schemeClr val="bg2"/>
-                  </a:outerShdw>
-                </a:effectLst>
-              </a14:hiddenEffects>
-            </a:ext>
-          </a:extLst>
         </p:spPr>
         <p:txBody>
-          <a:bodyPr vert="horz" wrap="square" lIns="91440" tIns="45720" rIns="91440" bIns="45720" numCol="1" anchor="ctr" anchorCtr="0" compatLnSpc="1">
-            <a:prstTxWarp prst="textNoShape">
-              <a:avLst/>
-            </a:prstTxWarp>
-            <a:spAutoFit/>
-          </a:bodyPr>
+          <a:bodyPr/>
           <a:lstStyle/>
           <a:p>
-            <a:endParaRPr lang="en-US"/>
+            <a:pPr lvl="1"/>
+            <a:r>
+              <a:rPr lang="en-US" sz="1600" dirty="0" smtClean="0"/>
+              <a:t>Please confirm that future requests for ad-hoc reporting will be only for the data collected STARTING October 15, 2016 (new FY) and historical data is NOT needed for reporting (clean-start approach). </a:t>
+            </a:r>
+          </a:p>
+          <a:p>
+            <a:pPr lvl="1"/>
+            <a:r>
+              <a:rPr lang="en-US" sz="1600" dirty="0" smtClean="0"/>
+              <a:t>Is there a real business need </a:t>
+            </a:r>
+            <a:r>
+              <a:rPr lang="en-US" sz="1600" u="sng" dirty="0" smtClean="0"/>
+              <a:t>to go into production</a:t>
+            </a:r>
+            <a:r>
+              <a:rPr lang="en-US" sz="1600" dirty="0" smtClean="0"/>
+              <a:t> with database redesign on October 15h deadline? Or would it be acceptable just to make sure that when time for ad-hoc congressional reporting comes, the data for the whole FY2017 is available? </a:t>
+            </a:r>
+          </a:p>
+          <a:p>
+            <a:pPr lvl="1"/>
+            <a:r>
+              <a:rPr lang="en-US" sz="1600" dirty="0" smtClean="0"/>
+              <a:t>Does </a:t>
+            </a:r>
+            <a:r>
+              <a:rPr lang="en-US" sz="1600" dirty="0"/>
+              <a:t>business </a:t>
+            </a:r>
+            <a:r>
+              <a:rPr lang="en-US" sz="1600" dirty="0"/>
+              <a:t>process </a:t>
+            </a:r>
+            <a:r>
+              <a:rPr lang="en-US" sz="1600" dirty="0"/>
+              <a:t>allow </a:t>
+            </a:r>
+            <a:r>
+              <a:rPr lang="en-US" sz="1600" dirty="0"/>
+              <a:t>to shut down </a:t>
+            </a:r>
+            <a:r>
+              <a:rPr lang="en-US" sz="1600" dirty="0" err="1"/>
+              <a:t>GreenSheets</a:t>
+            </a:r>
+            <a:r>
+              <a:rPr lang="en-US" sz="1600" dirty="0"/>
+              <a:t> system for a certain period of </a:t>
+            </a:r>
+            <a:r>
+              <a:rPr lang="en-US" sz="1600" dirty="0"/>
+              <a:t>time (e.g. 2 weeks)? </a:t>
+            </a:r>
+          </a:p>
+          <a:p>
+            <a:pPr lvl="1"/>
+            <a:r>
+              <a:rPr lang="en-US" sz="1600" dirty="0" smtClean="0"/>
+              <a:t>Requirements solicitation progress depends on stakeholders’ availability</a:t>
+            </a:r>
+          </a:p>
+          <a:p>
+            <a:pPr lvl="1"/>
+            <a:r>
+              <a:rPr lang="en-US" sz="1600" dirty="0" smtClean="0"/>
+              <a:t>Need to re-design dummy grants reconciliation process in GPMATS in order to address duplicate </a:t>
+            </a:r>
+            <a:r>
+              <a:rPr lang="en-US" sz="1600" dirty="0" err="1" smtClean="0"/>
+              <a:t>greensheets</a:t>
+            </a:r>
+            <a:r>
+              <a:rPr lang="en-US" sz="1600" dirty="0" smtClean="0"/>
+              <a:t> issue. Can OGA be responsible for deletion of </a:t>
+            </a:r>
+            <a:r>
+              <a:rPr lang="en-US" sz="1600" dirty="0"/>
+              <a:t>duplicate </a:t>
+            </a:r>
+            <a:r>
+              <a:rPr lang="en-US" sz="1600" dirty="0" err="1" smtClean="0"/>
+              <a:t>greensheets</a:t>
+            </a:r>
+            <a:r>
+              <a:rPr lang="en-US" sz="1600" dirty="0" smtClean="0"/>
+              <a:t>? </a:t>
+            </a:r>
+            <a:endParaRPr lang="en-US" sz="1600" dirty="0"/>
+          </a:p>
+          <a:p>
+            <a:pPr lvl="1"/>
+            <a:r>
+              <a:rPr lang="en-US" sz="1600" dirty="0" smtClean="0"/>
+              <a:t>Do we have to comply with </a:t>
+            </a:r>
+            <a:r>
+              <a:rPr lang="en-US" sz="1600" dirty="0"/>
+              <a:t>document </a:t>
+            </a:r>
+            <a:r>
+              <a:rPr lang="en-US" sz="1600" dirty="0" smtClean="0"/>
+              <a:t>retention policy?</a:t>
+            </a:r>
+            <a:endParaRPr lang="en-US" sz="1600" dirty="0"/>
+          </a:p>
+          <a:p>
+            <a:endParaRPr lang="en-US" dirty="0"/>
           </a:p>
         </p:txBody>
       </p:sp>
-      <p:graphicFrame>
-        <p:nvGraphicFramePr>
-          <p:cNvPr id="7" name="Object 6"/>
-          <p:cNvGraphicFramePr>
-            <a:graphicFrameLocks noChangeAspect="1"/>
-          </p:cNvGraphicFramePr>
-          <p:nvPr>
-            <p:extLst>
-              <p:ext uri="{D42A27DB-BD31-4B8C-83A1-F6EECF244321}">
-                <p14:modId xmlns:p14="http://schemas.microsoft.com/office/powerpoint/2010/main" val="2065825892"/>
-              </p:ext>
-            </p:extLst>
-          </p:nvPr>
-        </p:nvGraphicFramePr>
-        <p:xfrm>
-          <a:off x="181544" y="932117"/>
-          <a:ext cx="4578404" cy="2077821"/>
-        </p:xfrm>
-        <a:graphic>
-          <a:graphicData uri="http://schemas.openxmlformats.org/presentationml/2006/ole">
-            <mc:AlternateContent xmlns:mc="http://schemas.openxmlformats.org/markup-compatibility/2006">
-              <mc:Choice xmlns:v="urn:schemas-microsoft-com:vml" Requires="v">
-                <p:oleObj spid="_x0000_s1748" name="Visio" r:id="rId4" imgW="6165082" imgH="2853576" progId="Visio.Drawing.11">
-                  <p:embed/>
-                </p:oleObj>
-              </mc:Choice>
-              <mc:Fallback>
-                <p:oleObj name="Visio" r:id="rId4" imgW="6165082" imgH="2853576" progId="Visio.Drawing.11">
-                  <p:embed/>
-                  <p:pic>
-                    <p:nvPicPr>
-                      <p:cNvPr id="0" name="Object 1"/>
-                      <p:cNvPicPr>
-                        <a:picLocks noChangeAspect="1" noChangeArrowheads="1"/>
-                      </p:cNvPicPr>
-                      <p:nvPr/>
-                    </p:nvPicPr>
-                    <p:blipFill>
-                      <a:blip r:embed="rId5">
-                        <a:extLst>
-                          <a:ext uri="{28A0092B-C50C-407E-A947-70E740481C1C}">
-                            <a14:useLocalDpi xmlns:a14="http://schemas.microsoft.com/office/drawing/2010/main" val="0"/>
-                          </a:ext>
-                        </a:extLst>
-                      </a:blip>
-                      <a:srcRect/>
-                      <a:stretch>
-                        <a:fillRect/>
-                      </a:stretch>
-                    </p:blipFill>
-                    <p:spPr bwMode="auto">
-                      <a:xfrm>
-                        <a:off x="181544" y="932117"/>
-                        <a:ext cx="4578404" cy="2077821"/>
-                      </a:xfrm>
-                      <a:prstGeom prst="rect">
-                        <a:avLst/>
-                      </a:prstGeom>
-                      <a:noFill/>
-                    </p:spPr>
-                  </p:pic>
-                </p:oleObj>
-              </mc:Fallback>
-            </mc:AlternateContent>
-          </a:graphicData>
-        </a:graphic>
-      </p:graphicFrame>
-      <p:sp>
-        <p:nvSpPr>
-          <p:cNvPr id="8" name="Rectangle 4"/>
-          <p:cNvSpPr>
-            <a:spLocks noChangeArrowheads="1"/>
-          </p:cNvSpPr>
-          <p:nvPr/>
-        </p:nvSpPr>
-        <p:spPr bwMode="auto">
-          <a:xfrm>
-            <a:off x="533400" y="4190999"/>
-            <a:ext cx="7420689" cy="45719"/>
-          </a:xfrm>
-          <a:prstGeom prst="rect">
-            <a:avLst/>
-          </a:prstGeom>
-          <a:noFill/>
-          <a:ln>
-            <a:noFill/>
-          </a:ln>
-          <a:effectLst/>
-          <a:extLst>
-            <a:ext uri="{909E8E84-426E-40DD-AFC4-6F175D3DCCD1}">
-              <a14:hiddenFill xmlns:a14="http://schemas.microsoft.com/office/drawing/2010/main">
-                <a:solidFill>
-                  <a:schemeClr val="accent1"/>
-                </a:solidFill>
-              </a14:hiddenFill>
-            </a:ext>
-            <a:ext uri="{91240B29-F687-4F45-9708-019B960494DF}">
-              <a14:hiddenLine xmlns:a14="http://schemas.microsoft.com/office/drawing/2010/main" w="9525">
-                <a:solidFill>
-                  <a:schemeClr val="tx1"/>
-                </a:solidFill>
-                <a:miter lim="800000"/>
-                <a:headEnd/>
-                <a:tailEnd/>
-              </a14:hiddenLine>
-            </a:ext>
-            <a:ext uri="{AF507438-7753-43E0-B8FC-AC1667EBCBE1}">
-              <a14:hiddenEffects xmlns:a14="http://schemas.microsoft.com/office/drawing/2010/main">
-                <a:effectLst>
-                  <a:outerShdw dist="35921" dir="2700000" algn="ctr" rotWithShape="0">
-                    <a:schemeClr val="bg2"/>
-                  </a:outerShdw>
-                </a:effectLst>
-              </a14:hiddenEffects>
-            </a:ext>
-          </a:extLst>
-        </p:spPr>
-        <p:txBody>
-          <a:bodyPr vert="horz" wrap="square" lIns="91440" tIns="45720" rIns="91440" bIns="45720" numCol="1" anchor="ctr" anchorCtr="0" compatLnSpc="1">
-            <a:prstTxWarp prst="textNoShape">
-              <a:avLst/>
-            </a:prstTxWarp>
-            <a:spAutoFit/>
-          </a:bodyPr>
-          <a:lstStyle/>
-          <a:p>
-            <a:endParaRPr lang="en-US"/>
-          </a:p>
-        </p:txBody>
-      </p:sp>
-      <p:graphicFrame>
-        <p:nvGraphicFramePr>
-          <p:cNvPr id="9" name="Object 8"/>
-          <p:cNvGraphicFramePr>
-            <a:graphicFrameLocks noChangeAspect="1"/>
-          </p:cNvGraphicFramePr>
-          <p:nvPr>
-            <p:extLst>
-              <p:ext uri="{D42A27DB-BD31-4B8C-83A1-F6EECF244321}">
-                <p14:modId xmlns:p14="http://schemas.microsoft.com/office/powerpoint/2010/main" val="2081495817"/>
-              </p:ext>
-            </p:extLst>
-          </p:nvPr>
-        </p:nvGraphicFramePr>
-        <p:xfrm>
-          <a:off x="5334000" y="926587"/>
-          <a:ext cx="2362200" cy="2114350"/>
-        </p:xfrm>
-        <a:graphic>
-          <a:graphicData uri="http://schemas.openxmlformats.org/presentationml/2006/ole">
-            <mc:AlternateContent xmlns:mc="http://schemas.openxmlformats.org/markup-compatibility/2006">
-              <mc:Choice xmlns:v="urn:schemas-microsoft-com:vml" Requires="v">
-                <p:oleObj spid="_x0000_s1749" name="Visio" r:id="rId6" imgW="3196429" imgH="2853576" progId="Visio.Drawing.11">
-                  <p:embed/>
-                </p:oleObj>
-              </mc:Choice>
-              <mc:Fallback>
-                <p:oleObj name="Visio" r:id="rId6" imgW="3196429" imgH="2853576" progId="Visio.Drawing.11">
-                  <p:embed/>
-                  <p:pic>
-                    <p:nvPicPr>
-                      <p:cNvPr id="0" name="Object 3"/>
-                      <p:cNvPicPr>
-                        <a:picLocks noChangeAspect="1" noChangeArrowheads="1"/>
-                      </p:cNvPicPr>
-                      <p:nvPr/>
-                    </p:nvPicPr>
-                    <p:blipFill>
-                      <a:blip r:embed="rId7">
-                        <a:extLst>
-                          <a:ext uri="{28A0092B-C50C-407E-A947-70E740481C1C}">
-                            <a14:useLocalDpi xmlns:a14="http://schemas.microsoft.com/office/drawing/2010/main" val="0"/>
-                          </a:ext>
-                        </a:extLst>
-                      </a:blip>
-                      <a:srcRect/>
-                      <a:stretch>
-                        <a:fillRect/>
-                      </a:stretch>
-                    </p:blipFill>
-                    <p:spPr bwMode="auto">
-                      <a:xfrm>
-                        <a:off x="5334000" y="926587"/>
-                        <a:ext cx="2362200" cy="2114350"/>
-                      </a:xfrm>
-                      <a:prstGeom prst="rect">
-                        <a:avLst/>
-                      </a:prstGeom>
-                      <a:noFill/>
-                    </p:spPr>
-                  </p:pic>
-                </p:oleObj>
-              </mc:Fallback>
-            </mc:AlternateContent>
-          </a:graphicData>
-        </a:graphic>
-      </p:graphicFrame>
-      <p:sp>
-        <p:nvSpPr>
-          <p:cNvPr id="10" name="Rectangle 6"/>
-          <p:cNvSpPr>
-            <a:spLocks noChangeArrowheads="1"/>
-          </p:cNvSpPr>
-          <p:nvPr/>
-        </p:nvSpPr>
-        <p:spPr bwMode="auto">
-          <a:xfrm>
-            <a:off x="5257800" y="2133600"/>
-            <a:ext cx="9144000" cy="0"/>
-          </a:xfrm>
-          <a:prstGeom prst="rect">
-            <a:avLst/>
-          </a:prstGeom>
-          <a:noFill/>
-          <a:ln>
-            <a:noFill/>
-          </a:ln>
-          <a:effectLst/>
-          <a:extLst>
-            <a:ext uri="{909E8E84-426E-40DD-AFC4-6F175D3DCCD1}">
-              <a14:hiddenFill xmlns:a14="http://schemas.microsoft.com/office/drawing/2010/main">
-                <a:solidFill>
-                  <a:schemeClr val="accent1"/>
-                </a:solidFill>
-              </a14:hiddenFill>
-            </a:ext>
-            <a:ext uri="{91240B29-F687-4F45-9708-019B960494DF}">
-              <a14:hiddenLine xmlns:a14="http://schemas.microsoft.com/office/drawing/2010/main" w="9525">
-                <a:solidFill>
-                  <a:schemeClr val="tx1"/>
-                </a:solidFill>
-                <a:miter lim="800000"/>
-                <a:headEnd/>
-                <a:tailEnd/>
-              </a14:hiddenLine>
-            </a:ext>
-            <a:ext uri="{AF507438-7753-43E0-B8FC-AC1667EBCBE1}">
-              <a14:hiddenEffects xmlns:a14="http://schemas.microsoft.com/office/drawing/2010/main">
-                <a:effectLst>
-                  <a:outerShdw dist="35921" dir="2700000" algn="ctr" rotWithShape="0">
-                    <a:schemeClr val="bg2"/>
-                  </a:outerShdw>
-                </a:effectLst>
-              </a14:hiddenEffects>
-            </a:ext>
-          </a:extLst>
-        </p:spPr>
-        <p:txBody>
-          <a:bodyPr vert="horz" wrap="none" lIns="91440" tIns="45720" rIns="91440" bIns="45720" numCol="1" anchor="ctr" anchorCtr="0" compatLnSpc="1">
-            <a:prstTxWarp prst="textNoShape">
-              <a:avLst/>
-            </a:prstTxWarp>
-            <a:spAutoFit/>
-          </a:bodyPr>
-          <a:lstStyle/>
-          <a:p>
-            <a:endParaRPr lang="en-US"/>
-          </a:p>
-        </p:txBody>
-      </p:sp>
-      <p:sp>
-        <p:nvSpPr>
-          <p:cNvPr id="12" name="Rectangle 8"/>
-          <p:cNvSpPr>
-            <a:spLocks noChangeArrowheads="1"/>
-          </p:cNvSpPr>
-          <p:nvPr/>
-        </p:nvSpPr>
-        <p:spPr bwMode="auto">
-          <a:xfrm>
-            <a:off x="583163" y="3854318"/>
-            <a:ext cx="9144000" cy="0"/>
-          </a:xfrm>
-          <a:prstGeom prst="rect">
-            <a:avLst/>
-          </a:prstGeom>
-          <a:noFill/>
-          <a:ln>
-            <a:noFill/>
-          </a:ln>
-          <a:effectLst/>
-          <a:extLst>
-            <a:ext uri="{909E8E84-426E-40DD-AFC4-6F175D3DCCD1}">
-              <a14:hiddenFill xmlns:a14="http://schemas.microsoft.com/office/drawing/2010/main">
-                <a:solidFill>
-                  <a:schemeClr val="accent1"/>
-                </a:solidFill>
-              </a14:hiddenFill>
-            </a:ext>
-            <a:ext uri="{91240B29-F687-4F45-9708-019B960494DF}">
-              <a14:hiddenLine xmlns:a14="http://schemas.microsoft.com/office/drawing/2010/main" w="9525">
-                <a:solidFill>
-                  <a:schemeClr val="tx1"/>
-                </a:solidFill>
-                <a:miter lim="800000"/>
-                <a:headEnd/>
-                <a:tailEnd/>
-              </a14:hiddenLine>
-            </a:ext>
-            <a:ext uri="{AF507438-7753-43E0-B8FC-AC1667EBCBE1}">
-              <a14:hiddenEffects xmlns:a14="http://schemas.microsoft.com/office/drawing/2010/main">
-                <a:effectLst>
-                  <a:outerShdw dist="35921" dir="2700000" algn="ctr" rotWithShape="0">
-                    <a:schemeClr val="bg2"/>
-                  </a:outerShdw>
-                </a:effectLst>
-              </a14:hiddenEffects>
-            </a:ext>
-          </a:extLst>
-        </p:spPr>
-        <p:txBody>
-          <a:bodyPr vert="horz" wrap="none" lIns="91440" tIns="45720" rIns="91440" bIns="45720" numCol="1" anchor="ctr" anchorCtr="0" compatLnSpc="1">
-            <a:prstTxWarp prst="textNoShape">
-              <a:avLst/>
-            </a:prstTxWarp>
-            <a:spAutoFit/>
-          </a:bodyPr>
-          <a:lstStyle/>
-          <a:p>
-            <a:endParaRPr lang="en-US"/>
-          </a:p>
-        </p:txBody>
-      </p:sp>
-      <p:graphicFrame>
-        <p:nvGraphicFramePr>
-          <p:cNvPr id="17" name="Object 16"/>
-          <p:cNvGraphicFramePr>
-            <a:graphicFrameLocks noChangeAspect="1"/>
-          </p:cNvGraphicFramePr>
-          <p:nvPr>
-            <p:extLst>
-              <p:ext uri="{D42A27DB-BD31-4B8C-83A1-F6EECF244321}">
-                <p14:modId xmlns:p14="http://schemas.microsoft.com/office/powerpoint/2010/main" val="2467854688"/>
-              </p:ext>
-            </p:extLst>
-          </p:nvPr>
-        </p:nvGraphicFramePr>
-        <p:xfrm>
-          <a:off x="587030" y="3564694"/>
-          <a:ext cx="2884837" cy="1624303"/>
-        </p:xfrm>
-        <a:graphic>
-          <a:graphicData uri="http://schemas.openxmlformats.org/presentationml/2006/ole">
-            <mc:AlternateContent xmlns:mc="http://schemas.openxmlformats.org/markup-compatibility/2006">
-              <mc:Choice xmlns:v="urn:schemas-microsoft-com:vml" Requires="v">
-                <p:oleObj spid="_x0000_s1750" name="Visio" r:id="rId8" imgW="3196429" imgH="1796256" progId="Visio.Drawing.11">
-                  <p:embed/>
-                </p:oleObj>
-              </mc:Choice>
-              <mc:Fallback>
-                <p:oleObj name="Visio" r:id="rId8" imgW="3196429" imgH="1796256" progId="Visio.Drawing.11">
-                  <p:embed/>
-                  <p:pic>
-                    <p:nvPicPr>
-                      <p:cNvPr id="0" name="Object 15"/>
-                      <p:cNvPicPr>
-                        <a:picLocks noChangeAspect="1" noChangeArrowheads="1"/>
-                      </p:cNvPicPr>
-                      <p:nvPr/>
-                    </p:nvPicPr>
-                    <p:blipFill>
-                      <a:blip r:embed="rId9">
-                        <a:extLst>
-                          <a:ext uri="{28A0092B-C50C-407E-A947-70E740481C1C}">
-                            <a14:useLocalDpi xmlns:a14="http://schemas.microsoft.com/office/drawing/2010/main" val="0"/>
-                          </a:ext>
-                        </a:extLst>
-                      </a:blip>
-                      <a:srcRect/>
-                      <a:stretch>
-                        <a:fillRect/>
-                      </a:stretch>
-                    </p:blipFill>
-                    <p:spPr bwMode="auto">
-                      <a:xfrm>
-                        <a:off x="587030" y="3564694"/>
-                        <a:ext cx="2884837" cy="1624303"/>
-                      </a:xfrm>
-                      <a:prstGeom prst="rect">
-                        <a:avLst/>
-                      </a:prstGeom>
-                      <a:noFill/>
-                    </p:spPr>
-                  </p:pic>
-                </p:oleObj>
-              </mc:Fallback>
-            </mc:AlternateContent>
-          </a:graphicData>
-        </a:graphic>
-      </p:graphicFrame>
-      <p:sp>
-        <p:nvSpPr>
-          <p:cNvPr id="18" name="Rectangle 18"/>
-          <p:cNvSpPr>
-            <a:spLocks noChangeArrowheads="1"/>
-          </p:cNvSpPr>
-          <p:nvPr/>
-        </p:nvSpPr>
-        <p:spPr bwMode="auto">
-          <a:xfrm>
-            <a:off x="4794542" y="4090697"/>
-            <a:ext cx="9144000" cy="0"/>
-          </a:xfrm>
-          <a:prstGeom prst="rect">
-            <a:avLst/>
-          </a:prstGeom>
-          <a:noFill/>
-          <a:ln>
-            <a:noFill/>
-          </a:ln>
-          <a:effectLst/>
-          <a:extLst>
-            <a:ext uri="{909E8E84-426E-40DD-AFC4-6F175D3DCCD1}">
-              <a14:hiddenFill xmlns:a14="http://schemas.microsoft.com/office/drawing/2010/main">
-                <a:solidFill>
-                  <a:schemeClr val="accent1"/>
-                </a:solidFill>
-              </a14:hiddenFill>
-            </a:ext>
-            <a:ext uri="{91240B29-F687-4F45-9708-019B960494DF}">
-              <a14:hiddenLine xmlns:a14="http://schemas.microsoft.com/office/drawing/2010/main" w="9525">
-                <a:solidFill>
-                  <a:schemeClr val="tx1"/>
-                </a:solidFill>
-                <a:miter lim="800000"/>
-                <a:headEnd/>
-                <a:tailEnd/>
-              </a14:hiddenLine>
-            </a:ext>
-            <a:ext uri="{AF507438-7753-43E0-B8FC-AC1667EBCBE1}">
-              <a14:hiddenEffects xmlns:a14="http://schemas.microsoft.com/office/drawing/2010/main">
-                <a:effectLst>
-                  <a:outerShdw dist="35921" dir="2700000" algn="ctr" rotWithShape="0">
-                    <a:schemeClr val="bg2"/>
-                  </a:outerShdw>
-                </a:effectLst>
-              </a14:hiddenEffects>
-            </a:ext>
-          </a:extLst>
-        </p:spPr>
-        <p:txBody>
-          <a:bodyPr vert="horz" wrap="none" lIns="91440" tIns="45720" rIns="91440" bIns="45720" numCol="1" anchor="ctr" anchorCtr="0" compatLnSpc="1">
-            <a:prstTxWarp prst="textNoShape">
-              <a:avLst/>
-            </a:prstTxWarp>
-            <a:spAutoFit/>
-          </a:bodyPr>
-          <a:lstStyle/>
-          <a:p>
-            <a:endParaRPr lang="en-US"/>
-          </a:p>
-        </p:txBody>
-      </p:sp>
-      <p:graphicFrame>
-        <p:nvGraphicFramePr>
-          <p:cNvPr id="21" name="Object 20"/>
-          <p:cNvGraphicFramePr>
-            <a:graphicFrameLocks noChangeAspect="1"/>
-          </p:cNvGraphicFramePr>
-          <p:nvPr>
-            <p:extLst>
-              <p:ext uri="{D42A27DB-BD31-4B8C-83A1-F6EECF244321}">
-                <p14:modId xmlns:p14="http://schemas.microsoft.com/office/powerpoint/2010/main" val="202414680"/>
-              </p:ext>
-            </p:extLst>
-          </p:nvPr>
-        </p:nvGraphicFramePr>
-        <p:xfrm>
-          <a:off x="3937917" y="3610592"/>
-          <a:ext cx="250825" cy="358775"/>
-        </p:xfrm>
-        <a:graphic>
-          <a:graphicData uri="http://schemas.openxmlformats.org/presentationml/2006/ole">
-            <mc:AlternateContent xmlns:mc="http://schemas.openxmlformats.org/markup-compatibility/2006">
-              <mc:Choice xmlns:v="urn:schemas-microsoft-com:vml" Requires="v">
-                <p:oleObj spid="_x0000_s1751" name="Visio" r:id="rId10" imgW="243768" imgH="605880" progId="Visio.Drawing.11">
-                  <p:embed/>
-                </p:oleObj>
-              </mc:Choice>
-              <mc:Fallback>
-                <p:oleObj name="Visio" r:id="rId10" imgW="243768" imgH="605880" progId="Visio.Drawing.11">
-                  <p:embed/>
-                  <p:pic>
-                    <p:nvPicPr>
-                      <p:cNvPr id="19" name="Object 18"/>
-                      <p:cNvPicPr>
-                        <a:picLocks noChangeAspect="1" noChangeArrowheads="1"/>
-                      </p:cNvPicPr>
-                      <p:nvPr/>
-                    </p:nvPicPr>
-                    <p:blipFill>
-                      <a:blip r:embed="rId11">
-                        <a:extLst>
-                          <a:ext uri="{28A0092B-C50C-407E-A947-70E740481C1C}">
-                            <a14:useLocalDpi xmlns:a14="http://schemas.microsoft.com/office/drawing/2010/main" val="0"/>
-                          </a:ext>
-                        </a:extLst>
-                      </a:blip>
-                      <a:srcRect/>
-                      <a:stretch>
-                        <a:fillRect/>
-                      </a:stretch>
-                    </p:blipFill>
-                    <p:spPr bwMode="auto">
-                      <a:xfrm>
-                        <a:off x="3937917" y="3610592"/>
-                        <a:ext cx="250825" cy="358775"/>
-                      </a:xfrm>
-                      <a:prstGeom prst="rect">
-                        <a:avLst/>
-                      </a:prstGeom>
-                      <a:noFill/>
-                      <a:extLst>
-                        <a:ext uri="{909E8E84-426E-40DD-AFC4-6F175D3DCCD1}">
-                          <a14:hiddenFill xmlns:a14="http://schemas.microsoft.com/office/drawing/2010/main">
-                            <a:solidFill>
-                              <a:srgbClr val="FFFFFF"/>
-                            </a:solidFill>
-                          </a14:hiddenFill>
-                        </a:ext>
-                      </a:extLst>
-                    </p:spPr>
-                  </p:pic>
-                </p:oleObj>
-              </mc:Fallback>
-            </mc:AlternateContent>
-          </a:graphicData>
-        </a:graphic>
-      </p:graphicFrame>
-      <p:sp>
-        <p:nvSpPr>
-          <p:cNvPr id="23" name="Rectangle 20"/>
-          <p:cNvSpPr>
-            <a:spLocks noChangeArrowheads="1"/>
-          </p:cNvSpPr>
-          <p:nvPr/>
-        </p:nvSpPr>
-        <p:spPr bwMode="auto">
-          <a:xfrm>
-            <a:off x="4250029" y="4794220"/>
-            <a:ext cx="9144000" cy="0"/>
-          </a:xfrm>
-          <a:prstGeom prst="rect">
-            <a:avLst/>
-          </a:prstGeom>
-          <a:noFill/>
-          <a:ln>
-            <a:noFill/>
-          </a:ln>
-          <a:effectLst/>
-          <a:extLst>
-            <a:ext uri="{909E8E84-426E-40DD-AFC4-6F175D3DCCD1}">
-              <a14:hiddenFill xmlns:a14="http://schemas.microsoft.com/office/drawing/2010/main">
-                <a:solidFill>
-                  <a:schemeClr val="accent1"/>
-                </a:solidFill>
-              </a14:hiddenFill>
-            </a:ext>
-            <a:ext uri="{91240B29-F687-4F45-9708-019B960494DF}">
-              <a14:hiddenLine xmlns:a14="http://schemas.microsoft.com/office/drawing/2010/main" w="9525">
-                <a:solidFill>
-                  <a:schemeClr val="tx1"/>
-                </a:solidFill>
-                <a:miter lim="800000"/>
-                <a:headEnd/>
-                <a:tailEnd/>
-              </a14:hiddenLine>
-            </a:ext>
-            <a:ext uri="{AF507438-7753-43E0-B8FC-AC1667EBCBE1}">
-              <a14:hiddenEffects xmlns:a14="http://schemas.microsoft.com/office/drawing/2010/main">
-                <a:effectLst>
-                  <a:outerShdw dist="35921" dir="2700000" algn="ctr" rotWithShape="0">
-                    <a:schemeClr val="bg2"/>
-                  </a:outerShdw>
-                </a:effectLst>
-              </a14:hiddenEffects>
-            </a:ext>
-          </a:extLst>
-        </p:spPr>
-        <p:txBody>
-          <a:bodyPr vert="horz" wrap="none" lIns="91440" tIns="45720" rIns="91440" bIns="45720" numCol="1" anchor="ctr" anchorCtr="0" compatLnSpc="1">
-            <a:prstTxWarp prst="textNoShape">
-              <a:avLst/>
-            </a:prstTxWarp>
-            <a:spAutoFit/>
-          </a:bodyPr>
-          <a:lstStyle/>
-          <a:p>
-            <a:endParaRPr lang="en-US"/>
-          </a:p>
-        </p:txBody>
-      </p:sp>
-      <p:graphicFrame>
-        <p:nvGraphicFramePr>
-          <p:cNvPr id="24" name="Object 23"/>
-          <p:cNvGraphicFramePr>
-            <a:graphicFrameLocks noChangeAspect="1"/>
-          </p:cNvGraphicFramePr>
-          <p:nvPr>
-            <p:extLst>
-              <p:ext uri="{D42A27DB-BD31-4B8C-83A1-F6EECF244321}">
-                <p14:modId xmlns:p14="http://schemas.microsoft.com/office/powerpoint/2010/main" val="1581849701"/>
-              </p:ext>
-            </p:extLst>
-          </p:nvPr>
-        </p:nvGraphicFramePr>
-        <p:xfrm>
-          <a:off x="3603371" y="4033191"/>
-          <a:ext cx="1089025" cy="479425"/>
-        </p:xfrm>
-        <a:graphic>
-          <a:graphicData uri="http://schemas.openxmlformats.org/presentationml/2006/ole">
-            <mc:AlternateContent xmlns:mc="http://schemas.openxmlformats.org/markup-compatibility/2006">
-              <mc:Choice xmlns:v="urn:schemas-microsoft-com:vml" Requires="v">
-                <p:oleObj spid="_x0000_s1752" name="Visio" r:id="rId12" imgW="1091337" imgH="605880" progId="Visio.Drawing.11">
-                  <p:embed/>
-                </p:oleObj>
-              </mc:Choice>
-              <mc:Fallback>
-                <p:oleObj name="Visio" r:id="rId12" imgW="1091337" imgH="605880" progId="Visio.Drawing.11">
-                  <p:embed/>
-                  <p:pic>
-                    <p:nvPicPr>
-                      <p:cNvPr id="0" name="Object 19"/>
-                      <p:cNvPicPr>
-                        <a:picLocks noChangeAspect="1" noChangeArrowheads="1"/>
-                      </p:cNvPicPr>
-                      <p:nvPr/>
-                    </p:nvPicPr>
-                    <p:blipFill>
-                      <a:blip r:embed="rId13">
-                        <a:extLst>
-                          <a:ext uri="{28A0092B-C50C-407E-A947-70E740481C1C}">
-                            <a14:useLocalDpi xmlns:a14="http://schemas.microsoft.com/office/drawing/2010/main" val="0"/>
-                          </a:ext>
-                        </a:extLst>
-                      </a:blip>
-                      <a:srcRect/>
-                      <a:stretch>
-                        <a:fillRect/>
-                      </a:stretch>
-                    </p:blipFill>
-                    <p:spPr bwMode="auto">
-                      <a:xfrm>
-                        <a:off x="3603371" y="4033191"/>
-                        <a:ext cx="1089025" cy="479425"/>
-                      </a:xfrm>
-                      <a:prstGeom prst="rect">
-                        <a:avLst/>
-                      </a:prstGeom>
-                      <a:noFill/>
-                      <a:extLst>
-                        <a:ext uri="{909E8E84-426E-40DD-AFC4-6F175D3DCCD1}">
-                          <a14:hiddenFill xmlns:a14="http://schemas.microsoft.com/office/drawing/2010/main">
-                            <a:solidFill>
-                              <a:srgbClr val="FFFFFF"/>
-                            </a:solidFill>
-                          </a14:hiddenFill>
-                        </a:ext>
-                      </a:extLst>
-                    </p:spPr>
-                  </p:pic>
-                </p:oleObj>
-              </mc:Fallback>
-            </mc:AlternateContent>
-          </a:graphicData>
-        </a:graphic>
-      </p:graphicFrame>
-      <p:sp>
-        <p:nvSpPr>
-          <p:cNvPr id="25" name="Rectangle 22"/>
-          <p:cNvSpPr>
-            <a:spLocks noChangeArrowheads="1"/>
-          </p:cNvSpPr>
-          <p:nvPr/>
-        </p:nvSpPr>
-        <p:spPr bwMode="auto">
-          <a:xfrm>
-            <a:off x="4480703" y="5194934"/>
-            <a:ext cx="9144000" cy="0"/>
-          </a:xfrm>
-          <a:prstGeom prst="rect">
-            <a:avLst/>
-          </a:prstGeom>
-          <a:noFill/>
-          <a:ln>
-            <a:noFill/>
-          </a:ln>
-          <a:effectLst/>
-          <a:extLst>
-            <a:ext uri="{909E8E84-426E-40DD-AFC4-6F175D3DCCD1}">
-              <a14:hiddenFill xmlns:a14="http://schemas.microsoft.com/office/drawing/2010/main">
-                <a:solidFill>
-                  <a:schemeClr val="accent1"/>
-                </a:solidFill>
-              </a14:hiddenFill>
-            </a:ext>
-            <a:ext uri="{91240B29-F687-4F45-9708-019B960494DF}">
-              <a14:hiddenLine xmlns:a14="http://schemas.microsoft.com/office/drawing/2010/main" w="9525">
-                <a:solidFill>
-                  <a:schemeClr val="tx1"/>
-                </a:solidFill>
-                <a:miter lim="800000"/>
-                <a:headEnd/>
-                <a:tailEnd/>
-              </a14:hiddenLine>
-            </a:ext>
-            <a:ext uri="{AF507438-7753-43E0-B8FC-AC1667EBCBE1}">
-              <a14:hiddenEffects xmlns:a14="http://schemas.microsoft.com/office/drawing/2010/main">
-                <a:effectLst>
-                  <a:outerShdw dist="35921" dir="2700000" algn="ctr" rotWithShape="0">
-                    <a:schemeClr val="bg2"/>
-                  </a:outerShdw>
-                </a:effectLst>
-              </a14:hiddenEffects>
-            </a:ext>
-          </a:extLst>
-        </p:spPr>
-        <p:txBody>
-          <a:bodyPr vert="horz" wrap="none" lIns="91440" tIns="45720" rIns="91440" bIns="45720" numCol="1" anchor="ctr" anchorCtr="0" compatLnSpc="1">
-            <a:prstTxWarp prst="textNoShape">
-              <a:avLst/>
-            </a:prstTxWarp>
-            <a:spAutoFit/>
-          </a:bodyPr>
-          <a:lstStyle/>
-          <a:p>
-            <a:endParaRPr lang="en-US"/>
-          </a:p>
-        </p:txBody>
-      </p:sp>
-      <p:graphicFrame>
-        <p:nvGraphicFramePr>
-          <p:cNvPr id="26" name="Object 25"/>
-          <p:cNvGraphicFramePr>
-            <a:graphicFrameLocks noChangeAspect="1"/>
-          </p:cNvGraphicFramePr>
-          <p:nvPr>
-            <p:extLst>
-              <p:ext uri="{D42A27DB-BD31-4B8C-83A1-F6EECF244321}">
-                <p14:modId xmlns:p14="http://schemas.microsoft.com/office/powerpoint/2010/main" val="3928027423"/>
-              </p:ext>
-            </p:extLst>
-          </p:nvPr>
-        </p:nvGraphicFramePr>
-        <p:xfrm>
-          <a:off x="3778997" y="4610011"/>
-          <a:ext cx="701706" cy="454754"/>
-        </p:xfrm>
-        <a:graphic>
-          <a:graphicData uri="http://schemas.openxmlformats.org/presentationml/2006/ole">
-            <mc:AlternateContent xmlns:mc="http://schemas.openxmlformats.org/markup-compatibility/2006">
-              <mc:Choice xmlns:v="urn:schemas-microsoft-com:vml" Requires="v">
-                <p:oleObj spid="_x0000_s1753" name="Visio" r:id="rId14" imgW="751402" imgH="605880" progId="Visio.Drawing.11">
-                  <p:embed/>
-                </p:oleObj>
-              </mc:Choice>
-              <mc:Fallback>
-                <p:oleObj name="Visio" r:id="rId14" imgW="751402" imgH="605880" progId="Visio.Drawing.11">
-                  <p:embed/>
-                  <p:pic>
-                    <p:nvPicPr>
-                      <p:cNvPr id="0" name="Object 21"/>
-                      <p:cNvPicPr>
-                        <a:picLocks noChangeAspect="1" noChangeArrowheads="1"/>
-                      </p:cNvPicPr>
-                      <p:nvPr/>
-                    </p:nvPicPr>
-                    <p:blipFill>
-                      <a:blip r:embed="rId15">
-                        <a:extLst>
-                          <a:ext uri="{28A0092B-C50C-407E-A947-70E740481C1C}">
-                            <a14:useLocalDpi xmlns:a14="http://schemas.microsoft.com/office/drawing/2010/main" val="0"/>
-                          </a:ext>
-                        </a:extLst>
-                      </a:blip>
-                      <a:srcRect/>
-                      <a:stretch>
-                        <a:fillRect/>
-                      </a:stretch>
-                    </p:blipFill>
-                    <p:spPr bwMode="auto">
-                      <a:xfrm>
-                        <a:off x="3778997" y="4610011"/>
-                        <a:ext cx="701706" cy="454754"/>
-                      </a:xfrm>
-                      <a:prstGeom prst="rect">
-                        <a:avLst/>
-                      </a:prstGeom>
-                      <a:noFill/>
-                    </p:spPr>
-                  </p:pic>
-                </p:oleObj>
-              </mc:Fallback>
-            </mc:AlternateContent>
-          </a:graphicData>
-        </a:graphic>
-      </p:graphicFrame>
-      <p:sp>
-        <p:nvSpPr>
-          <p:cNvPr id="27" name="Rectangle 24"/>
-          <p:cNvSpPr>
-            <a:spLocks noChangeArrowheads="1"/>
-          </p:cNvSpPr>
-          <p:nvPr/>
-        </p:nvSpPr>
-        <p:spPr bwMode="auto">
-          <a:xfrm>
-            <a:off x="-79380" y="-9331"/>
-            <a:ext cx="9144000" cy="0"/>
-          </a:xfrm>
-          <a:prstGeom prst="rect">
-            <a:avLst/>
-          </a:prstGeom>
-          <a:noFill/>
-          <a:ln>
-            <a:noFill/>
-          </a:ln>
-          <a:effectLst/>
-          <a:extLst>
-            <a:ext uri="{909E8E84-426E-40DD-AFC4-6F175D3DCCD1}">
-              <a14:hiddenFill xmlns:a14="http://schemas.microsoft.com/office/drawing/2010/main">
-                <a:solidFill>
-                  <a:schemeClr val="accent1"/>
-                </a:solidFill>
-              </a14:hiddenFill>
-            </a:ext>
-            <a:ext uri="{91240B29-F687-4F45-9708-019B960494DF}">
-              <a14:hiddenLine xmlns:a14="http://schemas.microsoft.com/office/drawing/2010/main" w="9525">
-                <a:solidFill>
-                  <a:schemeClr val="tx1"/>
-                </a:solidFill>
-                <a:miter lim="800000"/>
-                <a:headEnd/>
-                <a:tailEnd/>
-              </a14:hiddenLine>
-            </a:ext>
-            <a:ext uri="{AF507438-7753-43E0-B8FC-AC1667EBCBE1}">
-              <a14:hiddenEffects xmlns:a14="http://schemas.microsoft.com/office/drawing/2010/main">
-                <a:effectLst>
-                  <a:outerShdw dist="35921" dir="2700000" algn="ctr" rotWithShape="0">
-                    <a:schemeClr val="bg2"/>
-                  </a:outerShdw>
-                </a:effectLst>
-              </a14:hiddenEffects>
-            </a:ext>
-          </a:extLst>
-        </p:spPr>
-        <p:txBody>
-          <a:bodyPr vert="horz" wrap="none" lIns="91440" tIns="45720" rIns="91440" bIns="45720" numCol="1" anchor="ctr" anchorCtr="0" compatLnSpc="1">
-            <a:prstTxWarp prst="textNoShape">
-              <a:avLst/>
-            </a:prstTxWarp>
-            <a:spAutoFit/>
-          </a:bodyPr>
-          <a:lstStyle/>
-          <a:p>
-            <a:endParaRPr lang="en-US"/>
-          </a:p>
-        </p:txBody>
-      </p:sp>
-      <p:graphicFrame>
-        <p:nvGraphicFramePr>
-          <p:cNvPr id="28" name="Object 27"/>
-          <p:cNvGraphicFramePr>
-            <a:graphicFrameLocks noChangeAspect="1"/>
-          </p:cNvGraphicFramePr>
-          <p:nvPr>
-            <p:extLst>
-              <p:ext uri="{D42A27DB-BD31-4B8C-83A1-F6EECF244321}">
-                <p14:modId xmlns:p14="http://schemas.microsoft.com/office/powerpoint/2010/main" val="3071044271"/>
-              </p:ext>
-            </p:extLst>
-          </p:nvPr>
-        </p:nvGraphicFramePr>
-        <p:xfrm>
-          <a:off x="4014533" y="4982676"/>
-          <a:ext cx="266700" cy="419100"/>
-        </p:xfrm>
-        <a:graphic>
-          <a:graphicData uri="http://schemas.openxmlformats.org/presentationml/2006/ole">
-            <mc:AlternateContent xmlns:mc="http://schemas.openxmlformats.org/markup-compatibility/2006">
-              <mc:Choice xmlns:v="urn:schemas-microsoft-com:vml" Requires="v">
-                <p:oleObj spid="_x0000_s1754" name="Visio" r:id="rId16" imgW="267540" imgH="605880" progId="Visio.Drawing.11">
-                  <p:embed/>
-                </p:oleObj>
-              </mc:Choice>
-              <mc:Fallback>
-                <p:oleObj name="Visio" r:id="rId16" imgW="267540" imgH="605880" progId="Visio.Drawing.11">
-                  <p:embed/>
-                  <p:pic>
-                    <p:nvPicPr>
-                      <p:cNvPr id="0" name="Object 23"/>
-                      <p:cNvPicPr>
-                        <a:picLocks noChangeAspect="1" noChangeArrowheads="1"/>
-                      </p:cNvPicPr>
-                      <p:nvPr/>
-                    </p:nvPicPr>
-                    <p:blipFill>
-                      <a:blip r:embed="rId17">
-                        <a:extLst>
-                          <a:ext uri="{28A0092B-C50C-407E-A947-70E740481C1C}">
-                            <a14:useLocalDpi xmlns:a14="http://schemas.microsoft.com/office/drawing/2010/main" val="0"/>
-                          </a:ext>
-                        </a:extLst>
-                      </a:blip>
-                      <a:srcRect/>
-                      <a:stretch>
-                        <a:fillRect/>
-                      </a:stretch>
-                    </p:blipFill>
-                    <p:spPr bwMode="auto">
-                      <a:xfrm>
-                        <a:off x="4014533" y="4982676"/>
-                        <a:ext cx="266700" cy="419100"/>
-                      </a:xfrm>
-                      <a:prstGeom prst="rect">
-                        <a:avLst/>
-                      </a:prstGeom>
-                      <a:noFill/>
-                      <a:extLst>
-                        <a:ext uri="{909E8E84-426E-40DD-AFC4-6F175D3DCCD1}">
-                          <a14:hiddenFill xmlns:a14="http://schemas.microsoft.com/office/drawing/2010/main">
-                            <a:solidFill>
-                              <a:srgbClr val="FFFFFF"/>
-                            </a:solidFill>
-                          </a14:hiddenFill>
-                        </a:ext>
-                      </a:extLst>
-                    </p:spPr>
-                  </p:pic>
-                </p:oleObj>
-              </mc:Fallback>
-            </mc:AlternateContent>
-          </a:graphicData>
-        </a:graphic>
-      </p:graphicFrame>
-      <p:sp>
-        <p:nvSpPr>
-          <p:cNvPr id="29" name="Rectangle 26"/>
-          <p:cNvSpPr>
-            <a:spLocks noChangeArrowheads="1"/>
-          </p:cNvSpPr>
-          <p:nvPr/>
-        </p:nvSpPr>
-        <p:spPr bwMode="auto">
-          <a:xfrm>
-            <a:off x="4408261" y="5909135"/>
-            <a:ext cx="7367479" cy="45719"/>
-          </a:xfrm>
-          <a:prstGeom prst="rect">
-            <a:avLst/>
-          </a:prstGeom>
-          <a:noFill/>
-          <a:ln>
-            <a:noFill/>
-          </a:ln>
-          <a:effectLst/>
-          <a:extLst>
-            <a:ext uri="{909E8E84-426E-40DD-AFC4-6F175D3DCCD1}">
-              <a14:hiddenFill xmlns:a14="http://schemas.microsoft.com/office/drawing/2010/main">
-                <a:solidFill>
-                  <a:schemeClr val="accent1"/>
-                </a:solidFill>
-              </a14:hiddenFill>
-            </a:ext>
-            <a:ext uri="{91240B29-F687-4F45-9708-019B960494DF}">
-              <a14:hiddenLine xmlns:a14="http://schemas.microsoft.com/office/drawing/2010/main" w="9525">
-                <a:solidFill>
-                  <a:schemeClr val="tx1"/>
-                </a:solidFill>
-                <a:miter lim="800000"/>
-                <a:headEnd/>
-                <a:tailEnd/>
-              </a14:hiddenLine>
-            </a:ext>
-            <a:ext uri="{AF507438-7753-43E0-B8FC-AC1667EBCBE1}">
-              <a14:hiddenEffects xmlns:a14="http://schemas.microsoft.com/office/drawing/2010/main">
-                <a:effectLst>
-                  <a:outerShdw dist="35921" dir="2700000" algn="ctr" rotWithShape="0">
-                    <a:schemeClr val="bg2"/>
-                  </a:outerShdw>
-                </a:effectLst>
-              </a14:hiddenEffects>
-            </a:ext>
-          </a:extLst>
-        </p:spPr>
-        <p:txBody>
-          <a:bodyPr vert="horz" wrap="square" lIns="91440" tIns="45720" rIns="91440" bIns="45720" numCol="1" anchor="ctr" anchorCtr="0" compatLnSpc="1">
-            <a:prstTxWarp prst="textNoShape">
-              <a:avLst/>
-            </a:prstTxWarp>
-            <a:spAutoFit/>
-          </a:bodyPr>
-          <a:lstStyle/>
-          <a:p>
-            <a:endParaRPr lang="en-US"/>
-          </a:p>
-        </p:txBody>
-      </p:sp>
-      <p:graphicFrame>
-        <p:nvGraphicFramePr>
-          <p:cNvPr id="30" name="Object 29"/>
-          <p:cNvGraphicFramePr>
-            <a:graphicFrameLocks noChangeAspect="1"/>
-          </p:cNvGraphicFramePr>
-          <p:nvPr>
-            <p:extLst>
-              <p:ext uri="{D42A27DB-BD31-4B8C-83A1-F6EECF244321}">
-                <p14:modId xmlns:p14="http://schemas.microsoft.com/office/powerpoint/2010/main" val="3150203349"/>
-              </p:ext>
-            </p:extLst>
-          </p:nvPr>
-        </p:nvGraphicFramePr>
-        <p:xfrm>
-          <a:off x="3982991" y="5539372"/>
-          <a:ext cx="411501" cy="457829"/>
-        </p:xfrm>
-        <a:graphic>
-          <a:graphicData uri="http://schemas.openxmlformats.org/presentationml/2006/ole">
-            <mc:AlternateContent xmlns:mc="http://schemas.openxmlformats.org/markup-compatibility/2006">
-              <mc:Choice xmlns:v="urn:schemas-microsoft-com:vml" Requires="v">
-                <p:oleObj spid="_x0000_s1755" name="Visio" r:id="rId18" imgW="473705" imgH="605880" progId="Visio.Drawing.11">
-                  <p:embed/>
-                </p:oleObj>
-              </mc:Choice>
-              <mc:Fallback>
-                <p:oleObj name="Visio" r:id="rId18" imgW="473705" imgH="605880" progId="Visio.Drawing.11">
-                  <p:embed/>
-                  <p:pic>
-                    <p:nvPicPr>
-                      <p:cNvPr id="0" name="Object 25"/>
-                      <p:cNvPicPr>
-                        <a:picLocks noChangeAspect="1" noChangeArrowheads="1"/>
-                      </p:cNvPicPr>
-                      <p:nvPr/>
-                    </p:nvPicPr>
-                    <p:blipFill>
-                      <a:blip r:embed="rId19">
-                        <a:extLst>
-                          <a:ext uri="{28A0092B-C50C-407E-A947-70E740481C1C}">
-                            <a14:useLocalDpi xmlns:a14="http://schemas.microsoft.com/office/drawing/2010/main" val="0"/>
-                          </a:ext>
-                        </a:extLst>
-                      </a:blip>
-                      <a:srcRect/>
-                      <a:stretch>
-                        <a:fillRect/>
-                      </a:stretch>
-                    </p:blipFill>
-                    <p:spPr bwMode="auto">
-                      <a:xfrm>
-                        <a:off x="3982991" y="5539372"/>
-                        <a:ext cx="411501" cy="457829"/>
-                      </a:xfrm>
-                      <a:prstGeom prst="rect">
-                        <a:avLst/>
-                      </a:prstGeom>
-                      <a:noFill/>
-                    </p:spPr>
-                  </p:pic>
-                </p:oleObj>
-              </mc:Fallback>
-            </mc:AlternateContent>
-          </a:graphicData>
-        </a:graphic>
-      </p:graphicFrame>
     </p:spTree>
     <p:extLst>
       <p:ext uri="{BB962C8B-B14F-4D97-AF65-F5344CB8AC3E}">
-        <p14:creationId xmlns:p14="http://schemas.microsoft.com/office/powerpoint/2010/main" val="1846670546"/>
+        <p14:creationId xmlns:p14="http://schemas.microsoft.com/office/powerpoint/2010/main" val="4211948641"/>
       </p:ext>
     </p:extLst>
   </p:cSld>
   <p:clrMapOvr>
     <a:masterClrMapping/>
   </p:clrMapOvr>
-  <p:timing>
-    <p:tnLst>
-      <p:par>
-        <p:cTn id="1" dur="indefinite" restart="never" nodeType="tmRoot"/>
-      </p:par>
-    </p:tnLst>
-  </p:timing>
 </p:sld>
 </file>
 
@@ -15352,6 +11059,20 @@
           <a:lstStyle/>
           <a:p>
             <a:r>
+              <a:rPr lang="en-US" b="1" dirty="0" smtClean="0">
+                <a:effectLst>
+                  <a:outerShdw blurRad="38100" dist="38100" dir="2700000" algn="tl">
+                    <a:srgbClr val="000000">
+                      <a:alpha val="43137"/>
+                    </a:srgbClr>
+                  </a:outerShdw>
+                </a:effectLst>
+                <a:latin typeface="Arial" panose="020B0604020202020204" pitchFamily="34" charset="0"/>
+                <a:cs typeface="Arial" panose="020B0604020202020204" pitchFamily="34" charset="0"/>
+              </a:rPr>
+              <a:t>CBIIT </a:t>
+            </a:r>
+            <a:r>
               <a:rPr lang="en-US" b="1" dirty="0">
                 <a:effectLst>
                   <a:outerShdw blurRad="38100" dist="38100" dir="2700000" algn="tl">
@@ -15360,878 +11081,83 @@
                     </a:srgbClr>
                   </a:outerShdw>
                 </a:effectLst>
+                <a:latin typeface="Arial" panose="020B0604020202020204" pitchFamily="34" charset="0"/>
+                <a:cs typeface="Arial" panose="020B0604020202020204" pitchFamily="34" charset="0"/>
               </a:rPr>
-              <a:t>“As-Is” </a:t>
-            </a:r>
-            <a:r>
-              <a:rPr lang="en-US" b="1" dirty="0" smtClean="0">
-                <a:effectLst>
-                  <a:outerShdw blurRad="38100" dist="38100" dir="2700000" algn="tl">
-                    <a:srgbClr val="000000">
-                      <a:alpha val="43137"/>
-                    </a:srgbClr>
-                  </a:outerShdw>
-                </a:effectLst>
-              </a:rPr>
-              <a:t>user functionality (cont.)</a:t>
-            </a:r>
-            <a:endParaRPr lang="en-US" dirty="0"/>
+              <a:t>will be reaching out to SME(s)</a:t>
+            </a:r>
           </a:p>
         </p:txBody>
       </p:sp>
-      <p:graphicFrame>
-        <p:nvGraphicFramePr>
-          <p:cNvPr id="4" name="Content Placeholder 3"/>
-          <p:cNvGraphicFramePr>
-            <a:graphicFrameLocks noGrp="1" noChangeAspect="1"/>
-          </p:cNvGraphicFramePr>
+      <p:sp>
+        <p:nvSpPr>
+          <p:cNvPr id="3" name="Content Placeholder 2"/>
+          <p:cNvSpPr>
+            <a:spLocks noGrp="1"/>
+          </p:cNvSpPr>
           <p:nvPr>
             <p:ph sz="quarter" idx="11"/>
-            <p:extLst>
-              <p:ext uri="{D42A27DB-BD31-4B8C-83A1-F6EECF244321}">
-                <p14:modId xmlns:p14="http://schemas.microsoft.com/office/powerpoint/2010/main" val="1544690384"/>
-              </p:ext>
-            </p:extLst>
           </p:nvPr>
-        </p:nvGraphicFramePr>
-        <p:xfrm>
-          <a:off x="609600" y="1045638"/>
-          <a:ext cx="3195638" cy="1795463"/>
-        </p:xfrm>
-        <a:graphic>
-          <a:graphicData uri="http://schemas.openxmlformats.org/presentationml/2006/ole">
-            <mc:AlternateContent xmlns:mc="http://schemas.openxmlformats.org/markup-compatibility/2006">
-              <mc:Choice xmlns:v="urn:schemas-microsoft-com:vml" Requires="v">
-                <p:oleObj spid="_x0000_s2392" name="Visio" r:id="rId3" imgW="3196429" imgH="1796256" progId="Visio.Drawing.11">
-                  <p:embed/>
-                </p:oleObj>
-              </mc:Choice>
-              <mc:Fallback>
-                <p:oleObj name="Visio" r:id="rId3" imgW="3196429" imgH="1796256" progId="Visio.Drawing.11">
-                  <p:embed/>
-                  <p:pic>
-                    <p:nvPicPr>
-                      <p:cNvPr id="13" name="Object 12"/>
-                      <p:cNvPicPr>
-                        <a:picLocks noChangeAspect="1" noChangeArrowheads="1"/>
-                      </p:cNvPicPr>
-                      <p:nvPr/>
-                    </p:nvPicPr>
-                    <p:blipFill>
-                      <a:blip r:embed="rId4">
-                        <a:extLst>
-                          <a:ext uri="{28A0092B-C50C-407E-A947-70E740481C1C}">
-                            <a14:useLocalDpi xmlns:a14="http://schemas.microsoft.com/office/drawing/2010/main" val="0"/>
-                          </a:ext>
-                        </a:extLst>
-                      </a:blip>
-                      <a:srcRect/>
-                      <a:stretch>
-                        <a:fillRect/>
-                      </a:stretch>
-                    </p:blipFill>
-                    <p:spPr bwMode="auto">
-                      <a:xfrm>
-                        <a:off x="609600" y="1045638"/>
-                        <a:ext cx="3195638" cy="1795463"/>
-                      </a:xfrm>
-                      <a:prstGeom prst="rect">
-                        <a:avLst/>
-                      </a:prstGeom>
-                      <a:noFill/>
-                    </p:spPr>
-                  </p:pic>
-                </p:oleObj>
-              </mc:Fallback>
-            </mc:AlternateContent>
-          </a:graphicData>
-        </a:graphic>
-      </p:graphicFrame>
-      <p:graphicFrame>
-        <p:nvGraphicFramePr>
-          <p:cNvPr id="5" name="Object 4"/>
-          <p:cNvGraphicFramePr>
-            <a:graphicFrameLocks noChangeAspect="1"/>
-          </p:cNvGraphicFramePr>
-          <p:nvPr>
-            <p:extLst>
-              <p:ext uri="{D42A27DB-BD31-4B8C-83A1-F6EECF244321}">
-                <p14:modId xmlns:p14="http://schemas.microsoft.com/office/powerpoint/2010/main" val="2495096909"/>
-              </p:ext>
-            </p:extLst>
-          </p:nvPr>
-        </p:nvGraphicFramePr>
-        <p:xfrm>
-          <a:off x="4343400" y="1039941"/>
-          <a:ext cx="3124200" cy="1801160"/>
-        </p:xfrm>
-        <a:graphic>
-          <a:graphicData uri="http://schemas.openxmlformats.org/presentationml/2006/ole">
-            <mc:AlternateContent xmlns:mc="http://schemas.openxmlformats.org/markup-compatibility/2006">
-              <mc:Choice xmlns:v="urn:schemas-microsoft-com:vml" Requires="v">
-                <p:oleObj spid="_x0000_s2393" name="Visio" r:id="rId5" imgW="3196429" imgH="1839240" progId="Visio.Drawing.11">
-                  <p:embed/>
-                </p:oleObj>
-              </mc:Choice>
-              <mc:Fallback>
-                <p:oleObj name="Visio" r:id="rId5" imgW="3196429" imgH="1839240" progId="Visio.Drawing.11">
-                  <p:embed/>
-                  <p:pic>
-                    <p:nvPicPr>
-                      <p:cNvPr id="15" name="Object 14"/>
-                      <p:cNvPicPr>
-                        <a:picLocks noChangeAspect="1" noChangeArrowheads="1"/>
-                      </p:cNvPicPr>
-                      <p:nvPr/>
-                    </p:nvPicPr>
-                    <p:blipFill>
-                      <a:blip r:embed="rId6">
-                        <a:extLst>
-                          <a:ext uri="{28A0092B-C50C-407E-A947-70E740481C1C}">
-                            <a14:useLocalDpi xmlns:a14="http://schemas.microsoft.com/office/drawing/2010/main" val="0"/>
-                          </a:ext>
-                        </a:extLst>
-                      </a:blip>
-                      <a:srcRect/>
-                      <a:stretch>
-                        <a:fillRect/>
-                      </a:stretch>
-                    </p:blipFill>
-                    <p:spPr bwMode="auto">
-                      <a:xfrm>
-                        <a:off x="4343400" y="1039941"/>
-                        <a:ext cx="3124200" cy="1801160"/>
-                      </a:xfrm>
-                      <a:prstGeom prst="rect">
-                        <a:avLst/>
-                      </a:prstGeom>
-                      <a:noFill/>
-                    </p:spPr>
-                  </p:pic>
-                </p:oleObj>
-              </mc:Fallback>
-            </mc:AlternateContent>
-          </a:graphicData>
-        </a:graphic>
-      </p:graphicFrame>
-      <p:graphicFrame>
-        <p:nvGraphicFramePr>
-          <p:cNvPr id="6" name="Table 5"/>
-          <p:cNvGraphicFramePr>
-            <a:graphicFrameLocks noGrp="1"/>
-          </p:cNvGraphicFramePr>
-          <p:nvPr>
-            <p:extLst>
-              <p:ext uri="{D42A27DB-BD31-4B8C-83A1-F6EECF244321}">
-                <p14:modId xmlns:p14="http://schemas.microsoft.com/office/powerpoint/2010/main" val="2297204447"/>
-              </p:ext>
-            </p:extLst>
-          </p:nvPr>
-        </p:nvGraphicFramePr>
-        <p:xfrm>
-          <a:off x="1066800" y="2992408"/>
-          <a:ext cx="6096000" cy="1564352"/>
-        </p:xfrm>
-        <a:graphic>
-          <a:graphicData uri="http://schemas.openxmlformats.org/drawingml/2006/table">
-            <a:tbl>
-              <a:tblPr firstRow="1" bandRow="1">
-                <a:tableStyleId>{00A15C55-8517-42AA-B614-E9B94910E393}</a:tableStyleId>
-              </a:tblPr>
-              <a:tblGrid>
-                <a:gridCol w="1143000">
-                  <a:extLst>
-                    <a:ext uri="{9D8B030D-6E8A-4147-A177-3AD203B41FA5}">
-                      <a16:colId xmlns:a16="http://schemas.microsoft.com/office/drawing/2014/main" val="251424920"/>
-                    </a:ext>
-                  </a:extLst>
-                </a:gridCol>
-                <a:gridCol w="4953000">
-                  <a:extLst>
-                    <a:ext uri="{9D8B030D-6E8A-4147-A177-3AD203B41FA5}">
-                      <a16:colId xmlns:a16="http://schemas.microsoft.com/office/drawing/2014/main" val="483884802"/>
-                    </a:ext>
-                  </a:extLst>
-                </a:gridCol>
-              </a:tblGrid>
-              <a:tr h="315519">
-                <a:tc>
-                  <a:txBody>
-                    <a:bodyPr/>
-                    <a:lstStyle/>
-                    <a:p>
-                      <a:r>
-                        <a:rPr lang="en-US" sz="1100" dirty="0" smtClean="0"/>
-                        <a:t>Icon</a:t>
-                      </a:r>
-                      <a:endParaRPr lang="en-US" sz="1100" dirty="0"/>
-                    </a:p>
-                  </a:txBody>
-                  <a:tcPr/>
-                </a:tc>
-                <a:tc>
-                  <a:txBody>
-                    <a:bodyPr/>
-                    <a:lstStyle/>
-                    <a:p>
-                      <a:r>
-                        <a:rPr lang="en-US" sz="1100" dirty="0" smtClean="0"/>
-                        <a:t>Description</a:t>
-                      </a:r>
-                      <a:endParaRPr lang="en-US" sz="1100" dirty="0"/>
-                    </a:p>
-                  </a:txBody>
-                  <a:tcPr/>
-                </a:tc>
-                <a:extLst>
-                  <a:ext uri="{0D108BD9-81ED-4DB2-BD59-A6C34878D82A}">
-                    <a16:rowId xmlns:a16="http://schemas.microsoft.com/office/drawing/2014/main" val="3649715620"/>
-                  </a:ext>
-                </a:extLst>
-              </a:tr>
-              <a:tr h="508288">
-                <a:tc>
-                  <a:txBody>
-                    <a:bodyPr/>
-                    <a:lstStyle/>
-                    <a:p>
-                      <a:endParaRPr lang="en-US" dirty="0"/>
-                    </a:p>
-                  </a:txBody>
-                  <a:tcPr/>
-                </a:tc>
-                <a:tc>
-                  <a:txBody>
-                    <a:bodyPr/>
-                    <a:lstStyle/>
-                    <a:p>
-                      <a:r>
-                        <a:rPr lang="en-US" sz="1000" kern="1200" dirty="0" smtClean="0">
-                          <a:solidFill>
-                            <a:schemeClr val="dk1"/>
-                          </a:solidFill>
-                          <a:effectLst/>
-                          <a:latin typeface="+mn-lt"/>
-                          <a:ea typeface="+mn-ea"/>
-                          <a:cs typeface="+mn-cs"/>
-                        </a:rPr>
-                        <a:t>Guest - users who have valid NCI user accounts </a:t>
-                      </a:r>
-                      <a:r>
-                        <a:rPr lang="en-US" sz="1000" kern="1200" dirty="0" smtClean="0">
-                          <a:solidFill>
-                            <a:schemeClr val="dk1"/>
-                          </a:solidFill>
-                          <a:latin typeface="+mn-lt"/>
-                          <a:ea typeface="+mn-ea"/>
-                          <a:cs typeface="+mn-cs"/>
-                        </a:rPr>
-                        <a:t>and thus are able to access the system, but they do not have any of the other roles specified for </a:t>
-                      </a:r>
-                      <a:r>
-                        <a:rPr lang="en-US" sz="1000" kern="1200" dirty="0" err="1" smtClean="0">
-                          <a:solidFill>
-                            <a:schemeClr val="dk1"/>
-                          </a:solidFill>
-                          <a:latin typeface="+mn-lt"/>
-                          <a:ea typeface="+mn-ea"/>
-                          <a:cs typeface="+mn-cs"/>
-                        </a:rPr>
-                        <a:t>Greensheets</a:t>
-                      </a:r>
-                      <a:r>
-                        <a:rPr lang="en-US" sz="1000" kern="1200" dirty="0" smtClean="0">
-                          <a:solidFill>
-                            <a:schemeClr val="dk1"/>
-                          </a:solidFill>
-                          <a:latin typeface="+mn-lt"/>
-                          <a:ea typeface="+mn-ea"/>
-                          <a:cs typeface="+mn-cs"/>
-                        </a:rPr>
-                        <a:t> system. Guest user sees all grants and all assigned </a:t>
-                      </a:r>
-                      <a:r>
-                        <a:rPr lang="en-US" sz="1000" kern="1200" dirty="0" err="1" smtClean="0">
-                          <a:solidFill>
-                            <a:schemeClr val="dk1"/>
-                          </a:solidFill>
-                          <a:latin typeface="+mn-lt"/>
-                          <a:ea typeface="+mn-ea"/>
-                          <a:cs typeface="+mn-cs"/>
-                        </a:rPr>
-                        <a:t>greensheets</a:t>
-                      </a:r>
-                      <a:r>
-                        <a:rPr lang="en-US" sz="1000" kern="1200" dirty="0" smtClean="0">
-                          <a:solidFill>
-                            <a:schemeClr val="dk1"/>
-                          </a:solidFill>
-                          <a:latin typeface="+mn-lt"/>
-                          <a:ea typeface="+mn-ea"/>
-                          <a:cs typeface="+mn-cs"/>
-                        </a:rPr>
-                        <a:t> in read-only mode. </a:t>
-                      </a:r>
-                      <a:endParaRPr lang="en-US" sz="1000" dirty="0"/>
-                    </a:p>
-                  </a:txBody>
-                  <a:tcPr/>
-                </a:tc>
-                <a:extLst>
-                  <a:ext uri="{0D108BD9-81ED-4DB2-BD59-A6C34878D82A}">
-                    <a16:rowId xmlns:a16="http://schemas.microsoft.com/office/drawing/2014/main" val="2647491716"/>
-                  </a:ext>
-                </a:extLst>
-              </a:tr>
-              <a:tr h="700193">
-                <a:tc>
-                  <a:txBody>
-                    <a:bodyPr/>
-                    <a:lstStyle/>
-                    <a:p>
-                      <a:endParaRPr lang="en-US" dirty="0"/>
-                    </a:p>
-                  </a:txBody>
-                  <a:tcPr/>
-                </a:tc>
-                <a:tc>
-                  <a:txBody>
-                    <a:bodyPr/>
-                    <a:lstStyle/>
-                    <a:p>
-                      <a:pPr marL="0" marR="0" indent="0" algn="l" defTabSz="457200" rtl="0" eaLnBrk="1" fontAlgn="auto" latinLnBrk="0" hangingPunct="1">
-                        <a:lnSpc>
-                          <a:spcPct val="100000"/>
-                        </a:lnSpc>
-                        <a:spcBef>
-                          <a:spcPts val="0"/>
-                        </a:spcBef>
-                        <a:spcAft>
-                          <a:spcPts val="0"/>
-                        </a:spcAft>
-                        <a:buClrTx/>
-                        <a:buSzTx/>
-                        <a:buFontTx/>
-                        <a:buNone/>
-                        <a:tabLst/>
-                        <a:defRPr/>
-                      </a:pPr>
-                      <a:r>
-                        <a:rPr lang="en-US" sz="1000" kern="1200" dirty="0" smtClean="0">
-                          <a:solidFill>
-                            <a:schemeClr val="dk1"/>
-                          </a:solidFill>
-                          <a:latin typeface="+mn-lt"/>
-                          <a:ea typeface="+mn-ea"/>
-                          <a:cs typeface="+mn-cs"/>
-                        </a:rPr>
-                        <a:t>Super User - Role created for troubleshooting purposes. Only developers have Super user role in production. Super user can Change User, Change FY, view/promote/reject templates from Form Builder to </a:t>
-                      </a:r>
-                      <a:r>
-                        <a:rPr lang="en-US" sz="1000" kern="1200" dirty="0" err="1" smtClean="0">
-                          <a:solidFill>
-                            <a:schemeClr val="dk1"/>
-                          </a:solidFill>
-                          <a:latin typeface="+mn-lt"/>
-                          <a:ea typeface="+mn-ea"/>
-                          <a:cs typeface="+mn-cs"/>
-                        </a:rPr>
-                        <a:t>Greensheets</a:t>
-                      </a:r>
-                      <a:endParaRPr lang="en-US" dirty="0"/>
-                    </a:p>
-                  </a:txBody>
-                  <a:tcPr/>
-                </a:tc>
-                <a:extLst>
-                  <a:ext uri="{0D108BD9-81ED-4DB2-BD59-A6C34878D82A}">
-                    <a16:rowId xmlns:a16="http://schemas.microsoft.com/office/drawing/2014/main" val="4237780404"/>
-                  </a:ext>
-                </a:extLst>
-              </a:tr>
-            </a:tbl>
-          </a:graphicData>
-        </a:graphic>
-      </p:graphicFrame>
-      <p:sp>
-        <p:nvSpPr>
-          <p:cNvPr id="7" name="Rectangle 12"/>
-          <p:cNvSpPr>
-            <a:spLocks noChangeArrowheads="1"/>
-          </p:cNvSpPr>
-          <p:nvPr/>
         </p:nvSpPr>
-        <p:spPr bwMode="auto">
-          <a:xfrm>
-            <a:off x="1219200" y="3810000"/>
-            <a:ext cx="9144000" cy="0"/>
-          </a:xfrm>
-          <a:prstGeom prst="rect">
-            <a:avLst/>
-          </a:prstGeom>
-          <a:noFill/>
-          <a:ln>
-            <a:noFill/>
-          </a:ln>
-          <a:effectLst/>
-          <a:extLst>
-            <a:ext uri="{909E8E84-426E-40DD-AFC4-6F175D3DCCD1}">
-              <a14:hiddenFill xmlns:a14="http://schemas.microsoft.com/office/drawing/2010/main">
-                <a:solidFill>
-                  <a:schemeClr val="accent1"/>
-                </a:solidFill>
-              </a14:hiddenFill>
-            </a:ext>
-            <a:ext uri="{91240B29-F687-4F45-9708-019B960494DF}">
-              <a14:hiddenLine xmlns:a14="http://schemas.microsoft.com/office/drawing/2010/main" w="9525">
-                <a:solidFill>
-                  <a:schemeClr val="tx1"/>
-                </a:solidFill>
-                <a:miter lim="800000"/>
-                <a:headEnd/>
-                <a:tailEnd/>
-              </a14:hiddenLine>
-            </a:ext>
-            <a:ext uri="{AF507438-7753-43E0-B8FC-AC1667EBCBE1}">
-              <a14:hiddenEffects xmlns:a14="http://schemas.microsoft.com/office/drawing/2010/main">
-                <a:effectLst>
-                  <a:outerShdw dist="35921" dir="2700000" algn="ctr" rotWithShape="0">
-                    <a:schemeClr val="bg2"/>
-                  </a:outerShdw>
-                </a:effectLst>
-              </a14:hiddenEffects>
-            </a:ext>
-          </a:extLst>
-        </p:spPr>
+        <p:spPr/>
         <p:txBody>
-          <a:bodyPr vert="horz" wrap="none" lIns="91440" tIns="45720" rIns="91440" bIns="45720" numCol="1" anchor="ctr" anchorCtr="0" compatLnSpc="1">
-            <a:prstTxWarp prst="textNoShape">
-              <a:avLst/>
-            </a:prstTxWarp>
-            <a:spAutoFit/>
-          </a:bodyPr>
+          <a:bodyPr/>
           <a:lstStyle/>
           <a:p>
-            <a:endParaRPr lang="en-US"/>
+            <a:r>
+              <a:rPr lang="en-US" dirty="0" smtClean="0"/>
+              <a:t>CBIIT will be reaching out to business owners and OGA stakeholders during all remaining phases of the project </a:t>
+            </a:r>
+          </a:p>
+          <a:p>
+            <a:r>
+              <a:rPr lang="en-US" dirty="0"/>
+              <a:t>Our analysis indicated that Program staff has specific </a:t>
+            </a:r>
+            <a:r>
+              <a:rPr lang="en-US" dirty="0" err="1" smtClean="0"/>
+              <a:t>GreenSheets</a:t>
+            </a:r>
+            <a:r>
+              <a:rPr lang="en-US" dirty="0" smtClean="0"/>
+              <a:t> needs (</a:t>
+            </a:r>
+            <a:r>
+              <a:rPr lang="en-US" dirty="0"/>
+              <a:t>e.g. specific search needs)</a:t>
+            </a:r>
+            <a:r>
+              <a:rPr lang="en-US" dirty="0" smtClean="0"/>
+              <a:t>. </a:t>
+            </a:r>
+            <a:r>
+              <a:rPr lang="en-US" dirty="0"/>
+              <a:t>We recommend brining several Program SME </a:t>
+            </a:r>
+            <a:r>
+              <a:rPr lang="en-US" dirty="0" smtClean="0"/>
+              <a:t>to </a:t>
+            </a:r>
+            <a:r>
+              <a:rPr lang="en-US" dirty="0"/>
+              <a:t>provide </a:t>
+            </a:r>
+            <a:r>
+              <a:rPr lang="en-US" dirty="0" smtClean="0"/>
+              <a:t>requirements </a:t>
+            </a:r>
+            <a:r>
+              <a:rPr lang="en-US" dirty="0"/>
+              <a:t>feedback for particular topics</a:t>
+            </a:r>
+            <a:endParaRPr lang="en-US" dirty="0"/>
           </a:p>
         </p:txBody>
       </p:sp>
-      <p:graphicFrame>
-        <p:nvGraphicFramePr>
-          <p:cNvPr id="8" name="Object 7"/>
-          <p:cNvGraphicFramePr>
-            <a:graphicFrameLocks noChangeAspect="1"/>
-          </p:cNvGraphicFramePr>
-          <p:nvPr>
-            <p:extLst>
-              <p:ext uri="{D42A27DB-BD31-4B8C-83A1-F6EECF244321}">
-                <p14:modId xmlns:p14="http://schemas.microsoft.com/office/powerpoint/2010/main" val="3626957020"/>
-              </p:ext>
-            </p:extLst>
-          </p:nvPr>
-        </p:nvGraphicFramePr>
-        <p:xfrm>
-          <a:off x="1299971" y="3429242"/>
-          <a:ext cx="296863" cy="434975"/>
-        </p:xfrm>
-        <a:graphic>
-          <a:graphicData uri="http://schemas.openxmlformats.org/presentationml/2006/ole">
-            <mc:AlternateContent xmlns:mc="http://schemas.openxmlformats.org/markup-compatibility/2006">
-              <mc:Choice xmlns:v="urn:schemas-microsoft-com:vml" Requires="v">
-                <p:oleObj spid="_x0000_s2394" name="Visio" r:id="rId7" imgW="311625" imgH="605880" progId="Visio.Drawing.11">
-                  <p:embed/>
-                </p:oleObj>
-              </mc:Choice>
-              <mc:Fallback>
-                <p:oleObj name="Visio" r:id="rId7" imgW="311625" imgH="605880" progId="Visio.Drawing.11">
-                  <p:embed/>
-                  <p:pic>
-                    <p:nvPicPr>
-                      <p:cNvPr id="0" name="Object 11"/>
-                      <p:cNvPicPr>
-                        <a:picLocks noChangeAspect="1" noChangeArrowheads="1"/>
-                      </p:cNvPicPr>
-                      <p:nvPr/>
-                    </p:nvPicPr>
-                    <p:blipFill>
-                      <a:blip r:embed="rId8">
-                        <a:extLst>
-                          <a:ext uri="{28A0092B-C50C-407E-A947-70E740481C1C}">
-                            <a14:useLocalDpi xmlns:a14="http://schemas.microsoft.com/office/drawing/2010/main" val="0"/>
-                          </a:ext>
-                        </a:extLst>
-                      </a:blip>
-                      <a:srcRect/>
-                      <a:stretch>
-                        <a:fillRect/>
-                      </a:stretch>
-                    </p:blipFill>
-                    <p:spPr bwMode="auto">
-                      <a:xfrm>
-                        <a:off x="1299971" y="3429242"/>
-                        <a:ext cx="296863" cy="434975"/>
-                      </a:xfrm>
-                      <a:prstGeom prst="rect">
-                        <a:avLst/>
-                      </a:prstGeom>
-                      <a:noFill/>
-                      <a:extLst>
-                        <a:ext uri="{909E8E84-426E-40DD-AFC4-6F175D3DCCD1}">
-                          <a14:hiddenFill xmlns:a14="http://schemas.microsoft.com/office/drawing/2010/main">
-                            <a:solidFill>
-                              <a:srgbClr val="FFFFFF"/>
-                            </a:solidFill>
-                          </a14:hiddenFill>
-                        </a:ext>
-                      </a:extLst>
-                    </p:spPr>
-                  </p:pic>
-                </p:oleObj>
-              </mc:Fallback>
-            </mc:AlternateContent>
-          </a:graphicData>
-        </a:graphic>
-      </p:graphicFrame>
-      <p:sp>
-        <p:nvSpPr>
-          <p:cNvPr id="9" name="Rectangle 14"/>
-          <p:cNvSpPr>
-            <a:spLocks noChangeArrowheads="1"/>
-          </p:cNvSpPr>
-          <p:nvPr/>
-        </p:nvSpPr>
-        <p:spPr bwMode="auto">
-          <a:xfrm>
-            <a:off x="1185672" y="4343400"/>
-            <a:ext cx="9144000" cy="0"/>
-          </a:xfrm>
-          <a:prstGeom prst="rect">
-            <a:avLst/>
-          </a:prstGeom>
-          <a:noFill/>
-          <a:ln>
-            <a:noFill/>
-          </a:ln>
-          <a:effectLst/>
-          <a:extLst>
-            <a:ext uri="{909E8E84-426E-40DD-AFC4-6F175D3DCCD1}">
-              <a14:hiddenFill xmlns:a14="http://schemas.microsoft.com/office/drawing/2010/main">
-                <a:solidFill>
-                  <a:schemeClr val="accent1"/>
-                </a:solidFill>
-              </a14:hiddenFill>
-            </a:ext>
-            <a:ext uri="{91240B29-F687-4F45-9708-019B960494DF}">
-              <a14:hiddenLine xmlns:a14="http://schemas.microsoft.com/office/drawing/2010/main" w="9525">
-                <a:solidFill>
-                  <a:schemeClr val="tx1"/>
-                </a:solidFill>
-                <a:miter lim="800000"/>
-                <a:headEnd/>
-                <a:tailEnd/>
-              </a14:hiddenLine>
-            </a:ext>
-            <a:ext uri="{AF507438-7753-43E0-B8FC-AC1667EBCBE1}">
-              <a14:hiddenEffects xmlns:a14="http://schemas.microsoft.com/office/drawing/2010/main">
-                <a:effectLst>
-                  <a:outerShdw dist="35921" dir="2700000" algn="ctr" rotWithShape="0">
-                    <a:schemeClr val="bg2"/>
-                  </a:outerShdw>
-                </a:effectLst>
-              </a14:hiddenEffects>
-            </a:ext>
-          </a:extLst>
-        </p:spPr>
-        <p:txBody>
-          <a:bodyPr vert="horz" wrap="none" lIns="91440" tIns="45720" rIns="91440" bIns="45720" numCol="1" anchor="ctr" anchorCtr="0" compatLnSpc="1">
-            <a:prstTxWarp prst="textNoShape">
-              <a:avLst/>
-            </a:prstTxWarp>
-            <a:spAutoFit/>
-          </a:bodyPr>
-          <a:lstStyle/>
-          <a:p>
-            <a:endParaRPr lang="en-US"/>
-          </a:p>
-        </p:txBody>
-      </p:sp>
-      <p:graphicFrame>
-        <p:nvGraphicFramePr>
-          <p:cNvPr id="10" name="Object 9"/>
-          <p:cNvGraphicFramePr>
-            <a:graphicFrameLocks noChangeAspect="1"/>
-          </p:cNvGraphicFramePr>
-          <p:nvPr>
-            <p:extLst>
-              <p:ext uri="{D42A27DB-BD31-4B8C-83A1-F6EECF244321}">
-                <p14:modId xmlns:p14="http://schemas.microsoft.com/office/powerpoint/2010/main" val="4231492566"/>
-              </p:ext>
-            </p:extLst>
-          </p:nvPr>
-        </p:nvGraphicFramePr>
-        <p:xfrm>
-          <a:off x="1210658" y="3961308"/>
-          <a:ext cx="525463" cy="457200"/>
-        </p:xfrm>
-        <a:graphic>
-          <a:graphicData uri="http://schemas.openxmlformats.org/presentationml/2006/ole">
-            <mc:AlternateContent xmlns:mc="http://schemas.openxmlformats.org/markup-compatibility/2006">
-              <mc:Choice xmlns:v="urn:schemas-microsoft-com:vml" Requires="v">
-                <p:oleObj spid="_x0000_s2395" name="Visio" r:id="rId9" imgW="523193" imgH="605880" progId="Visio.Drawing.11">
-                  <p:embed/>
-                </p:oleObj>
-              </mc:Choice>
-              <mc:Fallback>
-                <p:oleObj name="Visio" r:id="rId9" imgW="523193" imgH="605880" progId="Visio.Drawing.11">
-                  <p:embed/>
-                  <p:pic>
-                    <p:nvPicPr>
-                      <p:cNvPr id="0" name="Object 13"/>
-                      <p:cNvPicPr>
-                        <a:picLocks noChangeAspect="1" noChangeArrowheads="1"/>
-                      </p:cNvPicPr>
-                      <p:nvPr/>
-                    </p:nvPicPr>
-                    <p:blipFill>
-                      <a:blip r:embed="rId10">
-                        <a:extLst>
-                          <a:ext uri="{28A0092B-C50C-407E-A947-70E740481C1C}">
-                            <a14:useLocalDpi xmlns:a14="http://schemas.microsoft.com/office/drawing/2010/main" val="0"/>
-                          </a:ext>
-                        </a:extLst>
-                      </a:blip>
-                      <a:srcRect/>
-                      <a:stretch>
-                        <a:fillRect/>
-                      </a:stretch>
-                    </p:blipFill>
-                    <p:spPr bwMode="auto">
-                      <a:xfrm>
-                        <a:off x="1210658" y="3961308"/>
-                        <a:ext cx="525463" cy="457200"/>
-                      </a:xfrm>
-                      <a:prstGeom prst="rect">
-                        <a:avLst/>
-                      </a:prstGeom>
-                      <a:noFill/>
-                      <a:extLst>
-                        <a:ext uri="{909E8E84-426E-40DD-AFC4-6F175D3DCCD1}">
-                          <a14:hiddenFill xmlns:a14="http://schemas.microsoft.com/office/drawing/2010/main">
-                            <a:solidFill>
-                              <a:srgbClr val="FFFFFF"/>
-                            </a:solidFill>
-                          </a14:hiddenFill>
-                        </a:ext>
-                      </a:extLst>
-                    </p:spPr>
-                  </p:pic>
-                </p:oleObj>
-              </mc:Fallback>
-            </mc:AlternateContent>
-          </a:graphicData>
-        </a:graphic>
-      </p:graphicFrame>
-      <p:graphicFrame>
-        <p:nvGraphicFramePr>
-          <p:cNvPr id="3" name="Table 2"/>
-          <p:cNvGraphicFramePr>
-            <a:graphicFrameLocks noGrp="1"/>
-          </p:cNvGraphicFramePr>
-          <p:nvPr>
-            <p:extLst>
-              <p:ext uri="{D42A27DB-BD31-4B8C-83A1-F6EECF244321}">
-                <p14:modId xmlns:p14="http://schemas.microsoft.com/office/powerpoint/2010/main" val="3802117103"/>
-              </p:ext>
-            </p:extLst>
-          </p:nvPr>
-        </p:nvGraphicFramePr>
-        <p:xfrm>
-          <a:off x="1066800" y="4800600"/>
-          <a:ext cx="6248400" cy="1752600"/>
-        </p:xfrm>
-        <a:graphic>
-          <a:graphicData uri="http://schemas.openxmlformats.org/drawingml/2006/table">
-            <a:tbl>
-              <a:tblPr firstRow="1" bandRow="1">
-                <a:tableStyleId>{00A15C55-8517-42AA-B614-E9B94910E393}</a:tableStyleId>
-              </a:tblPr>
-              <a:tblGrid>
-                <a:gridCol w="1249680">
-                  <a:extLst>
-                    <a:ext uri="{9D8B030D-6E8A-4147-A177-3AD203B41FA5}">
-                      <a16:colId xmlns:a16="http://schemas.microsoft.com/office/drawing/2014/main" val="757892436"/>
-                    </a:ext>
-                  </a:extLst>
-                </a:gridCol>
-                <a:gridCol w="4998720">
-                  <a:extLst>
-                    <a:ext uri="{9D8B030D-6E8A-4147-A177-3AD203B41FA5}">
-                      <a16:colId xmlns:a16="http://schemas.microsoft.com/office/drawing/2014/main" val="1878775400"/>
-                    </a:ext>
-                  </a:extLst>
-                </a:gridCol>
-              </a:tblGrid>
-              <a:tr h="1752600">
-                <a:tc>
-                  <a:txBody>
-                    <a:bodyPr/>
-                    <a:lstStyle/>
-                    <a:p>
-                      <a:r>
-                        <a:rPr lang="en-US" sz="1200" dirty="0" smtClean="0"/>
-                        <a:t>Reporting</a:t>
-                      </a:r>
-                      <a:endParaRPr lang="en-US" sz="1200" dirty="0"/>
-                    </a:p>
-                  </a:txBody>
-                  <a:tcPr/>
-                </a:tc>
-                <a:tc>
-                  <a:txBody>
-                    <a:bodyPr/>
-                    <a:lstStyle/>
-                    <a:p>
-                      <a:r>
-                        <a:rPr lang="en-US" sz="1000" dirty="0" smtClean="0">
-                          <a:solidFill>
-                            <a:schemeClr val="bg1"/>
-                          </a:solidFill>
-                          <a:effectLst/>
-                          <a:latin typeface="Arial" panose="020B0604020202020204" pitchFamily="34" charset="0"/>
-                          <a:ea typeface="Calibri" panose="020F0502020204030204" pitchFamily="34" charset="0"/>
-                        </a:rPr>
-                        <a:t>There are no reporting capabilities,</a:t>
-                      </a:r>
-                      <a:r>
-                        <a:rPr lang="en-US" sz="1000" baseline="0" dirty="0" smtClean="0">
-                          <a:solidFill>
-                            <a:schemeClr val="bg1"/>
-                          </a:solidFill>
-                          <a:effectLst/>
-                          <a:latin typeface="Arial" panose="020B0604020202020204" pitchFamily="34" charset="0"/>
-                          <a:ea typeface="Calibri" panose="020F0502020204030204" pitchFamily="34" charset="0"/>
-                        </a:rPr>
-                        <a:t> provided by the system. But CBIIT team runs ad-hoc reports at OGA request. </a:t>
-                      </a:r>
-                      <a:r>
-                        <a:rPr lang="en-US" sz="1000" kern="1200" dirty="0" smtClean="0">
-                          <a:solidFill>
-                            <a:schemeClr val="bg1"/>
-                          </a:solidFill>
-                          <a:effectLst/>
-                          <a:latin typeface="+mn-lt"/>
-                          <a:ea typeface="+mn-ea"/>
-                          <a:cs typeface="+mn-cs"/>
-                        </a:rPr>
-                        <a:t>Approximately twice a year OGA submits email request to find out how many times program staff answered specified question(s) with specified value. </a:t>
-                      </a:r>
-                    </a:p>
-                    <a:p>
-                      <a:r>
-                        <a:rPr lang="en-US" sz="1000" kern="1200" dirty="0" smtClean="0">
-                          <a:solidFill>
-                            <a:schemeClr val="bg1"/>
-                          </a:solidFill>
-                          <a:effectLst/>
-                          <a:latin typeface="+mn-lt"/>
-                          <a:ea typeface="+mn-ea"/>
-                          <a:cs typeface="+mn-cs"/>
-                        </a:rPr>
-                        <a:t> </a:t>
-                      </a:r>
-                    </a:p>
-                    <a:p>
-                      <a:r>
-                        <a:rPr lang="en-US" sz="1000" kern="1200" dirty="0" smtClean="0">
-                          <a:solidFill>
-                            <a:schemeClr val="bg1"/>
-                          </a:solidFill>
-                          <a:effectLst/>
-                          <a:latin typeface="+mn-lt"/>
-                          <a:ea typeface="+mn-ea"/>
-                          <a:cs typeface="+mn-cs"/>
-                        </a:rPr>
-                        <a:t>When such request comes, development team runs a query and submits the answer to OGA in the form of email. Format:</a:t>
-                      </a:r>
-                    </a:p>
-                    <a:p>
-                      <a:r>
-                        <a:rPr lang="en-US" sz="1000" b="1" i="1" kern="1200" dirty="0" smtClean="0">
-                          <a:solidFill>
-                            <a:schemeClr val="bg1"/>
-                          </a:solidFill>
-                          <a:effectLst/>
-                          <a:latin typeface="+mn-lt"/>
-                          <a:ea typeface="+mn-ea"/>
-                          <a:cs typeface="+mn-cs"/>
-                        </a:rPr>
-                        <a:t>For question XXX   FY2012 =&gt; X times; FY2013 =&gt; Y times; FY2014 =&gt; Z times</a:t>
-                      </a:r>
-                      <a:endParaRPr lang="en-US" sz="1000" b="1" kern="1200" dirty="0" smtClean="0">
-                        <a:solidFill>
-                          <a:schemeClr val="bg1"/>
-                        </a:solidFill>
-                        <a:effectLst/>
-                        <a:latin typeface="+mn-lt"/>
-                        <a:ea typeface="+mn-ea"/>
-                        <a:cs typeface="+mn-cs"/>
-                      </a:endParaRPr>
-                    </a:p>
-                    <a:p>
-                      <a:r>
-                        <a:rPr lang="en-US" sz="1000" kern="1200" dirty="0" smtClean="0">
-                          <a:solidFill>
-                            <a:schemeClr val="bg1"/>
-                          </a:solidFill>
-                          <a:effectLst/>
-                          <a:latin typeface="+mn-lt"/>
-                          <a:ea typeface="+mn-ea"/>
-                          <a:cs typeface="+mn-cs"/>
-                        </a:rPr>
-                        <a:t>If requested, </a:t>
-                      </a:r>
-                      <a:r>
-                        <a:rPr lang="en-US" sz="1000" kern="1200" dirty="0" smtClean="0">
-                          <a:solidFill>
-                            <a:schemeClr val="bg1"/>
-                          </a:solidFill>
-                          <a:effectLst/>
-                          <a:latin typeface="+mn-lt"/>
-                          <a:ea typeface="+mn-ea"/>
-                          <a:cs typeface="+mn-cs"/>
-                        </a:rPr>
-                        <a:t>Excel spreadsheet(s) containing raw data for every grant in the query are attached.</a:t>
-                      </a:r>
-                      <a:r>
-                        <a:rPr lang="en-US" sz="1000" baseline="0" dirty="0" smtClean="0">
-                          <a:solidFill>
-                            <a:schemeClr val="bg1"/>
-                          </a:solidFill>
-                          <a:effectLst/>
-                          <a:latin typeface="Arial" panose="020B0604020202020204" pitchFamily="34" charset="0"/>
-                          <a:ea typeface="Calibri" panose="020F0502020204030204" pitchFamily="34" charset="0"/>
-                        </a:rPr>
-                        <a:t> </a:t>
-                      </a:r>
-                      <a:endParaRPr lang="en-US" dirty="0"/>
-                    </a:p>
-                  </a:txBody>
-                  <a:tcPr/>
-                </a:tc>
-                <a:extLst>
-                  <a:ext uri="{0D108BD9-81ED-4DB2-BD59-A6C34878D82A}">
-                    <a16:rowId xmlns:a16="http://schemas.microsoft.com/office/drawing/2014/main" val="3923741175"/>
-                  </a:ext>
-                </a:extLst>
-              </a:tr>
-            </a:tbl>
-          </a:graphicData>
-        </a:graphic>
-      </p:graphicFrame>
     </p:spTree>
     <p:extLst>
       <p:ext uri="{BB962C8B-B14F-4D97-AF65-F5344CB8AC3E}">
-        <p14:creationId xmlns:p14="http://schemas.microsoft.com/office/powerpoint/2010/main" val="290344103"/>
+        <p14:creationId xmlns:p14="http://schemas.microsoft.com/office/powerpoint/2010/main" val="583468898"/>
       </p:ext>
     </p:extLst>
   </p:cSld>
@@ -16274,18 +11200,6 @@
           <a:lstStyle/>
           <a:p>
             <a:r>
-              <a:rPr lang="en-US" b="1" dirty="0">
-                <a:effectLst>
-                  <a:outerShdw blurRad="38100" dist="38100" dir="2700000" algn="tl">
-                    <a:srgbClr val="000000">
-                      <a:alpha val="43137"/>
-                    </a:srgbClr>
-                  </a:outerShdw>
-                </a:effectLst>
-              </a:rPr>
-              <a:t>“As-Is” </a:t>
-            </a:r>
-            <a:r>
               <a:rPr lang="en-US" b="1" dirty="0" smtClean="0">
                 <a:effectLst>
                   <a:outerShdw blurRad="38100" dist="38100" dir="2700000" algn="tl">
@@ -16294,25 +11208,147 @@
                     </a:srgbClr>
                   </a:outerShdw>
                 </a:effectLst>
+                <a:latin typeface="+mn-lt"/>
               </a:rPr>
-              <a:t>system functionality</a:t>
-            </a:r>
-            <a:endParaRPr lang="en-US" dirty="0"/>
+              <a:t>Next Steps</a:t>
+            </a:r>
+            <a:endParaRPr lang="en-US" b="1" dirty="0">
+              <a:effectLst>
+                <a:outerShdw blurRad="38100" dist="38100" dir="2700000" algn="tl">
+                  <a:srgbClr val="000000">
+                    <a:alpha val="43137"/>
+                  </a:srgbClr>
+                </a:outerShdw>
+              </a:effectLst>
+              <a:latin typeface="+mn-lt"/>
+            </a:endParaRPr>
           </a:p>
         </p:txBody>
       </p:sp>
       <p:sp>
         <p:nvSpPr>
-          <p:cNvPr id="6" name="Rectangle 4"/>
+          <p:cNvPr id="3" name="Content Placeholder 2"/>
           <p:cNvSpPr>
-            <a:spLocks noChangeArrowheads="1"/>
+            <a:spLocks noGrp="1"/>
           </p:cNvSpPr>
+          <p:nvPr>
+            <p:ph sz="quarter" idx="11"/>
+          </p:nvPr>
+        </p:nvSpPr>
+        <p:spPr>
+          <a:xfrm>
+            <a:off x="481521" y="990600"/>
+            <a:ext cx="8165592" cy="5236633"/>
+          </a:xfrm>
+        </p:spPr>
+        <p:txBody>
+          <a:bodyPr/>
+          <a:lstStyle/>
+          <a:p>
+            <a:pPr lvl="2"/>
+            <a:r>
+              <a:rPr lang="en-US" dirty="0" smtClean="0">
+                <a:latin typeface="Arial" panose="020B0604020202020204" pitchFamily="34" charset="0"/>
+                <a:cs typeface="Arial" panose="020B0604020202020204" pitchFamily="34" charset="0"/>
+              </a:rPr>
+              <a:t>CBIIT </a:t>
+            </a:r>
+            <a:r>
+              <a:rPr lang="en-US" dirty="0">
+                <a:latin typeface="Arial" panose="020B0604020202020204" pitchFamily="34" charset="0"/>
+                <a:cs typeface="Arial" panose="020B0604020202020204" pitchFamily="34" charset="0"/>
+              </a:rPr>
+              <a:t>to schedule </a:t>
+            </a:r>
+            <a:r>
+              <a:rPr lang="en-US" dirty="0" smtClean="0">
+                <a:latin typeface="Arial" panose="020B0604020202020204" pitchFamily="34" charset="0"/>
+                <a:cs typeface="Arial" panose="020B0604020202020204" pitchFamily="34" charset="0"/>
+              </a:rPr>
+              <a:t>requirements elicitation sessions with </a:t>
+            </a:r>
+            <a:r>
+              <a:rPr lang="en-US" dirty="0">
+                <a:latin typeface="Arial" panose="020B0604020202020204" pitchFamily="34" charset="0"/>
+                <a:cs typeface="Arial" panose="020B0604020202020204" pitchFamily="34" charset="0"/>
+              </a:rPr>
+              <a:t>Business Owner and Business </a:t>
+            </a:r>
+            <a:r>
+              <a:rPr lang="en-US" dirty="0" smtClean="0">
+                <a:latin typeface="Arial" panose="020B0604020202020204" pitchFamily="34" charset="0"/>
+                <a:cs typeface="Arial" panose="020B0604020202020204" pitchFamily="34" charset="0"/>
+              </a:rPr>
+              <a:t>Stakeholders. Sessions will start in July 2016</a:t>
+            </a:r>
+            <a:endParaRPr lang="en-US" dirty="0">
+              <a:latin typeface="Arial" panose="020B0604020202020204" pitchFamily="34" charset="0"/>
+              <a:cs typeface="Arial" panose="020B0604020202020204" pitchFamily="34" charset="0"/>
+            </a:endParaRPr>
+          </a:p>
+          <a:p>
+            <a:pPr lvl="2"/>
+            <a:r>
+              <a:rPr lang="en-US" dirty="0" smtClean="0"/>
+              <a:t>OGA to identify </a:t>
+            </a:r>
+            <a:r>
+              <a:rPr lang="en-US" dirty="0"/>
+              <a:t>other </a:t>
+            </a:r>
+            <a:r>
+              <a:rPr lang="en-US" dirty="0" smtClean="0"/>
+              <a:t>Subject Matter Experts (SMEs) </a:t>
+            </a:r>
+            <a:r>
+              <a:rPr lang="en-US" dirty="0"/>
+              <a:t>who will be involved in the project, as </a:t>
+            </a:r>
+            <a:r>
+              <a:rPr lang="en-US" dirty="0" smtClean="0"/>
+              <a:t>needed. </a:t>
+            </a:r>
+            <a:r>
+              <a:rPr lang="en-US" dirty="0" smtClean="0"/>
+              <a:t>Next session will be dedicated to clarification of requirements for ad-hoc reporting.</a:t>
+            </a:r>
+            <a:endParaRPr lang="en-US" dirty="0" smtClean="0"/>
+          </a:p>
+          <a:p>
+            <a:pPr lvl="3"/>
+            <a:endParaRPr lang="en-US" dirty="0"/>
+          </a:p>
+          <a:p>
+            <a:pPr lvl="3"/>
+            <a:endParaRPr lang="en-US" dirty="0" smtClean="0"/>
+          </a:p>
+        </p:txBody>
+      </p:sp>
+      <p:pic>
+        <p:nvPicPr>
+          <p:cNvPr id="4" name="Picture 2"/>
+          <p:cNvPicPr>
+            <a:picLocks noChangeAspect="1" noChangeArrowheads="1"/>
+          </p:cNvPicPr>
           <p:nvPr/>
-        </p:nvSpPr>
+        </p:nvPicPr>
+        <p:blipFill>
+          <a:blip r:embed="rId2" cstate="print">
+            <a:extLst>
+              <a:ext uri="{28A0092B-C50C-407E-A947-70E740481C1C}">
+                <a14:useLocalDpi xmlns:a14="http://schemas.microsoft.com/office/drawing/2010/main" val="0"/>
+              </a:ext>
+            </a:extLst>
+          </a:blip>
+          <a:srcRect/>
+          <a:stretch>
+            <a:fillRect/>
+          </a:stretch>
+        </p:blipFill>
         <p:spPr bwMode="auto">
           <a:xfrm>
-            <a:off x="524256" y="1066799"/>
-            <a:ext cx="7292319" cy="45719"/>
+            <a:off x="3124200" y="3505200"/>
+            <a:ext cx="2133600" cy="2129941"/>
           </a:xfrm>
           <a:prstGeom prst="rect">
             <a:avLst/>
@@ -16321,7 +11357,6 @@
           <a:ln>
             <a:noFill/>
           </a:ln>
-          <a:effectLst/>
           <a:extLst>
             <a:ext uri="{909E8E84-426E-40DD-AFC4-6F175D3DCCD1}">
               <a14:hiddenFill xmlns:a14="http://schemas.microsoft.com/office/drawing/2010/main">
@@ -16340,491 +11375,13 @@
                 <a:tailEnd/>
               </a14:hiddenLine>
             </a:ext>
-            <a:ext uri="{AF507438-7753-43E0-B8FC-AC1667EBCBE1}">
-              <a14:hiddenEffects xmlns:a14="http://schemas.microsoft.com/office/drawing/2010/main">
-                <a:effectLst>
-                  <a:outerShdw dist="35921" dir="2700000" algn="ctr" rotWithShape="0">
-                    <a:schemeClr val="bg2"/>
-                  </a:outerShdw>
-                </a:effectLst>
-              </a14:hiddenEffects>
-            </a:ext>
           </a:extLst>
         </p:spPr>
-        <p:txBody>
-          <a:bodyPr vert="horz" wrap="square" lIns="91440" tIns="45720" rIns="91440" bIns="45720" numCol="1" anchor="ctr" anchorCtr="0" compatLnSpc="1">
-            <a:prstTxWarp prst="textNoShape">
-              <a:avLst/>
-            </a:prstTxWarp>
-            <a:spAutoFit/>
-          </a:bodyPr>
-          <a:lstStyle/>
-          <a:p>
-            <a:endParaRPr lang="en-US"/>
-          </a:p>
-        </p:txBody>
-      </p:sp>
-      <p:graphicFrame>
-        <p:nvGraphicFramePr>
-          <p:cNvPr id="7" name="Object 6"/>
-          <p:cNvGraphicFramePr>
-            <a:graphicFrameLocks noChangeAspect="1"/>
-          </p:cNvGraphicFramePr>
-          <p:nvPr>
-            <p:extLst>
-              <p:ext uri="{D42A27DB-BD31-4B8C-83A1-F6EECF244321}">
-                <p14:modId xmlns:p14="http://schemas.microsoft.com/office/powerpoint/2010/main" val="310840063"/>
-              </p:ext>
-            </p:extLst>
-          </p:nvPr>
-        </p:nvGraphicFramePr>
-        <p:xfrm>
-          <a:off x="524257" y="1066800"/>
-          <a:ext cx="2752344" cy="2285180"/>
-        </p:xfrm>
-        <a:graphic>
-          <a:graphicData uri="http://schemas.openxmlformats.org/presentationml/2006/ole">
-            <mc:AlternateContent xmlns:mc="http://schemas.openxmlformats.org/markup-compatibility/2006">
-              <mc:Choice xmlns:v="urn:schemas-microsoft-com:vml" Requires="v">
-                <p:oleObj spid="_x0000_s3404" name="Visio" r:id="rId3" imgW="2481981" imgH="2067768" progId="Visio.Drawing.11">
-                  <p:embed/>
-                </p:oleObj>
-              </mc:Choice>
-              <mc:Fallback>
-                <p:oleObj name="Visio" r:id="rId3" imgW="2481981" imgH="2067768" progId="Visio.Drawing.11">
-                  <p:embed/>
-                  <p:pic>
-                    <p:nvPicPr>
-                      <p:cNvPr id="0" name="Object 3"/>
-                      <p:cNvPicPr>
-                        <a:picLocks noChangeAspect="1" noChangeArrowheads="1"/>
-                      </p:cNvPicPr>
-                      <p:nvPr/>
-                    </p:nvPicPr>
-                    <p:blipFill>
-                      <a:blip r:embed="rId4">
-                        <a:extLst>
-                          <a:ext uri="{28A0092B-C50C-407E-A947-70E740481C1C}">
-                            <a14:useLocalDpi xmlns:a14="http://schemas.microsoft.com/office/drawing/2010/main" val="0"/>
-                          </a:ext>
-                        </a:extLst>
-                      </a:blip>
-                      <a:srcRect/>
-                      <a:stretch>
-                        <a:fillRect/>
-                      </a:stretch>
-                    </p:blipFill>
-                    <p:spPr bwMode="auto">
-                      <a:xfrm>
-                        <a:off x="524257" y="1066800"/>
-                        <a:ext cx="2752344" cy="2285180"/>
-                      </a:xfrm>
-                      <a:prstGeom prst="rect">
-                        <a:avLst/>
-                      </a:prstGeom>
-                      <a:noFill/>
-                    </p:spPr>
-                  </p:pic>
-                </p:oleObj>
-              </mc:Fallback>
-            </mc:AlternateContent>
-          </a:graphicData>
-        </a:graphic>
-      </p:graphicFrame>
-      <p:sp>
-        <p:nvSpPr>
-          <p:cNvPr id="8" name="Rectangle 6"/>
-          <p:cNvSpPr>
-            <a:spLocks noChangeArrowheads="1"/>
-          </p:cNvSpPr>
-          <p:nvPr/>
-        </p:nvSpPr>
-        <p:spPr bwMode="auto">
-          <a:xfrm>
-            <a:off x="3581400" y="1066797"/>
-            <a:ext cx="7362923" cy="45719"/>
-          </a:xfrm>
-          <a:prstGeom prst="rect">
-            <a:avLst/>
-          </a:prstGeom>
-          <a:noFill/>
-          <a:ln>
-            <a:noFill/>
-          </a:ln>
-          <a:effectLst/>
-          <a:extLst>
-            <a:ext uri="{909E8E84-426E-40DD-AFC4-6F175D3DCCD1}">
-              <a14:hiddenFill xmlns:a14="http://schemas.microsoft.com/office/drawing/2010/main">
-                <a:solidFill>
-                  <a:schemeClr val="accent1"/>
-                </a:solidFill>
-              </a14:hiddenFill>
-            </a:ext>
-            <a:ext uri="{91240B29-F687-4F45-9708-019B960494DF}">
-              <a14:hiddenLine xmlns:a14="http://schemas.microsoft.com/office/drawing/2010/main" w="9525">
-                <a:solidFill>
-                  <a:schemeClr val="tx1"/>
-                </a:solidFill>
-                <a:miter lim="800000"/>
-                <a:headEnd/>
-                <a:tailEnd/>
-              </a14:hiddenLine>
-            </a:ext>
-            <a:ext uri="{AF507438-7753-43E0-B8FC-AC1667EBCBE1}">
-              <a14:hiddenEffects xmlns:a14="http://schemas.microsoft.com/office/drawing/2010/main">
-                <a:effectLst>
-                  <a:outerShdw dist="35921" dir="2700000" algn="ctr" rotWithShape="0">
-                    <a:schemeClr val="bg2"/>
-                  </a:outerShdw>
-                </a:effectLst>
-              </a14:hiddenEffects>
-            </a:ext>
-          </a:extLst>
-        </p:spPr>
-        <p:txBody>
-          <a:bodyPr vert="horz" wrap="square" lIns="91440" tIns="45720" rIns="91440" bIns="45720" numCol="1" anchor="ctr" anchorCtr="0" compatLnSpc="1">
-            <a:prstTxWarp prst="textNoShape">
-              <a:avLst/>
-            </a:prstTxWarp>
-            <a:spAutoFit/>
-          </a:bodyPr>
-          <a:lstStyle/>
-          <a:p>
-            <a:endParaRPr lang="en-US"/>
-          </a:p>
-        </p:txBody>
-      </p:sp>
-      <p:graphicFrame>
-        <p:nvGraphicFramePr>
-          <p:cNvPr id="9" name="Object 8"/>
-          <p:cNvGraphicFramePr>
-            <a:graphicFrameLocks noChangeAspect="1"/>
-          </p:cNvGraphicFramePr>
-          <p:nvPr>
-            <p:extLst>
-              <p:ext uri="{D42A27DB-BD31-4B8C-83A1-F6EECF244321}">
-                <p14:modId xmlns:p14="http://schemas.microsoft.com/office/powerpoint/2010/main" val="752337387"/>
-              </p:ext>
-            </p:extLst>
-          </p:nvPr>
-        </p:nvGraphicFramePr>
-        <p:xfrm>
-          <a:off x="3581401" y="1066799"/>
-          <a:ext cx="2743200" cy="2294522"/>
-        </p:xfrm>
-        <a:graphic>
-          <a:graphicData uri="http://schemas.openxmlformats.org/presentationml/2006/ole">
-            <mc:AlternateContent xmlns:mc="http://schemas.openxmlformats.org/markup-compatibility/2006">
-              <mc:Choice xmlns:v="urn:schemas-microsoft-com:vml" Requires="v">
-                <p:oleObj spid="_x0000_s3405" name="Visio" r:id="rId5" imgW="2481981" imgH="2072088" progId="Visio.Drawing.11">
-                  <p:embed/>
-                </p:oleObj>
-              </mc:Choice>
-              <mc:Fallback>
-                <p:oleObj name="Visio" r:id="rId5" imgW="2481981" imgH="2072088" progId="Visio.Drawing.11">
-                  <p:embed/>
-                  <p:pic>
-                    <p:nvPicPr>
-                      <p:cNvPr id="0" name="Object 5"/>
-                      <p:cNvPicPr>
-                        <a:picLocks noChangeAspect="1" noChangeArrowheads="1"/>
-                      </p:cNvPicPr>
-                      <p:nvPr/>
-                    </p:nvPicPr>
-                    <p:blipFill>
-                      <a:blip r:embed="rId6">
-                        <a:extLst>
-                          <a:ext uri="{28A0092B-C50C-407E-A947-70E740481C1C}">
-                            <a14:useLocalDpi xmlns:a14="http://schemas.microsoft.com/office/drawing/2010/main" val="0"/>
-                          </a:ext>
-                        </a:extLst>
-                      </a:blip>
-                      <a:srcRect/>
-                      <a:stretch>
-                        <a:fillRect/>
-                      </a:stretch>
-                    </p:blipFill>
-                    <p:spPr bwMode="auto">
-                      <a:xfrm>
-                        <a:off x="3581401" y="1066799"/>
-                        <a:ext cx="2743200" cy="2294522"/>
-                      </a:xfrm>
-                      <a:prstGeom prst="rect">
-                        <a:avLst/>
-                      </a:prstGeom>
-                      <a:noFill/>
-                    </p:spPr>
-                  </p:pic>
-                </p:oleObj>
-              </mc:Fallback>
-            </mc:AlternateContent>
-          </a:graphicData>
-        </a:graphic>
-      </p:graphicFrame>
-      <p:sp>
-        <p:nvSpPr>
-          <p:cNvPr id="10" name="Rectangle 8"/>
-          <p:cNvSpPr>
-            <a:spLocks noChangeArrowheads="1"/>
-          </p:cNvSpPr>
-          <p:nvPr/>
-        </p:nvSpPr>
-        <p:spPr bwMode="auto">
-          <a:xfrm>
-            <a:off x="546027" y="3657599"/>
-            <a:ext cx="7329034" cy="45719"/>
-          </a:xfrm>
-          <a:prstGeom prst="rect">
-            <a:avLst/>
-          </a:prstGeom>
-          <a:noFill/>
-          <a:ln>
-            <a:noFill/>
-          </a:ln>
-          <a:effectLst/>
-          <a:extLst>
-            <a:ext uri="{909E8E84-426E-40DD-AFC4-6F175D3DCCD1}">
-              <a14:hiddenFill xmlns:a14="http://schemas.microsoft.com/office/drawing/2010/main">
-                <a:solidFill>
-                  <a:schemeClr val="accent1"/>
-                </a:solidFill>
-              </a14:hiddenFill>
-            </a:ext>
-            <a:ext uri="{91240B29-F687-4F45-9708-019B960494DF}">
-              <a14:hiddenLine xmlns:a14="http://schemas.microsoft.com/office/drawing/2010/main" w="9525">
-                <a:solidFill>
-                  <a:schemeClr val="tx1"/>
-                </a:solidFill>
-                <a:miter lim="800000"/>
-                <a:headEnd/>
-                <a:tailEnd/>
-              </a14:hiddenLine>
-            </a:ext>
-            <a:ext uri="{AF507438-7753-43E0-B8FC-AC1667EBCBE1}">
-              <a14:hiddenEffects xmlns:a14="http://schemas.microsoft.com/office/drawing/2010/main">
-                <a:effectLst>
-                  <a:outerShdw dist="35921" dir="2700000" algn="ctr" rotWithShape="0">
-                    <a:schemeClr val="bg2"/>
-                  </a:outerShdw>
-                </a:effectLst>
-              </a14:hiddenEffects>
-            </a:ext>
-          </a:extLst>
-        </p:spPr>
-        <p:txBody>
-          <a:bodyPr vert="horz" wrap="square" lIns="91440" tIns="45720" rIns="91440" bIns="45720" numCol="1" anchor="ctr" anchorCtr="0" compatLnSpc="1">
-            <a:prstTxWarp prst="textNoShape">
-              <a:avLst/>
-            </a:prstTxWarp>
-            <a:spAutoFit/>
-          </a:bodyPr>
-          <a:lstStyle/>
-          <a:p>
-            <a:endParaRPr lang="en-US"/>
-          </a:p>
-        </p:txBody>
-      </p:sp>
-      <p:graphicFrame>
-        <p:nvGraphicFramePr>
-          <p:cNvPr id="11" name="Object 10"/>
-          <p:cNvGraphicFramePr>
-            <a:graphicFrameLocks noChangeAspect="1"/>
-          </p:cNvGraphicFramePr>
-          <p:nvPr>
-            <p:extLst>
-              <p:ext uri="{D42A27DB-BD31-4B8C-83A1-F6EECF244321}">
-                <p14:modId xmlns:p14="http://schemas.microsoft.com/office/powerpoint/2010/main" val="3330471308"/>
-              </p:ext>
-            </p:extLst>
-          </p:nvPr>
-        </p:nvGraphicFramePr>
-        <p:xfrm>
-          <a:off x="546028" y="3657600"/>
-          <a:ext cx="2730574" cy="2283961"/>
-        </p:xfrm>
-        <a:graphic>
-          <a:graphicData uri="http://schemas.openxmlformats.org/presentationml/2006/ole">
-            <mc:AlternateContent xmlns:mc="http://schemas.openxmlformats.org/markup-compatibility/2006">
-              <mc:Choice xmlns:v="urn:schemas-microsoft-com:vml" Requires="v">
-                <p:oleObj spid="_x0000_s3406" name="Visio" r:id="rId7" imgW="2481981" imgH="2067768" progId="Visio.Drawing.11">
-                  <p:embed/>
-                </p:oleObj>
-              </mc:Choice>
-              <mc:Fallback>
-                <p:oleObj name="Visio" r:id="rId7" imgW="2481981" imgH="2067768" progId="Visio.Drawing.11">
-                  <p:embed/>
-                  <p:pic>
-                    <p:nvPicPr>
-                      <p:cNvPr id="0" name="Object 7"/>
-                      <p:cNvPicPr>
-                        <a:picLocks noChangeAspect="1" noChangeArrowheads="1"/>
-                      </p:cNvPicPr>
-                      <p:nvPr/>
-                    </p:nvPicPr>
-                    <p:blipFill>
-                      <a:blip r:embed="rId8">
-                        <a:extLst>
-                          <a:ext uri="{28A0092B-C50C-407E-A947-70E740481C1C}">
-                            <a14:useLocalDpi xmlns:a14="http://schemas.microsoft.com/office/drawing/2010/main" val="0"/>
-                          </a:ext>
-                        </a:extLst>
-                      </a:blip>
-                      <a:srcRect/>
-                      <a:stretch>
-                        <a:fillRect/>
-                      </a:stretch>
-                    </p:blipFill>
-                    <p:spPr bwMode="auto">
-                      <a:xfrm>
-                        <a:off x="546028" y="3657600"/>
-                        <a:ext cx="2730574" cy="2283961"/>
-                      </a:xfrm>
-                      <a:prstGeom prst="rect">
-                        <a:avLst/>
-                      </a:prstGeom>
-                      <a:noFill/>
-                    </p:spPr>
-                  </p:pic>
-                </p:oleObj>
-              </mc:Fallback>
-            </mc:AlternateContent>
-          </a:graphicData>
-        </a:graphic>
-      </p:graphicFrame>
-      <p:sp>
-        <p:nvSpPr>
-          <p:cNvPr id="12" name="Rectangle 10"/>
-          <p:cNvSpPr>
-            <a:spLocks noChangeArrowheads="1"/>
-          </p:cNvSpPr>
-          <p:nvPr/>
-        </p:nvSpPr>
-        <p:spPr bwMode="auto">
-          <a:xfrm>
-            <a:off x="3581400" y="3657598"/>
-            <a:ext cx="7225738" cy="45719"/>
-          </a:xfrm>
-          <a:prstGeom prst="rect">
-            <a:avLst/>
-          </a:prstGeom>
-          <a:noFill/>
-          <a:ln>
-            <a:noFill/>
-          </a:ln>
-          <a:effectLst/>
-          <a:extLst>
-            <a:ext uri="{909E8E84-426E-40DD-AFC4-6F175D3DCCD1}">
-              <a14:hiddenFill xmlns:a14="http://schemas.microsoft.com/office/drawing/2010/main">
-                <a:solidFill>
-                  <a:schemeClr val="accent1"/>
-                </a:solidFill>
-              </a14:hiddenFill>
-            </a:ext>
-            <a:ext uri="{91240B29-F687-4F45-9708-019B960494DF}">
-              <a14:hiddenLine xmlns:a14="http://schemas.microsoft.com/office/drawing/2010/main" w="9525">
-                <a:solidFill>
-                  <a:schemeClr val="tx1"/>
-                </a:solidFill>
-                <a:miter lim="800000"/>
-                <a:headEnd/>
-                <a:tailEnd/>
-              </a14:hiddenLine>
-            </a:ext>
-            <a:ext uri="{AF507438-7753-43E0-B8FC-AC1667EBCBE1}">
-              <a14:hiddenEffects xmlns:a14="http://schemas.microsoft.com/office/drawing/2010/main">
-                <a:effectLst>
-                  <a:outerShdw dist="35921" dir="2700000" algn="ctr" rotWithShape="0">
-                    <a:schemeClr val="bg2"/>
-                  </a:outerShdw>
-                </a:effectLst>
-              </a14:hiddenEffects>
-            </a:ext>
-          </a:extLst>
-        </p:spPr>
-        <p:txBody>
-          <a:bodyPr vert="horz" wrap="square" lIns="91440" tIns="45720" rIns="91440" bIns="45720" numCol="1" anchor="ctr" anchorCtr="0" compatLnSpc="1">
-            <a:prstTxWarp prst="textNoShape">
-              <a:avLst/>
-            </a:prstTxWarp>
-            <a:spAutoFit/>
-          </a:bodyPr>
-          <a:lstStyle/>
-          <a:p>
-            <a:endParaRPr lang="en-US"/>
-          </a:p>
-        </p:txBody>
-      </p:sp>
-      <p:graphicFrame>
-        <p:nvGraphicFramePr>
-          <p:cNvPr id="13" name="Object 12"/>
-          <p:cNvGraphicFramePr>
-            <a:graphicFrameLocks noChangeAspect="1"/>
-          </p:cNvGraphicFramePr>
-          <p:nvPr>
-            <p:extLst>
-              <p:ext uri="{D42A27DB-BD31-4B8C-83A1-F6EECF244321}">
-                <p14:modId xmlns:p14="http://schemas.microsoft.com/office/powerpoint/2010/main" val="1072041797"/>
-              </p:ext>
-            </p:extLst>
-          </p:nvPr>
-        </p:nvGraphicFramePr>
-        <p:xfrm>
-          <a:off x="3733800" y="3657599"/>
-          <a:ext cx="2667000" cy="2210373"/>
-        </p:xfrm>
-        <a:graphic>
-          <a:graphicData uri="http://schemas.openxmlformats.org/presentationml/2006/ole">
-            <mc:AlternateContent xmlns:mc="http://schemas.openxmlformats.org/markup-compatibility/2006">
-              <mc:Choice xmlns:v="urn:schemas-microsoft-com:vml" Requires="v">
-                <p:oleObj spid="_x0000_s3407" name="Visio" r:id="rId9" imgW="2481981" imgH="2067768" progId="Visio.Drawing.11">
-                  <p:embed/>
-                </p:oleObj>
-              </mc:Choice>
-              <mc:Fallback>
-                <p:oleObj name="Visio" r:id="rId9" imgW="2481981" imgH="2067768" progId="Visio.Drawing.11">
-                  <p:embed/>
-                  <p:pic>
-                    <p:nvPicPr>
-                      <p:cNvPr id="0" name="Object 9"/>
-                      <p:cNvPicPr>
-                        <a:picLocks noChangeAspect="1" noChangeArrowheads="1"/>
-                      </p:cNvPicPr>
-                      <p:nvPr/>
-                    </p:nvPicPr>
-                    <p:blipFill>
-                      <a:blip r:embed="rId10">
-                        <a:extLst>
-                          <a:ext uri="{28A0092B-C50C-407E-A947-70E740481C1C}">
-                            <a14:useLocalDpi xmlns:a14="http://schemas.microsoft.com/office/drawing/2010/main" val="0"/>
-                          </a:ext>
-                        </a:extLst>
-                      </a:blip>
-                      <a:srcRect/>
-                      <a:stretch>
-                        <a:fillRect/>
-                      </a:stretch>
-                    </p:blipFill>
-                    <p:spPr bwMode="auto">
-                      <a:xfrm>
-                        <a:off x="3733800" y="3657599"/>
-                        <a:ext cx="2667000" cy="2210373"/>
-                      </a:xfrm>
-                      <a:prstGeom prst="rect">
-                        <a:avLst/>
-                      </a:prstGeom>
-                      <a:noFill/>
-                    </p:spPr>
-                  </p:pic>
-                </p:oleObj>
-              </mc:Fallback>
-            </mc:AlternateContent>
-          </a:graphicData>
-        </a:graphic>
-      </p:graphicFrame>
+      </p:pic>
     </p:spTree>
     <p:extLst>
       <p:ext uri="{BB962C8B-B14F-4D97-AF65-F5344CB8AC3E}">
-        <p14:creationId xmlns:p14="http://schemas.microsoft.com/office/powerpoint/2010/main" val="3238684042"/>
+        <p14:creationId xmlns:p14="http://schemas.microsoft.com/office/powerpoint/2010/main" val="1501134867"/>
       </p:ext>
     </p:extLst>
   </p:cSld>
@@ -17725,6 +12282,15 @@
 </file>
 
 <file path=customXml/item2.xml><?xml version="1.0" encoding="utf-8"?>
+<?mso-contentType ?>
+<FormTemplates xmlns="http://schemas.microsoft.com/sharepoint/v3/contenttype/forms">
+  <Display>DocumentLibraryForm</Display>
+  <Edit>DocumentLibraryForm</Edit>
+  <New>DocumentLibraryForm</New>
+</FormTemplates>
+</file>
+
+<file path=customXml/item3.xml><?xml version="1.0" encoding="utf-8"?>
 <ct:contentTypeSchema xmlns:ct="http://schemas.microsoft.com/office/2006/metadata/contentType" xmlns:ma="http://schemas.microsoft.com/office/2006/metadata/properties/metaAttributes" ct:_="" ma:_="" ma:contentTypeName="Document" ma:contentTypeID="0x010100498B138B6814904BA1F9E4F14E08F74D" ma:contentTypeVersion="0" ma:contentTypeDescription="Create a new document." ma:contentTypeScope="" ma:versionID="20dc333bebcf905b381783348d4cbf88">
   <xsd:schema xmlns:xsd="http://www.w3.org/2001/XMLSchema" xmlns:xs="http://www.w3.org/2001/XMLSchema" xmlns:p="http://schemas.microsoft.com/office/2006/metadata/properties" targetNamespace="http://schemas.microsoft.com/office/2006/metadata/properties" ma:root="true" ma:fieldsID="c64490b4aec6201516c3a874156f37b2">
     <xsd:element name="properties">
@@ -17838,31 +12404,30 @@
 </ct:contentTypeSchema>
 </file>
 
-<file path=customXml/item3.xml><?xml version="1.0" encoding="utf-8"?>
-<?mso-contentType ?>
-<FormTemplates xmlns="http://schemas.microsoft.com/sharepoint/v3/contenttype/forms">
-  <Display>DocumentLibraryForm</Display>
-  <Edit>DocumentLibraryForm</Edit>
-  <New>DocumentLibraryForm</New>
-</FormTemplates>
-</file>
-
 <file path=customXml/itemProps1.xml><?xml version="1.0" encoding="utf-8"?>
 <ds:datastoreItem xmlns:ds="http://schemas.openxmlformats.org/officeDocument/2006/customXml" ds:itemID="{4C535039-3F37-4243-9AAC-908669651B70}">
   <ds:schemaRefs>
     <ds:schemaRef ds:uri="http://purl.org/dc/elements/1.1/"/>
+    <ds:schemaRef ds:uri="http://schemas.microsoft.com/office/2006/documentManagement/types"/>
+    <ds:schemaRef ds:uri="http://www.w3.org/XML/1998/namespace"/>
+    <ds:schemaRef ds:uri="http://purl.org/dc/terms/"/>
+    <ds:schemaRef ds:uri="http://purl.org/dc/dcmitype/"/>
     <ds:schemaRef ds:uri="http://schemas.openxmlformats.org/package/2006/metadata/core-properties"/>
-    <ds:schemaRef ds:uri="http://schemas.microsoft.com/office/2006/documentManagement/types"/>
     <ds:schemaRef ds:uri="http://schemas.microsoft.com/office/infopath/2007/PartnerControls"/>
-    <ds:schemaRef ds:uri="http://purl.org/dc/terms/"/>
     <ds:schemaRef ds:uri="http://schemas.microsoft.com/office/2006/metadata/properties"/>
-    <ds:schemaRef ds:uri="http://www.w3.org/XML/1998/namespace"/>
-    <ds:schemaRef ds:uri="http://purl.org/dc/dcmitype/"/>
   </ds:schemaRefs>
 </ds:datastoreItem>
 </file>
 
 <file path=customXml/itemProps2.xml><?xml version="1.0" encoding="utf-8"?>
+<ds:datastoreItem xmlns:ds="http://schemas.openxmlformats.org/officeDocument/2006/customXml" ds:itemID="{28E1A144-DA3A-434B-950F-9C912E6989E1}">
+  <ds:schemaRefs>
+    <ds:schemaRef ds:uri="http://schemas.microsoft.com/sharepoint/v3/contenttype/forms"/>
+  </ds:schemaRefs>
+</ds:datastoreItem>
+</file>
+
+<file path=customXml/itemProps3.xml><?xml version="1.0" encoding="utf-8"?>
 <ds:datastoreItem xmlns:ds="http://schemas.openxmlformats.org/officeDocument/2006/customXml" ds:itemID="{8AB24EC2-3234-4ADA-86CC-3B219D00D39D}">
   <ds:schemaRefs>
     <ds:schemaRef ds:uri="http://schemas.microsoft.com/office/2006/metadata/contentType"/>
@@ -17876,12 +12441,4 @@
     <ds:schemaRef ds:uri="http://schemas.microsoft.com/office/infopath/2007/PartnerControls"/>
   </ds:schemaRefs>
 </ds:datastoreItem>
-</file>
-
-<file path=customXml/itemProps3.xml><?xml version="1.0" encoding="utf-8"?>
-<ds:datastoreItem xmlns:ds="http://schemas.openxmlformats.org/officeDocument/2006/customXml" ds:itemID="{28E1A144-DA3A-434B-950F-9C912E6989E1}">
-  <ds:schemaRefs>
-    <ds:schemaRef ds:uri="http://schemas.microsoft.com/sharepoint/v3/contenttype/forms"/>
-  </ds:schemaRefs>
-</ds:datastoreItem>
 </file>
--- a/Requirements/Presentations/GreenSheets OGA presentation_version 1.pptx
+++ b/Requirements/Presentations/GreenSheets OGA presentation_version 1.pptx
@@ -356,7 +356,7 @@
               <a:pPr>
                 <a:defRPr/>
               </a:pPr>
-              <a:t>6/9/2016</a:t>
+              <a:t>6/10/2016</a:t>
             </a:fld>
             <a:endParaRPr lang="en-US" dirty="0"/>
           </a:p>
@@ -1540,7 +1540,7 @@
               <a:pPr>
                 <a:defRPr/>
               </a:pPr>
-              <a:t>June 9, 2016</a:t>
+              <a:t>June 10, 2016</a:t>
             </a:fld>
             <a:endParaRPr lang="en-US" dirty="0"/>
           </a:p>
@@ -4122,7 +4122,7 @@
           <a:p>
             <a:fld id="{9E23832F-A033-A54E-AB4C-FBC3D83AD4AA}" type="datetimeFigureOut">
               <a:rPr lang="en-US" smtClean="0"/>
-              <a:t>6/9/2016</a:t>
+              <a:t>6/10/2016</a:t>
             </a:fld>
             <a:endParaRPr lang="en-US"/>
           </a:p>
@@ -4292,7 +4292,7 @@
           <a:p>
             <a:fld id="{9E23832F-A033-A54E-AB4C-FBC3D83AD4AA}" type="datetimeFigureOut">
               <a:rPr lang="en-US" smtClean="0"/>
-              <a:t>6/9/2016</a:t>
+              <a:t>6/10/2016</a:t>
             </a:fld>
             <a:endParaRPr lang="en-US"/>
           </a:p>
@@ -8265,7 +8265,7 @@
               </a14:hiddenLine>
             </a:ext>
             <a:ext uri="{FAA26D3D-D897-4be2-8F04-BA451C77F1D7}">
-              <ma14:placeholderFlag xmlns:ma14="http://schemas.microsoft.com/office/mac/drawingml/2011/main" xmlns="" val="1"/>
+              <ma14:placeholderFlag xmlns="" xmlns:ma14="http://schemas.microsoft.com/office/mac/drawingml/2011/main" val="1"/>
             </a:ext>
           </a:extLst>
         </p:spPr>
@@ -8328,7 +8328,7 @@
               </a14:hiddenLine>
             </a:ext>
             <a:ext uri="{FAA26D3D-D897-4be2-8F04-BA451C77F1D7}">
-              <ma14:placeholderFlag xmlns:ma14="http://schemas.microsoft.com/office/mac/drawingml/2011/main" xmlns="" val="1"/>
+              <ma14:placeholderFlag xmlns="" xmlns:ma14="http://schemas.microsoft.com/office/mac/drawingml/2011/main" val="1"/>
             </a:ext>
           </a:extLst>
         </p:spPr>
@@ -8422,7 +8422,7 @@
             </a:pPr>
             <a:fld id="{63A80243-55C2-1C49-BA61-21AC8F55AA45}" type="datetime4">
               <a:rPr lang="en-US" smtClean="0"/>
-              <a:t>June 9, 2016</a:t>
+              <a:t>June 10, 2016</a:t>
             </a:fld>
             <a:endParaRPr lang="en-US" dirty="0"/>
           </a:p>
@@ -9238,11 +9238,7 @@
             <a:pPr lvl="1"/>
             <a:r>
               <a:rPr lang="en-US" sz="1400" b="1" dirty="0" smtClean="0"/>
-              <a:t>Business </a:t>
-            </a:r>
-            <a:r>
-              <a:rPr lang="en-US" sz="1400" b="1" dirty="0" smtClean="0"/>
-              <a:t>Owner(s): </a:t>
+              <a:t>Business Owner(s): </a:t>
             </a:r>
             <a:r>
               <a:rPr lang="en-US" sz="1150" dirty="0"/>
@@ -9262,19 +9258,11 @@
             <a:pPr lvl="1"/>
             <a:r>
               <a:rPr lang="en-US" sz="1300" b="1" dirty="0" smtClean="0"/>
-              <a:t>Business </a:t>
-            </a:r>
-            <a:r>
-              <a:rPr lang="en-US" sz="1300" b="1" dirty="0" smtClean="0"/>
-              <a:t>Stakeholder: </a:t>
+              <a:t>Business Stakeholder: </a:t>
             </a:r>
             <a:r>
               <a:rPr lang="en-US" sz="1050" dirty="0"/>
-              <a:t>Stacey </a:t>
-            </a:r>
-            <a:r>
-              <a:rPr lang="en-US" sz="1050" dirty="0"/>
-              <a:t>Kocher</a:t>
+              <a:t>Stacey Kocher</a:t>
             </a:r>
           </a:p>
           <a:p>
@@ -9296,11 +9284,7 @@
             <a:pPr marL="228600" lvl="2"/>
             <a:r>
               <a:rPr lang="en-US" sz="1200" b="1" dirty="0" smtClean="0"/>
-              <a:t>CBIIT </a:t>
-            </a:r>
-            <a:r>
-              <a:rPr lang="en-US" sz="1200" b="1" dirty="0" smtClean="0"/>
-              <a:t>Team </a:t>
+              <a:t>CBIIT Team </a:t>
             </a:r>
             <a:r>
               <a:rPr lang="en-US" sz="1200" b="1" dirty="0"/>
@@ -9386,11 +9370,7 @@
             <a:pPr lvl="1"/>
             <a:r>
               <a:rPr lang="en-US" sz="1050" dirty="0" smtClean="0"/>
-              <a:t>Subashini </a:t>
-            </a:r>
-            <a:r>
-              <a:rPr lang="en-US" sz="1050" dirty="0" smtClean="0"/>
-              <a:t>Varadarajan, </a:t>
+              <a:t>Subashini Varadarajan, </a:t>
             </a:r>
             <a:r>
               <a:rPr lang="en-US" sz="1050" i="1" dirty="0" smtClean="0"/>
@@ -9923,24 +9903,7 @@
                 <a:latin typeface="Arial" panose="020B0604020202020204" pitchFamily="34" charset="0"/>
                 <a:cs typeface="Arial" panose="020B0604020202020204" pitchFamily="34" charset="0"/>
               </a:rPr>
-              <a:t>P</a:t>
-            </a:r>
-            <a:r>
-              <a:rPr lang="en-US" sz="2400" b="1" kern="1200" dirty="0" smtClean="0">
-                <a:solidFill>
-                  <a:srgbClr val="123E57"/>
-                </a:solidFill>
-                <a:effectLst>
-                  <a:outerShdw blurRad="38100" dist="38100" dir="2700000" algn="tl">
-                    <a:srgbClr val="000000">
-                      <a:alpha val="43137"/>
-                    </a:srgbClr>
-                  </a:outerShdw>
-                </a:effectLst>
-                <a:latin typeface="Arial" panose="020B0604020202020204" pitchFamily="34" charset="0"/>
-                <a:cs typeface="Arial" panose="020B0604020202020204" pitchFamily="34" charset="0"/>
-              </a:rPr>
-              <a:t>roject scope overview</a:t>
+              <a:t>Project scope overview</a:t>
             </a:r>
             <a:endParaRPr lang="en-US" sz="2400" b="1" kern="1200" dirty="0">
               <a:solidFill>
@@ -10365,7 +10328,7 @@
           <p:nvPr>
             <p:extLst>
               <p:ext uri="{D42A27DB-BD31-4B8C-83A1-F6EECF244321}">
-                <p14:modId xmlns:p14="http://schemas.microsoft.com/office/powerpoint/2010/main" val="2045189190"/>
+                <p14:modId xmlns:p14="http://schemas.microsoft.com/office/powerpoint/2010/main" val="3063052403"/>
               </p:ext>
             </p:extLst>
           </p:nvPr>
@@ -10381,14 +10344,14 @@
                 <a:tableStyleId>{00A15C55-8517-42AA-B614-E9B94910E393}</a:tableStyleId>
               </a:tblPr>
               <a:tblGrid>
-                <a:gridCol w="2895600">
+                <a:gridCol w="2819400">
                   <a:extLst>
                     <a:ext uri="{9D8B030D-6E8A-4147-A177-3AD203B41FA5}">
                       <a16:colId xmlns:a16="http://schemas.microsoft.com/office/drawing/2014/main" val="3221469317"/>
                     </a:ext>
                   </a:extLst>
                 </a:gridCol>
-                <a:gridCol w="3276600">
+                <a:gridCol w="3352800">
                   <a:extLst>
                     <a:ext uri="{9D8B030D-6E8A-4147-A177-3AD203B41FA5}">
                       <a16:colId xmlns:a16="http://schemas.microsoft.com/office/drawing/2014/main" val="16879550"/>
@@ -10636,7 +10599,31 @@
                           <a:ea typeface="+mn-ea"/>
                           <a:cs typeface="+mn-cs"/>
                         </a:rPr>
-                        <a:t>Requirements will be collected as soon as possible; implementation depends on completion of prior phases</a:t>
+                        <a:t>Requirements will be collected as soon as possible; implementation depends on completion of prior </a:t>
+                      </a:r>
+                      <a:r>
+                        <a:rPr lang="en-US" sz="1600" kern="1200" dirty="0" smtClean="0">
+                          <a:solidFill>
+                            <a:schemeClr val="dk1"/>
+                          </a:solidFill>
+                          <a:latin typeface="+mn-lt"/>
+                          <a:ea typeface="+mn-ea"/>
+                          <a:cs typeface="+mn-cs"/>
+                        </a:rPr>
+                        <a:t>phases. </a:t>
+                      </a:r>
+                    </a:p>
+                    <a:p>
+                      <a:r>
+                        <a:rPr lang="en-US" sz="1600" kern="1200" dirty="0" smtClean="0">
+                          <a:solidFill>
+                            <a:schemeClr val="dk1"/>
+                          </a:solidFill>
+                          <a:latin typeface="+mn-lt"/>
+                          <a:ea typeface="+mn-ea"/>
+                          <a:cs typeface="+mn-cs"/>
+                        </a:rPr>
+                        <a:t>Usability example – add a link to policy for each or some questions.</a:t>
                       </a:r>
                       <a:endParaRPr lang="en-US" sz="1600" kern="1200" dirty="0">
                         <a:solidFill>
@@ -10843,19 +10830,7 @@
                   </a:outerShdw>
                 </a:effectLst>
               </a:rPr>
-              <a:t> deadline and </a:t>
-            </a:r>
-            <a:r>
-              <a:rPr lang="en-US" b="1" dirty="0">
-                <a:effectLst>
-                  <a:outerShdw blurRad="38100" dist="38100" dir="2700000" algn="tl">
-                    <a:srgbClr val="000000">
-                      <a:alpha val="43137"/>
-                    </a:srgbClr>
-                  </a:outerShdw>
-                </a:effectLst>
-              </a:rPr>
-              <a:t>other </a:t>
+              <a:t> deadline and other </a:t>
             </a:r>
             <a:r>
               <a:rPr lang="en-US" b="1" dirty="0" smtClean="0">
@@ -10930,19 +10905,7 @@
             </a:r>
             <a:r>
               <a:rPr lang="en-US" sz="1600" dirty="0"/>
-              <a:t>business </a:t>
-            </a:r>
-            <a:r>
-              <a:rPr lang="en-US" sz="1600" dirty="0"/>
-              <a:t>process </a:t>
-            </a:r>
-            <a:r>
-              <a:rPr lang="en-US" sz="1600" dirty="0"/>
-              <a:t>allow </a:t>
-            </a:r>
-            <a:r>
-              <a:rPr lang="en-US" sz="1600" dirty="0"/>
-              <a:t>to shut down </a:t>
+              <a:t>business process allow to shut down </a:t>
             </a:r>
             <a:r>
               <a:rPr lang="en-US" sz="1600" dirty="0" err="1"/>
@@ -10950,11 +10913,7 @@
             </a:r>
             <a:r>
               <a:rPr lang="en-US" sz="1600" dirty="0"/>
-              <a:t> system for a certain period of </a:t>
-            </a:r>
-            <a:r>
-              <a:rPr lang="en-US" sz="1600" dirty="0"/>
-              <a:t>time (e.g. 2 weeks)? </a:t>
+              <a:t> system for a certain period of time (e.g. 2 weeks)? </a:t>
             </a:r>
           </a:p>
           <a:p>
@@ -11150,7 +11109,6 @@
               <a:rPr lang="en-US" dirty="0"/>
               <a:t>feedback for particular topics</a:t>
             </a:r>
-            <a:endParaRPr lang="en-US" dirty="0"/>
           </a:p>
         </p:txBody>
       </p:sp>
@@ -11306,13 +11264,8 @@
             </a:r>
             <a:r>
               <a:rPr lang="en-US" dirty="0" smtClean="0"/>
-              <a:t>needed. </a:t>
-            </a:r>
-            <a:r>
-              <a:rPr lang="en-US" dirty="0" smtClean="0"/>
-              <a:t>Next session will be dedicated to clarification of requirements for ad-hoc reporting.</a:t>
-            </a:r>
-            <a:endParaRPr lang="en-US" dirty="0" smtClean="0"/>
+              <a:t>needed. Next session will be dedicated to clarification of requirements for ad-hoc reporting.</a:t>
+            </a:r>
           </a:p>
           <a:p>
             <a:pPr lvl="3"/>
@@ -12282,15 +12235,6 @@
 </file>
 
 <file path=customXml/item2.xml><?xml version="1.0" encoding="utf-8"?>
-<?mso-contentType ?>
-<FormTemplates xmlns="http://schemas.microsoft.com/sharepoint/v3/contenttype/forms">
-  <Display>DocumentLibraryForm</Display>
-  <Edit>DocumentLibraryForm</Edit>
-  <New>DocumentLibraryForm</New>
-</FormTemplates>
-</file>
-
-<file path=customXml/item3.xml><?xml version="1.0" encoding="utf-8"?>
 <ct:contentTypeSchema xmlns:ct="http://schemas.microsoft.com/office/2006/metadata/contentType" xmlns:ma="http://schemas.microsoft.com/office/2006/metadata/properties/metaAttributes" ct:_="" ma:_="" ma:contentTypeName="Document" ma:contentTypeID="0x010100498B138B6814904BA1F9E4F14E08F74D" ma:contentTypeVersion="0" ma:contentTypeDescription="Create a new document." ma:contentTypeScope="" ma:versionID="20dc333bebcf905b381783348d4cbf88">
   <xsd:schema xmlns:xsd="http://www.w3.org/2001/XMLSchema" xmlns:xs="http://www.w3.org/2001/XMLSchema" xmlns:p="http://schemas.microsoft.com/office/2006/metadata/properties" targetNamespace="http://schemas.microsoft.com/office/2006/metadata/properties" ma:root="true" ma:fieldsID="c64490b4aec6201516c3a874156f37b2">
     <xsd:element name="properties">
@@ -12404,6 +12348,15 @@
 </ct:contentTypeSchema>
 </file>
 
+<file path=customXml/item3.xml><?xml version="1.0" encoding="utf-8"?>
+<?mso-contentType ?>
+<FormTemplates xmlns="http://schemas.microsoft.com/sharepoint/v3/contenttype/forms">
+  <Display>DocumentLibraryForm</Display>
+  <Edit>DocumentLibraryForm</Edit>
+  <New>DocumentLibraryForm</New>
+</FormTemplates>
+</file>
+
 <file path=customXml/itemProps1.xml><?xml version="1.0" encoding="utf-8"?>
 <ds:datastoreItem xmlns:ds="http://schemas.openxmlformats.org/officeDocument/2006/customXml" ds:itemID="{4C535039-3F37-4243-9AAC-908669651B70}">
   <ds:schemaRefs>
@@ -12420,14 +12373,6 @@
 </file>
 
 <file path=customXml/itemProps2.xml><?xml version="1.0" encoding="utf-8"?>
-<ds:datastoreItem xmlns:ds="http://schemas.openxmlformats.org/officeDocument/2006/customXml" ds:itemID="{28E1A144-DA3A-434B-950F-9C912E6989E1}">
-  <ds:schemaRefs>
-    <ds:schemaRef ds:uri="http://schemas.microsoft.com/sharepoint/v3/contenttype/forms"/>
-  </ds:schemaRefs>
-</ds:datastoreItem>
-</file>
-
-<file path=customXml/itemProps3.xml><?xml version="1.0" encoding="utf-8"?>
 <ds:datastoreItem xmlns:ds="http://schemas.openxmlformats.org/officeDocument/2006/customXml" ds:itemID="{8AB24EC2-3234-4ADA-86CC-3B219D00D39D}">
   <ds:schemaRefs>
     <ds:schemaRef ds:uri="http://schemas.microsoft.com/office/2006/metadata/contentType"/>
@@ -12441,4 +12386,12 @@
     <ds:schemaRef ds:uri="http://schemas.microsoft.com/office/infopath/2007/PartnerControls"/>
   </ds:schemaRefs>
 </ds:datastoreItem>
+</file>
+
+<file path=customXml/itemProps3.xml><?xml version="1.0" encoding="utf-8"?>
+<ds:datastoreItem xmlns:ds="http://schemas.openxmlformats.org/officeDocument/2006/customXml" ds:itemID="{28E1A144-DA3A-434B-950F-9C912E6989E1}">
+  <ds:schemaRefs>
+    <ds:schemaRef ds:uri="http://schemas.microsoft.com/sharepoint/v3/contenttype/forms"/>
+  </ds:schemaRefs>
+</ds:datastoreItem>
 </file>
--- a/Requirements/Presentations/GreenSheets OGA presentation_version 1.pptx
+++ b/Requirements/Presentations/GreenSheets OGA presentation_version 1.pptx
@@ -356,7 +356,7 @@
               <a:pPr>
                 <a:defRPr/>
               </a:pPr>
-              <a:t>6/10/2016</a:t>
+              <a:t>6/13/2016</a:t>
             </a:fld>
             <a:endParaRPr lang="en-US" dirty="0"/>
           </a:p>
@@ -1540,7 +1540,7 @@
               <a:pPr>
                 <a:defRPr/>
               </a:pPr>
-              <a:t>June 10, 2016</a:t>
+              <a:t>June 13, 2016</a:t>
             </a:fld>
             <a:endParaRPr lang="en-US" dirty="0"/>
           </a:p>
@@ -4122,7 +4122,7 @@
           <a:p>
             <a:fld id="{9E23832F-A033-A54E-AB4C-FBC3D83AD4AA}" type="datetimeFigureOut">
               <a:rPr lang="en-US" smtClean="0"/>
-              <a:t>6/10/2016</a:t>
+              <a:t>6/13/2016</a:t>
             </a:fld>
             <a:endParaRPr lang="en-US"/>
           </a:p>
@@ -4292,7 +4292,7 @@
           <a:p>
             <a:fld id="{9E23832F-A033-A54E-AB4C-FBC3D83AD4AA}" type="datetimeFigureOut">
               <a:rPr lang="en-US" smtClean="0"/>
-              <a:t>6/10/2016</a:t>
+              <a:t>6/13/2016</a:t>
             </a:fld>
             <a:endParaRPr lang="en-US"/>
           </a:p>
@@ -8265,7 +8265,7 @@
               </a14:hiddenLine>
             </a:ext>
             <a:ext uri="{FAA26D3D-D897-4be2-8F04-BA451C77F1D7}">
-              <ma14:placeholderFlag xmlns="" xmlns:ma14="http://schemas.microsoft.com/office/mac/drawingml/2011/main" val="1"/>
+              <ma14:placeholderFlag xmlns:ma14="http://schemas.microsoft.com/office/mac/drawingml/2011/main" xmlns="" val="1"/>
             </a:ext>
           </a:extLst>
         </p:spPr>
@@ -8328,7 +8328,7 @@
               </a14:hiddenLine>
             </a:ext>
             <a:ext uri="{FAA26D3D-D897-4be2-8F04-BA451C77F1D7}">
-              <ma14:placeholderFlag xmlns="" xmlns:ma14="http://schemas.microsoft.com/office/mac/drawingml/2011/main" val="1"/>
+              <ma14:placeholderFlag xmlns:ma14="http://schemas.microsoft.com/office/mac/drawingml/2011/main" xmlns="" val="1"/>
             </a:ext>
           </a:extLst>
         </p:spPr>
@@ -8422,7 +8422,7 @@
             </a:pPr>
             <a:fld id="{63A80243-55C2-1C49-BA61-21AC8F55AA45}" type="datetime4">
               <a:rPr lang="en-US" smtClean="0"/>
-              <a:t>June 10, 2016</a:t>
+              <a:t>June 13, 2016</a:t>
             </a:fld>
             <a:endParaRPr lang="en-US" dirty="0"/>
           </a:p>
@@ -9087,7 +9087,7 @@
                   </a:outerShdw>
                 </a:effectLst>
               </a:rPr>
-              <a:t>DD-MM-2016</a:t>
+              <a:t>28-June-2016</a:t>
             </a:r>
             <a:r>
               <a:rPr lang="en-US" altLang="en-US" dirty="0">
@@ -9276,9 +9276,13 @@
               <a:t>Matter Expert: </a:t>
             </a:r>
             <a:r>
-              <a:rPr lang="en-US" sz="1050" dirty="0"/>
-              <a:t>TBD</a:t>
-            </a:r>
+              <a:rPr lang="en-US" sz="1050" dirty="0" smtClean="0"/>
+              <a:t>Eugenia Chester</a:t>
+            </a:r>
+          </a:p>
+          <a:p>
+            <a:pPr lvl="1"/>
+            <a:endParaRPr lang="en-US" sz="1050" dirty="0"/>
           </a:p>
           <a:p>
             <a:pPr marL="228600" lvl="2"/>
@@ -9327,28 +9331,12 @@
           <a:p>
             <a:pPr lvl="1"/>
             <a:r>
-              <a:rPr lang="en-US" sz="1050" dirty="0" smtClean="0">
-                <a:solidFill>
-                  <a:srgbClr val="0070C0"/>
-                </a:solidFill>
-              </a:rPr>
-              <a:t>Dinesh Reddy</a:t>
-            </a:r>
-            <a:r>
-              <a:rPr lang="en-US" sz="1050" i="1" dirty="0" smtClean="0"/>
-              <a:t>, </a:t>
-            </a:r>
-            <a:r>
-              <a:rPr lang="en-US" sz="1050" i="1" dirty="0"/>
-              <a:t>Technical Project Manager</a:t>
-            </a:r>
-            <a:endParaRPr lang="en-US" sz="1050" i="1" dirty="0" smtClean="0"/>
-          </a:p>
-          <a:p>
-            <a:pPr lvl="1"/>
-            <a:r>
               <a:rPr lang="en-US" sz="1050" dirty="0" smtClean="0"/>
-              <a:t>Gerald Momplaisir, </a:t>
+              <a:t>Gerald </a:t>
+            </a:r>
+            <a:r>
+              <a:rPr lang="en-US" sz="1050" dirty="0" smtClean="0"/>
+              <a:t>Momplaisir, </a:t>
             </a:r>
             <a:r>
               <a:rPr lang="en-US" sz="1050" i="1" dirty="0" smtClean="0"/>
@@ -9391,32 +9379,12 @@
           <a:p>
             <a:pPr lvl="1"/>
             <a:r>
-              <a:rPr lang="en-US" sz="1050" dirty="0" smtClean="0">
-                <a:solidFill>
-                  <a:srgbClr val="0070C0"/>
-                </a:solidFill>
-              </a:rPr>
-              <a:t>Iris Hunt</a:t>
-            </a:r>
-            <a:r>
-              <a:rPr lang="en-US" sz="1050" i="1" dirty="0">
-                <a:solidFill>
-                  <a:srgbClr val="0070C0"/>
-                </a:solidFill>
-              </a:rPr>
-              <a:t>, Requirements </a:t>
-            </a:r>
-            <a:r>
-              <a:rPr lang="en-US" sz="1050" i="1" dirty="0"/>
-              <a:t>Analyst</a:t>
-            </a:r>
-            <a:endParaRPr lang="en-US" sz="1050" i="1" dirty="0" smtClean="0"/>
-          </a:p>
-          <a:p>
-            <a:pPr lvl="1"/>
-            <a:r>
               <a:rPr lang="en-US" sz="1050" dirty="0" smtClean="0"/>
-              <a:t>David Chang, </a:t>
+              <a:t>David </a:t>
+            </a:r>
+            <a:r>
+              <a:rPr lang="en-US" sz="1050" dirty="0" smtClean="0"/>
+              <a:t>Chang, </a:t>
             </a:r>
             <a:r>
               <a:rPr lang="en-US" sz="1050" i="1" dirty="0" smtClean="0"/>
@@ -9424,31 +9392,9 @@
             </a:r>
           </a:p>
           <a:p>
-            <a:pPr lvl="1"/>
-            <a:r>
-              <a:rPr lang="en-US" sz="1050" dirty="0" smtClean="0">
-                <a:solidFill>
-                  <a:srgbClr val="0070C0"/>
-                </a:solidFill>
-              </a:rPr>
-              <a:t>Sheng Zhao</a:t>
-            </a:r>
-            <a:r>
-              <a:rPr lang="en-US" sz="1050" i="1" dirty="0" smtClean="0">
-                <a:solidFill>
-                  <a:srgbClr val="0070C0"/>
-                </a:solidFill>
-              </a:rPr>
-              <a:t>, </a:t>
-            </a:r>
-            <a:r>
-              <a:rPr lang="en-US" sz="1050" i="1" dirty="0"/>
-              <a:t>Database Developer</a:t>
-            </a:r>
-            <a:endParaRPr lang="en-US" sz="1050" i="1" dirty="0" smtClean="0"/>
-          </a:p>
-          <a:p>
-            <a:pPr lvl="1"/>
+            <a:pPr marL="228600" lvl="1" indent="0">
+              <a:buNone/>
+            </a:pPr>
             <a:endParaRPr lang="en-US" sz="1200" dirty="0" smtClean="0"/>
           </a:p>
         </p:txBody>
@@ -9875,8 +9821,8 @@
         </p:nvSpPr>
         <p:spPr>
           <a:xfrm>
-            <a:off x="493776" y="304800"/>
-            <a:ext cx="8165592" cy="457200"/>
+            <a:off x="493776" y="228600"/>
+            <a:ext cx="8165592" cy="381000"/>
           </a:xfrm>
         </p:spPr>
         <p:txBody>
@@ -9934,8 +9880,8 @@
         </p:nvSpPr>
         <p:spPr>
           <a:xfrm>
-            <a:off x="493776" y="838200"/>
-            <a:ext cx="8165592" cy="5715000"/>
+            <a:off x="493776" y="609600"/>
+            <a:ext cx="8345424" cy="6096000"/>
           </a:xfrm>
         </p:spPr>
         <p:txBody>
@@ -9950,59 +9896,63 @@
           <a:p>
             <a:pPr lvl="2"/>
             <a:r>
-              <a:rPr lang="en-US" sz="1400" dirty="0" err="1"/>
+              <a:rPr lang="en-US" sz="1200" dirty="0" err="1"/>
               <a:t>Greensheets</a:t>
             </a:r>
             <a:r>
-              <a:rPr lang="en-US" sz="1400" dirty="0"/>
+              <a:rPr lang="en-US" sz="1200" dirty="0"/>
               <a:t> Submission (Major reoccurring issue (PD </a:t>
             </a:r>
             <a:r>
-              <a:rPr lang="en-US" sz="1400" dirty="0" err="1"/>
+              <a:rPr lang="en-US" sz="1200" dirty="0" err="1"/>
               <a:t>Greensheet</a:t>
             </a:r>
             <a:r>
-              <a:rPr lang="en-US" sz="1400" dirty="0"/>
+              <a:rPr lang="en-US" sz="1200" dirty="0"/>
               <a:t>)</a:t>
             </a:r>
           </a:p>
           <a:p>
             <a:pPr lvl="2"/>
             <a:r>
-              <a:rPr lang="en-US" sz="1400" dirty="0" err="1"/>
+              <a:rPr lang="en-US" sz="1200" dirty="0" err="1"/>
               <a:t>Greensheets</a:t>
             </a:r>
             <a:r>
-              <a:rPr lang="en-US" sz="1400" dirty="0"/>
+              <a:rPr lang="en-US" sz="1200" dirty="0"/>
               <a:t> Timeout (Major reoccurring issue)</a:t>
             </a:r>
           </a:p>
           <a:p>
             <a:pPr lvl="2"/>
             <a:r>
-              <a:rPr lang="en-US" sz="1400" dirty="0"/>
+              <a:rPr lang="en-US" sz="1200" dirty="0"/>
               <a:t>Duplicate </a:t>
             </a:r>
             <a:r>
-              <a:rPr lang="en-US" sz="1400" dirty="0" err="1"/>
+              <a:rPr lang="en-US" sz="1200" dirty="0" err="1"/>
               <a:t>greensheets</a:t>
             </a:r>
             <a:r>
-              <a:rPr lang="en-US" sz="1400" dirty="0"/>
+              <a:rPr lang="en-US" sz="1200" dirty="0"/>
               <a:t> (only reoccurring occasionally</a:t>
             </a:r>
             <a:r>
-              <a:rPr lang="en-US" sz="1400" dirty="0" smtClean="0"/>
+              <a:rPr lang="en-US" sz="1200" dirty="0" smtClean="0"/>
               <a:t>)</a:t>
             </a:r>
           </a:p>
           <a:p>
             <a:pPr lvl="2"/>
             <a:r>
-              <a:rPr lang="en-US" sz="1400" dirty="0" smtClean="0"/>
-              <a:t>Attachments issue (new)</a:t>
-            </a:r>
-            <a:endParaRPr lang="en-US" sz="1400" dirty="0"/>
+              <a:rPr lang="en-US" sz="1200" dirty="0" smtClean="0"/>
+              <a:t>Attachments issue (</a:t>
+            </a:r>
+            <a:r>
+              <a:rPr lang="en-US" sz="1200" dirty="0" smtClean="0"/>
+              <a:t>new)</a:t>
+            </a:r>
+            <a:endParaRPr lang="en-US" sz="1200" dirty="0"/>
           </a:p>
           <a:p>
             <a:r>
@@ -10073,23 +10023,23 @@
               <a:defRPr/>
             </a:pPr>
             <a:r>
-              <a:rPr lang="en-US" sz="1400" dirty="0"/>
+              <a:rPr lang="en-US" sz="1200" dirty="0"/>
               <a:t>User-friendly dashboard report to easily access the grants and the underlying </a:t>
             </a:r>
             <a:r>
-              <a:rPr lang="en-US" sz="1400" dirty="0" err="1"/>
+              <a:rPr lang="en-US" sz="1200" dirty="0" err="1"/>
               <a:t>greensheets</a:t>
             </a:r>
             <a:r>
-              <a:rPr lang="en-US" sz="1400" dirty="0"/>
+              <a:rPr lang="en-US" sz="1200" dirty="0"/>
               <a:t> and also to help visualize some of the key metrics. This is house-keeping” reports, for example ‘how many </a:t>
             </a:r>
             <a:r>
-              <a:rPr lang="en-US" sz="1400" dirty="0" err="1"/>
+              <a:rPr lang="en-US" sz="1200" dirty="0" err="1"/>
               <a:t>greensheets</a:t>
             </a:r>
             <a:r>
-              <a:rPr lang="en-US" sz="1400" dirty="0"/>
+              <a:rPr lang="en-US" sz="1200" dirty="0"/>
               <a:t> in Submitted status</a:t>
             </a:r>
           </a:p>
@@ -10138,8 +10088,33 @@
             </a:pPr>
             <a:r>
               <a:rPr lang="en-US" dirty="0"/>
-              <a:t>UI modernization and usability</a:t>
-            </a:r>
+              <a:t>UI modernization and </a:t>
+            </a:r>
+            <a:r>
+              <a:rPr lang="en-US" dirty="0" smtClean="0"/>
+              <a:t>usability (</a:t>
+            </a:r>
+            <a:r>
+              <a:rPr lang="en-US" sz="1200" dirty="0"/>
+              <a:t>e.g. </a:t>
+            </a:r>
+            <a:r>
+              <a:rPr lang="en-US" sz="1200" dirty="0"/>
+              <a:t>add a link to policy for each or some </a:t>
+            </a:r>
+            <a:r>
+              <a:rPr lang="en-US" sz="1200" dirty="0"/>
+              <a:t>questions</a:t>
+            </a:r>
+            <a:r>
+              <a:rPr lang="en-US" dirty="0" smtClean="0">
+                <a:solidFill>
+                  <a:schemeClr val="dk1"/>
+                </a:solidFill>
+              </a:rPr>
+              <a:t>)</a:t>
+            </a:r>
+            <a:endParaRPr lang="en-US" dirty="0" smtClean="0"/>
           </a:p>
           <a:p>
             <a:pPr marL="400050" lvl="4" indent="-171450" fontAlgn="auto">
@@ -10152,7 +10127,7 @@
               <a:buClrTx/>
               <a:defRPr/>
             </a:pPr>
-            <a:endParaRPr lang="en-US" dirty="0"/>
+            <a:endParaRPr lang="en-US" dirty="0" smtClean="0"/>
           </a:p>
           <a:p>
             <a:pPr marL="228600" lvl="4" indent="0" fontAlgn="auto">
@@ -10167,7 +10142,7 @@
               <a:defRPr/>
             </a:pPr>
             <a:r>
-              <a:rPr lang="en-US" u="sng" dirty="0">
+              <a:rPr lang="en-US" u="sng" dirty="0" smtClean="0">
                 <a:solidFill>
                   <a:srgbClr val="0070C0"/>
                 </a:solidFill>
@@ -10201,8 +10176,53 @@
             </a:pPr>
             <a:r>
               <a:rPr lang="en-US" dirty="0"/>
-              <a:t>Using additional capabilities of Form Builder</a:t>
-            </a:r>
+              <a:t>Address needs with revised awards and supplements</a:t>
+            </a:r>
+          </a:p>
+          <a:p>
+            <a:pPr marL="400050" lvl="4" indent="-171450" fontAlgn="auto">
+              <a:spcBef>
+                <a:spcPts val="0"/>
+              </a:spcBef>
+              <a:spcAft>
+                <a:spcPts val="0"/>
+              </a:spcAft>
+              <a:buClrTx/>
+              <a:defRPr/>
+            </a:pPr>
+            <a:r>
+              <a:rPr lang="en-US" dirty="0" smtClean="0"/>
+              <a:t>Form Builder integration</a:t>
+            </a:r>
+            <a:r>
+              <a:rPr lang="en-US" dirty="0" smtClean="0"/>
+              <a:t> </a:t>
+            </a:r>
+            <a:r>
+              <a:rPr lang="en-US" dirty="0"/>
+              <a:t>changes </a:t>
+            </a:r>
+            <a:r>
+              <a:rPr lang="en-US" dirty="0" smtClean="0"/>
+              <a:t>(</a:t>
+            </a:r>
+            <a:r>
+              <a:rPr lang="en-US" sz="1200" dirty="0" smtClean="0"/>
+              <a:t>e.g. breaking up modules into smaller parts and deploying separately, using </a:t>
+            </a:r>
+            <a:r>
+              <a:rPr lang="en-US" sz="1200" dirty="0"/>
+              <a:t>additional capabilities </a:t>
+            </a:r>
+            <a:r>
+              <a:rPr lang="en-US" sz="1200" dirty="0" smtClean="0"/>
+              <a:t>of FB</a:t>
+            </a:r>
+            <a:r>
+              <a:rPr lang="en-US" dirty="0" smtClean="0"/>
+              <a:t>)</a:t>
+            </a:r>
+            <a:endParaRPr lang="en-US" dirty="0"/>
           </a:p>
           <a:p>
             <a:pPr marL="400050" lvl="4" indent="-171450" fontAlgn="auto">
@@ -10328,14 +10348,14 @@
           <p:nvPr>
             <p:extLst>
               <p:ext uri="{D42A27DB-BD31-4B8C-83A1-F6EECF244321}">
-                <p14:modId xmlns:p14="http://schemas.microsoft.com/office/powerpoint/2010/main" val="3063052403"/>
+                <p14:modId xmlns:p14="http://schemas.microsoft.com/office/powerpoint/2010/main" val="3027884175"/>
               </p:ext>
             </p:extLst>
           </p:nvPr>
         </p:nvGraphicFramePr>
         <p:xfrm>
           <a:off x="762000" y="990601"/>
-          <a:ext cx="7772400" cy="5397066"/>
+          <a:ext cx="7772400" cy="5137985"/>
         </p:xfrm>
         <a:graphic>
           <a:graphicData uri="http://schemas.openxmlformats.org/drawingml/2006/table">
@@ -10344,14 +10364,14 @@
                 <a:tableStyleId>{00A15C55-8517-42AA-B614-E9B94910E393}</a:tableStyleId>
               </a:tblPr>
               <a:tblGrid>
-                <a:gridCol w="2819400">
+                <a:gridCol w="2590800">
                   <a:extLst>
                     <a:ext uri="{9D8B030D-6E8A-4147-A177-3AD203B41FA5}">
                       <a16:colId xmlns:a16="http://schemas.microsoft.com/office/drawing/2014/main" val="3221469317"/>
                     </a:ext>
                   </a:extLst>
                 </a:gridCol>
-                <a:gridCol w="3352800">
+                <a:gridCol w="3581400">
                   <a:extLst>
                     <a:ext uri="{9D8B030D-6E8A-4147-A177-3AD203B41FA5}">
                       <a16:colId xmlns:a16="http://schemas.microsoft.com/office/drawing/2014/main" val="16879550"/>
@@ -10419,17 +10439,17 @@
                   </a:ext>
                 </a:extLst>
               </a:tr>
-              <a:tr h="1339013">
+              <a:tr h="1034213">
                 <a:tc>
                   <a:txBody>
                     <a:bodyPr/>
                     <a:lstStyle/>
                     <a:p>
                       <a:r>
-                        <a:rPr lang="en-US" sz="1600" dirty="0" smtClean="0"/>
+                        <a:rPr lang="en-US" sz="1200" dirty="0" smtClean="0"/>
                         <a:t>Non-UI reporting</a:t>
                       </a:r>
-                      <a:endParaRPr lang="en-US" sz="1600" dirty="0"/>
+                      <a:endParaRPr lang="en-US" sz="1200" dirty="0"/>
                     </a:p>
                   </a:txBody>
                   <a:tcPr/>
@@ -10440,10 +10460,10 @@
                     <a:lstStyle/>
                     <a:p>
                       <a:r>
-                        <a:rPr lang="en-US" sz="1600" dirty="0" smtClean="0"/>
+                        <a:rPr lang="en-US" sz="1200" dirty="0" smtClean="0"/>
                         <a:t>A new approach to extracting questions from Form Builder and saving them in different tables. This approach will prepare the database to handle reporting requirements with ease.</a:t>
                       </a:r>
-                      <a:endParaRPr lang="en-US" sz="1600" dirty="0"/>
+                      <a:endParaRPr lang="en-US" sz="1200" dirty="0"/>
                     </a:p>
                   </a:txBody>
                   <a:tcPr/>
@@ -10454,10 +10474,10 @@
                     <a:lstStyle/>
                     <a:p>
                       <a:r>
-                        <a:rPr lang="en-US" sz="1600" dirty="0" smtClean="0"/>
+                        <a:rPr lang="en-US" sz="1200" dirty="0" smtClean="0"/>
                         <a:t>From now to beginning of 2016 FY</a:t>
                       </a:r>
-                      <a:endParaRPr lang="en-US" sz="1600" dirty="0"/>
+                      <a:endParaRPr lang="en-US" sz="1200" dirty="0"/>
                     </a:p>
                   </a:txBody>
                   <a:tcPr/>
@@ -10492,12 +10512,12 @@
                         <a:defRPr/>
                       </a:pPr>
                       <a:r>
-                        <a:rPr lang="en-US" sz="1600" dirty="0" smtClean="0"/>
+                        <a:rPr lang="en-US" sz="1200" dirty="0" smtClean="0"/>
                         <a:t>Upgrade technology stack</a:t>
                       </a:r>
                     </a:p>
                     <a:p>
-                      <a:endParaRPr lang="en-US" sz="1600" dirty="0"/>
+                      <a:endParaRPr lang="en-US" sz="1200" dirty="0"/>
                     </a:p>
                   </a:txBody>
                   <a:tcPr/>
@@ -10508,10 +10528,10 @@
                     <a:lstStyle/>
                     <a:p>
                       <a:r>
-                        <a:rPr lang="en-US" sz="1600" dirty="0" smtClean="0"/>
+                        <a:rPr lang="en-US" sz="1200" dirty="0" smtClean="0"/>
                         <a:t>Will enhance security</a:t>
                       </a:r>
-                      <a:endParaRPr lang="en-US" sz="1600" dirty="0"/>
+                      <a:endParaRPr lang="en-US" sz="1200" dirty="0"/>
                     </a:p>
                   </a:txBody>
                   <a:tcPr/>
@@ -10522,10 +10542,10 @@
                     <a:lstStyle/>
                     <a:p>
                       <a:r>
-                        <a:rPr lang="en-US" sz="1600" dirty="0" smtClean="0"/>
+                        <a:rPr lang="en-US" sz="1200" dirty="0" smtClean="0"/>
                         <a:t>From mid-September until mid-March</a:t>
                       </a:r>
-                      <a:endParaRPr lang="en-US" sz="1600" dirty="0"/>
+                      <a:endParaRPr lang="en-US" sz="1200" dirty="0"/>
                     </a:p>
                   </a:txBody>
                   <a:tcPr/>
@@ -10536,7 +10556,7 @@
                   </a:ext>
                 </a:extLst>
               </a:tr>
-              <a:tr h="642186">
+              <a:tr h="1417320">
                 <a:tc>
                   <a:txBody>
                     <a:bodyPr/>
@@ -10560,14 +10580,14 @@
                         <a:defRPr/>
                       </a:pPr>
                       <a:r>
-                        <a:rPr lang="en-US" sz="1600" dirty="0" smtClean="0"/>
+                        <a:rPr lang="en-US" sz="1200" dirty="0" smtClean="0"/>
                         <a:t>UI modernization and usability, enhancing search capabilities, addressing production issues related to UI and</a:t>
                       </a:r>
                       <a:r>
-                        <a:rPr lang="en-US" sz="1600" baseline="0" dirty="0" smtClean="0"/>
+                        <a:rPr lang="en-US" sz="1200" baseline="0" dirty="0" smtClean="0"/>
                         <a:t> technology upgrade</a:t>
                       </a:r>
-                      <a:endParaRPr lang="en-US" sz="1600" dirty="0" smtClean="0"/>
+                      <a:endParaRPr lang="en-US" sz="1200" dirty="0" smtClean="0"/>
                     </a:p>
                     <a:p>
                       <a:pPr marL="0" lvl="3" indent="-228600" algn="l" fontAlgn="auto">
@@ -10580,7 +10600,7 @@
                         <a:buClrTx/>
                         <a:defRPr/>
                       </a:pPr>
-                      <a:endParaRPr lang="en-US" sz="1600" dirty="0"/>
+                      <a:endParaRPr lang="en-US" sz="1200" dirty="0"/>
                     </a:p>
                   </a:txBody>
                   <a:tcPr/>
@@ -10591,7 +10611,7 @@
                     <a:lstStyle/>
                     <a:p>
                       <a:r>
-                        <a:rPr lang="en-US" sz="1600" kern="1200" dirty="0" smtClean="0">
+                        <a:rPr lang="en-US" sz="1200" kern="1200" dirty="0" smtClean="0">
                           <a:solidFill>
                             <a:schemeClr val="dk1"/>
                           </a:solidFill>
@@ -10599,10 +10619,29 @@
                           <a:ea typeface="+mn-ea"/>
                           <a:cs typeface="+mn-cs"/>
                         </a:rPr>
-                        <a:t>Requirements will be collected as soon as possible; implementation depends on completion of prior </a:t>
+                        <a:t>Requirements will be collected as soon as possible; implementation depends on completion of prior phases. </a:t>
                       </a:r>
+                    </a:p>
+                    <a:p>
+                      <a:pPr marL="0" marR="0" lvl="4" indent="0" algn="l" defTabSz="457200" rtl="0" eaLnBrk="1" fontAlgn="auto" latinLnBrk="0" hangingPunct="1">
+                        <a:lnSpc>
+                          <a:spcPct val="100000"/>
+                        </a:lnSpc>
+                        <a:spcBef>
+                          <a:spcPts val="0"/>
+                        </a:spcBef>
+                        <a:spcAft>
+                          <a:spcPts val="0"/>
+                        </a:spcAft>
+                        <a:buClrTx/>
+                        <a:buSzTx/>
+                        <a:buFontTx/>
+                        <a:buNone/>
+                        <a:tabLst/>
+                        <a:defRPr/>
+                      </a:pPr>
                       <a:r>
-                        <a:rPr lang="en-US" sz="1600" kern="1200" dirty="0" smtClean="0">
+                        <a:rPr lang="en-US" sz="1200" kern="1200" dirty="0" smtClean="0">
                           <a:solidFill>
                             <a:schemeClr val="dk1"/>
                           </a:solidFill>
@@ -10610,12 +10649,10 @@
                           <a:ea typeface="+mn-ea"/>
                           <a:cs typeface="+mn-cs"/>
                         </a:rPr>
-                        <a:t>phases. </a:t>
+                        <a:t>Examples: address needs with revised awards and supplements; add </a:t>
                       </a:r>
-                    </a:p>
-                    <a:p>
                       <a:r>
-                        <a:rPr lang="en-US" sz="1600" kern="1200" dirty="0" smtClean="0">
+                        <a:rPr lang="en-US" sz="1200" kern="1200" dirty="0" smtClean="0">
                           <a:solidFill>
                             <a:schemeClr val="dk1"/>
                           </a:solidFill>
@@ -10623,9 +10660,9 @@
                           <a:ea typeface="+mn-ea"/>
                           <a:cs typeface="+mn-cs"/>
                         </a:rPr>
-                        <a:t>Usability example – add a link to policy for each or some questions.</a:t>
+                        <a:t>a link to policy for each or some questions.</a:t>
                       </a:r>
-                      <a:endParaRPr lang="en-US" sz="1600" kern="1200" dirty="0">
+                      <a:endParaRPr lang="en-US" sz="1200" kern="1200" dirty="0">
                         <a:solidFill>
                           <a:schemeClr val="dk1"/>
                         </a:solidFill>
@@ -10643,7 +10680,7 @@
                     <a:lstStyle/>
                     <a:p>
                       <a:r>
-                        <a:rPr lang="en-US" sz="1600" kern="1200" dirty="0" smtClean="0">
+                        <a:rPr lang="en-US" sz="1200" kern="1200" dirty="0" smtClean="0">
                           <a:solidFill>
                             <a:schemeClr val="dk1"/>
                           </a:solidFill>
@@ -10653,7 +10690,7 @@
                         </a:rPr>
                         <a:t>From mid-July 2016 until end of the project</a:t>
                       </a:r>
-                      <a:endParaRPr lang="en-US" sz="1600" kern="1200" dirty="0">
+                      <a:endParaRPr lang="en-US" sz="1200" kern="1200" dirty="0">
                         <a:solidFill>
                           <a:schemeClr val="dk1"/>
                         </a:solidFill>
@@ -10668,6 +10705,111 @@
                 <a:extLst>
                   <a:ext uri="{0D108BD9-81ED-4DB2-BD59-A6C34878D82A}">
                     <a16:rowId xmlns:a16="http://schemas.microsoft.com/office/drawing/2014/main" val="2918213860"/>
+                  </a:ext>
+                </a:extLst>
+              </a:tr>
+              <a:tr h="762000">
+                <a:tc>
+                  <a:txBody>
+                    <a:bodyPr/>
+                    <a:lstStyle/>
+                    <a:p>
+                      <a:pPr marL="0" lvl="3" indent="-228600" algn="l" fontAlgn="auto">
+                        <a:spcBef>
+                          <a:spcPts val="0"/>
+                        </a:spcBef>
+                        <a:spcAft>
+                          <a:spcPts val="0"/>
+                        </a:spcAft>
+                        <a:buClrTx/>
+                        <a:defRPr/>
+                      </a:pPr>
+                      <a:r>
+                        <a:rPr lang="en-US" sz="1200" dirty="0" smtClean="0"/>
+                        <a:t>Integration with external systems</a:t>
+                      </a:r>
+                      <a:endParaRPr lang="en-US" sz="1200" dirty="0"/>
+                    </a:p>
+                  </a:txBody>
+                  <a:tcPr/>
+                </a:tc>
+                <a:tc>
+                  <a:txBody>
+                    <a:bodyPr/>
+                    <a:lstStyle/>
+                    <a:p>
+                      <a:r>
+                        <a:rPr lang="en-US" sz="1200" dirty="0" smtClean="0"/>
+                        <a:t>Example:</a:t>
+                      </a:r>
+                      <a:r>
+                        <a:rPr lang="en-US" sz="1200" baseline="0" dirty="0" smtClean="0"/>
+                        <a:t> Form Builder -</a:t>
+                      </a:r>
+                      <a:r>
+                        <a:rPr lang="en-US" sz="1200" dirty="0" smtClean="0"/>
+                        <a:t> breaking up modules into smaller parts and deploying separately, using additional capabilities of FB</a:t>
+                      </a:r>
+                      <a:endParaRPr lang="en-US" sz="1200" kern="1200" dirty="0">
+                        <a:solidFill>
+                          <a:schemeClr val="dk1"/>
+                        </a:solidFill>
+                        <a:latin typeface="+mn-lt"/>
+                        <a:ea typeface="+mn-ea"/>
+                        <a:cs typeface="+mn-cs"/>
+                      </a:endParaRPr>
+                    </a:p>
+                  </a:txBody>
+                  <a:tcPr/>
+                </a:tc>
+                <a:tc>
+                  <a:txBody>
+                    <a:bodyPr/>
+                    <a:lstStyle/>
+                    <a:p>
+                      <a:pPr marL="0" marR="0" indent="0" algn="l" defTabSz="457200" rtl="0" eaLnBrk="1" fontAlgn="auto" latinLnBrk="0" hangingPunct="1">
+                        <a:lnSpc>
+                          <a:spcPct val="100000"/>
+                        </a:lnSpc>
+                        <a:spcBef>
+                          <a:spcPts val="0"/>
+                        </a:spcBef>
+                        <a:spcAft>
+                          <a:spcPts val="0"/>
+                        </a:spcAft>
+                        <a:buClrTx/>
+                        <a:buSzTx/>
+                        <a:buFontTx/>
+                        <a:buNone/>
+                        <a:tabLst/>
+                        <a:defRPr/>
+                      </a:pPr>
+                      <a:r>
+                        <a:rPr lang="en-US" sz="1200" kern="1200" dirty="0" smtClean="0">
+                          <a:solidFill>
+                            <a:schemeClr val="dk1"/>
+                          </a:solidFill>
+                          <a:latin typeface="+mn-lt"/>
+                          <a:ea typeface="+mn-ea"/>
+                          <a:cs typeface="+mn-cs"/>
+                        </a:rPr>
+                        <a:t>From mid-July 2016 until end of the project</a:t>
+                      </a:r>
+                      <a:endParaRPr lang="en-US" sz="1200" kern="1200" dirty="0">
+                        <a:solidFill>
+                          <a:schemeClr val="dk1"/>
+                        </a:solidFill>
+                        <a:latin typeface="+mn-lt"/>
+                        <a:ea typeface="+mn-ea"/>
+                        <a:cs typeface="+mn-cs"/>
+                      </a:endParaRPr>
+                    </a:p>
+                  </a:txBody>
+                  <a:tcPr/>
+                </a:tc>
+                <a:extLst>
+                  <a:ext uri="{0D108BD9-81ED-4DB2-BD59-A6C34878D82A}">
+                    <a16:rowId xmlns:a16="http://schemas.microsoft.com/office/drawing/2014/main" val="2509235077"/>
                   </a:ext>
                 </a:extLst>
               </a:tr>
@@ -10695,12 +10837,12 @@
                         <a:defRPr/>
                       </a:pPr>
                       <a:r>
-                        <a:rPr lang="en-US" sz="1600" dirty="0" smtClean="0"/>
+                        <a:rPr lang="en-US" sz="1200" dirty="0" smtClean="0"/>
                         <a:t>Provide UI reporting capabilities</a:t>
                       </a:r>
                     </a:p>
                     <a:p>
-                      <a:endParaRPr lang="en-US" sz="1600" dirty="0"/>
+                      <a:endParaRPr lang="en-US" sz="1200" dirty="0"/>
                     </a:p>
                   </a:txBody>
                   <a:tcPr/>
@@ -10711,14 +10853,14 @@
                     <a:lstStyle/>
                     <a:p>
                       <a:r>
-                        <a:rPr lang="en-US" sz="1600" dirty="0" smtClean="0"/>
+                        <a:rPr lang="en-US" sz="1200" dirty="0" smtClean="0"/>
                         <a:t>This phase might be not</a:t>
                       </a:r>
                       <a:r>
-                        <a:rPr lang="en-US" sz="1600" baseline="0" dirty="0" smtClean="0"/>
+                        <a:rPr lang="en-US" sz="1200" baseline="0" dirty="0" smtClean="0"/>
                         <a:t> necessary if OGA will use other tools for reporting purposes</a:t>
                       </a:r>
-                      <a:endParaRPr lang="en-US" sz="1600" dirty="0"/>
+                      <a:endParaRPr lang="en-US" sz="1200" dirty="0"/>
                     </a:p>
                   </a:txBody>
                   <a:tcPr/>
@@ -10729,14 +10871,14 @@
                     <a:lstStyle/>
                     <a:p>
                       <a:r>
-                        <a:rPr lang="en-US" sz="1600" dirty="0" smtClean="0"/>
+                        <a:rPr lang="en-US" sz="1200" dirty="0" smtClean="0"/>
                         <a:t>Spring-summer</a:t>
                       </a:r>
                       <a:r>
-                        <a:rPr lang="en-US" sz="1600" baseline="0" dirty="0" smtClean="0"/>
+                        <a:rPr lang="en-US" sz="1200" baseline="0" dirty="0" smtClean="0"/>
                         <a:t> 2017</a:t>
                       </a:r>
-                      <a:endParaRPr lang="en-US" sz="1600" dirty="0"/>
+                      <a:endParaRPr lang="en-US" sz="1200" dirty="0"/>
                     </a:p>
                   </a:txBody>
                   <a:tcPr/>
@@ -12235,6 +12377,15 @@
 </file>
 
 <file path=customXml/item2.xml><?xml version="1.0" encoding="utf-8"?>
+<?mso-contentType ?>
+<FormTemplates xmlns="http://schemas.microsoft.com/sharepoint/v3/contenttype/forms">
+  <Display>DocumentLibraryForm</Display>
+  <Edit>DocumentLibraryForm</Edit>
+  <New>DocumentLibraryForm</New>
+</FormTemplates>
+</file>
+
+<file path=customXml/item3.xml><?xml version="1.0" encoding="utf-8"?>
 <ct:contentTypeSchema xmlns:ct="http://schemas.microsoft.com/office/2006/metadata/contentType" xmlns:ma="http://schemas.microsoft.com/office/2006/metadata/properties/metaAttributes" ct:_="" ma:_="" ma:contentTypeName="Document" ma:contentTypeID="0x010100498B138B6814904BA1F9E4F14E08F74D" ma:contentTypeVersion="0" ma:contentTypeDescription="Create a new document." ma:contentTypeScope="" ma:versionID="20dc333bebcf905b381783348d4cbf88">
   <xsd:schema xmlns:xsd="http://www.w3.org/2001/XMLSchema" xmlns:xs="http://www.w3.org/2001/XMLSchema" xmlns:p="http://schemas.microsoft.com/office/2006/metadata/properties" targetNamespace="http://schemas.microsoft.com/office/2006/metadata/properties" ma:root="true" ma:fieldsID="c64490b4aec6201516c3a874156f37b2">
     <xsd:element name="properties">
@@ -12348,31 +12499,30 @@
 </ct:contentTypeSchema>
 </file>
 
-<file path=customXml/item3.xml><?xml version="1.0" encoding="utf-8"?>
-<?mso-contentType ?>
-<FormTemplates xmlns="http://schemas.microsoft.com/sharepoint/v3/contenttype/forms">
-  <Display>DocumentLibraryForm</Display>
-  <Edit>DocumentLibraryForm</Edit>
-  <New>DocumentLibraryForm</New>
-</FormTemplates>
-</file>
-
 <file path=customXml/itemProps1.xml><?xml version="1.0" encoding="utf-8"?>
 <ds:datastoreItem xmlns:ds="http://schemas.openxmlformats.org/officeDocument/2006/customXml" ds:itemID="{4C535039-3F37-4243-9AAC-908669651B70}">
   <ds:schemaRefs>
     <ds:schemaRef ds:uri="http://purl.org/dc/elements/1.1/"/>
     <ds:schemaRef ds:uri="http://schemas.microsoft.com/office/2006/documentManagement/types"/>
+    <ds:schemaRef ds:uri="http://schemas.microsoft.com/office/infopath/2007/PartnerControls"/>
+    <ds:schemaRef ds:uri="http://schemas.microsoft.com/office/2006/metadata/properties"/>
+    <ds:schemaRef ds:uri="http://schemas.openxmlformats.org/package/2006/metadata/core-properties"/>
     <ds:schemaRef ds:uri="http://www.w3.org/XML/1998/namespace"/>
     <ds:schemaRef ds:uri="http://purl.org/dc/terms/"/>
     <ds:schemaRef ds:uri="http://purl.org/dc/dcmitype/"/>
-    <ds:schemaRef ds:uri="http://schemas.openxmlformats.org/package/2006/metadata/core-properties"/>
-    <ds:schemaRef ds:uri="http://schemas.microsoft.com/office/infopath/2007/PartnerControls"/>
-    <ds:schemaRef ds:uri="http://schemas.microsoft.com/office/2006/metadata/properties"/>
   </ds:schemaRefs>
 </ds:datastoreItem>
 </file>
 
 <file path=customXml/itemProps2.xml><?xml version="1.0" encoding="utf-8"?>
+<ds:datastoreItem xmlns:ds="http://schemas.openxmlformats.org/officeDocument/2006/customXml" ds:itemID="{28E1A144-DA3A-434B-950F-9C912E6989E1}">
+  <ds:schemaRefs>
+    <ds:schemaRef ds:uri="http://schemas.microsoft.com/sharepoint/v3/contenttype/forms"/>
+  </ds:schemaRefs>
+</ds:datastoreItem>
+</file>
+
+<file path=customXml/itemProps3.xml><?xml version="1.0" encoding="utf-8"?>
 <ds:datastoreItem xmlns:ds="http://schemas.openxmlformats.org/officeDocument/2006/customXml" ds:itemID="{8AB24EC2-3234-4ADA-86CC-3B219D00D39D}">
   <ds:schemaRefs>
     <ds:schemaRef ds:uri="http://schemas.microsoft.com/office/2006/metadata/contentType"/>
@@ -12386,12 +12536,4 @@
     <ds:schemaRef ds:uri="http://schemas.microsoft.com/office/infopath/2007/PartnerControls"/>
   </ds:schemaRefs>
 </ds:datastoreItem>
-</file>
-
-<file path=customXml/itemProps3.xml><?xml version="1.0" encoding="utf-8"?>
-<ds:datastoreItem xmlns:ds="http://schemas.openxmlformats.org/officeDocument/2006/customXml" ds:itemID="{28E1A144-DA3A-434B-950F-9C912E6989E1}">
-  <ds:schemaRefs>
-    <ds:schemaRef ds:uri="http://schemas.microsoft.com/sharepoint/v3/contenttype/forms"/>
-  </ds:schemaRefs>
-</ds:datastoreItem>
 </file>
--- a/Requirements/Presentations/GreenSheets OGA presentation_version 1.pptx
+++ b/Requirements/Presentations/GreenSheets OGA presentation_version 1.pptx
@@ -356,7 +356,7 @@
               <a:pPr>
                 <a:defRPr/>
               </a:pPr>
-              <a:t>6/13/2016</a:t>
+              <a:t>6/14/2016</a:t>
             </a:fld>
             <a:endParaRPr lang="en-US" dirty="0"/>
           </a:p>
@@ -1540,7 +1540,7 @@
               <a:pPr>
                 <a:defRPr/>
               </a:pPr>
-              <a:t>June 13, 2016</a:t>
+              <a:t>June 14, 2016</a:t>
             </a:fld>
             <a:endParaRPr lang="en-US" dirty="0"/>
           </a:p>
@@ -4122,7 +4122,7 @@
           <a:p>
             <a:fld id="{9E23832F-A033-A54E-AB4C-FBC3D83AD4AA}" type="datetimeFigureOut">
               <a:rPr lang="en-US" smtClean="0"/>
-              <a:t>6/13/2016</a:t>
+              <a:t>6/14/2016</a:t>
             </a:fld>
             <a:endParaRPr lang="en-US"/>
           </a:p>
@@ -4292,7 +4292,7 @@
           <a:p>
             <a:fld id="{9E23832F-A033-A54E-AB4C-FBC3D83AD4AA}" type="datetimeFigureOut">
               <a:rPr lang="en-US" smtClean="0"/>
-              <a:t>6/13/2016</a:t>
+              <a:t>6/14/2016</a:t>
             </a:fld>
             <a:endParaRPr lang="en-US"/>
           </a:p>
@@ -8265,7 +8265,7 @@
               </a14:hiddenLine>
             </a:ext>
             <a:ext uri="{FAA26D3D-D897-4be2-8F04-BA451C77F1D7}">
-              <ma14:placeholderFlag xmlns:ma14="http://schemas.microsoft.com/office/mac/drawingml/2011/main" xmlns="" val="1"/>
+              <ma14:placeholderFlag xmlns="" xmlns:ma14="http://schemas.microsoft.com/office/mac/drawingml/2011/main" val="1"/>
             </a:ext>
           </a:extLst>
         </p:spPr>
@@ -8328,7 +8328,7 @@
               </a14:hiddenLine>
             </a:ext>
             <a:ext uri="{FAA26D3D-D897-4be2-8F04-BA451C77F1D7}">
-              <ma14:placeholderFlag xmlns:ma14="http://schemas.microsoft.com/office/mac/drawingml/2011/main" xmlns="" val="1"/>
+              <ma14:placeholderFlag xmlns="" xmlns:ma14="http://schemas.microsoft.com/office/mac/drawingml/2011/main" val="1"/>
             </a:ext>
           </a:extLst>
         </p:spPr>
@@ -8422,7 +8422,7 @@
             </a:pPr>
             <a:fld id="{63A80243-55C2-1C49-BA61-21AC8F55AA45}" type="datetime4">
               <a:rPr lang="en-US" smtClean="0"/>
-              <a:t>June 13, 2016</a:t>
+              <a:t>June 14, 2016</a:t>
             </a:fld>
             <a:endParaRPr lang="en-US" dirty="0"/>
           </a:p>
@@ -9332,11 +9332,7 @@
             <a:pPr lvl="1"/>
             <a:r>
               <a:rPr lang="en-US" sz="1050" dirty="0" smtClean="0"/>
-              <a:t>Gerald </a:t>
-            </a:r>
-            <a:r>
-              <a:rPr lang="en-US" sz="1050" dirty="0" smtClean="0"/>
-              <a:t>Momplaisir, </a:t>
+              <a:t>Gerald Momplaisir, </a:t>
             </a:r>
             <a:r>
               <a:rPr lang="en-US" sz="1050" i="1" dirty="0" smtClean="0"/>
@@ -9380,11 +9376,7 @@
             <a:pPr lvl="1"/>
             <a:r>
               <a:rPr lang="en-US" sz="1050" dirty="0" smtClean="0"/>
-              <a:t>David </a:t>
-            </a:r>
-            <a:r>
-              <a:rPr lang="en-US" sz="1050" dirty="0" smtClean="0"/>
-              <a:t>Chang, </a:t>
+              <a:t>David Chang, </a:t>
             </a:r>
             <a:r>
               <a:rPr lang="en-US" sz="1050" i="1" dirty="0" smtClean="0"/>
@@ -9946,11 +9938,7 @@
             <a:pPr lvl="2"/>
             <a:r>
               <a:rPr lang="en-US" sz="1200" dirty="0" smtClean="0"/>
-              <a:t>Attachments issue (</a:t>
-            </a:r>
-            <a:r>
-              <a:rPr lang="en-US" sz="1200" dirty="0" smtClean="0"/>
-              <a:t>new)</a:t>
+              <a:t>Attachments issue (new)</a:t>
             </a:r>
             <a:endParaRPr lang="en-US" sz="1200" dirty="0"/>
           </a:p>
@@ -10096,15 +10084,7 @@
             </a:r>
             <a:r>
               <a:rPr lang="en-US" sz="1200" dirty="0"/>
-              <a:t>e.g. </a:t>
-            </a:r>
-            <a:r>
-              <a:rPr lang="en-US" sz="1200" dirty="0"/>
-              <a:t>add a link to policy for each or some </a:t>
-            </a:r>
-            <a:r>
-              <a:rPr lang="en-US" sz="1200" dirty="0"/>
-              <a:t>questions</a:t>
+              <a:t>e.g. add a link to policy for each or some questions</a:t>
             </a:r>
             <a:r>
               <a:rPr lang="en-US" dirty="0" smtClean="0">
@@ -10147,15 +10127,7 @@
                   <a:srgbClr val="0070C0"/>
                 </a:solidFill>
               </a:rPr>
-              <a:t>New </a:t>
-            </a:r>
-            <a:r>
-              <a:rPr lang="en-US" u="sng" dirty="0" smtClean="0">
-                <a:solidFill>
-                  <a:srgbClr val="0070C0"/>
-                </a:solidFill>
-              </a:rPr>
-              <a:t>(proposed):</a:t>
+              <a:t>New (proposed):</a:t>
             </a:r>
             <a:endParaRPr lang="en-US" u="sng" dirty="0">
               <a:solidFill>
@@ -10176,8 +10148,13 @@
             </a:pPr>
             <a:r>
               <a:rPr lang="en-US" dirty="0"/>
-              <a:t>Address needs with revised awards and supplements</a:t>
-            </a:r>
+              <a:t>Address needs with revised awards and </a:t>
+            </a:r>
+            <a:r>
+              <a:rPr lang="en-US" dirty="0" smtClean="0"/>
+              <a:t>work in progress supplements</a:t>
+            </a:r>
+            <a:endParaRPr lang="en-US" dirty="0"/>
           </a:p>
           <a:p>
             <a:pPr marL="400050" lvl="4" indent="-171450" fontAlgn="auto">
@@ -10192,11 +10169,7 @@
             </a:pPr>
             <a:r>
               <a:rPr lang="en-US" dirty="0" smtClean="0"/>
-              <a:t>Form Builder integration</a:t>
-            </a:r>
-            <a:r>
-              <a:rPr lang="en-US" dirty="0" smtClean="0"/>
-              <a:t> </a:t>
+              <a:t>Form Builder integration </a:t>
             </a:r>
             <a:r>
               <a:rPr lang="en-US" dirty="0"/>
@@ -10216,7 +10189,11 @@
             </a:r>
             <a:r>
               <a:rPr lang="en-US" sz="1200" dirty="0" smtClean="0"/>
-              <a:t>of FB</a:t>
+              <a:t>of </a:t>
+            </a:r>
+            <a:r>
+              <a:rPr lang="en-US" sz="1200" dirty="0" smtClean="0"/>
+              <a:t>FB, providing test environment for OGA</a:t>
             </a:r>
             <a:r>
               <a:rPr lang="en-US" dirty="0" smtClean="0"/>
@@ -10348,14 +10325,14 @@
           <p:nvPr>
             <p:extLst>
               <p:ext uri="{D42A27DB-BD31-4B8C-83A1-F6EECF244321}">
-                <p14:modId xmlns:p14="http://schemas.microsoft.com/office/powerpoint/2010/main" val="3027884175"/>
+                <p14:modId xmlns:p14="http://schemas.microsoft.com/office/powerpoint/2010/main" val="1336057420"/>
               </p:ext>
             </p:extLst>
           </p:nvPr>
         </p:nvGraphicFramePr>
         <p:xfrm>
           <a:off x="762000" y="990601"/>
-          <a:ext cx="7772400" cy="5137985"/>
+          <a:ext cx="7772400" cy="5198945"/>
         </p:xfrm>
         <a:graphic>
           <a:graphicData uri="http://schemas.openxmlformats.org/drawingml/2006/table">
@@ -10649,18 +10626,7 @@
                           <a:ea typeface="+mn-ea"/>
                           <a:cs typeface="+mn-cs"/>
                         </a:rPr>
-                        <a:t>Examples: address needs with revised awards and supplements; add </a:t>
-                      </a:r>
-                      <a:r>
-                        <a:rPr lang="en-US" sz="1200" kern="1200" dirty="0" smtClean="0">
-                          <a:solidFill>
-                            <a:schemeClr val="dk1"/>
-                          </a:solidFill>
-                          <a:latin typeface="+mn-lt"/>
-                          <a:ea typeface="+mn-ea"/>
-                          <a:cs typeface="+mn-cs"/>
-                        </a:rPr>
-                        <a:t>a link to policy for each or some questions.</a:t>
+                        <a:t>Examples: address needs with revised awards and supplements; add a link to policy for each or some questions.</a:t>
                       </a:r>
                       <a:endParaRPr lang="en-US" sz="1200" kern="1200" dirty="0">
                         <a:solidFill>
@@ -10748,7 +10714,11 @@
                       </a:r>
                       <a:r>
                         <a:rPr lang="en-US" sz="1200" dirty="0" smtClean="0"/>
-                        <a:t> breaking up modules into smaller parts and deploying separately, using additional capabilities of FB</a:t>
+                        <a:t> breaking up modules into smaller parts and deploying separately, using additional capabilities of </a:t>
+                      </a:r>
+                      <a:r>
+                        <a:rPr lang="en-US" sz="1200" dirty="0" smtClean="0"/>
+                        <a:t>FB, providing test environment for OGA</a:t>
                       </a:r>
                       <a:endParaRPr lang="en-US" sz="1200" kern="1200" dirty="0">
                         <a:solidFill>
@@ -12377,15 +12347,6 @@
 </file>
 
 <file path=customXml/item2.xml><?xml version="1.0" encoding="utf-8"?>
-<?mso-contentType ?>
-<FormTemplates xmlns="http://schemas.microsoft.com/sharepoint/v3/contenttype/forms">
-  <Display>DocumentLibraryForm</Display>
-  <Edit>DocumentLibraryForm</Edit>
-  <New>DocumentLibraryForm</New>
-</FormTemplates>
-</file>
-
-<file path=customXml/item3.xml><?xml version="1.0" encoding="utf-8"?>
 <ct:contentTypeSchema xmlns:ct="http://schemas.microsoft.com/office/2006/metadata/contentType" xmlns:ma="http://schemas.microsoft.com/office/2006/metadata/properties/metaAttributes" ct:_="" ma:_="" ma:contentTypeName="Document" ma:contentTypeID="0x010100498B138B6814904BA1F9E4F14E08F74D" ma:contentTypeVersion="0" ma:contentTypeDescription="Create a new document." ma:contentTypeScope="" ma:versionID="20dc333bebcf905b381783348d4cbf88">
   <xsd:schema xmlns:xsd="http://www.w3.org/2001/XMLSchema" xmlns:xs="http://www.w3.org/2001/XMLSchema" xmlns:p="http://schemas.microsoft.com/office/2006/metadata/properties" targetNamespace="http://schemas.microsoft.com/office/2006/metadata/properties" ma:root="true" ma:fieldsID="c64490b4aec6201516c3a874156f37b2">
     <xsd:element name="properties">
@@ -12499,6 +12460,15 @@
 </ct:contentTypeSchema>
 </file>
 
+<file path=customXml/item3.xml><?xml version="1.0" encoding="utf-8"?>
+<?mso-contentType ?>
+<FormTemplates xmlns="http://schemas.microsoft.com/sharepoint/v3/contenttype/forms">
+  <Display>DocumentLibraryForm</Display>
+  <Edit>DocumentLibraryForm</Edit>
+  <New>DocumentLibraryForm</New>
+</FormTemplates>
+</file>
+
 <file path=customXml/itemProps1.xml><?xml version="1.0" encoding="utf-8"?>
 <ds:datastoreItem xmlns:ds="http://schemas.openxmlformats.org/officeDocument/2006/customXml" ds:itemID="{4C535039-3F37-4243-9AAC-908669651B70}">
   <ds:schemaRefs>
@@ -12515,14 +12485,6 @@
 </file>
 
 <file path=customXml/itemProps2.xml><?xml version="1.0" encoding="utf-8"?>
-<ds:datastoreItem xmlns:ds="http://schemas.openxmlformats.org/officeDocument/2006/customXml" ds:itemID="{28E1A144-DA3A-434B-950F-9C912E6989E1}">
-  <ds:schemaRefs>
-    <ds:schemaRef ds:uri="http://schemas.microsoft.com/sharepoint/v3/contenttype/forms"/>
-  </ds:schemaRefs>
-</ds:datastoreItem>
-</file>
-
-<file path=customXml/itemProps3.xml><?xml version="1.0" encoding="utf-8"?>
 <ds:datastoreItem xmlns:ds="http://schemas.openxmlformats.org/officeDocument/2006/customXml" ds:itemID="{8AB24EC2-3234-4ADA-86CC-3B219D00D39D}">
   <ds:schemaRefs>
     <ds:schemaRef ds:uri="http://schemas.microsoft.com/office/2006/metadata/contentType"/>
@@ -12536,4 +12498,12 @@
     <ds:schemaRef ds:uri="http://schemas.microsoft.com/office/infopath/2007/PartnerControls"/>
   </ds:schemaRefs>
 </ds:datastoreItem>
+</file>
+
+<file path=customXml/itemProps3.xml><?xml version="1.0" encoding="utf-8"?>
+<ds:datastoreItem xmlns:ds="http://schemas.openxmlformats.org/officeDocument/2006/customXml" ds:itemID="{28E1A144-DA3A-434B-950F-9C912E6989E1}">
+  <ds:schemaRefs>
+    <ds:schemaRef ds:uri="http://schemas.microsoft.com/sharepoint/v3/contenttype/forms"/>
+  </ds:schemaRefs>
+</ds:datastoreItem>
 </file>
--- a/Requirements/Presentations/GreenSheets OGA presentation_version 1.pptx
+++ b/Requirements/Presentations/GreenSheets OGA presentation_version 1.pptx
@@ -8265,7 +8265,7 @@
               </a14:hiddenLine>
             </a:ext>
             <a:ext uri="{FAA26D3D-D897-4be2-8F04-BA451C77F1D7}">
-              <ma14:placeholderFlag xmlns="" xmlns:ma14="http://schemas.microsoft.com/office/mac/drawingml/2011/main" val="1"/>
+              <ma14:placeholderFlag xmlns:ma14="http://schemas.microsoft.com/office/mac/drawingml/2011/main" xmlns="" val="1"/>
             </a:ext>
           </a:extLst>
         </p:spPr>
@@ -8328,7 +8328,7 @@
               </a14:hiddenLine>
             </a:ext>
             <a:ext uri="{FAA26D3D-D897-4be2-8F04-BA451C77F1D7}">
-              <ma14:placeholderFlag xmlns="" xmlns:ma14="http://schemas.microsoft.com/office/mac/drawingml/2011/main" val="1"/>
+              <ma14:placeholderFlag xmlns:ma14="http://schemas.microsoft.com/office/mac/drawingml/2011/main" xmlns="" val="1"/>
             </a:ext>
           </a:extLst>
         </p:spPr>
@@ -9246,39 +9246,29 @@
             </a:r>
             <a:r>
               <a:rPr lang="en-US" sz="1150" dirty="0" smtClean="0"/>
-              <a:t>Wolfrey, </a:t>
-            </a:r>
-            <a:r>
-              <a:rPr lang="en-US" sz="1150" i="1" dirty="0" smtClean="0"/>
-              <a:t>(OGA Chief)</a:t>
+              <a:t>Wolfrey</a:t>
+            </a:r>
+            <a:r>
+              <a:rPr lang="en-US" sz="1150" dirty="0" smtClean="0"/>
+              <a:t>, </a:t>
+            </a:r>
+            <a:r>
+              <a:rPr lang="en-US" sz="1200" dirty="0"/>
+              <a:t>Stacey </a:t>
+            </a:r>
+            <a:r>
+              <a:rPr lang="en-US" sz="1200" dirty="0" smtClean="0"/>
+              <a:t>Kocher, </a:t>
+            </a:r>
+            <a:r>
+              <a:rPr lang="en-US" sz="1200" dirty="0" err="1" smtClean="0"/>
+              <a:t>Uzma</a:t>
+            </a:r>
+            <a:r>
+              <a:rPr lang="en-US" sz="1200" dirty="0" smtClean="0"/>
+              <a:t> Cheema</a:t>
             </a:r>
             <a:endParaRPr lang="en-US" sz="1150" i="1" dirty="0"/>
-          </a:p>
-          <a:p>
-            <a:pPr lvl="1"/>
-            <a:r>
-              <a:rPr lang="en-US" sz="1300" b="1" dirty="0" smtClean="0"/>
-              <a:t>Business Stakeholder: </a:t>
-            </a:r>
-            <a:r>
-              <a:rPr lang="en-US" sz="1050" dirty="0"/>
-              <a:t>Stacey Kocher</a:t>
-            </a:r>
-          </a:p>
-          <a:p>
-            <a:pPr lvl="1"/>
-            <a:r>
-              <a:rPr lang="en-US" sz="1300" b="1" dirty="0" smtClean="0"/>
-              <a:t>Subject </a:t>
-            </a:r>
-            <a:r>
-              <a:rPr lang="en-US" sz="1300" b="1" dirty="0"/>
-              <a:t>Matter Expert: </a:t>
-            </a:r>
-            <a:r>
-              <a:rPr lang="en-US" sz="1050" dirty="0" smtClean="0"/>
-              <a:t>Eugenia Chester</a:t>
-            </a:r>
           </a:p>
           <a:p>
             <a:pPr lvl="1"/>
@@ -10189,11 +10179,7 @@
             </a:r>
             <a:r>
               <a:rPr lang="en-US" sz="1200" dirty="0" smtClean="0"/>
-              <a:t>of </a:t>
-            </a:r>
-            <a:r>
-              <a:rPr lang="en-US" sz="1200" dirty="0" smtClean="0"/>
-              <a:t>FB, providing test environment for OGA</a:t>
+              <a:t>of FB, providing test environment for OGA</a:t>
             </a:r>
             <a:r>
               <a:rPr lang="en-US" dirty="0" smtClean="0"/>
@@ -10714,11 +10700,7 @@
                       </a:r>
                       <a:r>
                         <a:rPr lang="en-US" sz="1200" dirty="0" smtClean="0"/>
-                        <a:t> breaking up modules into smaller parts and deploying separately, using additional capabilities of </a:t>
-                      </a:r>
-                      <a:r>
-                        <a:rPr lang="en-US" sz="1200" dirty="0" smtClean="0"/>
-                        <a:t>FB, providing test environment for OGA</a:t>
+                        <a:t> breaking up modules into smaller parts and deploying separately, using additional capabilities of FB, providing test environment for OGA</a:t>
                       </a:r>
                       <a:endParaRPr lang="en-US" sz="1200" kern="1200" dirty="0">
                         <a:solidFill>
@@ -12347,6 +12329,15 @@
 </file>
 
 <file path=customXml/item2.xml><?xml version="1.0" encoding="utf-8"?>
+<?mso-contentType ?>
+<FormTemplates xmlns="http://schemas.microsoft.com/sharepoint/v3/contenttype/forms">
+  <Display>DocumentLibraryForm</Display>
+  <Edit>DocumentLibraryForm</Edit>
+  <New>DocumentLibraryForm</New>
+</FormTemplates>
+</file>
+
+<file path=customXml/item3.xml><?xml version="1.0" encoding="utf-8"?>
 <ct:contentTypeSchema xmlns:ct="http://schemas.microsoft.com/office/2006/metadata/contentType" xmlns:ma="http://schemas.microsoft.com/office/2006/metadata/properties/metaAttributes" ct:_="" ma:_="" ma:contentTypeName="Document" ma:contentTypeID="0x010100498B138B6814904BA1F9E4F14E08F74D" ma:contentTypeVersion="0" ma:contentTypeDescription="Create a new document." ma:contentTypeScope="" ma:versionID="20dc333bebcf905b381783348d4cbf88">
   <xsd:schema xmlns:xsd="http://www.w3.org/2001/XMLSchema" xmlns:xs="http://www.w3.org/2001/XMLSchema" xmlns:p="http://schemas.microsoft.com/office/2006/metadata/properties" targetNamespace="http://schemas.microsoft.com/office/2006/metadata/properties" ma:root="true" ma:fieldsID="c64490b4aec6201516c3a874156f37b2">
     <xsd:element name="properties">
@@ -12460,15 +12451,6 @@
 </ct:contentTypeSchema>
 </file>
 
-<file path=customXml/item3.xml><?xml version="1.0" encoding="utf-8"?>
-<?mso-contentType ?>
-<FormTemplates xmlns="http://schemas.microsoft.com/sharepoint/v3/contenttype/forms">
-  <Display>DocumentLibraryForm</Display>
-  <Edit>DocumentLibraryForm</Edit>
-  <New>DocumentLibraryForm</New>
-</FormTemplates>
-</file>
-
 <file path=customXml/itemProps1.xml><?xml version="1.0" encoding="utf-8"?>
 <ds:datastoreItem xmlns:ds="http://schemas.openxmlformats.org/officeDocument/2006/customXml" ds:itemID="{4C535039-3F37-4243-9AAC-908669651B70}">
   <ds:schemaRefs>
@@ -12485,6 +12467,14 @@
 </file>
 
 <file path=customXml/itemProps2.xml><?xml version="1.0" encoding="utf-8"?>
+<ds:datastoreItem xmlns:ds="http://schemas.openxmlformats.org/officeDocument/2006/customXml" ds:itemID="{28E1A144-DA3A-434B-950F-9C912E6989E1}">
+  <ds:schemaRefs>
+    <ds:schemaRef ds:uri="http://schemas.microsoft.com/sharepoint/v3/contenttype/forms"/>
+  </ds:schemaRefs>
+</ds:datastoreItem>
+</file>
+
+<file path=customXml/itemProps3.xml><?xml version="1.0" encoding="utf-8"?>
 <ds:datastoreItem xmlns:ds="http://schemas.openxmlformats.org/officeDocument/2006/customXml" ds:itemID="{8AB24EC2-3234-4ADA-86CC-3B219D00D39D}">
   <ds:schemaRefs>
     <ds:schemaRef ds:uri="http://schemas.microsoft.com/office/2006/metadata/contentType"/>
@@ -12498,12 +12488,4 @@
     <ds:schemaRef ds:uri="http://schemas.microsoft.com/office/infopath/2007/PartnerControls"/>
   </ds:schemaRefs>
 </ds:datastoreItem>
-</file>
-
-<file path=customXml/itemProps3.xml><?xml version="1.0" encoding="utf-8"?>
-<ds:datastoreItem xmlns:ds="http://schemas.openxmlformats.org/officeDocument/2006/customXml" ds:itemID="{28E1A144-DA3A-434B-950F-9C912E6989E1}">
-  <ds:schemaRefs>
-    <ds:schemaRef ds:uri="http://schemas.microsoft.com/sharepoint/v3/contenttype/forms"/>
-  </ds:schemaRefs>
-</ds:datastoreItem>
 </file>